--- a/Projecthon-Team1-Oct23/Documents/Open Land Agriculture Monitoring System.pptx
+++ b/Projecthon-Team1-Oct23/Documents/Open Land Agriculture Monitoring System.pptx
@@ -1,33 +1,40 @@
 
 <file path=ppt/presentation.xml><?xml version="1.0" encoding="utf-8"?>
-<p:presentation xmlns:a="http://schemas.openxmlformats.org/drawingml/2006/main" xmlns:r="http://schemas.openxmlformats.org/officeDocument/2006/relationships" xmlns:mc="http://schemas.openxmlformats.org/markup-compatibility/2006" xmlns:mv="urn:schemas-microsoft-com:mac:vml" xmlns:p="http://schemas.openxmlformats.org/presentationml/2006/main" xmlns:c="http://schemas.openxmlformats.org/drawingml/2006/chart" xmlns:dgm="http://schemas.openxmlformats.org/drawingml/2006/diagram" xmlns:o="urn:schemas-microsoft-com:office:office" xmlns:v="urn:schemas-microsoft-com:vml" xmlns:pvml="urn:schemas-microsoft-com:office:powerpoint" xmlns:com="http://schemas.openxmlformats.org/drawingml/2006/compatibility" xmlns:p14="http://schemas.microsoft.com/office/powerpoint/2010/main" xmlns:p15="http://schemas.microsoft.com/office/powerpoint/2012/main" xmlns:ahyp="http://schemas.microsoft.com/office/drawing/2018/hyperlinkcolor" autoCompressPictures="0" embedTrueTypeFonts="1" strictFirstAndLastChars="0" saveSubsetFonts="1">
+<p:presentation xmlns:a="http://schemas.openxmlformats.org/drawingml/2006/main" xmlns:r="http://schemas.openxmlformats.org/officeDocument/2006/relationships" xmlns:p="http://schemas.openxmlformats.org/presentationml/2006/main" strictFirstAndLastChars="0" embedTrueTypeFonts="1" saveSubsetFonts="1" autoCompressPictures="0">
   <p:sldMasterIdLst>
-    <p:sldMasterId id="2147483659" r:id="rId5"/>
+    <p:sldMasterId id="2147483659" r:id="rId1"/>
   </p:sldMasterIdLst>
   <p:notesMasterIdLst>
-    <p:notesMasterId r:id="rId6"/>
+    <p:notesMasterId r:id="rId16"/>
   </p:notesMasterIdLst>
   <p:sldIdLst>
-    <p:sldId id="256" r:id="rId7"/>
-    <p:sldId id="257" r:id="rId8"/>
-    <p:sldId id="258" r:id="rId9"/>
-    <p:sldId id="259" r:id="rId10"/>
-    <p:sldId id="260" r:id="rId11"/>
-    <p:sldId id="261" r:id="rId12"/>
-    <p:sldId id="262" r:id="rId13"/>
-    <p:sldId id="263" r:id="rId14"/>
-    <p:sldId id="264" r:id="rId15"/>
-    <p:sldId id="265" r:id="rId16"/>
-    <p:sldId id="266" r:id="rId17"/>
-    <p:sldId id="267" r:id="rId18"/>
-    <p:sldId id="268" r:id="rId19"/>
-    <p:sldId id="269" r:id="rId20"/>
+    <p:sldId id="256" r:id="rId2"/>
+    <p:sldId id="257" r:id="rId3"/>
+    <p:sldId id="258" r:id="rId4"/>
+    <p:sldId id="259" r:id="rId5"/>
+    <p:sldId id="260" r:id="rId6"/>
+    <p:sldId id="261" r:id="rId7"/>
+    <p:sldId id="262" r:id="rId8"/>
+    <p:sldId id="263" r:id="rId9"/>
+    <p:sldId id="264" r:id="rId10"/>
+    <p:sldId id="265" r:id="rId11"/>
+    <p:sldId id="266" r:id="rId12"/>
+    <p:sldId id="267" r:id="rId13"/>
+    <p:sldId id="268" r:id="rId14"/>
+    <p:sldId id="269" r:id="rId15"/>
   </p:sldIdLst>
-  <p:sldSz cy="5143500" cx="9144000"/>
+  <p:sldSz cx="9144000" cy="5143500" type="screen16x9"/>
   <p:notesSz cx="6858000" cy="9144000"/>
   <p:embeddedFontLst>
     <p:embeddedFont>
-      <p:font typeface="Roboto"/>
+      <p:font typeface="Calibri" panose="020F0502020204030204" pitchFamily="34" charset="0"/>
+      <p:regular r:id="rId17"/>
+      <p:bold r:id="rId18"/>
+      <p:italic r:id="rId19"/>
+      <p:boldItalic r:id="rId20"/>
+    </p:embeddedFont>
+    <p:embeddedFont>
+      <p:font typeface="Roboto" panose="02000000000000000000" pitchFamily="2" charset="0"/>
       <p:regular r:id="rId21"/>
       <p:bold r:id="rId22"/>
       <p:italic r:id="rId23"/>
@@ -35,7 +42,7 @@
     </p:embeddedFont>
   </p:embeddedFontLst>
   <p:defaultTextStyle>
-    <a:defPPr lvl="0" marR="0" rtl="0" algn="l">
+    <a:defPPr marR="0" lvl="0" algn="l" rtl="0">
       <a:lnSpc>
         <a:spcPct val="100000"/>
       </a:lnSpc>
@@ -46,7 +53,7 @@
         <a:spcPts val="0"/>
       </a:spcAft>
     </a:defPPr>
-    <a:lvl1pPr lvl="0" marR="0" rtl="0" algn="l">
+    <a:lvl1pPr marR="0" lvl="0" algn="l" rtl="0">
       <a:lnSpc>
         <a:spcPct val="100000"/>
       </a:lnSpc>
@@ -60,7 +67,7 @@
         <a:srgbClr val="000000"/>
       </a:buClr>
       <a:buFont typeface="Arial"/>
-      <a:defRPr b="0" i="0" sz="1400" u="none" cap="none" strike="noStrike">
+      <a:defRPr sz="1400" b="0" i="0" u="none" strike="noStrike" cap="none">
         <a:solidFill>
           <a:srgbClr val="000000"/>
         </a:solidFill>
@@ -70,7 +77,7 @@
         <a:sym typeface="Arial"/>
       </a:defRPr>
     </a:lvl1pPr>
-    <a:lvl2pPr lvl="1" marR="0" rtl="0" algn="l">
+    <a:lvl2pPr marR="0" lvl="1" algn="l" rtl="0">
       <a:lnSpc>
         <a:spcPct val="100000"/>
       </a:lnSpc>
@@ -84,7 +91,7 @@
         <a:srgbClr val="000000"/>
       </a:buClr>
       <a:buFont typeface="Arial"/>
-      <a:defRPr b="0" i="0" sz="1400" u="none" cap="none" strike="noStrike">
+      <a:defRPr sz="1400" b="0" i="0" u="none" strike="noStrike" cap="none">
         <a:solidFill>
           <a:srgbClr val="000000"/>
         </a:solidFill>
@@ -94,7 +101,7 @@
         <a:sym typeface="Arial"/>
       </a:defRPr>
     </a:lvl2pPr>
-    <a:lvl3pPr lvl="2" marR="0" rtl="0" algn="l">
+    <a:lvl3pPr marR="0" lvl="2" algn="l" rtl="0">
       <a:lnSpc>
         <a:spcPct val="100000"/>
       </a:lnSpc>
@@ -108,7 +115,7 @@
         <a:srgbClr val="000000"/>
       </a:buClr>
       <a:buFont typeface="Arial"/>
-      <a:defRPr b="0" i="0" sz="1400" u="none" cap="none" strike="noStrike">
+      <a:defRPr sz="1400" b="0" i="0" u="none" strike="noStrike" cap="none">
         <a:solidFill>
           <a:srgbClr val="000000"/>
         </a:solidFill>
@@ -118,7 +125,7 @@
         <a:sym typeface="Arial"/>
       </a:defRPr>
     </a:lvl3pPr>
-    <a:lvl4pPr lvl="3" marR="0" rtl="0" algn="l">
+    <a:lvl4pPr marR="0" lvl="3" algn="l" rtl="0">
       <a:lnSpc>
         <a:spcPct val="100000"/>
       </a:lnSpc>
@@ -132,7 +139,7 @@
         <a:srgbClr val="000000"/>
       </a:buClr>
       <a:buFont typeface="Arial"/>
-      <a:defRPr b="0" i="0" sz="1400" u="none" cap="none" strike="noStrike">
+      <a:defRPr sz="1400" b="0" i="0" u="none" strike="noStrike" cap="none">
         <a:solidFill>
           <a:srgbClr val="000000"/>
         </a:solidFill>
@@ -142,7 +149,7 @@
         <a:sym typeface="Arial"/>
       </a:defRPr>
     </a:lvl4pPr>
-    <a:lvl5pPr lvl="4" marR="0" rtl="0" algn="l">
+    <a:lvl5pPr marR="0" lvl="4" algn="l" rtl="0">
       <a:lnSpc>
         <a:spcPct val="100000"/>
       </a:lnSpc>
@@ -156,7 +163,7 @@
         <a:srgbClr val="000000"/>
       </a:buClr>
       <a:buFont typeface="Arial"/>
-      <a:defRPr b="0" i="0" sz="1400" u="none" cap="none" strike="noStrike">
+      <a:defRPr sz="1400" b="0" i="0" u="none" strike="noStrike" cap="none">
         <a:solidFill>
           <a:srgbClr val="000000"/>
         </a:solidFill>
@@ -166,7 +173,7 @@
         <a:sym typeface="Arial"/>
       </a:defRPr>
     </a:lvl5pPr>
-    <a:lvl6pPr lvl="5" marR="0" rtl="0" algn="l">
+    <a:lvl6pPr marR="0" lvl="5" algn="l" rtl="0">
       <a:lnSpc>
         <a:spcPct val="100000"/>
       </a:lnSpc>
@@ -180,7 +187,7 @@
         <a:srgbClr val="000000"/>
       </a:buClr>
       <a:buFont typeface="Arial"/>
-      <a:defRPr b="0" i="0" sz="1400" u="none" cap="none" strike="noStrike">
+      <a:defRPr sz="1400" b="0" i="0" u="none" strike="noStrike" cap="none">
         <a:solidFill>
           <a:srgbClr val="000000"/>
         </a:solidFill>
@@ -190,7 +197,7 @@
         <a:sym typeface="Arial"/>
       </a:defRPr>
     </a:lvl6pPr>
-    <a:lvl7pPr lvl="6" marR="0" rtl="0" algn="l">
+    <a:lvl7pPr marR="0" lvl="6" algn="l" rtl="0">
       <a:lnSpc>
         <a:spcPct val="100000"/>
       </a:lnSpc>
@@ -204,7 +211,7 @@
         <a:srgbClr val="000000"/>
       </a:buClr>
       <a:buFont typeface="Arial"/>
-      <a:defRPr b="0" i="0" sz="1400" u="none" cap="none" strike="noStrike">
+      <a:defRPr sz="1400" b="0" i="0" u="none" strike="noStrike" cap="none">
         <a:solidFill>
           <a:srgbClr val="000000"/>
         </a:solidFill>
@@ -214,7 +221,7 @@
         <a:sym typeface="Arial"/>
       </a:defRPr>
     </a:lvl7pPr>
-    <a:lvl8pPr lvl="7" marR="0" rtl="0" algn="l">
+    <a:lvl8pPr marR="0" lvl="7" algn="l" rtl="0">
       <a:lnSpc>
         <a:spcPct val="100000"/>
       </a:lnSpc>
@@ -228,7 +235,7 @@
         <a:srgbClr val="000000"/>
       </a:buClr>
       <a:buFont typeface="Arial"/>
-      <a:defRPr b="0" i="0" sz="1400" u="none" cap="none" strike="noStrike">
+      <a:defRPr sz="1400" b="0" i="0" u="none" strike="noStrike" cap="none">
         <a:solidFill>
           <a:srgbClr val="000000"/>
         </a:solidFill>
@@ -238,7 +245,7 @@
         <a:sym typeface="Arial"/>
       </a:defRPr>
     </a:lvl8pPr>
-    <a:lvl9pPr lvl="8" marR="0" rtl="0" algn="l">
+    <a:lvl9pPr marR="0" lvl="8" algn="l" rtl="0">
       <a:lnSpc>
         <a:spcPct val="100000"/>
       </a:lnSpc>
@@ -252,7 +259,7 @@
         <a:srgbClr val="000000"/>
       </a:buClr>
       <a:buFont typeface="Arial"/>
-      <a:defRPr b="0" i="0" sz="1400" u="none" cap="none" strike="noStrike">
+      <a:defRPr sz="1400" b="0" i="0" u="none" strike="noStrike" cap="none">
         <a:solidFill>
           <a:srgbClr val="000000"/>
         </a:solidFill>
@@ -265,7 +272,7 @@
   </p:defaultTextStyle>
   <p:extLst>
     <p:ext uri="{EFAFB233-063F-42B5-8137-9DF3F51BA10A}">
-      <p15:sldGuideLst>
+      <p15:sldGuideLst xmlns:p15="http://schemas.microsoft.com/office/powerpoint/2012/main">
         <p15:guide id="1" orient="horz" pos="1620">
           <p15:clr>
             <a:srgbClr val="747775"/>
@@ -283,11 +290,16 @@
 </file>
 
 <file path=ppt/notesMasters/notesMaster1.xml><?xml version="1.0" encoding="utf-8"?>
-<p:notesMaster xmlns:a="http://schemas.openxmlformats.org/drawingml/2006/main" xmlns:r="http://schemas.openxmlformats.org/officeDocument/2006/relationships" xmlns:mc="http://schemas.openxmlformats.org/markup-compatibility/2006" xmlns:mv="urn:schemas-microsoft-com:mac:vml" xmlns:p="http://schemas.openxmlformats.org/presentationml/2006/main" xmlns:c="http://schemas.openxmlformats.org/drawingml/2006/chart" xmlns:dgm="http://schemas.openxmlformats.org/drawingml/2006/diagram" xmlns:o="urn:schemas-microsoft-com:office:office" xmlns:v="urn:schemas-microsoft-com:vml" xmlns:pvml="urn:schemas-microsoft-com:office:powerpoint" xmlns:com="http://schemas.openxmlformats.org/drawingml/2006/compatibility" xmlns:p14="http://schemas.microsoft.com/office/powerpoint/2010/main" xmlns:p15="http://schemas.microsoft.com/office/powerpoint/2012/main" xmlns:ahyp="http://schemas.microsoft.com/office/drawing/2018/hyperlinkcolor">
+<p:notesMaster xmlns:a="http://schemas.openxmlformats.org/drawingml/2006/main" xmlns:r="http://schemas.openxmlformats.org/officeDocument/2006/relationships" xmlns:p="http://schemas.openxmlformats.org/presentationml/2006/main">
   <p:cSld>
+    <p:bg>
+      <p:bgRef idx="1001">
+        <a:schemeClr val="bg1"/>
+      </p:bgRef>
+    </p:bg>
     <p:spTree>
       <p:nvGrpSpPr>
-        <p:cNvPr id="2" name="Shape 2"/>
+        <p:cNvPr id="1" name="Shape 2"/>
         <p:cNvGrpSpPr/>
         <p:nvPr/>
       </p:nvGrpSpPr>
@@ -302,9 +314,11 @@
       <p:sp>
         <p:nvSpPr>
           <p:cNvPr id="3" name="Google Shape;3;n"/>
-          <p:cNvSpPr/>
+          <p:cNvSpPr>
+            <a:spLocks noGrp="1" noRot="1" noChangeAspect="1"/>
+          </p:cNvSpPr>
           <p:nvPr>
-            <p:ph idx="2" type="sldImg"/>
+            <p:ph type="sldImg" idx="2"/>
           </p:nvPr>
         </p:nvSpPr>
         <p:spPr>
@@ -313,9 +327,13 @@
             <a:ext cx="6096075" cy="3429000"/>
           </a:xfrm>
           <a:custGeom>
-            <a:rect b="b" l="l" r="r" t="t"/>
+            <a:avLst/>
+            <a:gdLst/>
+            <a:ahLst/>
+            <a:cxnLst/>
+            <a:rect l="l" t="t" r="r" b="b"/>
             <a:pathLst>
-              <a:path extrusionOk="0" h="120000" w="120000">
+              <a:path w="120000" h="120000" extrusionOk="0">
                 <a:moveTo>
                   <a:pt x="0" y="0"/>
                 </a:moveTo>
@@ -333,23 +351,25 @@
             </a:pathLst>
           </a:custGeom>
           <a:noFill/>
-          <a:ln cap="flat" cmpd="sng" w="9525">
+          <a:ln w="9525" cap="flat" cmpd="sng">
             <a:solidFill>
               <a:srgbClr val="000000"/>
             </a:solidFill>
             <a:prstDash val="solid"/>
             <a:round/>
-            <a:headEnd len="sm" w="sm" type="none"/>
-            <a:tailEnd len="sm" w="sm" type="none"/>
+            <a:headEnd type="none" w="sm" len="sm"/>
+            <a:tailEnd type="none" w="sm" len="sm"/>
           </a:ln>
         </p:spPr>
       </p:sp>
       <p:sp>
         <p:nvSpPr>
           <p:cNvPr id="4" name="Google Shape;4;n"/>
-          <p:cNvSpPr txBox="1"/>
+          <p:cNvSpPr txBox="1">
+            <a:spLocks noGrp="1"/>
+          </p:cNvSpPr>
           <p:nvPr>
-            <p:ph idx="1" type="body"/>
+            <p:ph type="body" idx="1"/>
           </p:nvPr>
         </p:nvSpPr>
         <p:spPr>
@@ -366,11 +386,11 @@
           </a:ln>
         </p:spPr>
         <p:txBody>
-          <a:bodyPr anchorCtr="0" anchor="t" bIns="91425" lIns="91425" spcFirstLastPara="1" rIns="91425" wrap="square" tIns="91425">
+          <a:bodyPr spcFirstLastPara="1" wrap="square" lIns="91425" tIns="91425" rIns="91425" bIns="91425" anchor="t" anchorCtr="0">
             <a:noAutofit/>
           </a:bodyPr>
           <a:lstStyle>
-            <a:lvl1pPr indent="-298450" lvl="0" marL="457200">
+            <a:lvl1pPr marL="457200" lvl="0" indent="-298450">
               <a:spcBef>
                 <a:spcPts val="0"/>
               </a:spcBef>
@@ -381,7 +401,7 @@
               <a:buChar char="●"/>
               <a:defRPr sz="1100"/>
             </a:lvl1pPr>
-            <a:lvl2pPr indent="-298450" lvl="1" marL="914400">
+            <a:lvl2pPr marL="914400" lvl="1" indent="-298450">
               <a:spcBef>
                 <a:spcPts val="0"/>
               </a:spcBef>
@@ -392,7 +412,7 @@
               <a:buChar char="○"/>
               <a:defRPr sz="1100"/>
             </a:lvl2pPr>
-            <a:lvl3pPr indent="-298450" lvl="2" marL="1371600">
+            <a:lvl3pPr marL="1371600" lvl="2" indent="-298450">
               <a:spcBef>
                 <a:spcPts val="0"/>
               </a:spcBef>
@@ -403,7 +423,7 @@
               <a:buChar char="■"/>
               <a:defRPr sz="1100"/>
             </a:lvl3pPr>
-            <a:lvl4pPr indent="-298450" lvl="3" marL="1828800">
+            <a:lvl4pPr marL="1828800" lvl="3" indent="-298450">
               <a:spcBef>
                 <a:spcPts val="0"/>
               </a:spcBef>
@@ -414,7 +434,7 @@
               <a:buChar char="●"/>
               <a:defRPr sz="1100"/>
             </a:lvl4pPr>
-            <a:lvl5pPr indent="-298450" lvl="4" marL="2286000">
+            <a:lvl5pPr marL="2286000" lvl="4" indent="-298450">
               <a:spcBef>
                 <a:spcPts val="0"/>
               </a:spcBef>
@@ -425,7 +445,7 @@
               <a:buChar char="○"/>
               <a:defRPr sz="1100"/>
             </a:lvl5pPr>
-            <a:lvl6pPr indent="-298450" lvl="5" marL="2743200">
+            <a:lvl6pPr marL="2743200" lvl="5" indent="-298450">
               <a:spcBef>
                 <a:spcPts val="0"/>
               </a:spcBef>
@@ -436,7 +456,7 @@
               <a:buChar char="■"/>
               <a:defRPr sz="1100"/>
             </a:lvl6pPr>
-            <a:lvl7pPr indent="-298450" lvl="6" marL="3200400">
+            <a:lvl7pPr marL="3200400" lvl="6" indent="-298450">
               <a:spcBef>
                 <a:spcPts val="0"/>
               </a:spcBef>
@@ -447,7 +467,7 @@
               <a:buChar char="●"/>
               <a:defRPr sz="1100"/>
             </a:lvl7pPr>
-            <a:lvl8pPr indent="-298450" lvl="7" marL="3657600">
+            <a:lvl8pPr marL="3657600" lvl="7" indent="-298450">
               <a:spcBef>
                 <a:spcPts val="0"/>
               </a:spcBef>
@@ -458,7 +478,7 @@
               <a:buChar char="○"/>
               <a:defRPr sz="1100"/>
             </a:lvl8pPr>
-            <a:lvl9pPr indent="-298450" lvl="8" marL="4114800">
+            <a:lvl9pPr marL="4114800" lvl="8" indent="-298450">
               <a:spcBef>
                 <a:spcPts val="0"/>
               </a:spcBef>
@@ -470,14 +490,16 @@
               <a:defRPr sz="1100"/>
             </a:lvl9pPr>
           </a:lstStyle>
-          <a:p/>
+          <a:p>
+            <a:endParaRPr/>
+          </a:p>
         </p:txBody>
       </p:sp>
     </p:spTree>
   </p:cSld>
-  <p:clrMap accent1="accent1" accent2="accent2" accent3="accent3" accent4="accent4" accent5="accent5" accent6="accent6" bg1="lt1" bg2="dk2" tx1="dk1" tx2="lt2" folHlink="folHlink" hlink="hlink"/>
+  <p:clrMap bg1="lt1" tx1="dk1" bg2="dk2" tx2="lt2" accent1="accent1" accent2="accent2" accent3="accent3" accent4="accent4" accent5="accent5" accent6="accent6" hlink="hlink" folHlink="folHlink"/>
   <p:notesStyle>
-    <a:defPPr lvl="0" marR="0" rtl="0" algn="l">
+    <a:defPPr marR="0" lvl="0" algn="l" rtl="0">
       <a:lnSpc>
         <a:spcPct val="100000"/>
       </a:lnSpc>
@@ -488,7 +510,7 @@
         <a:spcPts val="0"/>
       </a:spcAft>
     </a:defPPr>
-    <a:lvl1pPr lvl="0" marR="0" rtl="0" algn="l">
+    <a:lvl1pPr marR="0" lvl="0" algn="l" rtl="0">
       <a:lnSpc>
         <a:spcPct val="100000"/>
       </a:lnSpc>
@@ -502,7 +524,7 @@
         <a:srgbClr val="000000"/>
       </a:buClr>
       <a:buFont typeface="Arial"/>
-      <a:defRPr b="0" i="0" sz="1400" u="none" cap="none" strike="noStrike">
+      <a:defRPr sz="1400" b="0" i="0" u="none" strike="noStrike" cap="none">
         <a:solidFill>
           <a:srgbClr val="000000"/>
         </a:solidFill>
@@ -512,7 +534,7 @@
         <a:sym typeface="Arial"/>
       </a:defRPr>
     </a:lvl1pPr>
-    <a:lvl2pPr lvl="1" marR="0" rtl="0" algn="l">
+    <a:lvl2pPr marR="0" lvl="1" algn="l" rtl="0">
       <a:lnSpc>
         <a:spcPct val="100000"/>
       </a:lnSpc>
@@ -526,7 +548,7 @@
         <a:srgbClr val="000000"/>
       </a:buClr>
       <a:buFont typeface="Arial"/>
-      <a:defRPr b="0" i="0" sz="1400" u="none" cap="none" strike="noStrike">
+      <a:defRPr sz="1400" b="0" i="0" u="none" strike="noStrike" cap="none">
         <a:solidFill>
           <a:srgbClr val="000000"/>
         </a:solidFill>
@@ -536,7 +558,7 @@
         <a:sym typeface="Arial"/>
       </a:defRPr>
     </a:lvl2pPr>
-    <a:lvl3pPr lvl="2" marR="0" rtl="0" algn="l">
+    <a:lvl3pPr marR="0" lvl="2" algn="l" rtl="0">
       <a:lnSpc>
         <a:spcPct val="100000"/>
       </a:lnSpc>
@@ -550,7 +572,7 @@
         <a:srgbClr val="000000"/>
       </a:buClr>
       <a:buFont typeface="Arial"/>
-      <a:defRPr b="0" i="0" sz="1400" u="none" cap="none" strike="noStrike">
+      <a:defRPr sz="1400" b="0" i="0" u="none" strike="noStrike" cap="none">
         <a:solidFill>
           <a:srgbClr val="000000"/>
         </a:solidFill>
@@ -560,7 +582,7 @@
         <a:sym typeface="Arial"/>
       </a:defRPr>
     </a:lvl3pPr>
-    <a:lvl4pPr lvl="3" marR="0" rtl="0" algn="l">
+    <a:lvl4pPr marR="0" lvl="3" algn="l" rtl="0">
       <a:lnSpc>
         <a:spcPct val="100000"/>
       </a:lnSpc>
@@ -574,7 +596,7 @@
         <a:srgbClr val="000000"/>
       </a:buClr>
       <a:buFont typeface="Arial"/>
-      <a:defRPr b="0" i="0" sz="1400" u="none" cap="none" strike="noStrike">
+      <a:defRPr sz="1400" b="0" i="0" u="none" strike="noStrike" cap="none">
         <a:solidFill>
           <a:srgbClr val="000000"/>
         </a:solidFill>
@@ -584,7 +606,7 @@
         <a:sym typeface="Arial"/>
       </a:defRPr>
     </a:lvl4pPr>
-    <a:lvl5pPr lvl="4" marR="0" rtl="0" algn="l">
+    <a:lvl5pPr marR="0" lvl="4" algn="l" rtl="0">
       <a:lnSpc>
         <a:spcPct val="100000"/>
       </a:lnSpc>
@@ -598,7 +620,7 @@
         <a:srgbClr val="000000"/>
       </a:buClr>
       <a:buFont typeface="Arial"/>
-      <a:defRPr b="0" i="0" sz="1400" u="none" cap="none" strike="noStrike">
+      <a:defRPr sz="1400" b="0" i="0" u="none" strike="noStrike" cap="none">
         <a:solidFill>
           <a:srgbClr val="000000"/>
         </a:solidFill>
@@ -608,7 +630,7 @@
         <a:sym typeface="Arial"/>
       </a:defRPr>
     </a:lvl5pPr>
-    <a:lvl6pPr lvl="5" marR="0" rtl="0" algn="l">
+    <a:lvl6pPr marR="0" lvl="5" algn="l" rtl="0">
       <a:lnSpc>
         <a:spcPct val="100000"/>
       </a:lnSpc>
@@ -622,7 +644,7 @@
         <a:srgbClr val="000000"/>
       </a:buClr>
       <a:buFont typeface="Arial"/>
-      <a:defRPr b="0" i="0" sz="1400" u="none" cap="none" strike="noStrike">
+      <a:defRPr sz="1400" b="0" i="0" u="none" strike="noStrike" cap="none">
         <a:solidFill>
           <a:srgbClr val="000000"/>
         </a:solidFill>
@@ -632,7 +654,7 @@
         <a:sym typeface="Arial"/>
       </a:defRPr>
     </a:lvl6pPr>
-    <a:lvl7pPr lvl="6" marR="0" rtl="0" algn="l">
+    <a:lvl7pPr marR="0" lvl="6" algn="l" rtl="0">
       <a:lnSpc>
         <a:spcPct val="100000"/>
       </a:lnSpc>
@@ -646,7 +668,7 @@
         <a:srgbClr val="000000"/>
       </a:buClr>
       <a:buFont typeface="Arial"/>
-      <a:defRPr b="0" i="0" sz="1400" u="none" cap="none" strike="noStrike">
+      <a:defRPr sz="1400" b="0" i="0" u="none" strike="noStrike" cap="none">
         <a:solidFill>
           <a:srgbClr val="000000"/>
         </a:solidFill>
@@ -656,7 +678,7 @@
         <a:sym typeface="Arial"/>
       </a:defRPr>
     </a:lvl7pPr>
-    <a:lvl8pPr lvl="7" marR="0" rtl="0" algn="l">
+    <a:lvl8pPr marR="0" lvl="7" algn="l" rtl="0">
       <a:lnSpc>
         <a:spcPct val="100000"/>
       </a:lnSpc>
@@ -670,7 +692,7 @@
         <a:srgbClr val="000000"/>
       </a:buClr>
       <a:buFont typeface="Arial"/>
-      <a:defRPr b="0" i="0" sz="1400" u="none" cap="none" strike="noStrike">
+      <a:defRPr sz="1400" b="0" i="0" u="none" strike="noStrike" cap="none">
         <a:solidFill>
           <a:srgbClr val="000000"/>
         </a:solidFill>
@@ -680,7 +702,7 @@
         <a:sym typeface="Arial"/>
       </a:defRPr>
     </a:lvl8pPr>
-    <a:lvl9pPr lvl="8" marR="0" rtl="0" algn="l">
+    <a:lvl9pPr marR="0" lvl="8" algn="l" rtl="0">
       <a:lnSpc>
         <a:spcPct val="100000"/>
       </a:lnSpc>
@@ -694,7 +716,7 @@
         <a:srgbClr val="000000"/>
       </a:buClr>
       <a:buFont typeface="Arial"/>
-      <a:defRPr b="0" i="0" sz="1400" u="none" cap="none" strike="noStrike">
+      <a:defRPr sz="1400" b="0" i="0" u="none" strike="noStrike" cap="none">
         <a:solidFill>
           <a:srgbClr val="000000"/>
         </a:solidFill>
@@ -709,11 +731,11 @@
 </file>
 
 <file path=ppt/notesSlides/notesSlide1.xml><?xml version="1.0" encoding="utf-8"?>
-<p:notes xmlns:a="http://schemas.openxmlformats.org/drawingml/2006/main" xmlns:r="http://schemas.openxmlformats.org/officeDocument/2006/relationships" xmlns:mc="http://schemas.openxmlformats.org/markup-compatibility/2006" xmlns:mv="urn:schemas-microsoft-com:mac:vml" xmlns:p="http://schemas.openxmlformats.org/presentationml/2006/main" xmlns:c="http://schemas.openxmlformats.org/drawingml/2006/chart" xmlns:dgm="http://schemas.openxmlformats.org/drawingml/2006/diagram" xmlns:o="urn:schemas-microsoft-com:office:office" xmlns:v="urn:schemas-microsoft-com:vml" xmlns:pvml="urn:schemas-microsoft-com:office:powerpoint" xmlns:com="http://schemas.openxmlformats.org/drawingml/2006/compatibility" xmlns:p14="http://schemas.microsoft.com/office/powerpoint/2010/main" xmlns:p15="http://schemas.microsoft.com/office/powerpoint/2012/main" xmlns:ahyp="http://schemas.microsoft.com/office/drawing/2018/hyperlinkcolor" showMasterPhAnim="0" showMasterSp="0">
+<p:notes xmlns:a="http://schemas.openxmlformats.org/drawingml/2006/main" xmlns:r="http://schemas.openxmlformats.org/officeDocument/2006/relationships" xmlns:p="http://schemas.openxmlformats.org/presentationml/2006/main" showMasterSp="0" showMasterPhAnim="0">
   <p:cSld>
     <p:spTree>
       <p:nvGrpSpPr>
-        <p:cNvPr id="50" name="Shape 50"/>
+        <p:cNvPr id="1" name="Shape 50"/>
         <p:cNvGrpSpPr/>
         <p:nvPr/>
       </p:nvGrpSpPr>
@@ -728,9 +750,11 @@
       <p:sp>
         <p:nvSpPr>
           <p:cNvPr id="51" name="Google Shape;51;p:notes"/>
-          <p:cNvSpPr/>
+          <p:cNvSpPr>
+            <a:spLocks noGrp="1" noRot="1" noChangeAspect="1"/>
+          </p:cNvSpPr>
           <p:nvPr>
-            <p:ph idx="2" type="sldImg"/>
+            <p:ph type="sldImg" idx="2"/>
           </p:nvPr>
         </p:nvSpPr>
         <p:spPr>
@@ -739,9 +763,13 @@
             <a:ext cx="6096075" cy="3429000"/>
           </a:xfrm>
           <a:custGeom>
-            <a:rect b="b" l="l" r="r" t="t"/>
+            <a:avLst/>
+            <a:gdLst/>
+            <a:ahLst/>
+            <a:cxnLst/>
+            <a:rect l="l" t="t" r="r" b="b"/>
             <a:pathLst>
-              <a:path extrusionOk="0" h="120000" w="120000">
+              <a:path w="120000" h="120000" extrusionOk="0">
                 <a:moveTo>
                   <a:pt x="0" y="0"/>
                 </a:moveTo>
@@ -763,9 +791,11 @@
       <p:sp>
         <p:nvSpPr>
           <p:cNvPr id="52" name="Google Shape;52;p:notes"/>
-          <p:cNvSpPr txBox="1"/>
+          <p:cNvSpPr txBox="1">
+            <a:spLocks noGrp="1"/>
+          </p:cNvSpPr>
           <p:nvPr>
-            <p:ph idx="1" type="body"/>
+            <p:ph type="body" idx="1"/>
           </p:nvPr>
         </p:nvSpPr>
         <p:spPr>
@@ -778,23 +808,20 @@
           </a:prstGeom>
         </p:spPr>
         <p:txBody>
-          <a:bodyPr anchorCtr="0" anchor="t" bIns="91425" lIns="91425" spcFirstLastPara="1" rIns="91425" wrap="square" tIns="91425">
+          <a:bodyPr spcFirstLastPara="1" wrap="square" lIns="91425" tIns="91425" rIns="91425" bIns="91425" anchor="t" anchorCtr="0">
             <a:noAutofit/>
           </a:bodyPr>
           <a:lstStyle/>
           <a:p>
-            <a:pPr indent="0" lvl="0" marL="0" rtl="0" algn="l">
-              <a:spcBef>
-                <a:spcPts val="0"/>
-              </a:spcBef>
-              <a:spcAft>
-                <a:spcPts val="0"/>
-              </a:spcAft>
-              <a:buNone/>
-            </a:pPr>
-            <a:r>
-              <a:t/>
-            </a:r>
+            <a:pPr marL="0" lvl="0" indent="0" algn="l" rtl="0">
+              <a:spcBef>
+                <a:spcPts val="0"/>
+              </a:spcBef>
+              <a:spcAft>
+                <a:spcPts val="0"/>
+              </a:spcAft>
+              <a:buNone/>
+            </a:pPr>
             <a:endParaRPr/>
           </a:p>
         </p:txBody>
@@ -808,11 +835,11 @@
 </file>
 
 <file path=ppt/notesSlides/notesSlide10.xml><?xml version="1.0" encoding="utf-8"?>
-<p:notes xmlns:a="http://schemas.openxmlformats.org/drawingml/2006/main" xmlns:r="http://schemas.openxmlformats.org/officeDocument/2006/relationships" xmlns:mc="http://schemas.openxmlformats.org/markup-compatibility/2006" xmlns:mv="urn:schemas-microsoft-com:mac:vml" xmlns:p="http://schemas.openxmlformats.org/presentationml/2006/main" xmlns:c="http://schemas.openxmlformats.org/drawingml/2006/chart" xmlns:dgm="http://schemas.openxmlformats.org/drawingml/2006/diagram" xmlns:o="urn:schemas-microsoft-com:office:office" xmlns:v="urn:schemas-microsoft-com:vml" xmlns:pvml="urn:schemas-microsoft-com:office:powerpoint" xmlns:com="http://schemas.openxmlformats.org/drawingml/2006/compatibility" xmlns:p14="http://schemas.microsoft.com/office/powerpoint/2010/main" xmlns:p15="http://schemas.microsoft.com/office/powerpoint/2012/main" xmlns:ahyp="http://schemas.microsoft.com/office/drawing/2018/hyperlinkcolor" showMasterPhAnim="0" showMasterSp="0">
+<p:notes xmlns:a="http://schemas.openxmlformats.org/drawingml/2006/main" xmlns:r="http://schemas.openxmlformats.org/officeDocument/2006/relationships" xmlns:p="http://schemas.openxmlformats.org/presentationml/2006/main" showMasterSp="0" showMasterPhAnim="0">
   <p:cSld>
     <p:spTree>
       <p:nvGrpSpPr>
-        <p:cNvPr id="118" name="Shape 118"/>
+        <p:cNvPr id="1" name="Shape 118"/>
         <p:cNvGrpSpPr/>
         <p:nvPr/>
       </p:nvGrpSpPr>
@@ -827,9 +854,11 @@
       <p:sp>
         <p:nvSpPr>
           <p:cNvPr id="119" name="Google Shape;119;g2476aec5496_1_31:notes"/>
-          <p:cNvSpPr/>
+          <p:cNvSpPr>
+            <a:spLocks noGrp="1" noRot="1" noChangeAspect="1"/>
+          </p:cNvSpPr>
           <p:nvPr>
-            <p:ph idx="2" type="sldImg"/>
+            <p:ph type="sldImg" idx="2"/>
           </p:nvPr>
         </p:nvSpPr>
         <p:spPr>
@@ -838,9 +867,13 @@
             <a:ext cx="6096000" cy="3429000"/>
           </a:xfrm>
           <a:custGeom>
-            <a:rect b="b" l="l" r="r" t="t"/>
+            <a:avLst/>
+            <a:gdLst/>
+            <a:ahLst/>
+            <a:cxnLst/>
+            <a:rect l="l" t="t" r="r" b="b"/>
             <a:pathLst>
-              <a:path extrusionOk="0" h="120000" w="120000">
+              <a:path w="120000" h="120000" extrusionOk="0">
                 <a:moveTo>
                   <a:pt x="0" y="0"/>
                 </a:moveTo>
@@ -862,9 +895,11 @@
       <p:sp>
         <p:nvSpPr>
           <p:cNvPr id="120" name="Google Shape;120;g2476aec5496_1_31:notes"/>
-          <p:cNvSpPr txBox="1"/>
+          <p:cNvSpPr txBox="1">
+            <a:spLocks noGrp="1"/>
+          </p:cNvSpPr>
           <p:nvPr>
-            <p:ph idx="1" type="body"/>
+            <p:ph type="body" idx="1"/>
           </p:nvPr>
         </p:nvSpPr>
         <p:spPr>
@@ -877,23 +912,20 @@
           </a:prstGeom>
         </p:spPr>
         <p:txBody>
-          <a:bodyPr anchorCtr="0" anchor="t" bIns="91425" lIns="91425" spcFirstLastPara="1" rIns="91425" wrap="square" tIns="91425">
+          <a:bodyPr spcFirstLastPara="1" wrap="square" lIns="91425" tIns="91425" rIns="91425" bIns="91425" anchor="t" anchorCtr="0">
             <a:noAutofit/>
           </a:bodyPr>
           <a:lstStyle/>
           <a:p>
-            <a:pPr indent="0" lvl="0" marL="0" rtl="0" algn="l">
-              <a:spcBef>
-                <a:spcPts val="0"/>
-              </a:spcBef>
-              <a:spcAft>
-                <a:spcPts val="0"/>
-              </a:spcAft>
-              <a:buNone/>
-            </a:pPr>
-            <a:r>
-              <a:t/>
-            </a:r>
+            <a:pPr marL="0" lvl="0" indent="0" algn="l" rtl="0">
+              <a:spcBef>
+                <a:spcPts val="0"/>
+              </a:spcBef>
+              <a:spcAft>
+                <a:spcPts val="0"/>
+              </a:spcAft>
+              <a:buNone/>
+            </a:pPr>
             <a:endParaRPr/>
           </a:p>
         </p:txBody>
@@ -907,11 +939,11 @@
 </file>
 
 <file path=ppt/notesSlides/notesSlide11.xml><?xml version="1.0" encoding="utf-8"?>
-<p:notes xmlns:a="http://schemas.openxmlformats.org/drawingml/2006/main" xmlns:r="http://schemas.openxmlformats.org/officeDocument/2006/relationships" xmlns:mc="http://schemas.openxmlformats.org/markup-compatibility/2006" xmlns:mv="urn:schemas-microsoft-com:mac:vml" xmlns:p="http://schemas.openxmlformats.org/presentationml/2006/main" xmlns:c="http://schemas.openxmlformats.org/drawingml/2006/chart" xmlns:dgm="http://schemas.openxmlformats.org/drawingml/2006/diagram" xmlns:o="urn:schemas-microsoft-com:office:office" xmlns:v="urn:schemas-microsoft-com:vml" xmlns:pvml="urn:schemas-microsoft-com:office:powerpoint" xmlns:com="http://schemas.openxmlformats.org/drawingml/2006/compatibility" xmlns:p14="http://schemas.microsoft.com/office/powerpoint/2010/main" xmlns:p15="http://schemas.microsoft.com/office/powerpoint/2012/main" xmlns:ahyp="http://schemas.microsoft.com/office/drawing/2018/hyperlinkcolor" showMasterPhAnim="0" showMasterSp="0">
+<p:notes xmlns:a="http://schemas.openxmlformats.org/drawingml/2006/main" xmlns:r="http://schemas.openxmlformats.org/officeDocument/2006/relationships" xmlns:p="http://schemas.openxmlformats.org/presentationml/2006/main" showMasterSp="0" showMasterPhAnim="0">
   <p:cSld>
     <p:spTree>
       <p:nvGrpSpPr>
-        <p:cNvPr id="136" name="Shape 136"/>
+        <p:cNvPr id="1" name="Shape 136"/>
         <p:cNvGrpSpPr/>
         <p:nvPr/>
       </p:nvGrpSpPr>
@@ -926,9 +958,11 @@
       <p:sp>
         <p:nvSpPr>
           <p:cNvPr id="137" name="Google Shape;137;g2476aec5496_1_56:notes"/>
-          <p:cNvSpPr/>
+          <p:cNvSpPr>
+            <a:spLocks noGrp="1" noRot="1" noChangeAspect="1"/>
+          </p:cNvSpPr>
           <p:nvPr>
-            <p:ph idx="2" type="sldImg"/>
+            <p:ph type="sldImg" idx="2"/>
           </p:nvPr>
         </p:nvSpPr>
         <p:spPr>
@@ -937,9 +971,13 @@
             <a:ext cx="6096000" cy="3429000"/>
           </a:xfrm>
           <a:custGeom>
-            <a:rect b="b" l="l" r="r" t="t"/>
+            <a:avLst/>
+            <a:gdLst/>
+            <a:ahLst/>
+            <a:cxnLst/>
+            <a:rect l="l" t="t" r="r" b="b"/>
             <a:pathLst>
-              <a:path extrusionOk="0" h="120000" w="120000">
+              <a:path w="120000" h="120000" extrusionOk="0">
                 <a:moveTo>
                   <a:pt x="0" y="0"/>
                 </a:moveTo>
@@ -961,9 +999,11 @@
       <p:sp>
         <p:nvSpPr>
           <p:cNvPr id="138" name="Google Shape;138;g2476aec5496_1_56:notes"/>
-          <p:cNvSpPr txBox="1"/>
+          <p:cNvSpPr txBox="1">
+            <a:spLocks noGrp="1"/>
+          </p:cNvSpPr>
           <p:nvPr>
-            <p:ph idx="1" type="body"/>
+            <p:ph type="body" idx="1"/>
           </p:nvPr>
         </p:nvSpPr>
         <p:spPr>
@@ -976,23 +1016,20 @@
           </a:prstGeom>
         </p:spPr>
         <p:txBody>
-          <a:bodyPr anchorCtr="0" anchor="t" bIns="91425" lIns="91425" spcFirstLastPara="1" rIns="91425" wrap="square" tIns="91425">
+          <a:bodyPr spcFirstLastPara="1" wrap="square" lIns="91425" tIns="91425" rIns="91425" bIns="91425" anchor="t" anchorCtr="0">
             <a:noAutofit/>
           </a:bodyPr>
           <a:lstStyle/>
           <a:p>
-            <a:pPr indent="0" lvl="0" marL="0" rtl="0" algn="l">
-              <a:spcBef>
-                <a:spcPts val="0"/>
-              </a:spcBef>
-              <a:spcAft>
-                <a:spcPts val="0"/>
-              </a:spcAft>
-              <a:buNone/>
-            </a:pPr>
-            <a:r>
-              <a:t/>
-            </a:r>
+            <a:pPr marL="0" lvl="0" indent="0" algn="l" rtl="0">
+              <a:spcBef>
+                <a:spcPts val="0"/>
+              </a:spcBef>
+              <a:spcAft>
+                <a:spcPts val="0"/>
+              </a:spcAft>
+              <a:buNone/>
+            </a:pPr>
             <a:endParaRPr/>
           </a:p>
         </p:txBody>
@@ -1006,11 +1043,11 @@
 </file>
 
 <file path=ppt/notesSlides/notesSlide12.xml><?xml version="1.0" encoding="utf-8"?>
-<p:notes xmlns:a="http://schemas.openxmlformats.org/drawingml/2006/main" xmlns:r="http://schemas.openxmlformats.org/officeDocument/2006/relationships" xmlns:mc="http://schemas.openxmlformats.org/markup-compatibility/2006" xmlns:mv="urn:schemas-microsoft-com:mac:vml" xmlns:p="http://schemas.openxmlformats.org/presentationml/2006/main" xmlns:c="http://schemas.openxmlformats.org/drawingml/2006/chart" xmlns:dgm="http://schemas.openxmlformats.org/drawingml/2006/diagram" xmlns:o="urn:schemas-microsoft-com:office:office" xmlns:v="urn:schemas-microsoft-com:vml" xmlns:pvml="urn:schemas-microsoft-com:office:powerpoint" xmlns:com="http://schemas.openxmlformats.org/drawingml/2006/compatibility" xmlns:p14="http://schemas.microsoft.com/office/powerpoint/2010/main" xmlns:p15="http://schemas.microsoft.com/office/powerpoint/2012/main" xmlns:ahyp="http://schemas.microsoft.com/office/drawing/2018/hyperlinkcolor" showMasterPhAnim="0" showMasterSp="0">
+<p:notes xmlns:a="http://schemas.openxmlformats.org/drawingml/2006/main" xmlns:r="http://schemas.openxmlformats.org/officeDocument/2006/relationships" xmlns:p="http://schemas.openxmlformats.org/presentationml/2006/main" showMasterSp="0" showMasterPhAnim="0">
   <p:cSld>
     <p:spTree>
       <p:nvGrpSpPr>
-        <p:cNvPr id="142" name="Shape 142"/>
+        <p:cNvPr id="1" name="Shape 142"/>
         <p:cNvGrpSpPr/>
         <p:nvPr/>
       </p:nvGrpSpPr>
@@ -1025,9 +1062,11 @@
       <p:sp>
         <p:nvSpPr>
           <p:cNvPr id="143" name="Google Shape;143;g2476aec5496_1_61:notes"/>
-          <p:cNvSpPr/>
+          <p:cNvSpPr>
+            <a:spLocks noGrp="1" noRot="1" noChangeAspect="1"/>
+          </p:cNvSpPr>
           <p:nvPr>
-            <p:ph idx="2" type="sldImg"/>
+            <p:ph type="sldImg" idx="2"/>
           </p:nvPr>
         </p:nvSpPr>
         <p:spPr>
@@ -1036,9 +1075,13 @@
             <a:ext cx="6096000" cy="3429000"/>
           </a:xfrm>
           <a:custGeom>
-            <a:rect b="b" l="l" r="r" t="t"/>
+            <a:avLst/>
+            <a:gdLst/>
+            <a:ahLst/>
+            <a:cxnLst/>
+            <a:rect l="l" t="t" r="r" b="b"/>
             <a:pathLst>
-              <a:path extrusionOk="0" h="120000" w="120000">
+              <a:path w="120000" h="120000" extrusionOk="0">
                 <a:moveTo>
                   <a:pt x="0" y="0"/>
                 </a:moveTo>
@@ -1060,9 +1103,11 @@
       <p:sp>
         <p:nvSpPr>
           <p:cNvPr id="144" name="Google Shape;144;g2476aec5496_1_61:notes"/>
-          <p:cNvSpPr txBox="1"/>
+          <p:cNvSpPr txBox="1">
+            <a:spLocks noGrp="1"/>
+          </p:cNvSpPr>
           <p:nvPr>
-            <p:ph idx="1" type="body"/>
+            <p:ph type="body" idx="1"/>
           </p:nvPr>
         </p:nvSpPr>
         <p:spPr>
@@ -1075,23 +1120,20 @@
           </a:prstGeom>
         </p:spPr>
         <p:txBody>
-          <a:bodyPr anchorCtr="0" anchor="t" bIns="91425" lIns="91425" spcFirstLastPara="1" rIns="91425" wrap="square" tIns="91425">
+          <a:bodyPr spcFirstLastPara="1" wrap="square" lIns="91425" tIns="91425" rIns="91425" bIns="91425" anchor="t" anchorCtr="0">
             <a:noAutofit/>
           </a:bodyPr>
           <a:lstStyle/>
           <a:p>
-            <a:pPr indent="0" lvl="0" marL="0" rtl="0" algn="l">
-              <a:spcBef>
-                <a:spcPts val="0"/>
-              </a:spcBef>
-              <a:spcAft>
-                <a:spcPts val="0"/>
-              </a:spcAft>
-              <a:buNone/>
-            </a:pPr>
-            <a:r>
-              <a:t/>
-            </a:r>
+            <a:pPr marL="0" lvl="0" indent="0" algn="l" rtl="0">
+              <a:spcBef>
+                <a:spcPts val="0"/>
+              </a:spcBef>
+              <a:spcAft>
+                <a:spcPts val="0"/>
+              </a:spcAft>
+              <a:buNone/>
+            </a:pPr>
             <a:endParaRPr/>
           </a:p>
         </p:txBody>
@@ -1105,11 +1147,11 @@
 </file>
 
 <file path=ppt/notesSlides/notesSlide13.xml><?xml version="1.0" encoding="utf-8"?>
-<p:notes xmlns:a="http://schemas.openxmlformats.org/drawingml/2006/main" xmlns:r="http://schemas.openxmlformats.org/officeDocument/2006/relationships" xmlns:mc="http://schemas.openxmlformats.org/markup-compatibility/2006" xmlns:mv="urn:schemas-microsoft-com:mac:vml" xmlns:p="http://schemas.openxmlformats.org/presentationml/2006/main" xmlns:c="http://schemas.openxmlformats.org/drawingml/2006/chart" xmlns:dgm="http://schemas.openxmlformats.org/drawingml/2006/diagram" xmlns:o="urn:schemas-microsoft-com:office:office" xmlns:v="urn:schemas-microsoft-com:vml" xmlns:pvml="urn:schemas-microsoft-com:office:powerpoint" xmlns:com="http://schemas.openxmlformats.org/drawingml/2006/compatibility" xmlns:p14="http://schemas.microsoft.com/office/powerpoint/2010/main" xmlns:p15="http://schemas.microsoft.com/office/powerpoint/2012/main" xmlns:ahyp="http://schemas.microsoft.com/office/drawing/2018/hyperlinkcolor" showMasterPhAnim="0" showMasterSp="0">
+<p:notes xmlns:a="http://schemas.openxmlformats.org/drawingml/2006/main" xmlns:r="http://schemas.openxmlformats.org/officeDocument/2006/relationships" xmlns:p="http://schemas.openxmlformats.org/presentationml/2006/main" showMasterSp="0" showMasterPhAnim="0">
   <p:cSld>
     <p:spTree>
       <p:nvGrpSpPr>
-        <p:cNvPr id="148" name="Shape 148"/>
+        <p:cNvPr id="1" name="Shape 148"/>
         <p:cNvGrpSpPr/>
         <p:nvPr/>
       </p:nvGrpSpPr>
@@ -1124,9 +1166,11 @@
       <p:sp>
         <p:nvSpPr>
           <p:cNvPr id="149" name="Google Shape;149;g2476aec5496_1_66:notes"/>
-          <p:cNvSpPr/>
+          <p:cNvSpPr>
+            <a:spLocks noGrp="1" noRot="1" noChangeAspect="1"/>
+          </p:cNvSpPr>
           <p:nvPr>
-            <p:ph idx="2" type="sldImg"/>
+            <p:ph type="sldImg" idx="2"/>
           </p:nvPr>
         </p:nvSpPr>
         <p:spPr>
@@ -1135,9 +1179,13 @@
             <a:ext cx="6096000" cy="3429000"/>
           </a:xfrm>
           <a:custGeom>
-            <a:rect b="b" l="l" r="r" t="t"/>
+            <a:avLst/>
+            <a:gdLst/>
+            <a:ahLst/>
+            <a:cxnLst/>
+            <a:rect l="l" t="t" r="r" b="b"/>
             <a:pathLst>
-              <a:path extrusionOk="0" h="120000" w="120000">
+              <a:path w="120000" h="120000" extrusionOk="0">
                 <a:moveTo>
                   <a:pt x="0" y="0"/>
                 </a:moveTo>
@@ -1159,9 +1207,11 @@
       <p:sp>
         <p:nvSpPr>
           <p:cNvPr id="150" name="Google Shape;150;g2476aec5496_1_66:notes"/>
-          <p:cNvSpPr txBox="1"/>
+          <p:cNvSpPr txBox="1">
+            <a:spLocks noGrp="1"/>
+          </p:cNvSpPr>
           <p:nvPr>
-            <p:ph idx="1" type="body"/>
+            <p:ph type="body" idx="1"/>
           </p:nvPr>
         </p:nvSpPr>
         <p:spPr>
@@ -1174,23 +1224,20 @@
           </a:prstGeom>
         </p:spPr>
         <p:txBody>
-          <a:bodyPr anchorCtr="0" anchor="t" bIns="91425" lIns="91425" spcFirstLastPara="1" rIns="91425" wrap="square" tIns="91425">
+          <a:bodyPr spcFirstLastPara="1" wrap="square" lIns="91425" tIns="91425" rIns="91425" bIns="91425" anchor="t" anchorCtr="0">
             <a:noAutofit/>
           </a:bodyPr>
           <a:lstStyle/>
           <a:p>
-            <a:pPr indent="0" lvl="0" marL="0" rtl="0" algn="l">
-              <a:spcBef>
-                <a:spcPts val="0"/>
-              </a:spcBef>
-              <a:spcAft>
-                <a:spcPts val="0"/>
-              </a:spcAft>
-              <a:buNone/>
-            </a:pPr>
-            <a:r>
-              <a:t/>
-            </a:r>
+            <a:pPr marL="0" lvl="0" indent="0" algn="l" rtl="0">
+              <a:spcBef>
+                <a:spcPts val="0"/>
+              </a:spcBef>
+              <a:spcAft>
+                <a:spcPts val="0"/>
+              </a:spcAft>
+              <a:buNone/>
+            </a:pPr>
             <a:endParaRPr/>
           </a:p>
         </p:txBody>
@@ -1204,11 +1251,11 @@
 </file>
 
 <file path=ppt/notesSlides/notesSlide14.xml><?xml version="1.0" encoding="utf-8"?>
-<p:notes xmlns:a="http://schemas.openxmlformats.org/drawingml/2006/main" xmlns:r="http://schemas.openxmlformats.org/officeDocument/2006/relationships" xmlns:mc="http://schemas.openxmlformats.org/markup-compatibility/2006" xmlns:mv="urn:schemas-microsoft-com:mac:vml" xmlns:p="http://schemas.openxmlformats.org/presentationml/2006/main" xmlns:c="http://schemas.openxmlformats.org/drawingml/2006/chart" xmlns:dgm="http://schemas.openxmlformats.org/drawingml/2006/diagram" xmlns:o="urn:schemas-microsoft-com:office:office" xmlns:v="urn:schemas-microsoft-com:vml" xmlns:pvml="urn:schemas-microsoft-com:office:powerpoint" xmlns:com="http://schemas.openxmlformats.org/drawingml/2006/compatibility" xmlns:p14="http://schemas.microsoft.com/office/powerpoint/2010/main" xmlns:p15="http://schemas.microsoft.com/office/powerpoint/2012/main" xmlns:ahyp="http://schemas.microsoft.com/office/drawing/2018/hyperlinkcolor" showMasterPhAnim="0" showMasterSp="0">
+<p:notes xmlns:a="http://schemas.openxmlformats.org/drawingml/2006/main" xmlns:r="http://schemas.openxmlformats.org/officeDocument/2006/relationships" xmlns:p="http://schemas.openxmlformats.org/presentationml/2006/main" showMasterSp="0" showMasterPhAnim="0">
   <p:cSld>
     <p:spTree>
       <p:nvGrpSpPr>
-        <p:cNvPr id="154" name="Shape 154"/>
+        <p:cNvPr id="1" name="Shape 154"/>
         <p:cNvGrpSpPr/>
         <p:nvPr/>
       </p:nvGrpSpPr>
@@ -1223,9 +1270,11 @@
       <p:sp>
         <p:nvSpPr>
           <p:cNvPr id="155" name="Google Shape;155;g2476aec5496_1_71:notes"/>
-          <p:cNvSpPr/>
+          <p:cNvSpPr>
+            <a:spLocks noGrp="1" noRot="1" noChangeAspect="1"/>
+          </p:cNvSpPr>
           <p:nvPr>
-            <p:ph idx="2" type="sldImg"/>
+            <p:ph type="sldImg" idx="2"/>
           </p:nvPr>
         </p:nvSpPr>
         <p:spPr>
@@ -1234,9 +1283,13 @@
             <a:ext cx="6096000" cy="3429000"/>
           </a:xfrm>
           <a:custGeom>
-            <a:rect b="b" l="l" r="r" t="t"/>
+            <a:avLst/>
+            <a:gdLst/>
+            <a:ahLst/>
+            <a:cxnLst/>
+            <a:rect l="l" t="t" r="r" b="b"/>
             <a:pathLst>
-              <a:path extrusionOk="0" h="120000" w="120000">
+              <a:path w="120000" h="120000" extrusionOk="0">
                 <a:moveTo>
                   <a:pt x="0" y="0"/>
                 </a:moveTo>
@@ -1258,9 +1311,11 @@
       <p:sp>
         <p:nvSpPr>
           <p:cNvPr id="156" name="Google Shape;156;g2476aec5496_1_71:notes"/>
-          <p:cNvSpPr txBox="1"/>
+          <p:cNvSpPr txBox="1">
+            <a:spLocks noGrp="1"/>
+          </p:cNvSpPr>
           <p:nvPr>
-            <p:ph idx="1" type="body"/>
+            <p:ph type="body" idx="1"/>
           </p:nvPr>
         </p:nvSpPr>
         <p:spPr>
@@ -1273,23 +1328,20 @@
           </a:prstGeom>
         </p:spPr>
         <p:txBody>
-          <a:bodyPr anchorCtr="0" anchor="t" bIns="91425" lIns="91425" spcFirstLastPara="1" rIns="91425" wrap="square" tIns="91425">
+          <a:bodyPr spcFirstLastPara="1" wrap="square" lIns="91425" tIns="91425" rIns="91425" bIns="91425" anchor="t" anchorCtr="0">
             <a:noAutofit/>
           </a:bodyPr>
           <a:lstStyle/>
           <a:p>
-            <a:pPr indent="0" lvl="0" marL="0" rtl="0" algn="l">
-              <a:spcBef>
-                <a:spcPts val="0"/>
-              </a:spcBef>
-              <a:spcAft>
-                <a:spcPts val="0"/>
-              </a:spcAft>
-              <a:buNone/>
-            </a:pPr>
-            <a:r>
-              <a:t/>
-            </a:r>
+            <a:pPr marL="0" lvl="0" indent="0" algn="l" rtl="0">
+              <a:spcBef>
+                <a:spcPts val="0"/>
+              </a:spcBef>
+              <a:spcAft>
+                <a:spcPts val="0"/>
+              </a:spcAft>
+              <a:buNone/>
+            </a:pPr>
             <a:endParaRPr/>
           </a:p>
         </p:txBody>
@@ -1303,11 +1355,11 @@
 </file>
 
 <file path=ppt/notesSlides/notesSlide2.xml><?xml version="1.0" encoding="utf-8"?>
-<p:notes xmlns:a="http://schemas.openxmlformats.org/drawingml/2006/main" xmlns:r="http://schemas.openxmlformats.org/officeDocument/2006/relationships" xmlns:mc="http://schemas.openxmlformats.org/markup-compatibility/2006" xmlns:mv="urn:schemas-microsoft-com:mac:vml" xmlns:p="http://schemas.openxmlformats.org/presentationml/2006/main" xmlns:c="http://schemas.openxmlformats.org/drawingml/2006/chart" xmlns:dgm="http://schemas.openxmlformats.org/drawingml/2006/diagram" xmlns:o="urn:schemas-microsoft-com:office:office" xmlns:v="urn:schemas-microsoft-com:vml" xmlns:pvml="urn:schemas-microsoft-com:office:powerpoint" xmlns:com="http://schemas.openxmlformats.org/drawingml/2006/compatibility" xmlns:p14="http://schemas.microsoft.com/office/powerpoint/2010/main" xmlns:p15="http://schemas.microsoft.com/office/powerpoint/2012/main" xmlns:ahyp="http://schemas.microsoft.com/office/drawing/2018/hyperlinkcolor" showMasterPhAnim="0" showMasterSp="0">
+<p:notes xmlns:a="http://schemas.openxmlformats.org/drawingml/2006/main" xmlns:r="http://schemas.openxmlformats.org/officeDocument/2006/relationships" xmlns:p="http://schemas.openxmlformats.org/presentationml/2006/main" showMasterSp="0" showMasterPhAnim="0">
   <p:cSld>
     <p:spTree>
       <p:nvGrpSpPr>
-        <p:cNvPr id="56" name="Shape 56"/>
+        <p:cNvPr id="1" name="Shape 56"/>
         <p:cNvGrpSpPr/>
         <p:nvPr/>
       </p:nvGrpSpPr>
@@ -1322,20 +1374,26 @@
       <p:sp>
         <p:nvSpPr>
           <p:cNvPr id="57" name="Google Shape;57;g2476ec48ba5_0_0:notes"/>
-          <p:cNvSpPr/>
+          <p:cNvSpPr>
+            <a:spLocks noGrp="1" noRot="1" noChangeAspect="1"/>
+          </p:cNvSpPr>
           <p:nvPr>
-            <p:ph idx="2" type="sldImg"/>
+            <p:ph type="sldImg" idx="2"/>
           </p:nvPr>
         </p:nvSpPr>
         <p:spPr>
           <a:xfrm>
-            <a:off x="381300" y="685800"/>
+            <a:off x="381000" y="685800"/>
             <a:ext cx="6096000" cy="3429000"/>
           </a:xfrm>
           <a:custGeom>
-            <a:rect b="b" l="l" r="r" t="t"/>
+            <a:avLst/>
+            <a:gdLst/>
+            <a:ahLst/>
+            <a:cxnLst/>
+            <a:rect l="l" t="t" r="r" b="b"/>
             <a:pathLst>
-              <a:path extrusionOk="0" h="120000" w="120000">
+              <a:path w="120000" h="120000" extrusionOk="0">
                 <a:moveTo>
                   <a:pt x="0" y="0"/>
                 </a:moveTo>
@@ -1357,9 +1415,11 @@
       <p:sp>
         <p:nvSpPr>
           <p:cNvPr id="58" name="Google Shape;58;g2476ec48ba5_0_0:notes"/>
-          <p:cNvSpPr txBox="1"/>
+          <p:cNvSpPr txBox="1">
+            <a:spLocks noGrp="1"/>
+          </p:cNvSpPr>
           <p:nvPr>
-            <p:ph idx="1" type="body"/>
+            <p:ph type="body" idx="1"/>
           </p:nvPr>
         </p:nvSpPr>
         <p:spPr>
@@ -1372,23 +1432,20 @@
           </a:prstGeom>
         </p:spPr>
         <p:txBody>
-          <a:bodyPr anchorCtr="0" anchor="t" bIns="91425" lIns="91425" spcFirstLastPara="1" rIns="91425" wrap="square" tIns="91425">
+          <a:bodyPr spcFirstLastPara="1" wrap="square" lIns="91425" tIns="91425" rIns="91425" bIns="91425" anchor="t" anchorCtr="0">
             <a:noAutofit/>
           </a:bodyPr>
           <a:lstStyle/>
           <a:p>
-            <a:pPr indent="0" lvl="0" marL="0" rtl="0" algn="l">
-              <a:spcBef>
-                <a:spcPts val="0"/>
-              </a:spcBef>
-              <a:spcAft>
-                <a:spcPts val="0"/>
-              </a:spcAft>
-              <a:buNone/>
-            </a:pPr>
-            <a:r>
-              <a:t/>
-            </a:r>
+            <a:pPr marL="0" lvl="0" indent="0" algn="l" rtl="0">
+              <a:spcBef>
+                <a:spcPts val="0"/>
+              </a:spcBef>
+              <a:spcAft>
+                <a:spcPts val="0"/>
+              </a:spcAft>
+              <a:buNone/>
+            </a:pPr>
             <a:endParaRPr/>
           </a:p>
         </p:txBody>
@@ -1402,11 +1459,11 @@
 </file>
 
 <file path=ppt/notesSlides/notesSlide3.xml><?xml version="1.0" encoding="utf-8"?>
-<p:notes xmlns:a="http://schemas.openxmlformats.org/drawingml/2006/main" xmlns:r="http://schemas.openxmlformats.org/officeDocument/2006/relationships" xmlns:mc="http://schemas.openxmlformats.org/markup-compatibility/2006" xmlns:mv="urn:schemas-microsoft-com:mac:vml" xmlns:p="http://schemas.openxmlformats.org/presentationml/2006/main" xmlns:c="http://schemas.openxmlformats.org/drawingml/2006/chart" xmlns:dgm="http://schemas.openxmlformats.org/drawingml/2006/diagram" xmlns:o="urn:schemas-microsoft-com:office:office" xmlns:v="urn:schemas-microsoft-com:vml" xmlns:pvml="urn:schemas-microsoft-com:office:powerpoint" xmlns:com="http://schemas.openxmlformats.org/drawingml/2006/compatibility" xmlns:p14="http://schemas.microsoft.com/office/powerpoint/2010/main" xmlns:p15="http://schemas.microsoft.com/office/powerpoint/2012/main" xmlns:ahyp="http://schemas.microsoft.com/office/drawing/2018/hyperlinkcolor" showMasterPhAnim="0" showMasterSp="0">
+<p:notes xmlns:a="http://schemas.openxmlformats.org/drawingml/2006/main" xmlns:r="http://schemas.openxmlformats.org/officeDocument/2006/relationships" xmlns:p="http://schemas.openxmlformats.org/presentationml/2006/main" showMasterSp="0" showMasterPhAnim="0">
   <p:cSld>
     <p:spTree>
       <p:nvGrpSpPr>
-        <p:cNvPr id="62" name="Shape 62"/>
+        <p:cNvPr id="1" name="Shape 62"/>
         <p:cNvGrpSpPr/>
         <p:nvPr/>
       </p:nvGrpSpPr>
@@ -1421,9 +1478,11 @@
       <p:sp>
         <p:nvSpPr>
           <p:cNvPr id="63" name="Google Shape;63;g2476ec48ba5_0_5:notes"/>
-          <p:cNvSpPr/>
+          <p:cNvSpPr>
+            <a:spLocks noGrp="1" noRot="1" noChangeAspect="1"/>
+          </p:cNvSpPr>
           <p:nvPr>
-            <p:ph idx="2" type="sldImg"/>
+            <p:ph type="sldImg" idx="2"/>
           </p:nvPr>
         </p:nvSpPr>
         <p:spPr>
@@ -1432,9 +1491,13 @@
             <a:ext cx="6096000" cy="3429000"/>
           </a:xfrm>
           <a:custGeom>
-            <a:rect b="b" l="l" r="r" t="t"/>
+            <a:avLst/>
+            <a:gdLst/>
+            <a:ahLst/>
+            <a:cxnLst/>
+            <a:rect l="l" t="t" r="r" b="b"/>
             <a:pathLst>
-              <a:path extrusionOk="0" h="120000" w="120000">
+              <a:path w="120000" h="120000" extrusionOk="0">
                 <a:moveTo>
                   <a:pt x="0" y="0"/>
                 </a:moveTo>
@@ -1456,9 +1519,11 @@
       <p:sp>
         <p:nvSpPr>
           <p:cNvPr id="64" name="Google Shape;64;g2476ec48ba5_0_5:notes"/>
-          <p:cNvSpPr txBox="1"/>
+          <p:cNvSpPr txBox="1">
+            <a:spLocks noGrp="1"/>
+          </p:cNvSpPr>
           <p:nvPr>
-            <p:ph idx="1" type="body"/>
+            <p:ph type="body" idx="1"/>
           </p:nvPr>
         </p:nvSpPr>
         <p:spPr>
@@ -1471,23 +1536,20 @@
           </a:prstGeom>
         </p:spPr>
         <p:txBody>
-          <a:bodyPr anchorCtr="0" anchor="t" bIns="91425" lIns="91425" spcFirstLastPara="1" rIns="91425" wrap="square" tIns="91425">
+          <a:bodyPr spcFirstLastPara="1" wrap="square" lIns="91425" tIns="91425" rIns="91425" bIns="91425" anchor="t" anchorCtr="0">
             <a:noAutofit/>
           </a:bodyPr>
           <a:lstStyle/>
           <a:p>
-            <a:pPr indent="0" lvl="0" marL="0" rtl="0" algn="l">
-              <a:spcBef>
-                <a:spcPts val="0"/>
-              </a:spcBef>
-              <a:spcAft>
-                <a:spcPts val="0"/>
-              </a:spcAft>
-              <a:buNone/>
-            </a:pPr>
-            <a:r>
-              <a:t/>
-            </a:r>
+            <a:pPr marL="0" lvl="0" indent="0" algn="l" rtl="0">
+              <a:spcBef>
+                <a:spcPts val="0"/>
+              </a:spcBef>
+              <a:spcAft>
+                <a:spcPts val="0"/>
+              </a:spcAft>
+              <a:buNone/>
+            </a:pPr>
             <a:endParaRPr/>
           </a:p>
         </p:txBody>
@@ -1501,11 +1563,11 @@
 </file>
 
 <file path=ppt/notesSlides/notesSlide4.xml><?xml version="1.0" encoding="utf-8"?>
-<p:notes xmlns:a="http://schemas.openxmlformats.org/drawingml/2006/main" xmlns:r="http://schemas.openxmlformats.org/officeDocument/2006/relationships" xmlns:mc="http://schemas.openxmlformats.org/markup-compatibility/2006" xmlns:mv="urn:schemas-microsoft-com:mac:vml" xmlns:p="http://schemas.openxmlformats.org/presentationml/2006/main" xmlns:c="http://schemas.openxmlformats.org/drawingml/2006/chart" xmlns:dgm="http://schemas.openxmlformats.org/drawingml/2006/diagram" xmlns:o="urn:schemas-microsoft-com:office:office" xmlns:v="urn:schemas-microsoft-com:vml" xmlns:pvml="urn:schemas-microsoft-com:office:powerpoint" xmlns:com="http://schemas.openxmlformats.org/drawingml/2006/compatibility" xmlns:p14="http://schemas.microsoft.com/office/powerpoint/2010/main" xmlns:p15="http://schemas.microsoft.com/office/powerpoint/2012/main" xmlns:ahyp="http://schemas.microsoft.com/office/drawing/2018/hyperlinkcolor" showMasterPhAnim="0" showMasterSp="0">
+<p:notes xmlns:a="http://schemas.openxmlformats.org/drawingml/2006/main" xmlns:r="http://schemas.openxmlformats.org/officeDocument/2006/relationships" xmlns:p="http://schemas.openxmlformats.org/presentationml/2006/main" showMasterSp="0" showMasterPhAnim="0">
   <p:cSld>
     <p:spTree>
       <p:nvGrpSpPr>
-        <p:cNvPr id="68" name="Shape 68"/>
+        <p:cNvPr id="1" name="Shape 68"/>
         <p:cNvGrpSpPr/>
         <p:nvPr/>
       </p:nvGrpSpPr>
@@ -1520,9 +1582,11 @@
       <p:sp>
         <p:nvSpPr>
           <p:cNvPr id="69" name="Google Shape;69;g2476ec48ba5_0_12:notes"/>
-          <p:cNvSpPr/>
+          <p:cNvSpPr>
+            <a:spLocks noGrp="1" noRot="1" noChangeAspect="1"/>
+          </p:cNvSpPr>
           <p:nvPr>
-            <p:ph idx="2" type="sldImg"/>
+            <p:ph type="sldImg" idx="2"/>
           </p:nvPr>
         </p:nvSpPr>
         <p:spPr>
@@ -1531,9 +1595,13 @@
             <a:ext cx="6096000" cy="3429000"/>
           </a:xfrm>
           <a:custGeom>
-            <a:rect b="b" l="l" r="r" t="t"/>
+            <a:avLst/>
+            <a:gdLst/>
+            <a:ahLst/>
+            <a:cxnLst/>
+            <a:rect l="l" t="t" r="r" b="b"/>
             <a:pathLst>
-              <a:path extrusionOk="0" h="120000" w="120000">
+              <a:path w="120000" h="120000" extrusionOk="0">
                 <a:moveTo>
                   <a:pt x="0" y="0"/>
                 </a:moveTo>
@@ -1555,9 +1623,11 @@
       <p:sp>
         <p:nvSpPr>
           <p:cNvPr id="70" name="Google Shape;70;g2476ec48ba5_0_12:notes"/>
-          <p:cNvSpPr txBox="1"/>
+          <p:cNvSpPr txBox="1">
+            <a:spLocks noGrp="1"/>
+          </p:cNvSpPr>
           <p:nvPr>
-            <p:ph idx="1" type="body"/>
+            <p:ph type="body" idx="1"/>
           </p:nvPr>
         </p:nvSpPr>
         <p:spPr>
@@ -1570,23 +1640,20 @@
           </a:prstGeom>
         </p:spPr>
         <p:txBody>
-          <a:bodyPr anchorCtr="0" anchor="t" bIns="91425" lIns="91425" spcFirstLastPara="1" rIns="91425" wrap="square" tIns="91425">
+          <a:bodyPr spcFirstLastPara="1" wrap="square" lIns="91425" tIns="91425" rIns="91425" bIns="91425" anchor="t" anchorCtr="0">
             <a:noAutofit/>
           </a:bodyPr>
           <a:lstStyle/>
           <a:p>
-            <a:pPr indent="0" lvl="0" marL="0" rtl="0" algn="l">
-              <a:spcBef>
-                <a:spcPts val="0"/>
-              </a:spcBef>
-              <a:spcAft>
-                <a:spcPts val="0"/>
-              </a:spcAft>
-              <a:buNone/>
-            </a:pPr>
-            <a:r>
-              <a:t/>
-            </a:r>
+            <a:pPr marL="0" lvl="0" indent="0" algn="l" rtl="0">
+              <a:spcBef>
+                <a:spcPts val="0"/>
+              </a:spcBef>
+              <a:spcAft>
+                <a:spcPts val="0"/>
+              </a:spcAft>
+              <a:buNone/>
+            </a:pPr>
             <a:endParaRPr/>
           </a:p>
         </p:txBody>
@@ -1600,11 +1667,11 @@
 </file>
 
 <file path=ppt/notesSlides/notesSlide5.xml><?xml version="1.0" encoding="utf-8"?>
-<p:notes xmlns:a="http://schemas.openxmlformats.org/drawingml/2006/main" xmlns:r="http://schemas.openxmlformats.org/officeDocument/2006/relationships" xmlns:mc="http://schemas.openxmlformats.org/markup-compatibility/2006" xmlns:mv="urn:schemas-microsoft-com:mac:vml" xmlns:p="http://schemas.openxmlformats.org/presentationml/2006/main" xmlns:c="http://schemas.openxmlformats.org/drawingml/2006/chart" xmlns:dgm="http://schemas.openxmlformats.org/drawingml/2006/diagram" xmlns:o="urn:schemas-microsoft-com:office:office" xmlns:v="urn:schemas-microsoft-com:vml" xmlns:pvml="urn:schemas-microsoft-com:office:powerpoint" xmlns:com="http://schemas.openxmlformats.org/drawingml/2006/compatibility" xmlns:p14="http://schemas.microsoft.com/office/powerpoint/2010/main" xmlns:p15="http://schemas.microsoft.com/office/powerpoint/2012/main" xmlns:ahyp="http://schemas.microsoft.com/office/drawing/2018/hyperlinkcolor" showMasterPhAnim="0" showMasterSp="0">
+<p:notes xmlns:a="http://schemas.openxmlformats.org/drawingml/2006/main" xmlns:r="http://schemas.openxmlformats.org/officeDocument/2006/relationships" xmlns:p="http://schemas.openxmlformats.org/presentationml/2006/main" showMasterSp="0" showMasterPhAnim="0">
   <p:cSld>
     <p:spTree>
       <p:nvGrpSpPr>
-        <p:cNvPr id="74" name="Shape 74"/>
+        <p:cNvPr id="1" name="Shape 74"/>
         <p:cNvGrpSpPr/>
         <p:nvPr/>
       </p:nvGrpSpPr>
@@ -1619,9 +1686,11 @@
       <p:sp>
         <p:nvSpPr>
           <p:cNvPr id="75" name="Google Shape;75;g2476ec48ba5_0_17:notes"/>
-          <p:cNvSpPr/>
+          <p:cNvSpPr>
+            <a:spLocks noGrp="1" noRot="1" noChangeAspect="1"/>
+          </p:cNvSpPr>
           <p:nvPr>
-            <p:ph idx="2" type="sldImg"/>
+            <p:ph type="sldImg" idx="2"/>
           </p:nvPr>
         </p:nvSpPr>
         <p:spPr>
@@ -1630,9 +1699,13 @@
             <a:ext cx="6096000" cy="3429000"/>
           </a:xfrm>
           <a:custGeom>
-            <a:rect b="b" l="l" r="r" t="t"/>
+            <a:avLst/>
+            <a:gdLst/>
+            <a:ahLst/>
+            <a:cxnLst/>
+            <a:rect l="l" t="t" r="r" b="b"/>
             <a:pathLst>
-              <a:path extrusionOk="0" h="120000" w="120000">
+              <a:path w="120000" h="120000" extrusionOk="0">
                 <a:moveTo>
                   <a:pt x="0" y="0"/>
                 </a:moveTo>
@@ -1654,9 +1727,11 @@
       <p:sp>
         <p:nvSpPr>
           <p:cNvPr id="76" name="Google Shape;76;g2476ec48ba5_0_17:notes"/>
-          <p:cNvSpPr txBox="1"/>
+          <p:cNvSpPr txBox="1">
+            <a:spLocks noGrp="1"/>
+          </p:cNvSpPr>
           <p:nvPr>
-            <p:ph idx="1" type="body"/>
+            <p:ph type="body" idx="1"/>
           </p:nvPr>
         </p:nvSpPr>
         <p:spPr>
@@ -1669,23 +1744,20 @@
           </a:prstGeom>
         </p:spPr>
         <p:txBody>
-          <a:bodyPr anchorCtr="0" anchor="t" bIns="91425" lIns="91425" spcFirstLastPara="1" rIns="91425" wrap="square" tIns="91425">
+          <a:bodyPr spcFirstLastPara="1" wrap="square" lIns="91425" tIns="91425" rIns="91425" bIns="91425" anchor="t" anchorCtr="0">
             <a:noAutofit/>
           </a:bodyPr>
           <a:lstStyle/>
           <a:p>
-            <a:pPr indent="0" lvl="0" marL="0" rtl="0" algn="l">
-              <a:spcBef>
-                <a:spcPts val="0"/>
-              </a:spcBef>
-              <a:spcAft>
-                <a:spcPts val="0"/>
-              </a:spcAft>
-              <a:buNone/>
-            </a:pPr>
-            <a:r>
-              <a:t/>
-            </a:r>
+            <a:pPr marL="0" lvl="0" indent="0" algn="l" rtl="0">
+              <a:spcBef>
+                <a:spcPts val="0"/>
+              </a:spcBef>
+              <a:spcAft>
+                <a:spcPts val="0"/>
+              </a:spcAft>
+              <a:buNone/>
+            </a:pPr>
             <a:endParaRPr/>
           </a:p>
         </p:txBody>
@@ -1699,11 +1771,11 @@
 </file>
 
 <file path=ppt/notesSlides/notesSlide6.xml><?xml version="1.0" encoding="utf-8"?>
-<p:notes xmlns:a="http://schemas.openxmlformats.org/drawingml/2006/main" xmlns:r="http://schemas.openxmlformats.org/officeDocument/2006/relationships" xmlns:mc="http://schemas.openxmlformats.org/markup-compatibility/2006" xmlns:mv="urn:schemas-microsoft-com:mac:vml" xmlns:p="http://schemas.openxmlformats.org/presentationml/2006/main" xmlns:c="http://schemas.openxmlformats.org/drawingml/2006/chart" xmlns:dgm="http://schemas.openxmlformats.org/drawingml/2006/diagram" xmlns:o="urn:schemas-microsoft-com:office:office" xmlns:v="urn:schemas-microsoft-com:vml" xmlns:pvml="urn:schemas-microsoft-com:office:powerpoint" xmlns:com="http://schemas.openxmlformats.org/drawingml/2006/compatibility" xmlns:p14="http://schemas.microsoft.com/office/powerpoint/2010/main" xmlns:p15="http://schemas.microsoft.com/office/powerpoint/2012/main" xmlns:ahyp="http://schemas.microsoft.com/office/drawing/2018/hyperlinkcolor" showMasterPhAnim="0" showMasterSp="0">
+<p:notes xmlns:a="http://schemas.openxmlformats.org/drawingml/2006/main" xmlns:r="http://schemas.openxmlformats.org/officeDocument/2006/relationships" xmlns:p="http://schemas.openxmlformats.org/presentationml/2006/main" showMasterSp="0" showMasterPhAnim="0">
   <p:cSld>
     <p:spTree>
       <p:nvGrpSpPr>
-        <p:cNvPr id="94" name="Shape 94"/>
+        <p:cNvPr id="1" name="Shape 94"/>
         <p:cNvGrpSpPr/>
         <p:nvPr/>
       </p:nvGrpSpPr>
@@ -1718,9 +1790,11 @@
       <p:sp>
         <p:nvSpPr>
           <p:cNvPr id="95" name="Google Shape;95;g2476ec48ba5_0_38:notes"/>
-          <p:cNvSpPr/>
+          <p:cNvSpPr>
+            <a:spLocks noGrp="1" noRot="1" noChangeAspect="1"/>
+          </p:cNvSpPr>
           <p:nvPr>
-            <p:ph idx="2" type="sldImg"/>
+            <p:ph type="sldImg" idx="2"/>
           </p:nvPr>
         </p:nvSpPr>
         <p:spPr>
@@ -1729,9 +1803,13 @@
             <a:ext cx="6096000" cy="3429000"/>
           </a:xfrm>
           <a:custGeom>
-            <a:rect b="b" l="l" r="r" t="t"/>
+            <a:avLst/>
+            <a:gdLst/>
+            <a:ahLst/>
+            <a:cxnLst/>
+            <a:rect l="l" t="t" r="r" b="b"/>
             <a:pathLst>
-              <a:path extrusionOk="0" h="120000" w="120000">
+              <a:path w="120000" h="120000" extrusionOk="0">
                 <a:moveTo>
                   <a:pt x="0" y="0"/>
                 </a:moveTo>
@@ -1753,9 +1831,11 @@
       <p:sp>
         <p:nvSpPr>
           <p:cNvPr id="96" name="Google Shape;96;g2476ec48ba5_0_38:notes"/>
-          <p:cNvSpPr txBox="1"/>
+          <p:cNvSpPr txBox="1">
+            <a:spLocks noGrp="1"/>
+          </p:cNvSpPr>
           <p:nvPr>
-            <p:ph idx="1" type="body"/>
+            <p:ph type="body" idx="1"/>
           </p:nvPr>
         </p:nvSpPr>
         <p:spPr>
@@ -1768,23 +1848,20 @@
           </a:prstGeom>
         </p:spPr>
         <p:txBody>
-          <a:bodyPr anchorCtr="0" anchor="t" bIns="91425" lIns="91425" spcFirstLastPara="1" rIns="91425" wrap="square" tIns="91425">
+          <a:bodyPr spcFirstLastPara="1" wrap="square" lIns="91425" tIns="91425" rIns="91425" bIns="91425" anchor="t" anchorCtr="0">
             <a:noAutofit/>
           </a:bodyPr>
           <a:lstStyle/>
           <a:p>
-            <a:pPr indent="0" lvl="0" marL="0" rtl="0" algn="l">
-              <a:spcBef>
-                <a:spcPts val="0"/>
-              </a:spcBef>
-              <a:spcAft>
-                <a:spcPts val="0"/>
-              </a:spcAft>
-              <a:buNone/>
-            </a:pPr>
-            <a:r>
-              <a:t/>
-            </a:r>
+            <a:pPr marL="0" lvl="0" indent="0" algn="l" rtl="0">
+              <a:spcBef>
+                <a:spcPts val="0"/>
+              </a:spcBef>
+              <a:spcAft>
+                <a:spcPts val="0"/>
+              </a:spcAft>
+              <a:buNone/>
+            </a:pPr>
             <a:endParaRPr/>
           </a:p>
         </p:txBody>
@@ -1798,11 +1875,11 @@
 </file>
 
 <file path=ppt/notesSlides/notesSlide7.xml><?xml version="1.0" encoding="utf-8"?>
-<p:notes xmlns:a="http://schemas.openxmlformats.org/drawingml/2006/main" xmlns:r="http://schemas.openxmlformats.org/officeDocument/2006/relationships" xmlns:mc="http://schemas.openxmlformats.org/markup-compatibility/2006" xmlns:mv="urn:schemas-microsoft-com:mac:vml" xmlns:p="http://schemas.openxmlformats.org/presentationml/2006/main" xmlns:c="http://schemas.openxmlformats.org/drawingml/2006/chart" xmlns:dgm="http://schemas.openxmlformats.org/drawingml/2006/diagram" xmlns:o="urn:schemas-microsoft-com:office:office" xmlns:v="urn:schemas-microsoft-com:vml" xmlns:pvml="urn:schemas-microsoft-com:office:powerpoint" xmlns:com="http://schemas.openxmlformats.org/drawingml/2006/compatibility" xmlns:p14="http://schemas.microsoft.com/office/powerpoint/2010/main" xmlns:p15="http://schemas.microsoft.com/office/powerpoint/2012/main" xmlns:ahyp="http://schemas.microsoft.com/office/drawing/2018/hyperlinkcolor" showMasterPhAnim="0" showMasterSp="0">
+<p:notes xmlns:a="http://schemas.openxmlformats.org/drawingml/2006/main" xmlns:r="http://schemas.openxmlformats.org/officeDocument/2006/relationships" xmlns:p="http://schemas.openxmlformats.org/presentationml/2006/main" showMasterSp="0" showMasterPhAnim="0">
   <p:cSld>
     <p:spTree>
       <p:nvGrpSpPr>
-        <p:cNvPr id="100" name="Shape 100"/>
+        <p:cNvPr id="1" name="Shape 100"/>
         <p:cNvGrpSpPr/>
         <p:nvPr/>
       </p:nvGrpSpPr>
@@ -1817,9 +1894,11 @@
       <p:sp>
         <p:nvSpPr>
           <p:cNvPr id="101" name="Google Shape;101;g2476aec5496_1_7:notes"/>
-          <p:cNvSpPr/>
+          <p:cNvSpPr>
+            <a:spLocks noGrp="1" noRot="1" noChangeAspect="1"/>
+          </p:cNvSpPr>
           <p:nvPr>
-            <p:ph idx="2" type="sldImg"/>
+            <p:ph type="sldImg" idx="2"/>
           </p:nvPr>
         </p:nvSpPr>
         <p:spPr>
@@ -1828,9 +1907,13 @@
             <a:ext cx="6096000" cy="3429000"/>
           </a:xfrm>
           <a:custGeom>
-            <a:rect b="b" l="l" r="r" t="t"/>
+            <a:avLst/>
+            <a:gdLst/>
+            <a:ahLst/>
+            <a:cxnLst/>
+            <a:rect l="l" t="t" r="r" b="b"/>
             <a:pathLst>
-              <a:path extrusionOk="0" h="120000" w="120000">
+              <a:path w="120000" h="120000" extrusionOk="0">
                 <a:moveTo>
                   <a:pt x="0" y="0"/>
                 </a:moveTo>
@@ -1852,9 +1935,11 @@
       <p:sp>
         <p:nvSpPr>
           <p:cNvPr id="102" name="Google Shape;102;g2476aec5496_1_7:notes"/>
-          <p:cNvSpPr txBox="1"/>
+          <p:cNvSpPr txBox="1">
+            <a:spLocks noGrp="1"/>
+          </p:cNvSpPr>
           <p:nvPr>
-            <p:ph idx="1" type="body"/>
+            <p:ph type="body" idx="1"/>
           </p:nvPr>
         </p:nvSpPr>
         <p:spPr>
@@ -1867,23 +1952,20 @@
           </a:prstGeom>
         </p:spPr>
         <p:txBody>
-          <a:bodyPr anchorCtr="0" anchor="t" bIns="91425" lIns="91425" spcFirstLastPara="1" rIns="91425" wrap="square" tIns="91425">
+          <a:bodyPr spcFirstLastPara="1" wrap="square" lIns="91425" tIns="91425" rIns="91425" bIns="91425" anchor="t" anchorCtr="0">
             <a:noAutofit/>
           </a:bodyPr>
           <a:lstStyle/>
           <a:p>
-            <a:pPr indent="0" lvl="0" marL="0" rtl="0" algn="l">
-              <a:spcBef>
-                <a:spcPts val="0"/>
-              </a:spcBef>
-              <a:spcAft>
-                <a:spcPts val="0"/>
-              </a:spcAft>
-              <a:buNone/>
-            </a:pPr>
-            <a:r>
-              <a:t/>
-            </a:r>
+            <a:pPr marL="0" lvl="0" indent="0" algn="l" rtl="0">
+              <a:spcBef>
+                <a:spcPts val="0"/>
+              </a:spcBef>
+              <a:spcAft>
+                <a:spcPts val="0"/>
+              </a:spcAft>
+              <a:buNone/>
+            </a:pPr>
             <a:endParaRPr/>
           </a:p>
         </p:txBody>
@@ -1897,11 +1979,11 @@
 </file>
 
 <file path=ppt/notesSlides/notesSlide8.xml><?xml version="1.0" encoding="utf-8"?>
-<p:notes xmlns:a="http://schemas.openxmlformats.org/drawingml/2006/main" xmlns:r="http://schemas.openxmlformats.org/officeDocument/2006/relationships" xmlns:mc="http://schemas.openxmlformats.org/markup-compatibility/2006" xmlns:mv="urn:schemas-microsoft-com:mac:vml" xmlns:p="http://schemas.openxmlformats.org/presentationml/2006/main" xmlns:c="http://schemas.openxmlformats.org/drawingml/2006/chart" xmlns:dgm="http://schemas.openxmlformats.org/drawingml/2006/diagram" xmlns:o="urn:schemas-microsoft-com:office:office" xmlns:v="urn:schemas-microsoft-com:vml" xmlns:pvml="urn:schemas-microsoft-com:office:powerpoint" xmlns:com="http://schemas.openxmlformats.org/drawingml/2006/compatibility" xmlns:p14="http://schemas.microsoft.com/office/powerpoint/2010/main" xmlns:p15="http://schemas.microsoft.com/office/powerpoint/2012/main" xmlns:ahyp="http://schemas.microsoft.com/office/drawing/2018/hyperlinkcolor" showMasterPhAnim="0" showMasterSp="0">
+<p:notes xmlns:a="http://schemas.openxmlformats.org/drawingml/2006/main" xmlns:r="http://schemas.openxmlformats.org/officeDocument/2006/relationships" xmlns:p="http://schemas.openxmlformats.org/presentationml/2006/main" showMasterSp="0" showMasterPhAnim="0">
   <p:cSld>
     <p:spTree>
       <p:nvGrpSpPr>
-        <p:cNvPr id="106" name="Shape 106"/>
+        <p:cNvPr id="1" name="Shape 106"/>
         <p:cNvGrpSpPr/>
         <p:nvPr/>
       </p:nvGrpSpPr>
@@ -1916,9 +1998,11 @@
       <p:sp>
         <p:nvSpPr>
           <p:cNvPr id="107" name="Google Shape;107;g2476aec5496_1_14:notes"/>
-          <p:cNvSpPr/>
+          <p:cNvSpPr>
+            <a:spLocks noGrp="1" noRot="1" noChangeAspect="1"/>
+          </p:cNvSpPr>
           <p:nvPr>
-            <p:ph idx="2" type="sldImg"/>
+            <p:ph type="sldImg" idx="2"/>
           </p:nvPr>
         </p:nvSpPr>
         <p:spPr>
@@ -1927,9 +2011,13 @@
             <a:ext cx="6096000" cy="3429000"/>
           </a:xfrm>
           <a:custGeom>
-            <a:rect b="b" l="l" r="r" t="t"/>
+            <a:avLst/>
+            <a:gdLst/>
+            <a:ahLst/>
+            <a:cxnLst/>
+            <a:rect l="l" t="t" r="r" b="b"/>
             <a:pathLst>
-              <a:path extrusionOk="0" h="120000" w="120000">
+              <a:path w="120000" h="120000" extrusionOk="0">
                 <a:moveTo>
                   <a:pt x="0" y="0"/>
                 </a:moveTo>
@@ -1951,9 +2039,11 @@
       <p:sp>
         <p:nvSpPr>
           <p:cNvPr id="108" name="Google Shape;108;g2476aec5496_1_14:notes"/>
-          <p:cNvSpPr txBox="1"/>
+          <p:cNvSpPr txBox="1">
+            <a:spLocks noGrp="1"/>
+          </p:cNvSpPr>
           <p:nvPr>
-            <p:ph idx="1" type="body"/>
+            <p:ph type="body" idx="1"/>
           </p:nvPr>
         </p:nvSpPr>
         <p:spPr>
@@ -1966,23 +2056,20 @@
           </a:prstGeom>
         </p:spPr>
         <p:txBody>
-          <a:bodyPr anchorCtr="0" anchor="t" bIns="91425" lIns="91425" spcFirstLastPara="1" rIns="91425" wrap="square" tIns="91425">
+          <a:bodyPr spcFirstLastPara="1" wrap="square" lIns="91425" tIns="91425" rIns="91425" bIns="91425" anchor="t" anchorCtr="0">
             <a:noAutofit/>
           </a:bodyPr>
           <a:lstStyle/>
           <a:p>
-            <a:pPr indent="0" lvl="0" marL="0" rtl="0" algn="l">
-              <a:spcBef>
-                <a:spcPts val="0"/>
-              </a:spcBef>
-              <a:spcAft>
-                <a:spcPts val="0"/>
-              </a:spcAft>
-              <a:buNone/>
-            </a:pPr>
-            <a:r>
-              <a:t/>
-            </a:r>
+            <a:pPr marL="0" lvl="0" indent="0" algn="l" rtl="0">
+              <a:spcBef>
+                <a:spcPts val="0"/>
+              </a:spcBef>
+              <a:spcAft>
+                <a:spcPts val="0"/>
+              </a:spcAft>
+              <a:buNone/>
+            </a:pPr>
             <a:endParaRPr/>
           </a:p>
         </p:txBody>
@@ -1996,11 +2083,11 @@
 </file>
 
 <file path=ppt/notesSlides/notesSlide9.xml><?xml version="1.0" encoding="utf-8"?>
-<p:notes xmlns:a="http://schemas.openxmlformats.org/drawingml/2006/main" xmlns:r="http://schemas.openxmlformats.org/officeDocument/2006/relationships" xmlns:mc="http://schemas.openxmlformats.org/markup-compatibility/2006" xmlns:mv="urn:schemas-microsoft-com:mac:vml" xmlns:p="http://schemas.openxmlformats.org/presentationml/2006/main" xmlns:c="http://schemas.openxmlformats.org/drawingml/2006/chart" xmlns:dgm="http://schemas.openxmlformats.org/drawingml/2006/diagram" xmlns:o="urn:schemas-microsoft-com:office:office" xmlns:v="urn:schemas-microsoft-com:vml" xmlns:pvml="urn:schemas-microsoft-com:office:powerpoint" xmlns:com="http://schemas.openxmlformats.org/drawingml/2006/compatibility" xmlns:p14="http://schemas.microsoft.com/office/powerpoint/2010/main" xmlns:p15="http://schemas.microsoft.com/office/powerpoint/2012/main" xmlns:ahyp="http://schemas.microsoft.com/office/drawing/2018/hyperlinkcolor" showMasterPhAnim="0" showMasterSp="0">
+<p:notes xmlns:a="http://schemas.openxmlformats.org/drawingml/2006/main" xmlns:r="http://schemas.openxmlformats.org/officeDocument/2006/relationships" xmlns:p="http://schemas.openxmlformats.org/presentationml/2006/main" showMasterSp="0" showMasterPhAnim="0">
   <p:cSld>
     <p:spTree>
       <p:nvGrpSpPr>
-        <p:cNvPr id="112" name="Shape 112"/>
+        <p:cNvPr id="1" name="Shape 112"/>
         <p:cNvGrpSpPr/>
         <p:nvPr/>
       </p:nvGrpSpPr>
@@ -2015,9 +2102,11 @@
       <p:sp>
         <p:nvSpPr>
           <p:cNvPr id="113" name="Google Shape;113;g2476aec5496_1_22:notes"/>
-          <p:cNvSpPr/>
+          <p:cNvSpPr>
+            <a:spLocks noGrp="1" noRot="1" noChangeAspect="1"/>
+          </p:cNvSpPr>
           <p:nvPr>
-            <p:ph idx="2" type="sldImg"/>
+            <p:ph type="sldImg" idx="2"/>
           </p:nvPr>
         </p:nvSpPr>
         <p:spPr>
@@ -2026,9 +2115,13 @@
             <a:ext cx="6096000" cy="3429000"/>
           </a:xfrm>
           <a:custGeom>
-            <a:rect b="b" l="l" r="r" t="t"/>
+            <a:avLst/>
+            <a:gdLst/>
+            <a:ahLst/>
+            <a:cxnLst/>
+            <a:rect l="l" t="t" r="r" b="b"/>
             <a:pathLst>
-              <a:path extrusionOk="0" h="120000" w="120000">
+              <a:path w="120000" h="120000" extrusionOk="0">
                 <a:moveTo>
                   <a:pt x="0" y="0"/>
                 </a:moveTo>
@@ -2050,9 +2143,11 @@
       <p:sp>
         <p:nvSpPr>
           <p:cNvPr id="114" name="Google Shape;114;g2476aec5496_1_22:notes"/>
-          <p:cNvSpPr txBox="1"/>
+          <p:cNvSpPr txBox="1">
+            <a:spLocks noGrp="1"/>
+          </p:cNvSpPr>
           <p:nvPr>
-            <p:ph idx="1" type="body"/>
+            <p:ph type="body" idx="1"/>
           </p:nvPr>
         </p:nvSpPr>
         <p:spPr>
@@ -2065,23 +2160,20 @@
           </a:prstGeom>
         </p:spPr>
         <p:txBody>
-          <a:bodyPr anchorCtr="0" anchor="t" bIns="91425" lIns="91425" spcFirstLastPara="1" rIns="91425" wrap="square" tIns="91425">
+          <a:bodyPr spcFirstLastPara="1" wrap="square" lIns="91425" tIns="91425" rIns="91425" bIns="91425" anchor="t" anchorCtr="0">
             <a:noAutofit/>
           </a:bodyPr>
           <a:lstStyle/>
           <a:p>
-            <a:pPr indent="0" lvl="0" marL="0" rtl="0" algn="l">
-              <a:spcBef>
-                <a:spcPts val="0"/>
-              </a:spcBef>
-              <a:spcAft>
-                <a:spcPts val="0"/>
-              </a:spcAft>
-              <a:buNone/>
-            </a:pPr>
-            <a:r>
-              <a:t/>
-            </a:r>
+            <a:pPr marL="0" lvl="0" indent="0" algn="l" rtl="0">
+              <a:spcBef>
+                <a:spcPts val="0"/>
+              </a:spcBef>
+              <a:spcAft>
+                <a:spcPts val="0"/>
+              </a:spcAft>
+              <a:buNone/>
+            </a:pPr>
             <a:endParaRPr/>
           </a:p>
         </p:txBody>
@@ -2095,11 +2187,11 @@
 </file>
 
 <file path=ppt/slideLayouts/slideLayout1.xml><?xml version="1.0" encoding="utf-8"?>
-<p:sldLayout xmlns:a="http://schemas.openxmlformats.org/drawingml/2006/main" xmlns:r="http://schemas.openxmlformats.org/officeDocument/2006/relationships" xmlns:mc="http://schemas.openxmlformats.org/markup-compatibility/2006" xmlns:mv="urn:schemas-microsoft-com:mac:vml" xmlns:p="http://schemas.openxmlformats.org/presentationml/2006/main" xmlns:c="http://schemas.openxmlformats.org/drawingml/2006/chart" xmlns:dgm="http://schemas.openxmlformats.org/drawingml/2006/diagram" xmlns:o="urn:schemas-microsoft-com:office:office" xmlns:v="urn:schemas-microsoft-com:vml" xmlns:pvml="urn:schemas-microsoft-com:office:powerpoint" xmlns:com="http://schemas.openxmlformats.org/drawingml/2006/compatibility" xmlns:p14="http://schemas.microsoft.com/office/powerpoint/2010/main" xmlns:p15="http://schemas.microsoft.com/office/powerpoint/2012/main" xmlns:ahyp="http://schemas.microsoft.com/office/drawing/2018/hyperlinkcolor" matchingName="Title slide" type="title">
+<p:sldLayout xmlns:a="http://schemas.openxmlformats.org/drawingml/2006/main" xmlns:r="http://schemas.openxmlformats.org/officeDocument/2006/relationships" xmlns:p="http://schemas.openxmlformats.org/presentationml/2006/main" matchingName="Title slide" type="title">
   <p:cSld name="TITLE">
     <p:spTree>
       <p:nvGrpSpPr>
-        <p:cNvPr id="9" name="Shape 9"/>
+        <p:cNvPr id="1" name="Shape 9"/>
         <p:cNvGrpSpPr/>
         <p:nvPr/>
       </p:nvGrpSpPr>
@@ -2114,7 +2206,9 @@
       <p:sp>
         <p:nvSpPr>
           <p:cNvPr id="10" name="Google Shape;10;p2"/>
-          <p:cNvSpPr txBox="1"/>
+          <p:cNvSpPr txBox="1">
+            <a:spLocks noGrp="1"/>
+          </p:cNvSpPr>
           <p:nvPr>
             <p:ph type="ctrTitle"/>
           </p:nvPr>
@@ -2129,7 +2223,7 @@
           </a:prstGeom>
         </p:spPr>
         <p:txBody>
-          <a:bodyPr anchorCtr="0" anchor="b" bIns="91425" lIns="91425" spcFirstLastPara="1" rIns="91425" wrap="square" tIns="91425">
+          <a:bodyPr spcFirstLastPara="1" wrap="square" lIns="91425" tIns="91425" rIns="91425" bIns="91425" anchor="b" anchorCtr="0">
             <a:normAutofit/>
           </a:bodyPr>
           <a:lstStyle>
@@ -2233,15 +2327,19 @@
               <a:defRPr sz="5200"/>
             </a:lvl9pPr>
           </a:lstStyle>
-          <a:p/>
+          <a:p>
+            <a:endParaRPr/>
+          </a:p>
         </p:txBody>
       </p:sp>
       <p:sp>
         <p:nvSpPr>
           <p:cNvPr id="11" name="Google Shape;11;p2"/>
-          <p:cNvSpPr txBox="1"/>
+          <p:cNvSpPr txBox="1">
+            <a:spLocks noGrp="1"/>
+          </p:cNvSpPr>
           <p:nvPr>
-            <p:ph idx="1" type="subTitle"/>
+            <p:ph type="subTitle" idx="1"/>
           </p:nvPr>
         </p:nvSpPr>
         <p:spPr>
@@ -2254,7 +2352,7 @@
           </a:prstGeom>
         </p:spPr>
         <p:txBody>
-          <a:bodyPr anchorCtr="0" anchor="t" bIns="91425" lIns="91425" spcFirstLastPara="1" rIns="91425" wrap="square" tIns="91425">
+          <a:bodyPr spcFirstLastPara="1" wrap="square" lIns="91425" tIns="91425" rIns="91425" bIns="91425" anchor="t" anchorCtr="0">
             <a:normAutofit/>
           </a:bodyPr>
           <a:lstStyle>
@@ -2385,15 +2483,19 @@
               <a:defRPr sz="2800"/>
             </a:lvl9pPr>
           </a:lstStyle>
-          <a:p/>
+          <a:p>
+            <a:endParaRPr/>
+          </a:p>
         </p:txBody>
       </p:sp>
       <p:sp>
         <p:nvSpPr>
           <p:cNvPr id="12" name="Google Shape;12;p2"/>
-          <p:cNvSpPr txBox="1"/>
+          <p:cNvSpPr txBox="1">
+            <a:spLocks noGrp="1"/>
+          </p:cNvSpPr>
           <p:nvPr>
-            <p:ph idx="12" type="sldNum"/>
+            <p:ph type="sldNum" idx="12"/>
           </p:nvPr>
         </p:nvSpPr>
         <p:spPr>
@@ -2406,7 +2508,7 @@
           </a:prstGeom>
         </p:spPr>
         <p:txBody>
-          <a:bodyPr anchorCtr="0" anchor="ctr" bIns="91425" lIns="91425" spcFirstLastPara="1" rIns="91425" wrap="square" tIns="91425">
+          <a:bodyPr spcFirstLastPara="1" wrap="square" lIns="91425" tIns="91425" rIns="91425" bIns="91425" anchor="ctr" anchorCtr="0">
             <a:normAutofit/>
           </a:bodyPr>
           <a:lstStyle>
@@ -2448,7 +2550,7 @@
             </a:lvl9pPr>
           </a:lstStyle>
           <a:p>
-            <a:pPr indent="0" lvl="0" marL="0" rtl="0" algn="r">
+            <a:pPr marL="0" lvl="0" indent="0" algn="r" rtl="0">
               <a:spcBef>
                 <a:spcPts val="0"/>
               </a:spcBef>
@@ -2474,11 +2576,11 @@
 </file>
 
 <file path=ppt/slideLayouts/slideLayout10.xml><?xml version="1.0" encoding="utf-8"?>
-<p:sldLayout xmlns:a="http://schemas.openxmlformats.org/drawingml/2006/main" xmlns:r="http://schemas.openxmlformats.org/officeDocument/2006/relationships" xmlns:mc="http://schemas.openxmlformats.org/markup-compatibility/2006" xmlns:mv="urn:schemas-microsoft-com:mac:vml" xmlns:p="http://schemas.openxmlformats.org/presentationml/2006/main" xmlns:c="http://schemas.openxmlformats.org/drawingml/2006/chart" xmlns:dgm="http://schemas.openxmlformats.org/drawingml/2006/diagram" xmlns:o="urn:schemas-microsoft-com:office:office" xmlns:v="urn:schemas-microsoft-com:vml" xmlns:pvml="urn:schemas-microsoft-com:office:powerpoint" xmlns:com="http://schemas.openxmlformats.org/drawingml/2006/compatibility" xmlns:p14="http://schemas.microsoft.com/office/powerpoint/2010/main" xmlns:p15="http://schemas.microsoft.com/office/powerpoint/2012/main" xmlns:ahyp="http://schemas.microsoft.com/office/drawing/2018/hyperlinkcolor" matchingName="Big number">
+<p:sldLayout xmlns:a="http://schemas.openxmlformats.org/drawingml/2006/main" xmlns:r="http://schemas.openxmlformats.org/officeDocument/2006/relationships" xmlns:p="http://schemas.openxmlformats.org/presentationml/2006/main" matchingName="Big number">
   <p:cSld name="BIG_NUMBER">
     <p:spTree>
       <p:nvGrpSpPr>
-        <p:cNvPr id="44" name="Shape 44"/>
+        <p:cNvPr id="1" name="Shape 44"/>
         <p:cNvGrpSpPr/>
         <p:nvPr/>
       </p:nvGrpSpPr>
@@ -2493,9 +2595,11 @@
       <p:sp>
         <p:nvSpPr>
           <p:cNvPr id="45" name="Google Shape;45;p11"/>
-          <p:cNvSpPr txBox="1"/>
+          <p:cNvSpPr txBox="1">
+            <a:spLocks noGrp="1"/>
+          </p:cNvSpPr>
           <p:nvPr>
-            <p:ph hasCustomPrompt="1" type="title"/>
+            <p:ph type="title" hasCustomPrompt="1"/>
           </p:nvPr>
         </p:nvSpPr>
         <p:spPr>
@@ -2508,7 +2612,7 @@
           </a:prstGeom>
         </p:spPr>
         <p:txBody>
-          <a:bodyPr anchorCtr="0" anchor="b" bIns="91425" lIns="91425" spcFirstLastPara="1" rIns="91425" wrap="square" tIns="91425">
+          <a:bodyPr spcFirstLastPara="1" wrap="square" lIns="91425" tIns="91425" rIns="91425" bIns="91425" anchor="b" anchorCtr="0">
             <a:normAutofit/>
           </a:bodyPr>
           <a:lstStyle>
@@ -2622,9 +2726,11 @@
       <p:sp>
         <p:nvSpPr>
           <p:cNvPr id="46" name="Google Shape;46;p11"/>
-          <p:cNvSpPr txBox="1"/>
+          <p:cNvSpPr txBox="1">
+            <a:spLocks noGrp="1"/>
+          </p:cNvSpPr>
           <p:nvPr>
-            <p:ph idx="1" type="body"/>
+            <p:ph type="body" idx="1"/>
           </p:nvPr>
         </p:nvSpPr>
         <p:spPr>
@@ -2637,11 +2743,11 @@
           </a:prstGeom>
         </p:spPr>
         <p:txBody>
-          <a:bodyPr anchorCtr="0" anchor="t" bIns="91425" lIns="91425" spcFirstLastPara="1" rIns="91425" wrap="square" tIns="91425">
+          <a:bodyPr spcFirstLastPara="1" wrap="square" lIns="91425" tIns="91425" rIns="91425" bIns="91425" anchor="t" anchorCtr="0">
             <a:normAutofit/>
           </a:bodyPr>
           <a:lstStyle>
-            <a:lvl1pPr indent="-342900" lvl="0" marL="457200" algn="ctr">
+            <a:lvl1pPr marL="457200" lvl="0" indent="-342900" algn="ctr">
               <a:spcBef>
                 <a:spcPts val="0"/>
               </a:spcBef>
@@ -2652,7 +2758,7 @@
               <a:buChar char="●"/>
               <a:defRPr/>
             </a:lvl1pPr>
-            <a:lvl2pPr indent="-317500" lvl="1" marL="914400" algn="ctr">
+            <a:lvl2pPr marL="914400" lvl="1" indent="-317500" algn="ctr">
               <a:spcBef>
                 <a:spcPts val="0"/>
               </a:spcBef>
@@ -2663,7 +2769,7 @@
               <a:buChar char="○"/>
               <a:defRPr/>
             </a:lvl2pPr>
-            <a:lvl3pPr indent="-317500" lvl="2" marL="1371600" algn="ctr">
+            <a:lvl3pPr marL="1371600" lvl="2" indent="-317500" algn="ctr">
               <a:spcBef>
                 <a:spcPts val="0"/>
               </a:spcBef>
@@ -2674,7 +2780,7 @@
               <a:buChar char="■"/>
               <a:defRPr/>
             </a:lvl3pPr>
-            <a:lvl4pPr indent="-317500" lvl="3" marL="1828800" algn="ctr">
+            <a:lvl4pPr marL="1828800" lvl="3" indent="-317500" algn="ctr">
               <a:spcBef>
                 <a:spcPts val="0"/>
               </a:spcBef>
@@ -2685,7 +2791,7 @@
               <a:buChar char="●"/>
               <a:defRPr/>
             </a:lvl4pPr>
-            <a:lvl5pPr indent="-317500" lvl="4" marL="2286000" algn="ctr">
+            <a:lvl5pPr marL="2286000" lvl="4" indent="-317500" algn="ctr">
               <a:spcBef>
                 <a:spcPts val="0"/>
               </a:spcBef>
@@ -2696,7 +2802,7 @@
               <a:buChar char="○"/>
               <a:defRPr/>
             </a:lvl5pPr>
-            <a:lvl6pPr indent="-317500" lvl="5" marL="2743200" algn="ctr">
+            <a:lvl6pPr marL="2743200" lvl="5" indent="-317500" algn="ctr">
               <a:spcBef>
                 <a:spcPts val="0"/>
               </a:spcBef>
@@ -2707,7 +2813,7 @@
               <a:buChar char="■"/>
               <a:defRPr/>
             </a:lvl6pPr>
-            <a:lvl7pPr indent="-317500" lvl="6" marL="3200400" algn="ctr">
+            <a:lvl7pPr marL="3200400" lvl="6" indent="-317500" algn="ctr">
               <a:spcBef>
                 <a:spcPts val="0"/>
               </a:spcBef>
@@ -2718,7 +2824,7 @@
               <a:buChar char="●"/>
               <a:defRPr/>
             </a:lvl7pPr>
-            <a:lvl8pPr indent="-317500" lvl="7" marL="3657600" algn="ctr">
+            <a:lvl8pPr marL="3657600" lvl="7" indent="-317500" algn="ctr">
               <a:spcBef>
                 <a:spcPts val="0"/>
               </a:spcBef>
@@ -2729,7 +2835,7 @@
               <a:buChar char="○"/>
               <a:defRPr/>
             </a:lvl8pPr>
-            <a:lvl9pPr indent="-317500" lvl="8" marL="4114800" algn="ctr">
+            <a:lvl9pPr marL="4114800" lvl="8" indent="-317500" algn="ctr">
               <a:spcBef>
                 <a:spcPts val="0"/>
               </a:spcBef>
@@ -2741,15 +2847,19 @@
               <a:defRPr/>
             </a:lvl9pPr>
           </a:lstStyle>
-          <a:p/>
+          <a:p>
+            <a:endParaRPr/>
+          </a:p>
         </p:txBody>
       </p:sp>
       <p:sp>
         <p:nvSpPr>
           <p:cNvPr id="47" name="Google Shape;47;p11"/>
-          <p:cNvSpPr txBox="1"/>
+          <p:cNvSpPr txBox="1">
+            <a:spLocks noGrp="1"/>
+          </p:cNvSpPr>
           <p:nvPr>
-            <p:ph idx="12" type="sldNum"/>
+            <p:ph type="sldNum" idx="12"/>
           </p:nvPr>
         </p:nvSpPr>
         <p:spPr>
@@ -2762,7 +2872,7 @@
           </a:prstGeom>
         </p:spPr>
         <p:txBody>
-          <a:bodyPr anchorCtr="0" anchor="ctr" bIns="91425" lIns="91425" spcFirstLastPara="1" rIns="91425" wrap="square" tIns="91425">
+          <a:bodyPr spcFirstLastPara="1" wrap="square" lIns="91425" tIns="91425" rIns="91425" bIns="91425" anchor="ctr" anchorCtr="0">
             <a:normAutofit/>
           </a:bodyPr>
           <a:lstStyle>
@@ -2804,7 +2914,7 @@
             </a:lvl9pPr>
           </a:lstStyle>
           <a:p>
-            <a:pPr indent="0" lvl="0" marL="0" rtl="0" algn="r">
+            <a:pPr marL="0" lvl="0" indent="0" algn="r" rtl="0">
               <a:spcBef>
                 <a:spcPts val="0"/>
               </a:spcBef>
@@ -2830,11 +2940,11 @@
 </file>
 
 <file path=ppt/slideLayouts/slideLayout11.xml><?xml version="1.0" encoding="utf-8"?>
-<p:sldLayout xmlns:a="http://schemas.openxmlformats.org/drawingml/2006/main" xmlns:r="http://schemas.openxmlformats.org/officeDocument/2006/relationships" xmlns:mc="http://schemas.openxmlformats.org/markup-compatibility/2006" xmlns:mv="urn:schemas-microsoft-com:mac:vml" xmlns:p="http://schemas.openxmlformats.org/presentationml/2006/main" xmlns:c="http://schemas.openxmlformats.org/drawingml/2006/chart" xmlns:dgm="http://schemas.openxmlformats.org/drawingml/2006/diagram" xmlns:o="urn:schemas-microsoft-com:office:office" xmlns:v="urn:schemas-microsoft-com:vml" xmlns:pvml="urn:schemas-microsoft-com:office:powerpoint" xmlns:com="http://schemas.openxmlformats.org/drawingml/2006/compatibility" xmlns:p14="http://schemas.microsoft.com/office/powerpoint/2010/main" xmlns:p15="http://schemas.microsoft.com/office/powerpoint/2012/main" xmlns:ahyp="http://schemas.microsoft.com/office/drawing/2018/hyperlinkcolor" matchingName="Blank" type="blank">
+<p:sldLayout xmlns:a="http://schemas.openxmlformats.org/drawingml/2006/main" xmlns:r="http://schemas.openxmlformats.org/officeDocument/2006/relationships" xmlns:p="http://schemas.openxmlformats.org/presentationml/2006/main" matchingName="Blank" type="blank">
   <p:cSld name="BLANK">
     <p:spTree>
       <p:nvGrpSpPr>
-        <p:cNvPr id="48" name="Shape 48"/>
+        <p:cNvPr id="1" name="Shape 48"/>
         <p:cNvGrpSpPr/>
         <p:nvPr/>
       </p:nvGrpSpPr>
@@ -2849,9 +2959,11 @@
       <p:sp>
         <p:nvSpPr>
           <p:cNvPr id="49" name="Google Shape;49;p12"/>
-          <p:cNvSpPr txBox="1"/>
+          <p:cNvSpPr txBox="1">
+            <a:spLocks noGrp="1"/>
+          </p:cNvSpPr>
           <p:nvPr>
-            <p:ph idx="12" type="sldNum"/>
+            <p:ph type="sldNum" idx="12"/>
           </p:nvPr>
         </p:nvSpPr>
         <p:spPr>
@@ -2864,7 +2976,7 @@
           </a:prstGeom>
         </p:spPr>
         <p:txBody>
-          <a:bodyPr anchorCtr="0" anchor="ctr" bIns="91425" lIns="91425" spcFirstLastPara="1" rIns="91425" wrap="square" tIns="91425">
+          <a:bodyPr spcFirstLastPara="1" wrap="square" lIns="91425" tIns="91425" rIns="91425" bIns="91425" anchor="ctr" anchorCtr="0">
             <a:normAutofit/>
           </a:bodyPr>
           <a:lstStyle>
@@ -2906,7 +3018,7 @@
             </a:lvl9pPr>
           </a:lstStyle>
           <a:p>
-            <a:pPr indent="0" lvl="0" marL="0" rtl="0" algn="r">
+            <a:pPr marL="0" lvl="0" indent="0" algn="r" rtl="0">
               <a:spcBef>
                 <a:spcPts val="0"/>
               </a:spcBef>
@@ -2932,11 +3044,11 @@
 </file>
 
 <file path=ppt/slideLayouts/slideLayout2.xml><?xml version="1.0" encoding="utf-8"?>
-<p:sldLayout xmlns:a="http://schemas.openxmlformats.org/drawingml/2006/main" xmlns:r="http://schemas.openxmlformats.org/officeDocument/2006/relationships" xmlns:mc="http://schemas.openxmlformats.org/markup-compatibility/2006" xmlns:mv="urn:schemas-microsoft-com:mac:vml" xmlns:p="http://schemas.openxmlformats.org/presentationml/2006/main" xmlns:c="http://schemas.openxmlformats.org/drawingml/2006/chart" xmlns:dgm="http://schemas.openxmlformats.org/drawingml/2006/diagram" xmlns:o="urn:schemas-microsoft-com:office:office" xmlns:v="urn:schemas-microsoft-com:vml" xmlns:pvml="urn:schemas-microsoft-com:office:powerpoint" xmlns:com="http://schemas.openxmlformats.org/drawingml/2006/compatibility" xmlns:p14="http://schemas.microsoft.com/office/powerpoint/2010/main" xmlns:p15="http://schemas.microsoft.com/office/powerpoint/2012/main" xmlns:ahyp="http://schemas.microsoft.com/office/drawing/2018/hyperlinkcolor" matchingName="Section header" type="secHead">
+<p:sldLayout xmlns:a="http://schemas.openxmlformats.org/drawingml/2006/main" xmlns:r="http://schemas.openxmlformats.org/officeDocument/2006/relationships" xmlns:p="http://schemas.openxmlformats.org/presentationml/2006/main" matchingName="Section header" type="secHead">
   <p:cSld name="SECTION_HEADER">
     <p:spTree>
       <p:nvGrpSpPr>
-        <p:cNvPr id="13" name="Shape 13"/>
+        <p:cNvPr id="1" name="Shape 13"/>
         <p:cNvGrpSpPr/>
         <p:nvPr/>
       </p:nvGrpSpPr>
@@ -2951,7 +3063,9 @@
       <p:sp>
         <p:nvSpPr>
           <p:cNvPr id="14" name="Google Shape;14;p3"/>
-          <p:cNvSpPr txBox="1"/>
+          <p:cNvSpPr txBox="1">
+            <a:spLocks noGrp="1"/>
+          </p:cNvSpPr>
           <p:nvPr>
             <p:ph type="title"/>
           </p:nvPr>
@@ -2966,7 +3080,7 @@
           </a:prstGeom>
         </p:spPr>
         <p:txBody>
-          <a:bodyPr anchorCtr="0" anchor="ctr" bIns="91425" lIns="91425" spcFirstLastPara="1" rIns="91425" wrap="square" tIns="91425">
+          <a:bodyPr spcFirstLastPara="1" wrap="square" lIns="91425" tIns="91425" rIns="91425" bIns="91425" anchor="ctr" anchorCtr="0">
             <a:normAutofit/>
           </a:bodyPr>
           <a:lstStyle>
@@ -3070,15 +3184,19 @@
               <a:defRPr sz="3600"/>
             </a:lvl9pPr>
           </a:lstStyle>
-          <a:p/>
+          <a:p>
+            <a:endParaRPr/>
+          </a:p>
         </p:txBody>
       </p:sp>
       <p:sp>
         <p:nvSpPr>
           <p:cNvPr id="15" name="Google Shape;15;p3"/>
-          <p:cNvSpPr txBox="1"/>
+          <p:cNvSpPr txBox="1">
+            <a:spLocks noGrp="1"/>
+          </p:cNvSpPr>
           <p:nvPr>
-            <p:ph idx="12" type="sldNum"/>
+            <p:ph type="sldNum" idx="12"/>
           </p:nvPr>
         </p:nvSpPr>
         <p:spPr>
@@ -3091,7 +3209,7 @@
           </a:prstGeom>
         </p:spPr>
         <p:txBody>
-          <a:bodyPr anchorCtr="0" anchor="ctr" bIns="91425" lIns="91425" spcFirstLastPara="1" rIns="91425" wrap="square" tIns="91425">
+          <a:bodyPr spcFirstLastPara="1" wrap="square" lIns="91425" tIns="91425" rIns="91425" bIns="91425" anchor="ctr" anchorCtr="0">
             <a:normAutofit/>
           </a:bodyPr>
           <a:lstStyle>
@@ -3133,7 +3251,7 @@
             </a:lvl9pPr>
           </a:lstStyle>
           <a:p>
-            <a:pPr indent="0" lvl="0" marL="0" rtl="0" algn="r">
+            <a:pPr marL="0" lvl="0" indent="0" algn="r" rtl="0">
               <a:spcBef>
                 <a:spcPts val="0"/>
               </a:spcBef>
@@ -3159,11 +3277,11 @@
 </file>
 
 <file path=ppt/slideLayouts/slideLayout3.xml><?xml version="1.0" encoding="utf-8"?>
-<p:sldLayout xmlns:a="http://schemas.openxmlformats.org/drawingml/2006/main" xmlns:r="http://schemas.openxmlformats.org/officeDocument/2006/relationships" xmlns:mc="http://schemas.openxmlformats.org/markup-compatibility/2006" xmlns:mv="urn:schemas-microsoft-com:mac:vml" xmlns:p="http://schemas.openxmlformats.org/presentationml/2006/main" xmlns:c="http://schemas.openxmlformats.org/drawingml/2006/chart" xmlns:dgm="http://schemas.openxmlformats.org/drawingml/2006/diagram" xmlns:o="urn:schemas-microsoft-com:office:office" xmlns:v="urn:schemas-microsoft-com:vml" xmlns:pvml="urn:schemas-microsoft-com:office:powerpoint" xmlns:com="http://schemas.openxmlformats.org/drawingml/2006/compatibility" xmlns:p14="http://schemas.microsoft.com/office/powerpoint/2010/main" xmlns:p15="http://schemas.microsoft.com/office/powerpoint/2012/main" xmlns:ahyp="http://schemas.microsoft.com/office/drawing/2018/hyperlinkcolor" matchingName="Title and body" type="tx">
+<p:sldLayout xmlns:a="http://schemas.openxmlformats.org/drawingml/2006/main" xmlns:r="http://schemas.openxmlformats.org/officeDocument/2006/relationships" xmlns:p="http://schemas.openxmlformats.org/presentationml/2006/main" matchingName="Title and body" type="tx">
   <p:cSld name="TITLE_AND_BODY">
     <p:spTree>
       <p:nvGrpSpPr>
-        <p:cNvPr id="16" name="Shape 16"/>
+        <p:cNvPr id="1" name="Shape 16"/>
         <p:cNvGrpSpPr/>
         <p:nvPr/>
       </p:nvGrpSpPr>
@@ -3178,7 +3296,9 @@
       <p:sp>
         <p:nvSpPr>
           <p:cNvPr id="17" name="Google Shape;17;p4"/>
-          <p:cNvSpPr txBox="1"/>
+          <p:cNvSpPr txBox="1">
+            <a:spLocks noGrp="1"/>
+          </p:cNvSpPr>
           <p:nvPr>
             <p:ph type="title"/>
           </p:nvPr>
@@ -3193,7 +3313,7 @@
           </a:prstGeom>
         </p:spPr>
         <p:txBody>
-          <a:bodyPr anchorCtr="0" anchor="t" bIns="91425" lIns="91425" spcFirstLastPara="1" rIns="91425" wrap="square" tIns="91425">
+          <a:bodyPr spcFirstLastPara="1" wrap="square" lIns="91425" tIns="91425" rIns="91425" bIns="91425" anchor="t" anchorCtr="0">
             <a:normAutofit/>
           </a:bodyPr>
           <a:lstStyle>
@@ -3297,15 +3417,19 @@
               <a:defRPr/>
             </a:lvl9pPr>
           </a:lstStyle>
-          <a:p/>
+          <a:p>
+            <a:endParaRPr/>
+          </a:p>
         </p:txBody>
       </p:sp>
       <p:sp>
         <p:nvSpPr>
           <p:cNvPr id="18" name="Google Shape;18;p4"/>
-          <p:cNvSpPr txBox="1"/>
+          <p:cNvSpPr txBox="1">
+            <a:spLocks noGrp="1"/>
+          </p:cNvSpPr>
           <p:nvPr>
-            <p:ph idx="1" type="body"/>
+            <p:ph type="body" idx="1"/>
           </p:nvPr>
         </p:nvSpPr>
         <p:spPr>
@@ -3318,11 +3442,11 @@
           </a:prstGeom>
         </p:spPr>
         <p:txBody>
-          <a:bodyPr anchorCtr="0" anchor="t" bIns="91425" lIns="91425" spcFirstLastPara="1" rIns="91425" wrap="square" tIns="91425">
+          <a:bodyPr spcFirstLastPara="1" wrap="square" lIns="91425" tIns="91425" rIns="91425" bIns="91425" anchor="t" anchorCtr="0">
             <a:normAutofit/>
           </a:bodyPr>
           <a:lstStyle>
-            <a:lvl1pPr indent="-342900" lvl="0" marL="457200">
+            <a:lvl1pPr marL="457200" lvl="0" indent="-342900">
               <a:spcBef>
                 <a:spcPts val="0"/>
               </a:spcBef>
@@ -3333,7 +3457,7 @@
               <a:buChar char="●"/>
               <a:defRPr/>
             </a:lvl1pPr>
-            <a:lvl2pPr indent="-317500" lvl="1" marL="914400">
+            <a:lvl2pPr marL="914400" lvl="1" indent="-317500">
               <a:spcBef>
                 <a:spcPts val="0"/>
               </a:spcBef>
@@ -3344,7 +3468,7 @@
               <a:buChar char="○"/>
               <a:defRPr/>
             </a:lvl2pPr>
-            <a:lvl3pPr indent="-317500" lvl="2" marL="1371600">
+            <a:lvl3pPr marL="1371600" lvl="2" indent="-317500">
               <a:spcBef>
                 <a:spcPts val="0"/>
               </a:spcBef>
@@ -3355,7 +3479,7 @@
               <a:buChar char="■"/>
               <a:defRPr/>
             </a:lvl3pPr>
-            <a:lvl4pPr indent="-317500" lvl="3" marL="1828800">
+            <a:lvl4pPr marL="1828800" lvl="3" indent="-317500">
               <a:spcBef>
                 <a:spcPts val="0"/>
               </a:spcBef>
@@ -3366,7 +3490,7 @@
               <a:buChar char="●"/>
               <a:defRPr/>
             </a:lvl4pPr>
-            <a:lvl5pPr indent="-317500" lvl="4" marL="2286000">
+            <a:lvl5pPr marL="2286000" lvl="4" indent="-317500">
               <a:spcBef>
                 <a:spcPts val="0"/>
               </a:spcBef>
@@ -3377,7 +3501,7 @@
               <a:buChar char="○"/>
               <a:defRPr/>
             </a:lvl5pPr>
-            <a:lvl6pPr indent="-317500" lvl="5" marL="2743200">
+            <a:lvl6pPr marL="2743200" lvl="5" indent="-317500">
               <a:spcBef>
                 <a:spcPts val="0"/>
               </a:spcBef>
@@ -3388,7 +3512,7 @@
               <a:buChar char="■"/>
               <a:defRPr/>
             </a:lvl6pPr>
-            <a:lvl7pPr indent="-317500" lvl="6" marL="3200400">
+            <a:lvl7pPr marL="3200400" lvl="6" indent="-317500">
               <a:spcBef>
                 <a:spcPts val="0"/>
               </a:spcBef>
@@ -3399,7 +3523,7 @@
               <a:buChar char="●"/>
               <a:defRPr/>
             </a:lvl7pPr>
-            <a:lvl8pPr indent="-317500" lvl="7" marL="3657600">
+            <a:lvl8pPr marL="3657600" lvl="7" indent="-317500">
               <a:spcBef>
                 <a:spcPts val="0"/>
               </a:spcBef>
@@ -3410,7 +3534,7 @@
               <a:buChar char="○"/>
               <a:defRPr/>
             </a:lvl8pPr>
-            <a:lvl9pPr indent="-317500" lvl="8" marL="4114800">
+            <a:lvl9pPr marL="4114800" lvl="8" indent="-317500">
               <a:spcBef>
                 <a:spcPts val="0"/>
               </a:spcBef>
@@ -3422,15 +3546,19 @@
               <a:defRPr/>
             </a:lvl9pPr>
           </a:lstStyle>
-          <a:p/>
+          <a:p>
+            <a:endParaRPr/>
+          </a:p>
         </p:txBody>
       </p:sp>
       <p:sp>
         <p:nvSpPr>
           <p:cNvPr id="19" name="Google Shape;19;p4"/>
-          <p:cNvSpPr txBox="1"/>
+          <p:cNvSpPr txBox="1">
+            <a:spLocks noGrp="1"/>
+          </p:cNvSpPr>
           <p:nvPr>
-            <p:ph idx="12" type="sldNum"/>
+            <p:ph type="sldNum" idx="12"/>
           </p:nvPr>
         </p:nvSpPr>
         <p:spPr>
@@ -3443,7 +3571,7 @@
           </a:prstGeom>
         </p:spPr>
         <p:txBody>
-          <a:bodyPr anchorCtr="0" anchor="ctr" bIns="91425" lIns="91425" spcFirstLastPara="1" rIns="91425" wrap="square" tIns="91425">
+          <a:bodyPr spcFirstLastPara="1" wrap="square" lIns="91425" tIns="91425" rIns="91425" bIns="91425" anchor="ctr" anchorCtr="0">
             <a:normAutofit/>
           </a:bodyPr>
           <a:lstStyle>
@@ -3485,7 +3613,7 @@
             </a:lvl9pPr>
           </a:lstStyle>
           <a:p>
-            <a:pPr indent="0" lvl="0" marL="0" rtl="0" algn="r">
+            <a:pPr marL="0" lvl="0" indent="0" algn="r" rtl="0">
               <a:spcBef>
                 <a:spcPts val="0"/>
               </a:spcBef>
@@ -3511,11 +3639,11 @@
 </file>
 
 <file path=ppt/slideLayouts/slideLayout4.xml><?xml version="1.0" encoding="utf-8"?>
-<p:sldLayout xmlns:a="http://schemas.openxmlformats.org/drawingml/2006/main" xmlns:r="http://schemas.openxmlformats.org/officeDocument/2006/relationships" xmlns:mc="http://schemas.openxmlformats.org/markup-compatibility/2006" xmlns:mv="urn:schemas-microsoft-com:mac:vml" xmlns:p="http://schemas.openxmlformats.org/presentationml/2006/main" xmlns:c="http://schemas.openxmlformats.org/drawingml/2006/chart" xmlns:dgm="http://schemas.openxmlformats.org/drawingml/2006/diagram" xmlns:o="urn:schemas-microsoft-com:office:office" xmlns:v="urn:schemas-microsoft-com:vml" xmlns:pvml="urn:schemas-microsoft-com:office:powerpoint" xmlns:com="http://schemas.openxmlformats.org/drawingml/2006/compatibility" xmlns:p14="http://schemas.microsoft.com/office/powerpoint/2010/main" xmlns:p15="http://schemas.microsoft.com/office/powerpoint/2012/main" xmlns:ahyp="http://schemas.microsoft.com/office/drawing/2018/hyperlinkcolor" matchingName="Title and two columns" type="twoColTx">
+<p:sldLayout xmlns:a="http://schemas.openxmlformats.org/drawingml/2006/main" xmlns:r="http://schemas.openxmlformats.org/officeDocument/2006/relationships" xmlns:p="http://schemas.openxmlformats.org/presentationml/2006/main" matchingName="Title and two columns" type="twoColTx">
   <p:cSld name="TITLE_AND_TWO_COLUMNS">
     <p:spTree>
       <p:nvGrpSpPr>
-        <p:cNvPr id="20" name="Shape 20"/>
+        <p:cNvPr id="1" name="Shape 20"/>
         <p:cNvGrpSpPr/>
         <p:nvPr/>
       </p:nvGrpSpPr>
@@ -3530,7 +3658,9 @@
       <p:sp>
         <p:nvSpPr>
           <p:cNvPr id="21" name="Google Shape;21;p5"/>
-          <p:cNvSpPr txBox="1"/>
+          <p:cNvSpPr txBox="1">
+            <a:spLocks noGrp="1"/>
+          </p:cNvSpPr>
           <p:nvPr>
             <p:ph type="title"/>
           </p:nvPr>
@@ -3545,7 +3675,7 @@
           </a:prstGeom>
         </p:spPr>
         <p:txBody>
-          <a:bodyPr anchorCtr="0" anchor="t" bIns="91425" lIns="91425" spcFirstLastPara="1" rIns="91425" wrap="square" tIns="91425">
+          <a:bodyPr spcFirstLastPara="1" wrap="square" lIns="91425" tIns="91425" rIns="91425" bIns="91425" anchor="t" anchorCtr="0">
             <a:normAutofit/>
           </a:bodyPr>
           <a:lstStyle>
@@ -3649,15 +3779,19 @@
               <a:defRPr/>
             </a:lvl9pPr>
           </a:lstStyle>
-          <a:p/>
+          <a:p>
+            <a:endParaRPr/>
+          </a:p>
         </p:txBody>
       </p:sp>
       <p:sp>
         <p:nvSpPr>
           <p:cNvPr id="22" name="Google Shape;22;p5"/>
-          <p:cNvSpPr txBox="1"/>
+          <p:cNvSpPr txBox="1">
+            <a:spLocks noGrp="1"/>
+          </p:cNvSpPr>
           <p:nvPr>
-            <p:ph idx="1" type="body"/>
+            <p:ph type="body" idx="1"/>
           </p:nvPr>
         </p:nvSpPr>
         <p:spPr>
@@ -3670,11 +3804,11 @@
           </a:prstGeom>
         </p:spPr>
         <p:txBody>
-          <a:bodyPr anchorCtr="0" anchor="t" bIns="91425" lIns="91425" spcFirstLastPara="1" rIns="91425" wrap="square" tIns="91425">
+          <a:bodyPr spcFirstLastPara="1" wrap="square" lIns="91425" tIns="91425" rIns="91425" bIns="91425" anchor="t" anchorCtr="0">
             <a:normAutofit/>
           </a:bodyPr>
           <a:lstStyle>
-            <a:lvl1pPr indent="-317500" lvl="0" marL="457200">
+            <a:lvl1pPr marL="457200" lvl="0" indent="-317500">
               <a:spcBef>
                 <a:spcPts val="0"/>
               </a:spcBef>
@@ -3685,7 +3819,7 @@
               <a:buChar char="●"/>
               <a:defRPr sz="1400"/>
             </a:lvl1pPr>
-            <a:lvl2pPr indent="-304800" lvl="1" marL="914400">
+            <a:lvl2pPr marL="914400" lvl="1" indent="-304800">
               <a:spcBef>
                 <a:spcPts val="0"/>
               </a:spcBef>
@@ -3696,7 +3830,7 @@
               <a:buChar char="○"/>
               <a:defRPr sz="1200"/>
             </a:lvl2pPr>
-            <a:lvl3pPr indent="-304800" lvl="2" marL="1371600">
+            <a:lvl3pPr marL="1371600" lvl="2" indent="-304800">
               <a:spcBef>
                 <a:spcPts val="0"/>
               </a:spcBef>
@@ -3707,7 +3841,7 @@
               <a:buChar char="■"/>
               <a:defRPr sz="1200"/>
             </a:lvl3pPr>
-            <a:lvl4pPr indent="-304800" lvl="3" marL="1828800">
+            <a:lvl4pPr marL="1828800" lvl="3" indent="-304800">
               <a:spcBef>
                 <a:spcPts val="0"/>
               </a:spcBef>
@@ -3718,7 +3852,7 @@
               <a:buChar char="●"/>
               <a:defRPr sz="1200"/>
             </a:lvl4pPr>
-            <a:lvl5pPr indent="-304800" lvl="4" marL="2286000">
+            <a:lvl5pPr marL="2286000" lvl="4" indent="-304800">
               <a:spcBef>
                 <a:spcPts val="0"/>
               </a:spcBef>
@@ -3729,7 +3863,7 @@
               <a:buChar char="○"/>
               <a:defRPr sz="1200"/>
             </a:lvl5pPr>
-            <a:lvl6pPr indent="-304800" lvl="5" marL="2743200">
+            <a:lvl6pPr marL="2743200" lvl="5" indent="-304800">
               <a:spcBef>
                 <a:spcPts val="0"/>
               </a:spcBef>
@@ -3740,7 +3874,7 @@
               <a:buChar char="■"/>
               <a:defRPr sz="1200"/>
             </a:lvl6pPr>
-            <a:lvl7pPr indent="-304800" lvl="6" marL="3200400">
+            <a:lvl7pPr marL="3200400" lvl="6" indent="-304800">
               <a:spcBef>
                 <a:spcPts val="0"/>
               </a:spcBef>
@@ -3751,7 +3885,7 @@
               <a:buChar char="●"/>
               <a:defRPr sz="1200"/>
             </a:lvl7pPr>
-            <a:lvl8pPr indent="-304800" lvl="7" marL="3657600">
+            <a:lvl8pPr marL="3657600" lvl="7" indent="-304800">
               <a:spcBef>
                 <a:spcPts val="0"/>
               </a:spcBef>
@@ -3762,7 +3896,7 @@
               <a:buChar char="○"/>
               <a:defRPr sz="1200"/>
             </a:lvl8pPr>
-            <a:lvl9pPr indent="-304800" lvl="8" marL="4114800">
+            <a:lvl9pPr marL="4114800" lvl="8" indent="-304800">
               <a:spcBef>
                 <a:spcPts val="0"/>
               </a:spcBef>
@@ -3774,15 +3908,19 @@
               <a:defRPr sz="1200"/>
             </a:lvl9pPr>
           </a:lstStyle>
-          <a:p/>
+          <a:p>
+            <a:endParaRPr/>
+          </a:p>
         </p:txBody>
       </p:sp>
       <p:sp>
         <p:nvSpPr>
           <p:cNvPr id="23" name="Google Shape;23;p5"/>
-          <p:cNvSpPr txBox="1"/>
+          <p:cNvSpPr txBox="1">
+            <a:spLocks noGrp="1"/>
+          </p:cNvSpPr>
           <p:nvPr>
-            <p:ph idx="2" type="body"/>
+            <p:ph type="body" idx="2"/>
           </p:nvPr>
         </p:nvSpPr>
         <p:spPr>
@@ -3795,11 +3933,11 @@
           </a:prstGeom>
         </p:spPr>
         <p:txBody>
-          <a:bodyPr anchorCtr="0" anchor="t" bIns="91425" lIns="91425" spcFirstLastPara="1" rIns="91425" wrap="square" tIns="91425">
+          <a:bodyPr spcFirstLastPara="1" wrap="square" lIns="91425" tIns="91425" rIns="91425" bIns="91425" anchor="t" anchorCtr="0">
             <a:normAutofit/>
           </a:bodyPr>
           <a:lstStyle>
-            <a:lvl1pPr indent="-317500" lvl="0" marL="457200">
+            <a:lvl1pPr marL="457200" lvl="0" indent="-317500">
               <a:spcBef>
                 <a:spcPts val="0"/>
               </a:spcBef>
@@ -3810,7 +3948,7 @@
               <a:buChar char="●"/>
               <a:defRPr sz="1400"/>
             </a:lvl1pPr>
-            <a:lvl2pPr indent="-304800" lvl="1" marL="914400">
+            <a:lvl2pPr marL="914400" lvl="1" indent="-304800">
               <a:spcBef>
                 <a:spcPts val="0"/>
               </a:spcBef>
@@ -3821,7 +3959,7 @@
               <a:buChar char="○"/>
               <a:defRPr sz="1200"/>
             </a:lvl2pPr>
-            <a:lvl3pPr indent="-304800" lvl="2" marL="1371600">
+            <a:lvl3pPr marL="1371600" lvl="2" indent="-304800">
               <a:spcBef>
                 <a:spcPts val="0"/>
               </a:spcBef>
@@ -3832,7 +3970,7 @@
               <a:buChar char="■"/>
               <a:defRPr sz="1200"/>
             </a:lvl3pPr>
-            <a:lvl4pPr indent="-304800" lvl="3" marL="1828800">
+            <a:lvl4pPr marL="1828800" lvl="3" indent="-304800">
               <a:spcBef>
                 <a:spcPts val="0"/>
               </a:spcBef>
@@ -3843,7 +3981,7 @@
               <a:buChar char="●"/>
               <a:defRPr sz="1200"/>
             </a:lvl4pPr>
-            <a:lvl5pPr indent="-304800" lvl="4" marL="2286000">
+            <a:lvl5pPr marL="2286000" lvl="4" indent="-304800">
               <a:spcBef>
                 <a:spcPts val="0"/>
               </a:spcBef>
@@ -3854,7 +3992,7 @@
               <a:buChar char="○"/>
               <a:defRPr sz="1200"/>
             </a:lvl5pPr>
-            <a:lvl6pPr indent="-304800" lvl="5" marL="2743200">
+            <a:lvl6pPr marL="2743200" lvl="5" indent="-304800">
               <a:spcBef>
                 <a:spcPts val="0"/>
               </a:spcBef>
@@ -3865,7 +4003,7 @@
               <a:buChar char="■"/>
               <a:defRPr sz="1200"/>
             </a:lvl6pPr>
-            <a:lvl7pPr indent="-304800" lvl="6" marL="3200400">
+            <a:lvl7pPr marL="3200400" lvl="6" indent="-304800">
               <a:spcBef>
                 <a:spcPts val="0"/>
               </a:spcBef>
@@ -3876,7 +4014,7 @@
               <a:buChar char="●"/>
               <a:defRPr sz="1200"/>
             </a:lvl7pPr>
-            <a:lvl8pPr indent="-304800" lvl="7" marL="3657600">
+            <a:lvl8pPr marL="3657600" lvl="7" indent="-304800">
               <a:spcBef>
                 <a:spcPts val="0"/>
               </a:spcBef>
@@ -3887,7 +4025,7 @@
               <a:buChar char="○"/>
               <a:defRPr sz="1200"/>
             </a:lvl8pPr>
-            <a:lvl9pPr indent="-304800" lvl="8" marL="4114800">
+            <a:lvl9pPr marL="4114800" lvl="8" indent="-304800">
               <a:spcBef>
                 <a:spcPts val="0"/>
               </a:spcBef>
@@ -3899,15 +4037,19 @@
               <a:defRPr sz="1200"/>
             </a:lvl9pPr>
           </a:lstStyle>
-          <a:p/>
+          <a:p>
+            <a:endParaRPr/>
+          </a:p>
         </p:txBody>
       </p:sp>
       <p:sp>
         <p:nvSpPr>
           <p:cNvPr id="24" name="Google Shape;24;p5"/>
-          <p:cNvSpPr txBox="1"/>
+          <p:cNvSpPr txBox="1">
+            <a:spLocks noGrp="1"/>
+          </p:cNvSpPr>
           <p:nvPr>
-            <p:ph idx="12" type="sldNum"/>
+            <p:ph type="sldNum" idx="12"/>
           </p:nvPr>
         </p:nvSpPr>
         <p:spPr>
@@ -3920,7 +4062,7 @@
           </a:prstGeom>
         </p:spPr>
         <p:txBody>
-          <a:bodyPr anchorCtr="0" anchor="ctr" bIns="91425" lIns="91425" spcFirstLastPara="1" rIns="91425" wrap="square" tIns="91425">
+          <a:bodyPr spcFirstLastPara="1" wrap="square" lIns="91425" tIns="91425" rIns="91425" bIns="91425" anchor="ctr" anchorCtr="0">
             <a:normAutofit/>
           </a:bodyPr>
           <a:lstStyle>
@@ -3962,7 +4104,7 @@
             </a:lvl9pPr>
           </a:lstStyle>
           <a:p>
-            <a:pPr indent="0" lvl="0" marL="0" rtl="0" algn="r">
+            <a:pPr marL="0" lvl="0" indent="0" algn="r" rtl="0">
               <a:spcBef>
                 <a:spcPts val="0"/>
               </a:spcBef>
@@ -3988,11 +4130,11 @@
 </file>
 
 <file path=ppt/slideLayouts/slideLayout5.xml><?xml version="1.0" encoding="utf-8"?>
-<p:sldLayout xmlns:a="http://schemas.openxmlformats.org/drawingml/2006/main" xmlns:r="http://schemas.openxmlformats.org/officeDocument/2006/relationships" xmlns:mc="http://schemas.openxmlformats.org/markup-compatibility/2006" xmlns:mv="urn:schemas-microsoft-com:mac:vml" xmlns:p="http://schemas.openxmlformats.org/presentationml/2006/main" xmlns:c="http://schemas.openxmlformats.org/drawingml/2006/chart" xmlns:dgm="http://schemas.openxmlformats.org/drawingml/2006/diagram" xmlns:o="urn:schemas-microsoft-com:office:office" xmlns:v="urn:schemas-microsoft-com:vml" xmlns:pvml="urn:schemas-microsoft-com:office:powerpoint" xmlns:com="http://schemas.openxmlformats.org/drawingml/2006/compatibility" xmlns:p14="http://schemas.microsoft.com/office/powerpoint/2010/main" xmlns:p15="http://schemas.microsoft.com/office/powerpoint/2012/main" xmlns:ahyp="http://schemas.microsoft.com/office/drawing/2018/hyperlinkcolor" matchingName="Title only" type="titleOnly">
+<p:sldLayout xmlns:a="http://schemas.openxmlformats.org/drawingml/2006/main" xmlns:r="http://schemas.openxmlformats.org/officeDocument/2006/relationships" xmlns:p="http://schemas.openxmlformats.org/presentationml/2006/main" matchingName="Title only" type="titleOnly">
   <p:cSld name="TITLE_ONLY">
     <p:spTree>
       <p:nvGrpSpPr>
-        <p:cNvPr id="25" name="Shape 25"/>
+        <p:cNvPr id="1" name="Shape 25"/>
         <p:cNvGrpSpPr/>
         <p:nvPr/>
       </p:nvGrpSpPr>
@@ -4007,7 +4149,9 @@
       <p:sp>
         <p:nvSpPr>
           <p:cNvPr id="26" name="Google Shape;26;p6"/>
-          <p:cNvSpPr txBox="1"/>
+          <p:cNvSpPr txBox="1">
+            <a:spLocks noGrp="1"/>
+          </p:cNvSpPr>
           <p:nvPr>
             <p:ph type="title"/>
           </p:nvPr>
@@ -4022,7 +4166,7 @@
           </a:prstGeom>
         </p:spPr>
         <p:txBody>
-          <a:bodyPr anchorCtr="0" anchor="t" bIns="91425" lIns="91425" spcFirstLastPara="1" rIns="91425" wrap="square" tIns="91425">
+          <a:bodyPr spcFirstLastPara="1" wrap="square" lIns="91425" tIns="91425" rIns="91425" bIns="91425" anchor="t" anchorCtr="0">
             <a:normAutofit/>
           </a:bodyPr>
           <a:lstStyle>
@@ -4126,15 +4270,19 @@
               <a:defRPr/>
             </a:lvl9pPr>
           </a:lstStyle>
-          <a:p/>
+          <a:p>
+            <a:endParaRPr/>
+          </a:p>
         </p:txBody>
       </p:sp>
       <p:sp>
         <p:nvSpPr>
           <p:cNvPr id="27" name="Google Shape;27;p6"/>
-          <p:cNvSpPr txBox="1"/>
+          <p:cNvSpPr txBox="1">
+            <a:spLocks noGrp="1"/>
+          </p:cNvSpPr>
           <p:nvPr>
-            <p:ph idx="12" type="sldNum"/>
+            <p:ph type="sldNum" idx="12"/>
           </p:nvPr>
         </p:nvSpPr>
         <p:spPr>
@@ -4147,7 +4295,7 @@
           </a:prstGeom>
         </p:spPr>
         <p:txBody>
-          <a:bodyPr anchorCtr="0" anchor="ctr" bIns="91425" lIns="91425" spcFirstLastPara="1" rIns="91425" wrap="square" tIns="91425">
+          <a:bodyPr spcFirstLastPara="1" wrap="square" lIns="91425" tIns="91425" rIns="91425" bIns="91425" anchor="ctr" anchorCtr="0">
             <a:normAutofit/>
           </a:bodyPr>
           <a:lstStyle>
@@ -4189,7 +4337,7 @@
             </a:lvl9pPr>
           </a:lstStyle>
           <a:p>
-            <a:pPr indent="0" lvl="0" marL="0" rtl="0" algn="r">
+            <a:pPr marL="0" lvl="0" indent="0" algn="r" rtl="0">
               <a:spcBef>
                 <a:spcPts val="0"/>
               </a:spcBef>
@@ -4215,11 +4363,11 @@
 </file>
 
 <file path=ppt/slideLayouts/slideLayout6.xml><?xml version="1.0" encoding="utf-8"?>
-<p:sldLayout xmlns:a="http://schemas.openxmlformats.org/drawingml/2006/main" xmlns:r="http://schemas.openxmlformats.org/officeDocument/2006/relationships" xmlns:mc="http://schemas.openxmlformats.org/markup-compatibility/2006" xmlns:mv="urn:schemas-microsoft-com:mac:vml" xmlns:p="http://schemas.openxmlformats.org/presentationml/2006/main" xmlns:c="http://schemas.openxmlformats.org/drawingml/2006/chart" xmlns:dgm="http://schemas.openxmlformats.org/drawingml/2006/diagram" xmlns:o="urn:schemas-microsoft-com:office:office" xmlns:v="urn:schemas-microsoft-com:vml" xmlns:pvml="urn:schemas-microsoft-com:office:powerpoint" xmlns:com="http://schemas.openxmlformats.org/drawingml/2006/compatibility" xmlns:p14="http://schemas.microsoft.com/office/powerpoint/2010/main" xmlns:p15="http://schemas.microsoft.com/office/powerpoint/2012/main" xmlns:ahyp="http://schemas.microsoft.com/office/drawing/2018/hyperlinkcolor" matchingName="One column text">
+<p:sldLayout xmlns:a="http://schemas.openxmlformats.org/drawingml/2006/main" xmlns:r="http://schemas.openxmlformats.org/officeDocument/2006/relationships" xmlns:p="http://schemas.openxmlformats.org/presentationml/2006/main" matchingName="One column text">
   <p:cSld name="ONE_COLUMN_TEXT">
     <p:spTree>
       <p:nvGrpSpPr>
-        <p:cNvPr id="28" name="Shape 28"/>
+        <p:cNvPr id="1" name="Shape 28"/>
         <p:cNvGrpSpPr/>
         <p:nvPr/>
       </p:nvGrpSpPr>
@@ -4234,7 +4382,9 @@
       <p:sp>
         <p:nvSpPr>
           <p:cNvPr id="29" name="Google Shape;29;p7"/>
-          <p:cNvSpPr txBox="1"/>
+          <p:cNvSpPr txBox="1">
+            <a:spLocks noGrp="1"/>
+          </p:cNvSpPr>
           <p:nvPr>
             <p:ph type="title"/>
           </p:nvPr>
@@ -4249,7 +4399,7 @@
           </a:prstGeom>
         </p:spPr>
         <p:txBody>
-          <a:bodyPr anchorCtr="0" anchor="b" bIns="91425" lIns="91425" spcFirstLastPara="1" rIns="91425" wrap="square" tIns="91425">
+          <a:bodyPr spcFirstLastPara="1" wrap="square" lIns="91425" tIns="91425" rIns="91425" bIns="91425" anchor="b" anchorCtr="0">
             <a:normAutofit/>
           </a:bodyPr>
           <a:lstStyle>
@@ -4353,15 +4503,19 @@
               <a:defRPr sz="2400"/>
             </a:lvl9pPr>
           </a:lstStyle>
-          <a:p/>
+          <a:p>
+            <a:endParaRPr/>
+          </a:p>
         </p:txBody>
       </p:sp>
       <p:sp>
         <p:nvSpPr>
           <p:cNvPr id="30" name="Google Shape;30;p7"/>
-          <p:cNvSpPr txBox="1"/>
+          <p:cNvSpPr txBox="1">
+            <a:spLocks noGrp="1"/>
+          </p:cNvSpPr>
           <p:nvPr>
-            <p:ph idx="1" type="body"/>
+            <p:ph type="body" idx="1"/>
           </p:nvPr>
         </p:nvSpPr>
         <p:spPr>
@@ -4374,11 +4528,11 @@
           </a:prstGeom>
         </p:spPr>
         <p:txBody>
-          <a:bodyPr anchorCtr="0" anchor="t" bIns="91425" lIns="91425" spcFirstLastPara="1" rIns="91425" wrap="square" tIns="91425">
+          <a:bodyPr spcFirstLastPara="1" wrap="square" lIns="91425" tIns="91425" rIns="91425" bIns="91425" anchor="t" anchorCtr="0">
             <a:normAutofit/>
           </a:bodyPr>
           <a:lstStyle>
-            <a:lvl1pPr indent="-304800" lvl="0" marL="457200">
+            <a:lvl1pPr marL="457200" lvl="0" indent="-304800">
               <a:spcBef>
                 <a:spcPts val="0"/>
               </a:spcBef>
@@ -4389,7 +4543,7 @@
               <a:buChar char="●"/>
               <a:defRPr sz="1200"/>
             </a:lvl1pPr>
-            <a:lvl2pPr indent="-304800" lvl="1" marL="914400">
+            <a:lvl2pPr marL="914400" lvl="1" indent="-304800">
               <a:spcBef>
                 <a:spcPts val="0"/>
               </a:spcBef>
@@ -4400,7 +4554,7 @@
               <a:buChar char="○"/>
               <a:defRPr sz="1200"/>
             </a:lvl2pPr>
-            <a:lvl3pPr indent="-304800" lvl="2" marL="1371600">
+            <a:lvl3pPr marL="1371600" lvl="2" indent="-304800">
               <a:spcBef>
                 <a:spcPts val="0"/>
               </a:spcBef>
@@ -4411,7 +4565,7 @@
               <a:buChar char="■"/>
               <a:defRPr sz="1200"/>
             </a:lvl3pPr>
-            <a:lvl4pPr indent="-304800" lvl="3" marL="1828800">
+            <a:lvl4pPr marL="1828800" lvl="3" indent="-304800">
               <a:spcBef>
                 <a:spcPts val="0"/>
               </a:spcBef>
@@ -4422,7 +4576,7 @@
               <a:buChar char="●"/>
               <a:defRPr sz="1200"/>
             </a:lvl4pPr>
-            <a:lvl5pPr indent="-304800" lvl="4" marL="2286000">
+            <a:lvl5pPr marL="2286000" lvl="4" indent="-304800">
               <a:spcBef>
                 <a:spcPts val="0"/>
               </a:spcBef>
@@ -4433,7 +4587,7 @@
               <a:buChar char="○"/>
               <a:defRPr sz="1200"/>
             </a:lvl5pPr>
-            <a:lvl6pPr indent="-304800" lvl="5" marL="2743200">
+            <a:lvl6pPr marL="2743200" lvl="5" indent="-304800">
               <a:spcBef>
                 <a:spcPts val="0"/>
               </a:spcBef>
@@ -4444,7 +4598,7 @@
               <a:buChar char="■"/>
               <a:defRPr sz="1200"/>
             </a:lvl6pPr>
-            <a:lvl7pPr indent="-304800" lvl="6" marL="3200400">
+            <a:lvl7pPr marL="3200400" lvl="6" indent="-304800">
               <a:spcBef>
                 <a:spcPts val="0"/>
               </a:spcBef>
@@ -4455,7 +4609,7 @@
               <a:buChar char="●"/>
               <a:defRPr sz="1200"/>
             </a:lvl7pPr>
-            <a:lvl8pPr indent="-304800" lvl="7" marL="3657600">
+            <a:lvl8pPr marL="3657600" lvl="7" indent="-304800">
               <a:spcBef>
                 <a:spcPts val="0"/>
               </a:spcBef>
@@ -4466,7 +4620,7 @@
               <a:buChar char="○"/>
               <a:defRPr sz="1200"/>
             </a:lvl8pPr>
-            <a:lvl9pPr indent="-304800" lvl="8" marL="4114800">
+            <a:lvl9pPr marL="4114800" lvl="8" indent="-304800">
               <a:spcBef>
                 <a:spcPts val="0"/>
               </a:spcBef>
@@ -4478,15 +4632,19 @@
               <a:defRPr sz="1200"/>
             </a:lvl9pPr>
           </a:lstStyle>
-          <a:p/>
+          <a:p>
+            <a:endParaRPr/>
+          </a:p>
         </p:txBody>
       </p:sp>
       <p:sp>
         <p:nvSpPr>
           <p:cNvPr id="31" name="Google Shape;31;p7"/>
-          <p:cNvSpPr txBox="1"/>
+          <p:cNvSpPr txBox="1">
+            <a:spLocks noGrp="1"/>
+          </p:cNvSpPr>
           <p:nvPr>
-            <p:ph idx="12" type="sldNum"/>
+            <p:ph type="sldNum" idx="12"/>
           </p:nvPr>
         </p:nvSpPr>
         <p:spPr>
@@ -4499,7 +4657,7 @@
           </a:prstGeom>
         </p:spPr>
         <p:txBody>
-          <a:bodyPr anchorCtr="0" anchor="ctr" bIns="91425" lIns="91425" spcFirstLastPara="1" rIns="91425" wrap="square" tIns="91425">
+          <a:bodyPr spcFirstLastPara="1" wrap="square" lIns="91425" tIns="91425" rIns="91425" bIns="91425" anchor="ctr" anchorCtr="0">
             <a:normAutofit/>
           </a:bodyPr>
           <a:lstStyle>
@@ -4541,7 +4699,7 @@
             </a:lvl9pPr>
           </a:lstStyle>
           <a:p>
-            <a:pPr indent="0" lvl="0" marL="0" rtl="0" algn="r">
+            <a:pPr marL="0" lvl="0" indent="0" algn="r" rtl="0">
               <a:spcBef>
                 <a:spcPts val="0"/>
               </a:spcBef>
@@ -4567,11 +4725,11 @@
 </file>
 
 <file path=ppt/slideLayouts/slideLayout7.xml><?xml version="1.0" encoding="utf-8"?>
-<p:sldLayout xmlns:a="http://schemas.openxmlformats.org/drawingml/2006/main" xmlns:r="http://schemas.openxmlformats.org/officeDocument/2006/relationships" xmlns:mc="http://schemas.openxmlformats.org/markup-compatibility/2006" xmlns:mv="urn:schemas-microsoft-com:mac:vml" xmlns:p="http://schemas.openxmlformats.org/presentationml/2006/main" xmlns:c="http://schemas.openxmlformats.org/drawingml/2006/chart" xmlns:dgm="http://schemas.openxmlformats.org/drawingml/2006/diagram" xmlns:o="urn:schemas-microsoft-com:office:office" xmlns:v="urn:schemas-microsoft-com:vml" xmlns:pvml="urn:schemas-microsoft-com:office:powerpoint" xmlns:com="http://schemas.openxmlformats.org/drawingml/2006/compatibility" xmlns:p14="http://schemas.microsoft.com/office/powerpoint/2010/main" xmlns:p15="http://schemas.microsoft.com/office/powerpoint/2012/main" xmlns:ahyp="http://schemas.microsoft.com/office/drawing/2018/hyperlinkcolor" matchingName="Main point">
+<p:sldLayout xmlns:a="http://schemas.openxmlformats.org/drawingml/2006/main" xmlns:r="http://schemas.openxmlformats.org/officeDocument/2006/relationships" xmlns:p="http://schemas.openxmlformats.org/presentationml/2006/main" matchingName="Main point">
   <p:cSld name="MAIN_POINT">
     <p:spTree>
       <p:nvGrpSpPr>
-        <p:cNvPr id="32" name="Shape 32"/>
+        <p:cNvPr id="1" name="Shape 32"/>
         <p:cNvGrpSpPr/>
         <p:nvPr/>
       </p:nvGrpSpPr>
@@ -4586,7 +4744,9 @@
       <p:sp>
         <p:nvSpPr>
           <p:cNvPr id="33" name="Google Shape;33;p8"/>
-          <p:cNvSpPr txBox="1"/>
+          <p:cNvSpPr txBox="1">
+            <a:spLocks noGrp="1"/>
+          </p:cNvSpPr>
           <p:nvPr>
             <p:ph type="title"/>
           </p:nvPr>
@@ -4601,7 +4761,7 @@
           </a:prstGeom>
         </p:spPr>
         <p:txBody>
-          <a:bodyPr anchorCtr="0" anchor="ctr" bIns="91425" lIns="91425" spcFirstLastPara="1" rIns="91425" wrap="square" tIns="91425">
+          <a:bodyPr spcFirstLastPara="1" wrap="square" lIns="91425" tIns="91425" rIns="91425" bIns="91425" anchor="ctr" anchorCtr="0">
             <a:normAutofit/>
           </a:bodyPr>
           <a:lstStyle>
@@ -4705,15 +4865,19 @@
               <a:defRPr sz="4800"/>
             </a:lvl9pPr>
           </a:lstStyle>
-          <a:p/>
+          <a:p>
+            <a:endParaRPr/>
+          </a:p>
         </p:txBody>
       </p:sp>
       <p:sp>
         <p:nvSpPr>
           <p:cNvPr id="34" name="Google Shape;34;p8"/>
-          <p:cNvSpPr txBox="1"/>
+          <p:cNvSpPr txBox="1">
+            <a:spLocks noGrp="1"/>
+          </p:cNvSpPr>
           <p:nvPr>
-            <p:ph idx="12" type="sldNum"/>
+            <p:ph type="sldNum" idx="12"/>
           </p:nvPr>
         </p:nvSpPr>
         <p:spPr>
@@ -4726,7 +4890,7 @@
           </a:prstGeom>
         </p:spPr>
         <p:txBody>
-          <a:bodyPr anchorCtr="0" anchor="ctr" bIns="91425" lIns="91425" spcFirstLastPara="1" rIns="91425" wrap="square" tIns="91425">
+          <a:bodyPr spcFirstLastPara="1" wrap="square" lIns="91425" tIns="91425" rIns="91425" bIns="91425" anchor="ctr" anchorCtr="0">
             <a:normAutofit/>
           </a:bodyPr>
           <a:lstStyle>
@@ -4768,7 +4932,7 @@
             </a:lvl9pPr>
           </a:lstStyle>
           <a:p>
-            <a:pPr indent="0" lvl="0" marL="0" rtl="0" algn="r">
+            <a:pPr marL="0" lvl="0" indent="0" algn="r" rtl="0">
               <a:spcBef>
                 <a:spcPts val="0"/>
               </a:spcBef>
@@ -4794,11 +4958,11 @@
 </file>
 
 <file path=ppt/slideLayouts/slideLayout8.xml><?xml version="1.0" encoding="utf-8"?>
-<p:sldLayout xmlns:a="http://schemas.openxmlformats.org/drawingml/2006/main" xmlns:r="http://schemas.openxmlformats.org/officeDocument/2006/relationships" xmlns:mc="http://schemas.openxmlformats.org/markup-compatibility/2006" xmlns:mv="urn:schemas-microsoft-com:mac:vml" xmlns:p="http://schemas.openxmlformats.org/presentationml/2006/main" xmlns:c="http://schemas.openxmlformats.org/drawingml/2006/chart" xmlns:dgm="http://schemas.openxmlformats.org/drawingml/2006/diagram" xmlns:o="urn:schemas-microsoft-com:office:office" xmlns:v="urn:schemas-microsoft-com:vml" xmlns:pvml="urn:schemas-microsoft-com:office:powerpoint" xmlns:com="http://schemas.openxmlformats.org/drawingml/2006/compatibility" xmlns:p14="http://schemas.microsoft.com/office/powerpoint/2010/main" xmlns:p15="http://schemas.microsoft.com/office/powerpoint/2012/main" xmlns:ahyp="http://schemas.microsoft.com/office/drawing/2018/hyperlinkcolor" matchingName="Section title and description">
+<p:sldLayout xmlns:a="http://schemas.openxmlformats.org/drawingml/2006/main" xmlns:r="http://schemas.openxmlformats.org/officeDocument/2006/relationships" xmlns:p="http://schemas.openxmlformats.org/presentationml/2006/main" matchingName="Section title and description">
   <p:cSld name="SECTION_TITLE_AND_DESCRIPTION">
     <p:spTree>
       <p:nvGrpSpPr>
-        <p:cNvPr id="35" name="Shape 35"/>
+        <p:cNvPr id="1" name="Shape 35"/>
         <p:cNvGrpSpPr/>
         <p:nvPr/>
       </p:nvGrpSpPr>
@@ -4832,23 +4996,20 @@
           </a:ln>
         </p:spPr>
         <p:txBody>
-          <a:bodyPr anchorCtr="0" anchor="ctr" bIns="91425" lIns="91425" spcFirstLastPara="1" rIns="91425" wrap="square" tIns="91425">
+          <a:bodyPr spcFirstLastPara="1" wrap="square" lIns="91425" tIns="91425" rIns="91425" bIns="91425" anchor="ctr" anchorCtr="0">
             <a:noAutofit/>
           </a:bodyPr>
           <a:lstStyle/>
           <a:p>
-            <a:pPr indent="0" lvl="0" marL="0" rtl="0" algn="l">
-              <a:spcBef>
-                <a:spcPts val="0"/>
-              </a:spcBef>
-              <a:spcAft>
-                <a:spcPts val="0"/>
-              </a:spcAft>
-              <a:buNone/>
-            </a:pPr>
-            <a:r>
-              <a:t/>
-            </a:r>
+            <a:pPr marL="0" lvl="0" indent="0" algn="l" rtl="0">
+              <a:spcBef>
+                <a:spcPts val="0"/>
+              </a:spcBef>
+              <a:spcAft>
+                <a:spcPts val="0"/>
+              </a:spcAft>
+              <a:buNone/>
+            </a:pPr>
             <a:endParaRPr/>
           </a:p>
         </p:txBody>
@@ -4856,7 +5017,9 @@
       <p:sp>
         <p:nvSpPr>
           <p:cNvPr id="37" name="Google Shape;37;p9"/>
-          <p:cNvSpPr txBox="1"/>
+          <p:cNvSpPr txBox="1">
+            <a:spLocks noGrp="1"/>
+          </p:cNvSpPr>
           <p:nvPr>
             <p:ph type="title"/>
           </p:nvPr>
@@ -4871,7 +5034,7 @@
           </a:prstGeom>
         </p:spPr>
         <p:txBody>
-          <a:bodyPr anchorCtr="0" anchor="b" bIns="91425" lIns="91425" spcFirstLastPara="1" rIns="91425" wrap="square" tIns="91425">
+          <a:bodyPr spcFirstLastPara="1" wrap="square" lIns="91425" tIns="91425" rIns="91425" bIns="91425" anchor="b" anchorCtr="0">
             <a:normAutofit/>
           </a:bodyPr>
           <a:lstStyle>
@@ -4975,15 +5138,19 @@
               <a:defRPr sz="4200"/>
             </a:lvl9pPr>
           </a:lstStyle>
-          <a:p/>
+          <a:p>
+            <a:endParaRPr/>
+          </a:p>
         </p:txBody>
       </p:sp>
       <p:sp>
         <p:nvSpPr>
           <p:cNvPr id="38" name="Google Shape;38;p9"/>
-          <p:cNvSpPr txBox="1"/>
+          <p:cNvSpPr txBox="1">
+            <a:spLocks noGrp="1"/>
+          </p:cNvSpPr>
           <p:nvPr>
-            <p:ph idx="1" type="subTitle"/>
+            <p:ph type="subTitle" idx="1"/>
           </p:nvPr>
         </p:nvSpPr>
         <p:spPr>
@@ -4996,7 +5163,7 @@
           </a:prstGeom>
         </p:spPr>
         <p:txBody>
-          <a:bodyPr anchorCtr="0" anchor="t" bIns="91425" lIns="91425" spcFirstLastPara="1" rIns="91425" wrap="square" tIns="91425">
+          <a:bodyPr spcFirstLastPara="1" wrap="square" lIns="91425" tIns="91425" rIns="91425" bIns="91425" anchor="t" anchorCtr="0">
             <a:normAutofit/>
           </a:bodyPr>
           <a:lstStyle>
@@ -5127,15 +5294,19 @@
               <a:defRPr sz="2100"/>
             </a:lvl9pPr>
           </a:lstStyle>
-          <a:p/>
+          <a:p>
+            <a:endParaRPr/>
+          </a:p>
         </p:txBody>
       </p:sp>
       <p:sp>
         <p:nvSpPr>
           <p:cNvPr id="39" name="Google Shape;39;p9"/>
-          <p:cNvSpPr txBox="1"/>
+          <p:cNvSpPr txBox="1">
+            <a:spLocks noGrp="1"/>
+          </p:cNvSpPr>
           <p:nvPr>
-            <p:ph idx="2" type="body"/>
+            <p:ph type="body" idx="2"/>
           </p:nvPr>
         </p:nvSpPr>
         <p:spPr>
@@ -5148,11 +5319,11 @@
           </a:prstGeom>
         </p:spPr>
         <p:txBody>
-          <a:bodyPr anchorCtr="0" anchor="ctr" bIns="91425" lIns="91425" spcFirstLastPara="1" rIns="91425" wrap="square" tIns="91425">
+          <a:bodyPr spcFirstLastPara="1" wrap="square" lIns="91425" tIns="91425" rIns="91425" bIns="91425" anchor="ctr" anchorCtr="0">
             <a:normAutofit/>
           </a:bodyPr>
           <a:lstStyle>
-            <a:lvl1pPr indent="-342900" lvl="0" marL="457200">
+            <a:lvl1pPr marL="457200" lvl="0" indent="-342900">
               <a:spcBef>
                 <a:spcPts val="0"/>
               </a:spcBef>
@@ -5163,7 +5334,7 @@
               <a:buChar char="●"/>
               <a:defRPr/>
             </a:lvl1pPr>
-            <a:lvl2pPr indent="-317500" lvl="1" marL="914400">
+            <a:lvl2pPr marL="914400" lvl="1" indent="-317500">
               <a:spcBef>
                 <a:spcPts val="0"/>
               </a:spcBef>
@@ -5174,7 +5345,7 @@
               <a:buChar char="○"/>
               <a:defRPr/>
             </a:lvl2pPr>
-            <a:lvl3pPr indent="-317500" lvl="2" marL="1371600">
+            <a:lvl3pPr marL="1371600" lvl="2" indent="-317500">
               <a:spcBef>
                 <a:spcPts val="0"/>
               </a:spcBef>
@@ -5185,7 +5356,7 @@
               <a:buChar char="■"/>
               <a:defRPr/>
             </a:lvl3pPr>
-            <a:lvl4pPr indent="-317500" lvl="3" marL="1828800">
+            <a:lvl4pPr marL="1828800" lvl="3" indent="-317500">
               <a:spcBef>
                 <a:spcPts val="0"/>
               </a:spcBef>
@@ -5196,7 +5367,7 @@
               <a:buChar char="●"/>
               <a:defRPr/>
             </a:lvl4pPr>
-            <a:lvl5pPr indent="-317500" lvl="4" marL="2286000">
+            <a:lvl5pPr marL="2286000" lvl="4" indent="-317500">
               <a:spcBef>
                 <a:spcPts val="0"/>
               </a:spcBef>
@@ -5207,7 +5378,7 @@
               <a:buChar char="○"/>
               <a:defRPr/>
             </a:lvl5pPr>
-            <a:lvl6pPr indent="-317500" lvl="5" marL="2743200">
+            <a:lvl6pPr marL="2743200" lvl="5" indent="-317500">
               <a:spcBef>
                 <a:spcPts val="0"/>
               </a:spcBef>
@@ -5218,7 +5389,7 @@
               <a:buChar char="■"/>
               <a:defRPr/>
             </a:lvl6pPr>
-            <a:lvl7pPr indent="-317500" lvl="6" marL="3200400">
+            <a:lvl7pPr marL="3200400" lvl="6" indent="-317500">
               <a:spcBef>
                 <a:spcPts val="0"/>
               </a:spcBef>
@@ -5229,7 +5400,7 @@
               <a:buChar char="●"/>
               <a:defRPr/>
             </a:lvl7pPr>
-            <a:lvl8pPr indent="-317500" lvl="7" marL="3657600">
+            <a:lvl8pPr marL="3657600" lvl="7" indent="-317500">
               <a:spcBef>
                 <a:spcPts val="0"/>
               </a:spcBef>
@@ -5240,7 +5411,7 @@
               <a:buChar char="○"/>
               <a:defRPr/>
             </a:lvl8pPr>
-            <a:lvl9pPr indent="-317500" lvl="8" marL="4114800">
+            <a:lvl9pPr marL="4114800" lvl="8" indent="-317500">
               <a:spcBef>
                 <a:spcPts val="0"/>
               </a:spcBef>
@@ -5252,15 +5423,19 @@
               <a:defRPr/>
             </a:lvl9pPr>
           </a:lstStyle>
-          <a:p/>
+          <a:p>
+            <a:endParaRPr/>
+          </a:p>
         </p:txBody>
       </p:sp>
       <p:sp>
         <p:nvSpPr>
           <p:cNvPr id="40" name="Google Shape;40;p9"/>
-          <p:cNvSpPr txBox="1"/>
+          <p:cNvSpPr txBox="1">
+            <a:spLocks noGrp="1"/>
+          </p:cNvSpPr>
           <p:nvPr>
-            <p:ph idx="12" type="sldNum"/>
+            <p:ph type="sldNum" idx="12"/>
           </p:nvPr>
         </p:nvSpPr>
         <p:spPr>
@@ -5273,7 +5448,7 @@
           </a:prstGeom>
         </p:spPr>
         <p:txBody>
-          <a:bodyPr anchorCtr="0" anchor="ctr" bIns="91425" lIns="91425" spcFirstLastPara="1" rIns="91425" wrap="square" tIns="91425">
+          <a:bodyPr spcFirstLastPara="1" wrap="square" lIns="91425" tIns="91425" rIns="91425" bIns="91425" anchor="ctr" anchorCtr="0">
             <a:normAutofit/>
           </a:bodyPr>
           <a:lstStyle>
@@ -5315,7 +5490,7 @@
             </a:lvl9pPr>
           </a:lstStyle>
           <a:p>
-            <a:pPr indent="0" lvl="0" marL="0" rtl="0" algn="r">
+            <a:pPr marL="0" lvl="0" indent="0" algn="r" rtl="0">
               <a:spcBef>
                 <a:spcPts val="0"/>
               </a:spcBef>
@@ -5341,11 +5516,11 @@
 </file>
 
 <file path=ppt/slideLayouts/slideLayout9.xml><?xml version="1.0" encoding="utf-8"?>
-<p:sldLayout xmlns:a="http://schemas.openxmlformats.org/drawingml/2006/main" xmlns:r="http://schemas.openxmlformats.org/officeDocument/2006/relationships" xmlns:mc="http://schemas.openxmlformats.org/markup-compatibility/2006" xmlns:mv="urn:schemas-microsoft-com:mac:vml" xmlns:p="http://schemas.openxmlformats.org/presentationml/2006/main" xmlns:c="http://schemas.openxmlformats.org/drawingml/2006/chart" xmlns:dgm="http://schemas.openxmlformats.org/drawingml/2006/diagram" xmlns:o="urn:schemas-microsoft-com:office:office" xmlns:v="urn:schemas-microsoft-com:vml" xmlns:pvml="urn:schemas-microsoft-com:office:powerpoint" xmlns:com="http://schemas.openxmlformats.org/drawingml/2006/compatibility" xmlns:p14="http://schemas.microsoft.com/office/powerpoint/2010/main" xmlns:p15="http://schemas.microsoft.com/office/powerpoint/2012/main" xmlns:ahyp="http://schemas.microsoft.com/office/drawing/2018/hyperlinkcolor" matchingName="Caption">
+<p:sldLayout xmlns:a="http://schemas.openxmlformats.org/drawingml/2006/main" xmlns:r="http://schemas.openxmlformats.org/officeDocument/2006/relationships" xmlns:p="http://schemas.openxmlformats.org/presentationml/2006/main" matchingName="Caption">
   <p:cSld name="CAPTION_ONLY">
     <p:spTree>
       <p:nvGrpSpPr>
-        <p:cNvPr id="41" name="Shape 41"/>
+        <p:cNvPr id="1" name="Shape 41"/>
         <p:cNvGrpSpPr/>
         <p:nvPr/>
       </p:nvGrpSpPr>
@@ -5360,9 +5535,11 @@
       <p:sp>
         <p:nvSpPr>
           <p:cNvPr id="42" name="Google Shape;42;p10"/>
-          <p:cNvSpPr txBox="1"/>
+          <p:cNvSpPr txBox="1">
+            <a:spLocks noGrp="1"/>
+          </p:cNvSpPr>
           <p:nvPr>
-            <p:ph idx="1" type="body"/>
+            <p:ph type="body" idx="1"/>
           </p:nvPr>
         </p:nvSpPr>
         <p:spPr>
@@ -5375,11 +5552,11 @@
           </a:prstGeom>
         </p:spPr>
         <p:txBody>
-          <a:bodyPr anchorCtr="0" anchor="ctr" bIns="91425" lIns="91425" spcFirstLastPara="1" rIns="91425" wrap="square" tIns="91425">
+          <a:bodyPr spcFirstLastPara="1" wrap="square" lIns="91425" tIns="91425" rIns="91425" bIns="91425" anchor="ctr" anchorCtr="0">
             <a:normAutofit/>
           </a:bodyPr>
           <a:lstStyle>
-            <a:lvl1pPr indent="-228600" lvl="0" marL="457200">
+            <a:lvl1pPr marL="457200" lvl="0" indent="-228600">
               <a:lnSpc>
                 <a:spcPct val="100000"/>
               </a:lnSpc>
@@ -5394,15 +5571,19 @@
               <a:defRPr/>
             </a:lvl1pPr>
           </a:lstStyle>
-          <a:p/>
+          <a:p>
+            <a:endParaRPr/>
+          </a:p>
         </p:txBody>
       </p:sp>
       <p:sp>
         <p:nvSpPr>
           <p:cNvPr id="43" name="Google Shape;43;p10"/>
-          <p:cNvSpPr txBox="1"/>
+          <p:cNvSpPr txBox="1">
+            <a:spLocks noGrp="1"/>
+          </p:cNvSpPr>
           <p:nvPr>
-            <p:ph idx="12" type="sldNum"/>
+            <p:ph type="sldNum" idx="12"/>
           </p:nvPr>
         </p:nvSpPr>
         <p:spPr>
@@ -5415,7 +5596,7 @@
           </a:prstGeom>
         </p:spPr>
         <p:txBody>
-          <a:bodyPr anchorCtr="0" anchor="ctr" bIns="91425" lIns="91425" spcFirstLastPara="1" rIns="91425" wrap="square" tIns="91425">
+          <a:bodyPr spcFirstLastPara="1" wrap="square" lIns="91425" tIns="91425" rIns="91425" bIns="91425" anchor="ctr" anchorCtr="0">
             <a:normAutofit/>
           </a:bodyPr>
           <a:lstStyle>
@@ -5457,7 +5638,7 @@
             </a:lvl9pPr>
           </a:lstStyle>
           <a:p>
-            <a:pPr indent="0" lvl="0" marL="0" rtl="0" algn="r">
+            <a:pPr marL="0" lvl="0" indent="0" algn="r" rtl="0">
               <a:spcBef>
                 <a:spcPts val="0"/>
               </a:spcBef>
@@ -5483,18 +5664,19 @@
 </file>
 
 <file path=ppt/slideMasters/slideMaster1.xml><?xml version="1.0" encoding="utf-8"?>
-<p:sldMaster xmlns:a="http://schemas.openxmlformats.org/drawingml/2006/main" xmlns:r="http://schemas.openxmlformats.org/officeDocument/2006/relationships" xmlns:mc="http://schemas.openxmlformats.org/markup-compatibility/2006" xmlns:mv="urn:schemas-microsoft-com:mac:vml" xmlns:p="http://schemas.openxmlformats.org/presentationml/2006/main" xmlns:c="http://schemas.openxmlformats.org/drawingml/2006/chart" xmlns:dgm="http://schemas.openxmlformats.org/drawingml/2006/diagram" xmlns:o="urn:schemas-microsoft-com:office:office" xmlns:v="urn:schemas-microsoft-com:vml" xmlns:pvml="urn:schemas-microsoft-com:office:powerpoint" xmlns:com="http://schemas.openxmlformats.org/drawingml/2006/compatibility" xmlns:p14="http://schemas.microsoft.com/office/powerpoint/2010/main" xmlns:p15="http://schemas.microsoft.com/office/powerpoint/2012/main" xmlns:ahyp="http://schemas.microsoft.com/office/drawing/2018/hyperlinkcolor">
+<p:sldMaster xmlns:a="http://schemas.openxmlformats.org/drawingml/2006/main" xmlns:r="http://schemas.openxmlformats.org/officeDocument/2006/relationships" xmlns:p="http://schemas.openxmlformats.org/presentationml/2006/main">
   <p:cSld name="simple-light-2">
     <p:bg>
       <p:bgPr>
         <a:solidFill>
           <a:schemeClr val="lt1"/>
         </a:solidFill>
+        <a:effectLst/>
       </p:bgPr>
     </p:bg>
     <p:spTree>
       <p:nvGrpSpPr>
-        <p:cNvPr id="5" name="Shape 5"/>
+        <p:cNvPr id="1" name="Shape 5"/>
         <p:cNvGrpSpPr/>
         <p:nvPr/>
       </p:nvGrpSpPr>
@@ -5509,7 +5691,9 @@
       <p:sp>
         <p:nvSpPr>
           <p:cNvPr id="6" name="Google Shape;6;p1"/>
-          <p:cNvSpPr txBox="1"/>
+          <p:cNvSpPr txBox="1">
+            <a:spLocks noGrp="1"/>
+          </p:cNvSpPr>
           <p:nvPr>
             <p:ph type="title"/>
           </p:nvPr>
@@ -5528,7 +5712,7 @@
           </a:ln>
         </p:spPr>
         <p:txBody>
-          <a:bodyPr anchorCtr="0" anchor="t" bIns="91425" lIns="91425" spcFirstLastPara="1" rIns="91425" wrap="square" tIns="91425">
+          <a:bodyPr spcFirstLastPara="1" wrap="square" lIns="91425" tIns="91425" rIns="91425" bIns="91425" anchor="t" anchorCtr="0">
             <a:normAutofit/>
           </a:bodyPr>
           <a:lstStyle>
@@ -5695,15 +5879,19 @@
               </a:defRPr>
             </a:lvl9pPr>
           </a:lstStyle>
-          <a:p/>
+          <a:p>
+            <a:endParaRPr/>
+          </a:p>
         </p:txBody>
       </p:sp>
       <p:sp>
         <p:nvSpPr>
           <p:cNvPr id="7" name="Google Shape;7;p1"/>
-          <p:cNvSpPr txBox="1"/>
+          <p:cNvSpPr txBox="1">
+            <a:spLocks noGrp="1"/>
+          </p:cNvSpPr>
           <p:nvPr>
-            <p:ph idx="1" type="body"/>
+            <p:ph type="body" idx="1"/>
           </p:nvPr>
         </p:nvSpPr>
         <p:spPr>
@@ -5720,11 +5908,11 @@
           </a:ln>
         </p:spPr>
         <p:txBody>
-          <a:bodyPr anchorCtr="0" anchor="t" bIns="91425" lIns="91425" spcFirstLastPara="1" rIns="91425" wrap="square" tIns="91425">
+          <a:bodyPr spcFirstLastPara="1" wrap="square" lIns="91425" tIns="91425" rIns="91425" bIns="91425" anchor="t" anchorCtr="0">
             <a:normAutofit/>
           </a:bodyPr>
           <a:lstStyle>
-            <a:lvl1pPr indent="-342900" lvl="0" marL="457200">
+            <a:lvl1pPr marL="457200" lvl="0" indent="-342900">
               <a:lnSpc>
                 <a:spcPct val="115000"/>
               </a:lnSpc>
@@ -5745,7 +5933,7 @@
                 </a:solidFill>
               </a:defRPr>
             </a:lvl1pPr>
-            <a:lvl2pPr indent="-317500" lvl="1" marL="914400">
+            <a:lvl2pPr marL="914400" lvl="1" indent="-317500">
               <a:lnSpc>
                 <a:spcPct val="115000"/>
               </a:lnSpc>
@@ -5766,7 +5954,7 @@
                 </a:solidFill>
               </a:defRPr>
             </a:lvl2pPr>
-            <a:lvl3pPr indent="-317500" lvl="2" marL="1371600">
+            <a:lvl3pPr marL="1371600" lvl="2" indent="-317500">
               <a:lnSpc>
                 <a:spcPct val="115000"/>
               </a:lnSpc>
@@ -5787,7 +5975,7 @@
                 </a:solidFill>
               </a:defRPr>
             </a:lvl3pPr>
-            <a:lvl4pPr indent="-317500" lvl="3" marL="1828800">
+            <a:lvl4pPr marL="1828800" lvl="3" indent="-317500">
               <a:lnSpc>
                 <a:spcPct val="115000"/>
               </a:lnSpc>
@@ -5808,7 +5996,7 @@
                 </a:solidFill>
               </a:defRPr>
             </a:lvl4pPr>
-            <a:lvl5pPr indent="-317500" lvl="4" marL="2286000">
+            <a:lvl5pPr marL="2286000" lvl="4" indent="-317500">
               <a:lnSpc>
                 <a:spcPct val="115000"/>
               </a:lnSpc>
@@ -5829,7 +6017,7 @@
                 </a:solidFill>
               </a:defRPr>
             </a:lvl5pPr>
-            <a:lvl6pPr indent="-317500" lvl="5" marL="2743200">
+            <a:lvl6pPr marL="2743200" lvl="5" indent="-317500">
               <a:lnSpc>
                 <a:spcPct val="115000"/>
               </a:lnSpc>
@@ -5850,7 +6038,7 @@
                 </a:solidFill>
               </a:defRPr>
             </a:lvl6pPr>
-            <a:lvl7pPr indent="-317500" lvl="6" marL="3200400">
+            <a:lvl7pPr marL="3200400" lvl="6" indent="-317500">
               <a:lnSpc>
                 <a:spcPct val="115000"/>
               </a:lnSpc>
@@ -5871,7 +6059,7 @@
                 </a:solidFill>
               </a:defRPr>
             </a:lvl7pPr>
-            <a:lvl8pPr indent="-317500" lvl="7" marL="3657600">
+            <a:lvl8pPr marL="3657600" lvl="7" indent="-317500">
               <a:lnSpc>
                 <a:spcPct val="115000"/>
               </a:lnSpc>
@@ -5892,7 +6080,7 @@
                 </a:solidFill>
               </a:defRPr>
             </a:lvl8pPr>
-            <a:lvl9pPr indent="-317500" lvl="8" marL="4114800">
+            <a:lvl9pPr marL="4114800" lvl="8" indent="-317500">
               <a:lnSpc>
                 <a:spcPct val="115000"/>
               </a:lnSpc>
@@ -5914,15 +6102,19 @@
               </a:defRPr>
             </a:lvl9pPr>
           </a:lstStyle>
-          <a:p/>
+          <a:p>
+            <a:endParaRPr/>
+          </a:p>
         </p:txBody>
       </p:sp>
       <p:sp>
         <p:nvSpPr>
           <p:cNvPr id="8" name="Google Shape;8;p1"/>
-          <p:cNvSpPr txBox="1"/>
+          <p:cNvSpPr txBox="1">
+            <a:spLocks noGrp="1"/>
+          </p:cNvSpPr>
           <p:nvPr>
-            <p:ph idx="12" type="sldNum"/>
+            <p:ph type="sldNum" idx="12"/>
           </p:nvPr>
         </p:nvSpPr>
         <p:spPr>
@@ -5939,7 +6131,7 @@
           </a:ln>
         </p:spPr>
         <p:txBody>
-          <a:bodyPr anchorCtr="0" anchor="ctr" bIns="91425" lIns="91425" spcFirstLastPara="1" rIns="91425" wrap="square" tIns="91425">
+          <a:bodyPr spcFirstLastPara="1" wrap="square" lIns="91425" tIns="91425" rIns="91425" bIns="91425" anchor="ctr" anchorCtr="0">
             <a:normAutofit/>
           </a:bodyPr>
           <a:lstStyle>
@@ -6017,7 +6209,7 @@
             </a:lvl9pPr>
           </a:lstStyle>
           <a:p>
-            <a:pPr indent="0" lvl="0" marL="0" rtl="0" algn="r">
+            <a:pPr marL="0" lvl="0" indent="0" algn="r" rtl="0">
               <a:spcBef>
                 <a:spcPts val="0"/>
               </a:spcBef>
@@ -6036,7 +6228,7 @@
       </p:sp>
     </p:spTree>
   </p:cSld>
-  <p:clrMap accent1="accent1" accent2="accent2" accent3="accent3" accent4="accent4" accent5="accent5" accent6="accent6" bg1="lt1" bg2="dk2" tx1="dk1" tx2="lt2" folHlink="folHlink" hlink="hlink"/>
+  <p:clrMap bg1="lt1" tx1="dk1" bg2="dk2" tx2="lt2" accent1="accent1" accent2="accent2" accent3="accent3" accent4="accent4" accent5="accent5" accent6="accent6" hlink="hlink" folHlink="folHlink"/>
   <p:sldLayoutIdLst>
     <p:sldLayoutId id="2147483648" r:id="rId1"/>
     <p:sldLayoutId id="2147483649" r:id="rId2"/>
@@ -6050,10 +6242,10 @@
     <p:sldLayoutId id="2147483657" r:id="rId10"/>
     <p:sldLayoutId id="2147483658" r:id="rId11"/>
   </p:sldLayoutIdLst>
-  <p:hf dt="0" ftr="0" hdr="0" sldNum="0"/>
+  <p:hf sldNum="0" hdr="0" ftr="0" dt="0"/>
   <p:txStyles>
     <p:titleStyle>
-      <a:defPPr lvl="0" marR="0" rtl="0" algn="l">
+      <a:defPPr marR="0" lvl="0" algn="l" rtl="0">
         <a:lnSpc>
           <a:spcPct val="100000"/>
         </a:lnSpc>
@@ -6064,7 +6256,7 @@
           <a:spcPts val="0"/>
         </a:spcAft>
       </a:defPPr>
-      <a:lvl1pPr lvl="0" marR="0" rtl="0" algn="l">
+      <a:lvl1pPr marR="0" lvl="0" algn="l" rtl="0">
         <a:lnSpc>
           <a:spcPct val="100000"/>
         </a:lnSpc>
@@ -6078,7 +6270,7 @@
           <a:srgbClr val="000000"/>
         </a:buClr>
         <a:buFont typeface="Arial"/>
-        <a:defRPr b="0" i="0" sz="1400" u="none" cap="none" strike="noStrike">
+        <a:defRPr sz="1400" b="0" i="0" u="none" strike="noStrike" cap="none">
           <a:solidFill>
             <a:srgbClr val="000000"/>
           </a:solidFill>
@@ -6088,7 +6280,7 @@
           <a:sym typeface="Arial"/>
         </a:defRPr>
       </a:lvl1pPr>
-      <a:lvl2pPr lvl="1" marR="0" rtl="0" algn="l">
+      <a:lvl2pPr marR="0" lvl="1" algn="l" rtl="0">
         <a:lnSpc>
           <a:spcPct val="100000"/>
         </a:lnSpc>
@@ -6102,7 +6294,7 @@
           <a:srgbClr val="000000"/>
         </a:buClr>
         <a:buFont typeface="Arial"/>
-        <a:defRPr b="0" i="0" sz="1400" u="none" cap="none" strike="noStrike">
+        <a:defRPr sz="1400" b="0" i="0" u="none" strike="noStrike" cap="none">
           <a:solidFill>
             <a:srgbClr val="000000"/>
           </a:solidFill>
@@ -6112,7 +6304,7 @@
           <a:sym typeface="Arial"/>
         </a:defRPr>
       </a:lvl2pPr>
-      <a:lvl3pPr lvl="2" marR="0" rtl="0" algn="l">
+      <a:lvl3pPr marR="0" lvl="2" algn="l" rtl="0">
         <a:lnSpc>
           <a:spcPct val="100000"/>
         </a:lnSpc>
@@ -6126,7 +6318,7 @@
           <a:srgbClr val="000000"/>
         </a:buClr>
         <a:buFont typeface="Arial"/>
-        <a:defRPr b="0" i="0" sz="1400" u="none" cap="none" strike="noStrike">
+        <a:defRPr sz="1400" b="0" i="0" u="none" strike="noStrike" cap="none">
           <a:solidFill>
             <a:srgbClr val="000000"/>
           </a:solidFill>
@@ -6136,7 +6328,7 @@
           <a:sym typeface="Arial"/>
         </a:defRPr>
       </a:lvl3pPr>
-      <a:lvl4pPr lvl="3" marR="0" rtl="0" algn="l">
+      <a:lvl4pPr marR="0" lvl="3" algn="l" rtl="0">
         <a:lnSpc>
           <a:spcPct val="100000"/>
         </a:lnSpc>
@@ -6150,7 +6342,7 @@
           <a:srgbClr val="000000"/>
         </a:buClr>
         <a:buFont typeface="Arial"/>
-        <a:defRPr b="0" i="0" sz="1400" u="none" cap="none" strike="noStrike">
+        <a:defRPr sz="1400" b="0" i="0" u="none" strike="noStrike" cap="none">
           <a:solidFill>
             <a:srgbClr val="000000"/>
           </a:solidFill>
@@ -6160,7 +6352,7 @@
           <a:sym typeface="Arial"/>
         </a:defRPr>
       </a:lvl4pPr>
-      <a:lvl5pPr lvl="4" marR="0" rtl="0" algn="l">
+      <a:lvl5pPr marR="0" lvl="4" algn="l" rtl="0">
         <a:lnSpc>
           <a:spcPct val="100000"/>
         </a:lnSpc>
@@ -6174,7 +6366,7 @@
           <a:srgbClr val="000000"/>
         </a:buClr>
         <a:buFont typeface="Arial"/>
-        <a:defRPr b="0" i="0" sz="1400" u="none" cap="none" strike="noStrike">
+        <a:defRPr sz="1400" b="0" i="0" u="none" strike="noStrike" cap="none">
           <a:solidFill>
             <a:srgbClr val="000000"/>
           </a:solidFill>
@@ -6184,7 +6376,7 @@
           <a:sym typeface="Arial"/>
         </a:defRPr>
       </a:lvl5pPr>
-      <a:lvl6pPr lvl="5" marR="0" rtl="0" algn="l">
+      <a:lvl6pPr marR="0" lvl="5" algn="l" rtl="0">
         <a:lnSpc>
           <a:spcPct val="100000"/>
         </a:lnSpc>
@@ -6198,7 +6390,7 @@
           <a:srgbClr val="000000"/>
         </a:buClr>
         <a:buFont typeface="Arial"/>
-        <a:defRPr b="0" i="0" sz="1400" u="none" cap="none" strike="noStrike">
+        <a:defRPr sz="1400" b="0" i="0" u="none" strike="noStrike" cap="none">
           <a:solidFill>
             <a:srgbClr val="000000"/>
           </a:solidFill>
@@ -6208,7 +6400,7 @@
           <a:sym typeface="Arial"/>
         </a:defRPr>
       </a:lvl6pPr>
-      <a:lvl7pPr lvl="6" marR="0" rtl="0" algn="l">
+      <a:lvl7pPr marR="0" lvl="6" algn="l" rtl="0">
         <a:lnSpc>
           <a:spcPct val="100000"/>
         </a:lnSpc>
@@ -6222,7 +6414,7 @@
           <a:srgbClr val="000000"/>
         </a:buClr>
         <a:buFont typeface="Arial"/>
-        <a:defRPr b="0" i="0" sz="1400" u="none" cap="none" strike="noStrike">
+        <a:defRPr sz="1400" b="0" i="0" u="none" strike="noStrike" cap="none">
           <a:solidFill>
             <a:srgbClr val="000000"/>
           </a:solidFill>
@@ -6232,7 +6424,7 @@
           <a:sym typeface="Arial"/>
         </a:defRPr>
       </a:lvl7pPr>
-      <a:lvl8pPr lvl="7" marR="0" rtl="0" algn="l">
+      <a:lvl8pPr marR="0" lvl="7" algn="l" rtl="0">
         <a:lnSpc>
           <a:spcPct val="100000"/>
         </a:lnSpc>
@@ -6246,7 +6438,7 @@
           <a:srgbClr val="000000"/>
         </a:buClr>
         <a:buFont typeface="Arial"/>
-        <a:defRPr b="0" i="0" sz="1400" u="none" cap="none" strike="noStrike">
+        <a:defRPr sz="1400" b="0" i="0" u="none" strike="noStrike" cap="none">
           <a:solidFill>
             <a:srgbClr val="000000"/>
           </a:solidFill>
@@ -6256,7 +6448,7 @@
           <a:sym typeface="Arial"/>
         </a:defRPr>
       </a:lvl8pPr>
-      <a:lvl9pPr lvl="8" marR="0" rtl="0" algn="l">
+      <a:lvl9pPr marR="0" lvl="8" algn="l" rtl="0">
         <a:lnSpc>
           <a:spcPct val="100000"/>
         </a:lnSpc>
@@ -6270,7 +6462,7 @@
           <a:srgbClr val="000000"/>
         </a:buClr>
         <a:buFont typeface="Arial"/>
-        <a:defRPr b="0" i="0" sz="1400" u="none" cap="none" strike="noStrike">
+        <a:defRPr sz="1400" b="0" i="0" u="none" strike="noStrike" cap="none">
           <a:solidFill>
             <a:srgbClr val="000000"/>
           </a:solidFill>
@@ -6282,7 +6474,7 @@
       </a:lvl9pPr>
     </p:titleStyle>
     <p:bodyStyle>
-      <a:defPPr lvl="0" marR="0" rtl="0" algn="l">
+      <a:defPPr marR="0" lvl="0" algn="l" rtl="0">
         <a:lnSpc>
           <a:spcPct val="100000"/>
         </a:lnSpc>
@@ -6293,7 +6485,7 @@
           <a:spcPts val="0"/>
         </a:spcAft>
       </a:defPPr>
-      <a:lvl1pPr lvl="0" marR="0" rtl="0" algn="l">
+      <a:lvl1pPr marR="0" lvl="0" algn="l" rtl="0">
         <a:lnSpc>
           <a:spcPct val="100000"/>
         </a:lnSpc>
@@ -6307,7 +6499,7 @@
           <a:srgbClr val="000000"/>
         </a:buClr>
         <a:buFont typeface="Arial"/>
-        <a:defRPr b="0" i="0" sz="1400" u="none" cap="none" strike="noStrike">
+        <a:defRPr sz="1400" b="0" i="0" u="none" strike="noStrike" cap="none">
           <a:solidFill>
             <a:srgbClr val="000000"/>
           </a:solidFill>
@@ -6317,7 +6509,7 @@
           <a:sym typeface="Arial"/>
         </a:defRPr>
       </a:lvl1pPr>
-      <a:lvl2pPr lvl="1" marR="0" rtl="0" algn="l">
+      <a:lvl2pPr marR="0" lvl="1" algn="l" rtl="0">
         <a:lnSpc>
           <a:spcPct val="100000"/>
         </a:lnSpc>
@@ -6331,7 +6523,7 @@
           <a:srgbClr val="000000"/>
         </a:buClr>
         <a:buFont typeface="Arial"/>
-        <a:defRPr b="0" i="0" sz="1400" u="none" cap="none" strike="noStrike">
+        <a:defRPr sz="1400" b="0" i="0" u="none" strike="noStrike" cap="none">
           <a:solidFill>
             <a:srgbClr val="000000"/>
           </a:solidFill>
@@ -6341,7 +6533,7 @@
           <a:sym typeface="Arial"/>
         </a:defRPr>
       </a:lvl2pPr>
-      <a:lvl3pPr lvl="2" marR="0" rtl="0" algn="l">
+      <a:lvl3pPr marR="0" lvl="2" algn="l" rtl="0">
         <a:lnSpc>
           <a:spcPct val="100000"/>
         </a:lnSpc>
@@ -6355,7 +6547,7 @@
           <a:srgbClr val="000000"/>
         </a:buClr>
         <a:buFont typeface="Arial"/>
-        <a:defRPr b="0" i="0" sz="1400" u="none" cap="none" strike="noStrike">
+        <a:defRPr sz="1400" b="0" i="0" u="none" strike="noStrike" cap="none">
           <a:solidFill>
             <a:srgbClr val="000000"/>
           </a:solidFill>
@@ -6365,7 +6557,7 @@
           <a:sym typeface="Arial"/>
         </a:defRPr>
       </a:lvl3pPr>
-      <a:lvl4pPr lvl="3" marR="0" rtl="0" algn="l">
+      <a:lvl4pPr marR="0" lvl="3" algn="l" rtl="0">
         <a:lnSpc>
           <a:spcPct val="100000"/>
         </a:lnSpc>
@@ -6379,7 +6571,7 @@
           <a:srgbClr val="000000"/>
         </a:buClr>
         <a:buFont typeface="Arial"/>
-        <a:defRPr b="0" i="0" sz="1400" u="none" cap="none" strike="noStrike">
+        <a:defRPr sz="1400" b="0" i="0" u="none" strike="noStrike" cap="none">
           <a:solidFill>
             <a:srgbClr val="000000"/>
           </a:solidFill>
@@ -6389,7 +6581,7 @@
           <a:sym typeface="Arial"/>
         </a:defRPr>
       </a:lvl4pPr>
-      <a:lvl5pPr lvl="4" marR="0" rtl="0" algn="l">
+      <a:lvl5pPr marR="0" lvl="4" algn="l" rtl="0">
         <a:lnSpc>
           <a:spcPct val="100000"/>
         </a:lnSpc>
@@ -6403,7 +6595,7 @@
           <a:srgbClr val="000000"/>
         </a:buClr>
         <a:buFont typeface="Arial"/>
-        <a:defRPr b="0" i="0" sz="1400" u="none" cap="none" strike="noStrike">
+        <a:defRPr sz="1400" b="0" i="0" u="none" strike="noStrike" cap="none">
           <a:solidFill>
             <a:srgbClr val="000000"/>
           </a:solidFill>
@@ -6413,7 +6605,7 @@
           <a:sym typeface="Arial"/>
         </a:defRPr>
       </a:lvl5pPr>
-      <a:lvl6pPr lvl="5" marR="0" rtl="0" algn="l">
+      <a:lvl6pPr marR="0" lvl="5" algn="l" rtl="0">
         <a:lnSpc>
           <a:spcPct val="100000"/>
         </a:lnSpc>
@@ -6427,7 +6619,7 @@
           <a:srgbClr val="000000"/>
         </a:buClr>
         <a:buFont typeface="Arial"/>
-        <a:defRPr b="0" i="0" sz="1400" u="none" cap="none" strike="noStrike">
+        <a:defRPr sz="1400" b="0" i="0" u="none" strike="noStrike" cap="none">
           <a:solidFill>
             <a:srgbClr val="000000"/>
           </a:solidFill>
@@ -6437,7 +6629,7 @@
           <a:sym typeface="Arial"/>
         </a:defRPr>
       </a:lvl6pPr>
-      <a:lvl7pPr lvl="6" marR="0" rtl="0" algn="l">
+      <a:lvl7pPr marR="0" lvl="6" algn="l" rtl="0">
         <a:lnSpc>
           <a:spcPct val="100000"/>
         </a:lnSpc>
@@ -6451,7 +6643,7 @@
           <a:srgbClr val="000000"/>
         </a:buClr>
         <a:buFont typeface="Arial"/>
-        <a:defRPr b="0" i="0" sz="1400" u="none" cap="none" strike="noStrike">
+        <a:defRPr sz="1400" b="0" i="0" u="none" strike="noStrike" cap="none">
           <a:solidFill>
             <a:srgbClr val="000000"/>
           </a:solidFill>
@@ -6461,7 +6653,7 @@
           <a:sym typeface="Arial"/>
         </a:defRPr>
       </a:lvl7pPr>
-      <a:lvl8pPr lvl="7" marR="0" rtl="0" algn="l">
+      <a:lvl8pPr marR="0" lvl="7" algn="l" rtl="0">
         <a:lnSpc>
           <a:spcPct val="100000"/>
         </a:lnSpc>
@@ -6475,7 +6667,7 @@
           <a:srgbClr val="000000"/>
         </a:buClr>
         <a:buFont typeface="Arial"/>
-        <a:defRPr b="0" i="0" sz="1400" u="none" cap="none" strike="noStrike">
+        <a:defRPr sz="1400" b="0" i="0" u="none" strike="noStrike" cap="none">
           <a:solidFill>
             <a:srgbClr val="000000"/>
           </a:solidFill>
@@ -6485,7 +6677,7 @@
           <a:sym typeface="Arial"/>
         </a:defRPr>
       </a:lvl8pPr>
-      <a:lvl9pPr lvl="8" marR="0" rtl="0" algn="l">
+      <a:lvl9pPr marR="0" lvl="8" algn="l" rtl="0">
         <a:lnSpc>
           <a:spcPct val="100000"/>
         </a:lnSpc>
@@ -6499,7 +6691,7 @@
           <a:srgbClr val="000000"/>
         </a:buClr>
         <a:buFont typeface="Arial"/>
-        <a:defRPr b="0" i="0" sz="1400" u="none" cap="none" strike="noStrike">
+        <a:defRPr sz="1400" b="0" i="0" u="none" strike="noStrike" cap="none">
           <a:solidFill>
             <a:srgbClr val="000000"/>
           </a:solidFill>
@@ -6511,7 +6703,7 @@
       </a:lvl9pPr>
     </p:bodyStyle>
     <p:otherStyle>
-      <a:defPPr lvl="0" marR="0" rtl="0" algn="l">
+      <a:defPPr marR="0" lvl="0" algn="l" rtl="0">
         <a:lnSpc>
           <a:spcPct val="100000"/>
         </a:lnSpc>
@@ -6522,7 +6714,7 @@
           <a:spcPts val="0"/>
         </a:spcAft>
       </a:defPPr>
-      <a:lvl1pPr lvl="0" marR="0" rtl="0" algn="l">
+      <a:lvl1pPr marR="0" lvl="0" algn="l" rtl="0">
         <a:lnSpc>
           <a:spcPct val="100000"/>
         </a:lnSpc>
@@ -6536,7 +6728,7 @@
           <a:srgbClr val="000000"/>
         </a:buClr>
         <a:buFont typeface="Arial"/>
-        <a:defRPr b="0" i="0" sz="1400" u="none" cap="none" strike="noStrike">
+        <a:defRPr sz="1400" b="0" i="0" u="none" strike="noStrike" cap="none">
           <a:solidFill>
             <a:srgbClr val="000000"/>
           </a:solidFill>
@@ -6546,7 +6738,7 @@
           <a:sym typeface="Arial"/>
         </a:defRPr>
       </a:lvl1pPr>
-      <a:lvl2pPr lvl="1" marR="0" rtl="0" algn="l">
+      <a:lvl2pPr marR="0" lvl="1" algn="l" rtl="0">
         <a:lnSpc>
           <a:spcPct val="100000"/>
         </a:lnSpc>
@@ -6560,7 +6752,7 @@
           <a:srgbClr val="000000"/>
         </a:buClr>
         <a:buFont typeface="Arial"/>
-        <a:defRPr b="0" i="0" sz="1400" u="none" cap="none" strike="noStrike">
+        <a:defRPr sz="1400" b="0" i="0" u="none" strike="noStrike" cap="none">
           <a:solidFill>
             <a:srgbClr val="000000"/>
           </a:solidFill>
@@ -6570,7 +6762,7 @@
           <a:sym typeface="Arial"/>
         </a:defRPr>
       </a:lvl2pPr>
-      <a:lvl3pPr lvl="2" marR="0" rtl="0" algn="l">
+      <a:lvl3pPr marR="0" lvl="2" algn="l" rtl="0">
         <a:lnSpc>
           <a:spcPct val="100000"/>
         </a:lnSpc>
@@ -6584,7 +6776,7 @@
           <a:srgbClr val="000000"/>
         </a:buClr>
         <a:buFont typeface="Arial"/>
-        <a:defRPr b="0" i="0" sz="1400" u="none" cap="none" strike="noStrike">
+        <a:defRPr sz="1400" b="0" i="0" u="none" strike="noStrike" cap="none">
           <a:solidFill>
             <a:srgbClr val="000000"/>
           </a:solidFill>
@@ -6594,7 +6786,7 @@
           <a:sym typeface="Arial"/>
         </a:defRPr>
       </a:lvl3pPr>
-      <a:lvl4pPr lvl="3" marR="0" rtl="0" algn="l">
+      <a:lvl4pPr marR="0" lvl="3" algn="l" rtl="0">
         <a:lnSpc>
           <a:spcPct val="100000"/>
         </a:lnSpc>
@@ -6608,7 +6800,7 @@
           <a:srgbClr val="000000"/>
         </a:buClr>
         <a:buFont typeface="Arial"/>
-        <a:defRPr b="0" i="0" sz="1400" u="none" cap="none" strike="noStrike">
+        <a:defRPr sz="1400" b="0" i="0" u="none" strike="noStrike" cap="none">
           <a:solidFill>
             <a:srgbClr val="000000"/>
           </a:solidFill>
@@ -6618,7 +6810,7 @@
           <a:sym typeface="Arial"/>
         </a:defRPr>
       </a:lvl4pPr>
-      <a:lvl5pPr lvl="4" marR="0" rtl="0" algn="l">
+      <a:lvl5pPr marR="0" lvl="4" algn="l" rtl="0">
         <a:lnSpc>
           <a:spcPct val="100000"/>
         </a:lnSpc>
@@ -6632,7 +6824,7 @@
           <a:srgbClr val="000000"/>
         </a:buClr>
         <a:buFont typeface="Arial"/>
-        <a:defRPr b="0" i="0" sz="1400" u="none" cap="none" strike="noStrike">
+        <a:defRPr sz="1400" b="0" i="0" u="none" strike="noStrike" cap="none">
           <a:solidFill>
             <a:srgbClr val="000000"/>
           </a:solidFill>
@@ -6642,7 +6834,7 @@
           <a:sym typeface="Arial"/>
         </a:defRPr>
       </a:lvl5pPr>
-      <a:lvl6pPr lvl="5" marR="0" rtl="0" algn="l">
+      <a:lvl6pPr marR="0" lvl="5" algn="l" rtl="0">
         <a:lnSpc>
           <a:spcPct val="100000"/>
         </a:lnSpc>
@@ -6656,7 +6848,7 @@
           <a:srgbClr val="000000"/>
         </a:buClr>
         <a:buFont typeface="Arial"/>
-        <a:defRPr b="0" i="0" sz="1400" u="none" cap="none" strike="noStrike">
+        <a:defRPr sz="1400" b="0" i="0" u="none" strike="noStrike" cap="none">
           <a:solidFill>
             <a:srgbClr val="000000"/>
           </a:solidFill>
@@ -6666,7 +6858,7 @@
           <a:sym typeface="Arial"/>
         </a:defRPr>
       </a:lvl6pPr>
-      <a:lvl7pPr lvl="6" marR="0" rtl="0" algn="l">
+      <a:lvl7pPr marR="0" lvl="6" algn="l" rtl="0">
         <a:lnSpc>
           <a:spcPct val="100000"/>
         </a:lnSpc>
@@ -6680,7 +6872,7 @@
           <a:srgbClr val="000000"/>
         </a:buClr>
         <a:buFont typeface="Arial"/>
-        <a:defRPr b="0" i="0" sz="1400" u="none" cap="none" strike="noStrike">
+        <a:defRPr sz="1400" b="0" i="0" u="none" strike="noStrike" cap="none">
           <a:solidFill>
             <a:srgbClr val="000000"/>
           </a:solidFill>
@@ -6690,7 +6882,7 @@
           <a:sym typeface="Arial"/>
         </a:defRPr>
       </a:lvl7pPr>
-      <a:lvl8pPr lvl="7" marR="0" rtl="0" algn="l">
+      <a:lvl8pPr marR="0" lvl="7" algn="l" rtl="0">
         <a:lnSpc>
           <a:spcPct val="100000"/>
         </a:lnSpc>
@@ -6704,7 +6896,7 @@
           <a:srgbClr val="000000"/>
         </a:buClr>
         <a:buFont typeface="Arial"/>
-        <a:defRPr b="0" i="0" sz="1400" u="none" cap="none" strike="noStrike">
+        <a:defRPr sz="1400" b="0" i="0" u="none" strike="noStrike" cap="none">
           <a:solidFill>
             <a:srgbClr val="000000"/>
           </a:solidFill>
@@ -6714,7 +6906,7 @@
           <a:sym typeface="Arial"/>
         </a:defRPr>
       </a:lvl8pPr>
-      <a:lvl9pPr lvl="8" marR="0" rtl="0" algn="l">
+      <a:lvl9pPr marR="0" lvl="8" algn="l" rtl="0">
         <a:lnSpc>
           <a:spcPct val="100000"/>
         </a:lnSpc>
@@ -6728,7 +6920,7 @@
           <a:srgbClr val="000000"/>
         </a:buClr>
         <a:buFont typeface="Arial"/>
-        <a:defRPr b="0" i="0" sz="1400" u="none" cap="none" strike="noStrike">
+        <a:defRPr sz="1400" b="0" i="0" u="none" strike="noStrike" cap="none">
           <a:solidFill>
             <a:srgbClr val="000000"/>
           </a:solidFill>
@@ -6744,11 +6936,11 @@
 </file>
 
 <file path=ppt/slides/slide1.xml><?xml version="1.0" encoding="utf-8"?>
-<p:sld xmlns:a="http://schemas.openxmlformats.org/drawingml/2006/main" xmlns:r="http://schemas.openxmlformats.org/officeDocument/2006/relationships" xmlns:mc="http://schemas.openxmlformats.org/markup-compatibility/2006" xmlns:mv="urn:schemas-microsoft-com:mac:vml" xmlns:p="http://schemas.openxmlformats.org/presentationml/2006/main" xmlns:c="http://schemas.openxmlformats.org/drawingml/2006/chart" xmlns:dgm="http://schemas.openxmlformats.org/drawingml/2006/diagram" xmlns:o="urn:schemas-microsoft-com:office:office" xmlns:v="urn:schemas-microsoft-com:vml" xmlns:pvml="urn:schemas-microsoft-com:office:powerpoint" xmlns:com="http://schemas.openxmlformats.org/drawingml/2006/compatibility" xmlns:p14="http://schemas.microsoft.com/office/powerpoint/2010/main" xmlns:p15="http://schemas.microsoft.com/office/powerpoint/2012/main" xmlns:ahyp="http://schemas.microsoft.com/office/drawing/2018/hyperlinkcolor">
+<p:sld xmlns:a="http://schemas.openxmlformats.org/drawingml/2006/main" xmlns:r="http://schemas.openxmlformats.org/officeDocument/2006/relationships" xmlns:p="http://schemas.openxmlformats.org/presentationml/2006/main">
   <p:cSld>
     <p:spTree>
       <p:nvGrpSpPr>
-        <p:cNvPr id="53" name="Shape 53"/>
+        <p:cNvPr id="1" name="Shape 53"/>
         <p:cNvGrpSpPr/>
         <p:nvPr/>
       </p:nvGrpSpPr>
@@ -6763,7 +6955,9 @@
       <p:sp>
         <p:nvSpPr>
           <p:cNvPr id="54" name="Google Shape;54;p13"/>
-          <p:cNvSpPr txBox="1"/>
+          <p:cNvSpPr txBox="1">
+            <a:spLocks noGrp="1"/>
+          </p:cNvSpPr>
           <p:nvPr>
             <p:ph type="ctrTitle"/>
           </p:nvPr>
@@ -6778,12 +6972,12 @@
           </a:prstGeom>
         </p:spPr>
         <p:txBody>
-          <a:bodyPr anchorCtr="0" anchor="b" bIns="91425" lIns="91425" spcFirstLastPara="1" rIns="91425" wrap="square" tIns="91425">
+          <a:bodyPr spcFirstLastPara="1" wrap="square" lIns="91425" tIns="91425" rIns="91425" bIns="91425" anchor="b" anchorCtr="0">
             <a:normAutofit/>
           </a:bodyPr>
           <a:lstStyle/>
           <a:p>
-            <a:pPr indent="0" lvl="0" marL="0" rtl="0" algn="ctr">
+            <a:pPr marL="0" lvl="0" indent="0" algn="ctr" rtl="0">
               <a:spcBef>
                 <a:spcPts val="0"/>
               </a:spcBef>
@@ -6793,7 +6987,7 @@
               <a:buNone/>
             </a:pPr>
             <a:r>
-              <a:rPr b="1" lang="en"/>
+              <a:rPr lang="en" b="1"/>
               <a:t>Open Land Agriculture Monitoring System</a:t>
             </a:r>
             <a:endParaRPr b="1"/>
@@ -6803,9 +6997,11 @@
       <p:sp>
         <p:nvSpPr>
           <p:cNvPr id="55" name="Google Shape;55;p13"/>
-          <p:cNvSpPr txBox="1"/>
+          <p:cNvSpPr txBox="1">
+            <a:spLocks noGrp="1"/>
+          </p:cNvSpPr>
           <p:nvPr>
-            <p:ph idx="1" type="subTitle"/>
+            <p:ph type="subTitle" idx="1"/>
           </p:nvPr>
         </p:nvSpPr>
         <p:spPr>
@@ -6818,23 +7014,20 @@
           </a:prstGeom>
         </p:spPr>
         <p:txBody>
-          <a:bodyPr anchorCtr="0" anchor="t" bIns="91425" lIns="91425" spcFirstLastPara="1" rIns="91425" wrap="square" tIns="91425">
+          <a:bodyPr spcFirstLastPara="1" wrap="square" lIns="91425" tIns="91425" rIns="91425" bIns="91425" anchor="t" anchorCtr="0">
             <a:normAutofit/>
           </a:bodyPr>
           <a:lstStyle/>
           <a:p>
-            <a:pPr indent="0" lvl="0" marL="0" rtl="0" algn="ctr">
-              <a:spcBef>
-                <a:spcPts val="0"/>
-              </a:spcBef>
-              <a:spcAft>
-                <a:spcPts val="0"/>
-              </a:spcAft>
-              <a:buNone/>
-            </a:pPr>
-            <a:r>
-              <a:t/>
-            </a:r>
+            <a:pPr marL="0" lvl="0" indent="0" algn="ctr" rtl="0">
+              <a:spcBef>
+                <a:spcPts val="0"/>
+              </a:spcBef>
+              <a:spcAft>
+                <a:spcPts val="0"/>
+              </a:spcAft>
+              <a:buNone/>
+            </a:pPr>
             <a:endParaRPr/>
           </a:p>
         </p:txBody>
@@ -6848,11 +7041,11 @@
 </file>
 
 <file path=ppt/slides/slide10.xml><?xml version="1.0" encoding="utf-8"?>
-<p:sld xmlns:a="http://schemas.openxmlformats.org/drawingml/2006/main" xmlns:r="http://schemas.openxmlformats.org/officeDocument/2006/relationships" xmlns:mc="http://schemas.openxmlformats.org/markup-compatibility/2006" xmlns:mv="urn:schemas-microsoft-com:mac:vml" xmlns:p="http://schemas.openxmlformats.org/presentationml/2006/main" xmlns:c="http://schemas.openxmlformats.org/drawingml/2006/chart" xmlns:dgm="http://schemas.openxmlformats.org/drawingml/2006/diagram" xmlns:o="urn:schemas-microsoft-com:office:office" xmlns:v="urn:schemas-microsoft-com:vml" xmlns:pvml="urn:schemas-microsoft-com:office:powerpoint" xmlns:com="http://schemas.openxmlformats.org/drawingml/2006/compatibility" xmlns:p14="http://schemas.microsoft.com/office/powerpoint/2010/main" xmlns:p15="http://schemas.microsoft.com/office/powerpoint/2012/main" xmlns:ahyp="http://schemas.microsoft.com/office/drawing/2018/hyperlinkcolor">
+<p:sld xmlns:a="http://schemas.openxmlformats.org/drawingml/2006/main" xmlns:r="http://schemas.openxmlformats.org/officeDocument/2006/relationships" xmlns:p="http://schemas.openxmlformats.org/presentationml/2006/main">
   <p:cSld>
     <p:spTree>
       <p:nvGrpSpPr>
-        <p:cNvPr id="121" name="Shape 121"/>
+        <p:cNvPr id="1" name="Shape 121"/>
         <p:cNvGrpSpPr/>
         <p:nvPr/>
       </p:nvGrpSpPr>
@@ -6867,7 +7060,9 @@
       <p:sp>
         <p:nvSpPr>
           <p:cNvPr id="122" name="Google Shape;122;p22"/>
-          <p:cNvSpPr txBox="1"/>
+          <p:cNvSpPr txBox="1">
+            <a:spLocks noGrp="1"/>
+          </p:cNvSpPr>
           <p:nvPr>
             <p:ph type="title"/>
           </p:nvPr>
@@ -6882,12 +7077,12 @@
           </a:prstGeom>
         </p:spPr>
         <p:txBody>
-          <a:bodyPr anchorCtr="0" anchor="t" bIns="91425" lIns="91425" spcFirstLastPara="1" rIns="91425" wrap="square" tIns="91425">
+          <a:bodyPr spcFirstLastPara="1" wrap="square" lIns="91425" tIns="91425" rIns="91425" bIns="91425" anchor="t" anchorCtr="0">
             <a:normAutofit fontScale="90000"/>
           </a:bodyPr>
           <a:lstStyle/>
           <a:p>
-            <a:pPr indent="0" lvl="0" marL="0" rtl="0" algn="l">
+            <a:pPr marL="0" lvl="0" indent="0" algn="l" rtl="0">
               <a:spcBef>
                 <a:spcPts val="0"/>
               </a:spcBef>
@@ -6897,7 +7092,7 @@
               <a:buNone/>
             </a:pPr>
             <a:r>
-              <a:rPr b="1" lang="en"/>
+              <a:rPr lang="en" b="1"/>
               <a:t>Flowchart</a:t>
             </a:r>
             <a:r>
@@ -6925,23 +7120,23 @@
           <a:solidFill>
             <a:schemeClr val="lt2"/>
           </a:solidFill>
-          <a:ln cap="flat" cmpd="sng" w="9525">
+          <a:ln w="9525" cap="flat" cmpd="sng">
             <a:solidFill>
               <a:schemeClr val="dk2"/>
             </a:solidFill>
             <a:prstDash val="solid"/>
             <a:round/>
-            <a:headEnd len="sm" w="sm" type="none"/>
-            <a:tailEnd len="sm" w="sm" type="none"/>
+            <a:headEnd type="none" w="sm" len="sm"/>
+            <a:tailEnd type="none" w="sm" len="sm"/>
           </a:ln>
         </p:spPr>
         <p:txBody>
-          <a:bodyPr anchorCtr="0" anchor="ctr" bIns="91425" lIns="91425" spcFirstLastPara="1" rIns="91425" wrap="square" tIns="91425">
+          <a:bodyPr spcFirstLastPara="1" wrap="square" lIns="91425" tIns="91425" rIns="91425" bIns="91425" anchor="ctr" anchorCtr="0">
             <a:noAutofit/>
           </a:bodyPr>
           <a:lstStyle/>
           <a:p>
-            <a:pPr indent="0" lvl="0" marL="0" rtl="0" algn="ctr">
+            <a:pPr marL="0" lvl="0" indent="0" algn="ctr" rtl="0">
               <a:spcBef>
                 <a:spcPts val="0"/>
               </a:spcBef>
@@ -6975,23 +7170,23 @@
           <a:solidFill>
             <a:schemeClr val="lt2"/>
           </a:solidFill>
-          <a:ln cap="flat" cmpd="sng" w="9525">
+          <a:ln w="9525" cap="flat" cmpd="sng">
             <a:solidFill>
               <a:schemeClr val="dk2"/>
             </a:solidFill>
             <a:prstDash val="solid"/>
             <a:round/>
-            <a:headEnd len="sm" w="sm" type="none"/>
-            <a:tailEnd len="sm" w="sm" type="none"/>
+            <a:headEnd type="none" w="sm" len="sm"/>
+            <a:tailEnd type="none" w="sm" len="sm"/>
           </a:ln>
         </p:spPr>
         <p:txBody>
-          <a:bodyPr anchorCtr="0" anchor="ctr" bIns="91425" lIns="91425" spcFirstLastPara="1" rIns="91425" wrap="square" tIns="91425">
+          <a:bodyPr spcFirstLastPara="1" wrap="square" lIns="91425" tIns="91425" rIns="91425" bIns="91425" anchor="ctr" anchorCtr="0">
             <a:noAutofit/>
           </a:bodyPr>
           <a:lstStyle/>
           <a:p>
-            <a:pPr indent="0" lvl="0" marL="0" rtl="0" algn="ctr">
+            <a:pPr marL="0" lvl="0" indent="0" algn="ctr" rtl="0">
               <a:spcBef>
                 <a:spcPts val="0"/>
               </a:spcBef>
@@ -7025,23 +7220,23 @@
           <a:solidFill>
             <a:schemeClr val="lt2"/>
           </a:solidFill>
-          <a:ln cap="flat" cmpd="sng" w="9525">
+          <a:ln w="9525" cap="flat" cmpd="sng">
             <a:solidFill>
               <a:schemeClr val="dk2"/>
             </a:solidFill>
             <a:prstDash val="solid"/>
             <a:round/>
-            <a:headEnd len="sm" w="sm" type="none"/>
-            <a:tailEnd len="sm" w="sm" type="none"/>
+            <a:headEnd type="none" w="sm" len="sm"/>
+            <a:tailEnd type="none" w="sm" len="sm"/>
           </a:ln>
         </p:spPr>
         <p:txBody>
-          <a:bodyPr anchorCtr="0" anchor="ctr" bIns="91425" lIns="91425" spcFirstLastPara="1" rIns="91425" wrap="square" tIns="91425">
+          <a:bodyPr spcFirstLastPara="1" wrap="square" lIns="91425" tIns="91425" rIns="91425" bIns="91425" anchor="ctr" anchorCtr="0">
             <a:noAutofit/>
           </a:bodyPr>
           <a:lstStyle/>
           <a:p>
-            <a:pPr indent="0" lvl="0" marL="0" rtl="0" algn="ctr">
+            <a:pPr marL="0" lvl="0" indent="0" algn="ctr" rtl="0">
               <a:spcBef>
                 <a:spcPts val="0"/>
               </a:spcBef>
@@ -7075,23 +7270,23 @@
           <a:solidFill>
             <a:schemeClr val="lt2"/>
           </a:solidFill>
-          <a:ln cap="flat" cmpd="sng" w="9525">
+          <a:ln w="9525" cap="flat" cmpd="sng">
             <a:solidFill>
               <a:schemeClr val="dk2"/>
             </a:solidFill>
             <a:prstDash val="solid"/>
             <a:round/>
-            <a:headEnd len="sm" w="sm" type="none"/>
-            <a:tailEnd len="sm" w="sm" type="none"/>
+            <a:headEnd type="none" w="sm" len="sm"/>
+            <a:tailEnd type="none" w="sm" len="sm"/>
           </a:ln>
         </p:spPr>
         <p:txBody>
-          <a:bodyPr anchorCtr="0" anchor="ctr" bIns="91425" lIns="91425" spcFirstLastPara="1" rIns="91425" wrap="square" tIns="91425">
+          <a:bodyPr spcFirstLastPara="1" wrap="square" lIns="91425" tIns="91425" rIns="91425" bIns="91425" anchor="ctr" anchorCtr="0">
             <a:noAutofit/>
           </a:bodyPr>
           <a:lstStyle/>
           <a:p>
-            <a:pPr indent="0" lvl="0" marL="0" rtl="0" algn="ctr">
+            <a:pPr marL="0" lvl="0" indent="0" algn="ctr" rtl="0">
               <a:spcBef>
                 <a:spcPts val="0"/>
               </a:spcBef>
@@ -7126,14 +7321,14 @@
             <a:avLst/>
           </a:prstGeom>
           <a:noFill/>
-          <a:ln cap="flat" cmpd="sng" w="9525">
+          <a:ln w="9525" cap="flat" cmpd="sng">
             <a:solidFill>
               <a:schemeClr val="dk2"/>
             </a:solidFill>
             <a:prstDash val="solid"/>
             <a:round/>
-            <a:headEnd len="med" w="med" type="none"/>
-            <a:tailEnd len="med" w="med" type="triangle"/>
+            <a:headEnd type="none" w="med" len="med"/>
+            <a:tailEnd type="triangle" w="med" len="med"/>
           </a:ln>
         </p:spPr>
       </p:cxnSp>
@@ -7154,23 +7349,23 @@
           <a:solidFill>
             <a:schemeClr val="lt2"/>
           </a:solidFill>
-          <a:ln cap="flat" cmpd="sng" w="9525">
+          <a:ln w="9525" cap="flat" cmpd="sng">
             <a:solidFill>
               <a:schemeClr val="dk2"/>
             </a:solidFill>
             <a:prstDash val="solid"/>
             <a:round/>
-            <a:headEnd len="sm" w="sm" type="none"/>
-            <a:tailEnd len="sm" w="sm" type="none"/>
+            <a:headEnd type="none" w="sm" len="sm"/>
+            <a:tailEnd type="none" w="sm" len="sm"/>
           </a:ln>
         </p:spPr>
         <p:txBody>
-          <a:bodyPr anchorCtr="0" anchor="ctr" bIns="91425" lIns="91425" spcFirstLastPara="1" rIns="91425" wrap="square" tIns="91425">
+          <a:bodyPr spcFirstLastPara="1" wrap="square" lIns="91425" tIns="91425" rIns="91425" bIns="91425" anchor="ctr" anchorCtr="0">
             <a:noAutofit/>
           </a:bodyPr>
           <a:lstStyle/>
           <a:p>
-            <a:pPr indent="0" lvl="0" marL="0" rtl="0" algn="ctr">
+            <a:pPr marL="0" lvl="0" indent="0" algn="ctr" rtl="0">
               <a:spcBef>
                 <a:spcPts val="0"/>
               </a:spcBef>
@@ -7204,14 +7399,14 @@
             <a:avLst/>
           </a:prstGeom>
           <a:noFill/>
-          <a:ln cap="flat" cmpd="sng" w="9525">
+          <a:ln w="9525" cap="flat" cmpd="sng">
             <a:solidFill>
               <a:schemeClr val="dk2"/>
             </a:solidFill>
             <a:prstDash val="solid"/>
             <a:round/>
-            <a:headEnd len="med" w="med" type="none"/>
-            <a:tailEnd len="med" w="med" type="triangle"/>
+            <a:headEnd type="none" w="med" len="med"/>
+            <a:tailEnd type="triangle" w="med" len="med"/>
           </a:ln>
         </p:spPr>
       </p:cxnSp>
@@ -7224,7 +7419,7 @@
           <p:nvPr/>
         </p:nvCxnSpPr>
         <p:spPr>
-          <a:xfrm flipH="1" rot="10800000">
+          <a:xfrm rot="10800000" flipH="1">
             <a:off x="1409400" y="3377225"/>
             <a:ext cx="1118400" cy="15000"/>
           </a:xfrm>
@@ -7232,14 +7427,14 @@
             <a:avLst/>
           </a:prstGeom>
           <a:noFill/>
-          <a:ln cap="flat" cmpd="sng" w="9525">
+          <a:ln w="9525" cap="flat" cmpd="sng">
             <a:solidFill>
               <a:schemeClr val="dk2"/>
             </a:solidFill>
             <a:prstDash val="solid"/>
             <a:round/>
-            <a:headEnd len="med" w="med" type="none"/>
-            <a:tailEnd len="med" w="med" type="triangle"/>
+            <a:headEnd type="none" w="med" len="med"/>
+            <a:tailEnd type="triangle" w="med" len="med"/>
           </a:ln>
         </p:spPr>
       </p:cxnSp>
@@ -7261,14 +7456,14 @@
             <a:avLst/>
           </a:prstGeom>
           <a:noFill/>
-          <a:ln cap="flat" cmpd="sng" w="9525">
+          <a:ln w="9525" cap="flat" cmpd="sng">
             <a:solidFill>
               <a:schemeClr val="dk2"/>
             </a:solidFill>
             <a:prstDash val="solid"/>
             <a:round/>
-            <a:headEnd len="med" w="med" type="none"/>
-            <a:tailEnd len="med" w="med" type="triangle"/>
+            <a:headEnd type="none" w="med" len="med"/>
+            <a:tailEnd type="triangle" w="med" len="med"/>
           </a:ln>
         </p:spPr>
       </p:cxnSp>
@@ -7289,14 +7484,14 @@
             <a:avLst/>
           </a:prstGeom>
           <a:noFill/>
-          <a:ln cap="flat" cmpd="sng" w="9525">
+          <a:ln w="9525" cap="flat" cmpd="sng">
             <a:solidFill>
               <a:schemeClr val="dk2"/>
             </a:solidFill>
             <a:prstDash val="solid"/>
             <a:round/>
-            <a:headEnd len="med" w="med" type="none"/>
-            <a:tailEnd len="med" w="med" type="triangle"/>
+            <a:headEnd type="none" w="med" len="med"/>
+            <a:tailEnd type="triangle" w="med" len="med"/>
           </a:ln>
         </p:spPr>
       </p:cxnSp>
@@ -7317,14 +7512,14 @@
             <a:avLst/>
           </a:prstGeom>
           <a:noFill/>
-          <a:ln cap="flat" cmpd="sng" w="9525">
+          <a:ln w="9525" cap="flat" cmpd="sng">
             <a:solidFill>
               <a:schemeClr val="dk2"/>
             </a:solidFill>
             <a:prstDash val="solid"/>
             <a:round/>
-            <a:headEnd len="med" w="med" type="none"/>
-            <a:tailEnd len="med" w="med" type="triangle"/>
+            <a:headEnd type="none" w="med" len="med"/>
+            <a:tailEnd type="triangle" w="med" len="med"/>
           </a:ln>
         </p:spPr>
       </p:cxnSp>
@@ -7341,29 +7536,29 @@
           </a:xfrm>
           <a:prstGeom prst="parallelogram">
             <a:avLst>
-              <a:gd fmla="val 25000" name="adj"/>
+              <a:gd name="adj" fmla="val 25000"/>
             </a:avLst>
           </a:prstGeom>
           <a:solidFill>
             <a:schemeClr val="lt2"/>
           </a:solidFill>
-          <a:ln cap="flat" cmpd="sng" w="9525">
+          <a:ln w="9525" cap="flat" cmpd="sng">
             <a:solidFill>
               <a:schemeClr val="dk2"/>
             </a:solidFill>
             <a:prstDash val="solid"/>
             <a:round/>
-            <a:headEnd len="sm" w="sm" type="none"/>
-            <a:tailEnd len="sm" w="sm" type="none"/>
+            <a:headEnd type="none" w="sm" len="sm"/>
+            <a:tailEnd type="none" w="sm" len="sm"/>
           </a:ln>
         </p:spPr>
         <p:txBody>
-          <a:bodyPr anchorCtr="0" anchor="ctr" bIns="91425" lIns="91425" spcFirstLastPara="1" rIns="91425" wrap="square" tIns="91425">
+          <a:bodyPr spcFirstLastPara="1" wrap="square" lIns="91425" tIns="91425" rIns="91425" bIns="91425" anchor="ctr" anchorCtr="0">
             <a:noAutofit/>
           </a:bodyPr>
           <a:lstStyle/>
           <a:p>
-            <a:pPr indent="0" lvl="0" marL="0" rtl="0" algn="ctr">
+            <a:pPr marL="0" lvl="0" indent="0" algn="ctr" rtl="0">
               <a:spcBef>
                 <a:spcPts val="0"/>
               </a:spcBef>
@@ -7398,14 +7593,14 @@
             <a:avLst/>
           </a:prstGeom>
           <a:noFill/>
-          <a:ln cap="flat" cmpd="sng" w="9525">
+          <a:ln w="9525" cap="flat" cmpd="sng">
             <a:solidFill>
               <a:schemeClr val="dk2"/>
             </a:solidFill>
             <a:prstDash val="solid"/>
             <a:round/>
-            <a:headEnd len="med" w="med" type="none"/>
-            <a:tailEnd len="med" w="med" type="triangle"/>
+            <a:headEnd type="none" w="med" len="med"/>
+            <a:tailEnd type="triangle" w="med" len="med"/>
           </a:ln>
         </p:spPr>
       </p:cxnSp>
@@ -7418,11 +7613,11 @@
 </file>
 
 <file path=ppt/slides/slide11.xml><?xml version="1.0" encoding="utf-8"?>
-<p:sld xmlns:a="http://schemas.openxmlformats.org/drawingml/2006/main" xmlns:r="http://schemas.openxmlformats.org/officeDocument/2006/relationships" xmlns:mc="http://schemas.openxmlformats.org/markup-compatibility/2006" xmlns:mv="urn:schemas-microsoft-com:mac:vml" xmlns:p="http://schemas.openxmlformats.org/presentationml/2006/main" xmlns:c="http://schemas.openxmlformats.org/drawingml/2006/chart" xmlns:dgm="http://schemas.openxmlformats.org/drawingml/2006/diagram" xmlns:o="urn:schemas-microsoft-com:office:office" xmlns:v="urn:schemas-microsoft-com:vml" xmlns:pvml="urn:schemas-microsoft-com:office:powerpoint" xmlns:com="http://schemas.openxmlformats.org/drawingml/2006/compatibility" xmlns:p14="http://schemas.microsoft.com/office/powerpoint/2010/main" xmlns:p15="http://schemas.microsoft.com/office/powerpoint/2012/main" xmlns:ahyp="http://schemas.microsoft.com/office/drawing/2018/hyperlinkcolor">
+<p:sld xmlns:a="http://schemas.openxmlformats.org/drawingml/2006/main" xmlns:r="http://schemas.openxmlformats.org/officeDocument/2006/relationships" xmlns:p="http://schemas.openxmlformats.org/presentationml/2006/main">
   <p:cSld>
     <p:spTree>
       <p:nvGrpSpPr>
-        <p:cNvPr id="139" name="Shape 139"/>
+        <p:cNvPr id="1" name="Shape 139"/>
         <p:cNvGrpSpPr/>
         <p:nvPr/>
       </p:nvGrpSpPr>
@@ -7437,7 +7632,9 @@
       <p:sp>
         <p:nvSpPr>
           <p:cNvPr id="140" name="Google Shape;140;p23"/>
-          <p:cNvSpPr txBox="1"/>
+          <p:cNvSpPr txBox="1">
+            <a:spLocks noGrp="1"/>
+          </p:cNvSpPr>
           <p:nvPr>
             <p:ph type="title"/>
           </p:nvPr>
@@ -7452,12 +7649,12 @@
           </a:prstGeom>
         </p:spPr>
         <p:txBody>
-          <a:bodyPr anchorCtr="0" anchor="t" bIns="91425" lIns="91425" spcFirstLastPara="1" rIns="91425" wrap="square" tIns="91425">
+          <a:bodyPr spcFirstLastPara="1" wrap="square" lIns="91425" tIns="91425" rIns="91425" bIns="91425" anchor="t" anchorCtr="0">
             <a:normAutofit fontScale="90000"/>
           </a:bodyPr>
           <a:lstStyle/>
           <a:p>
-            <a:pPr indent="0" lvl="0" marL="0" rtl="0" algn="l">
+            <a:pPr marL="0" lvl="0" indent="0" algn="l" rtl="0">
               <a:spcBef>
                 <a:spcPts val="0"/>
               </a:spcBef>
@@ -7477,9 +7674,11 @@
       <p:sp>
         <p:nvSpPr>
           <p:cNvPr id="141" name="Google Shape;141;p23"/>
-          <p:cNvSpPr txBox="1"/>
+          <p:cNvSpPr txBox="1">
+            <a:spLocks noGrp="1"/>
+          </p:cNvSpPr>
           <p:nvPr>
-            <p:ph idx="1" type="body"/>
+            <p:ph type="body" idx="1"/>
           </p:nvPr>
         </p:nvSpPr>
         <p:spPr>
@@ -7492,12 +7691,12 @@
           </a:prstGeom>
         </p:spPr>
         <p:txBody>
-          <a:bodyPr anchorCtr="0" anchor="t" bIns="91425" lIns="91425" spcFirstLastPara="1" rIns="91425" wrap="square" tIns="91425">
+          <a:bodyPr spcFirstLastPara="1" wrap="square" lIns="91425" tIns="91425" rIns="91425" bIns="91425" anchor="t" anchorCtr="0">
             <a:normAutofit/>
           </a:bodyPr>
           <a:lstStyle/>
           <a:p>
-            <a:pPr indent="0" lvl="0" marL="0" rtl="0" algn="l">
+            <a:pPr marL="0" lvl="0" indent="0" algn="l" rtl="0">
               <a:spcBef>
                 <a:spcPts val="0"/>
               </a:spcBef>
@@ -7506,9 +7705,6 @@
               </a:spcAft>
               <a:buNone/>
             </a:pPr>
-            <a:r>
-              <a:t/>
-            </a:r>
             <a:endParaRPr/>
           </a:p>
         </p:txBody>
@@ -7522,11 +7718,11 @@
 </file>
 
 <file path=ppt/slides/slide12.xml><?xml version="1.0" encoding="utf-8"?>
-<p:sld xmlns:a="http://schemas.openxmlformats.org/drawingml/2006/main" xmlns:r="http://schemas.openxmlformats.org/officeDocument/2006/relationships" xmlns:mc="http://schemas.openxmlformats.org/markup-compatibility/2006" xmlns:mv="urn:schemas-microsoft-com:mac:vml" xmlns:p="http://schemas.openxmlformats.org/presentationml/2006/main" xmlns:c="http://schemas.openxmlformats.org/drawingml/2006/chart" xmlns:dgm="http://schemas.openxmlformats.org/drawingml/2006/diagram" xmlns:o="urn:schemas-microsoft-com:office:office" xmlns:v="urn:schemas-microsoft-com:vml" xmlns:pvml="urn:schemas-microsoft-com:office:powerpoint" xmlns:com="http://schemas.openxmlformats.org/drawingml/2006/compatibility" xmlns:p14="http://schemas.microsoft.com/office/powerpoint/2010/main" xmlns:p15="http://schemas.microsoft.com/office/powerpoint/2012/main" xmlns:ahyp="http://schemas.microsoft.com/office/drawing/2018/hyperlinkcolor">
+<p:sld xmlns:a="http://schemas.openxmlformats.org/drawingml/2006/main" xmlns:r="http://schemas.openxmlformats.org/officeDocument/2006/relationships" xmlns:p="http://schemas.openxmlformats.org/presentationml/2006/main">
   <p:cSld>
     <p:spTree>
       <p:nvGrpSpPr>
-        <p:cNvPr id="145" name="Shape 145"/>
+        <p:cNvPr id="1" name="Shape 145"/>
         <p:cNvGrpSpPr/>
         <p:nvPr/>
       </p:nvGrpSpPr>
@@ -7541,7 +7737,9 @@
       <p:sp>
         <p:nvSpPr>
           <p:cNvPr id="146" name="Google Shape;146;p24"/>
-          <p:cNvSpPr txBox="1"/>
+          <p:cNvSpPr txBox="1">
+            <a:spLocks noGrp="1"/>
+          </p:cNvSpPr>
           <p:nvPr>
             <p:ph type="title"/>
           </p:nvPr>
@@ -7556,12 +7754,12 @@
           </a:prstGeom>
         </p:spPr>
         <p:txBody>
-          <a:bodyPr anchorCtr="0" anchor="t" bIns="91425" lIns="91425" spcFirstLastPara="1" rIns="91425" wrap="square" tIns="91425">
+          <a:bodyPr spcFirstLastPara="1" wrap="square" lIns="91425" tIns="91425" rIns="91425" bIns="91425" anchor="t" anchorCtr="0">
             <a:normAutofit fontScale="90000"/>
           </a:bodyPr>
           <a:lstStyle/>
           <a:p>
-            <a:pPr indent="0" lvl="0" marL="0" rtl="0" algn="l">
+            <a:pPr marL="0" lvl="0" indent="0" algn="l" rtl="0">
               <a:spcBef>
                 <a:spcPts val="0"/>
               </a:spcBef>
@@ -7581,9 +7779,11 @@
       <p:sp>
         <p:nvSpPr>
           <p:cNvPr id="147" name="Google Shape;147;p24"/>
-          <p:cNvSpPr txBox="1"/>
+          <p:cNvSpPr txBox="1">
+            <a:spLocks noGrp="1"/>
+          </p:cNvSpPr>
           <p:nvPr>
-            <p:ph idx="1" type="body"/>
+            <p:ph type="body" idx="1"/>
           </p:nvPr>
         </p:nvSpPr>
         <p:spPr>
@@ -7596,12 +7796,12 @@
           </a:prstGeom>
         </p:spPr>
         <p:txBody>
-          <a:bodyPr anchorCtr="0" anchor="t" bIns="91425" lIns="91425" spcFirstLastPara="1" rIns="91425" wrap="square" tIns="91425">
+          <a:bodyPr spcFirstLastPara="1" wrap="square" lIns="91425" tIns="91425" rIns="91425" bIns="91425" anchor="t" anchorCtr="0">
             <a:normAutofit/>
           </a:bodyPr>
           <a:lstStyle/>
           <a:p>
-            <a:pPr indent="0" lvl="0" marL="0" rtl="0" algn="l">
+            <a:pPr marL="0" lvl="0" indent="0" algn="l" rtl="0">
               <a:spcBef>
                 <a:spcPts val="0"/>
               </a:spcBef>
@@ -7610,9 +7810,6 @@
               </a:spcAft>
               <a:buNone/>
             </a:pPr>
-            <a:r>
-              <a:t/>
-            </a:r>
             <a:endParaRPr/>
           </a:p>
         </p:txBody>
@@ -7626,11 +7823,11 @@
 </file>
 
 <file path=ppt/slides/slide13.xml><?xml version="1.0" encoding="utf-8"?>
-<p:sld xmlns:a="http://schemas.openxmlformats.org/drawingml/2006/main" xmlns:r="http://schemas.openxmlformats.org/officeDocument/2006/relationships" xmlns:mc="http://schemas.openxmlformats.org/markup-compatibility/2006" xmlns:mv="urn:schemas-microsoft-com:mac:vml" xmlns:p="http://schemas.openxmlformats.org/presentationml/2006/main" xmlns:c="http://schemas.openxmlformats.org/drawingml/2006/chart" xmlns:dgm="http://schemas.openxmlformats.org/drawingml/2006/diagram" xmlns:o="urn:schemas-microsoft-com:office:office" xmlns:v="urn:schemas-microsoft-com:vml" xmlns:pvml="urn:schemas-microsoft-com:office:powerpoint" xmlns:com="http://schemas.openxmlformats.org/drawingml/2006/compatibility" xmlns:p14="http://schemas.microsoft.com/office/powerpoint/2010/main" xmlns:p15="http://schemas.microsoft.com/office/powerpoint/2012/main" xmlns:ahyp="http://schemas.microsoft.com/office/drawing/2018/hyperlinkcolor">
+<p:sld xmlns:a="http://schemas.openxmlformats.org/drawingml/2006/main" xmlns:r="http://schemas.openxmlformats.org/officeDocument/2006/relationships" xmlns:p="http://schemas.openxmlformats.org/presentationml/2006/main">
   <p:cSld>
     <p:spTree>
       <p:nvGrpSpPr>
-        <p:cNvPr id="151" name="Shape 151"/>
+        <p:cNvPr id="1" name="Shape 151"/>
         <p:cNvGrpSpPr/>
         <p:nvPr/>
       </p:nvGrpSpPr>
@@ -7645,7 +7842,9 @@
       <p:sp>
         <p:nvSpPr>
           <p:cNvPr id="152" name="Google Shape;152;p25"/>
-          <p:cNvSpPr txBox="1"/>
+          <p:cNvSpPr txBox="1">
+            <a:spLocks noGrp="1"/>
+          </p:cNvSpPr>
           <p:nvPr>
             <p:ph type="title"/>
           </p:nvPr>
@@ -7660,12 +7859,12 @@
           </a:prstGeom>
         </p:spPr>
         <p:txBody>
-          <a:bodyPr anchorCtr="0" anchor="t" bIns="91425" lIns="91425" spcFirstLastPara="1" rIns="91425" wrap="square" tIns="91425">
+          <a:bodyPr spcFirstLastPara="1" wrap="square" lIns="91425" tIns="91425" rIns="91425" bIns="91425" anchor="t" anchorCtr="0">
             <a:normAutofit fontScale="90000"/>
           </a:bodyPr>
           <a:lstStyle/>
           <a:p>
-            <a:pPr indent="0" lvl="0" marL="0" rtl="0" algn="l">
+            <a:pPr marL="0" lvl="0" indent="0" algn="l" rtl="0">
               <a:spcBef>
                 <a:spcPts val="0"/>
               </a:spcBef>
@@ -7685,9 +7884,11 @@
       <p:sp>
         <p:nvSpPr>
           <p:cNvPr id="153" name="Google Shape;153;p25"/>
-          <p:cNvSpPr txBox="1"/>
+          <p:cNvSpPr txBox="1">
+            <a:spLocks noGrp="1"/>
+          </p:cNvSpPr>
           <p:nvPr>
-            <p:ph idx="1" type="body"/>
+            <p:ph type="body" idx="1"/>
           </p:nvPr>
         </p:nvSpPr>
         <p:spPr>
@@ -7700,12 +7901,12 @@
           </a:prstGeom>
         </p:spPr>
         <p:txBody>
-          <a:bodyPr anchorCtr="0" anchor="t" bIns="91425" lIns="91425" spcFirstLastPara="1" rIns="91425" wrap="square" tIns="91425">
+          <a:bodyPr spcFirstLastPara="1" wrap="square" lIns="91425" tIns="91425" rIns="91425" bIns="91425" anchor="t" anchorCtr="0">
             <a:normAutofit/>
           </a:bodyPr>
           <a:lstStyle/>
           <a:p>
-            <a:pPr indent="0" lvl="0" marL="0" rtl="0" algn="l">
+            <a:pPr marL="0" lvl="0" indent="0" algn="l" rtl="0">
               <a:spcBef>
                 <a:spcPts val="0"/>
               </a:spcBef>
@@ -7714,9 +7915,6 @@
               </a:spcAft>
               <a:buNone/>
             </a:pPr>
-            <a:r>
-              <a:t/>
-            </a:r>
             <a:endParaRPr/>
           </a:p>
         </p:txBody>
@@ -7730,11 +7928,11 @@
 </file>
 
 <file path=ppt/slides/slide14.xml><?xml version="1.0" encoding="utf-8"?>
-<p:sld xmlns:a="http://schemas.openxmlformats.org/drawingml/2006/main" xmlns:r="http://schemas.openxmlformats.org/officeDocument/2006/relationships" xmlns:mc="http://schemas.openxmlformats.org/markup-compatibility/2006" xmlns:mv="urn:schemas-microsoft-com:mac:vml" xmlns:p="http://schemas.openxmlformats.org/presentationml/2006/main" xmlns:c="http://schemas.openxmlformats.org/drawingml/2006/chart" xmlns:dgm="http://schemas.openxmlformats.org/drawingml/2006/diagram" xmlns:o="urn:schemas-microsoft-com:office:office" xmlns:v="urn:schemas-microsoft-com:vml" xmlns:pvml="urn:schemas-microsoft-com:office:powerpoint" xmlns:com="http://schemas.openxmlformats.org/drawingml/2006/compatibility" xmlns:p14="http://schemas.microsoft.com/office/powerpoint/2010/main" xmlns:p15="http://schemas.microsoft.com/office/powerpoint/2012/main" xmlns:ahyp="http://schemas.microsoft.com/office/drawing/2018/hyperlinkcolor">
+<p:sld xmlns:a="http://schemas.openxmlformats.org/drawingml/2006/main" xmlns:r="http://schemas.openxmlformats.org/officeDocument/2006/relationships" xmlns:p="http://schemas.openxmlformats.org/presentationml/2006/main">
   <p:cSld>
     <p:spTree>
       <p:nvGrpSpPr>
-        <p:cNvPr id="157" name="Shape 157"/>
+        <p:cNvPr id="1" name="Shape 157"/>
         <p:cNvGrpSpPr/>
         <p:nvPr/>
       </p:nvGrpSpPr>
@@ -7749,7 +7947,9 @@
       <p:sp>
         <p:nvSpPr>
           <p:cNvPr id="158" name="Google Shape;158;p26"/>
-          <p:cNvSpPr txBox="1"/>
+          <p:cNvSpPr txBox="1">
+            <a:spLocks noGrp="1"/>
+          </p:cNvSpPr>
           <p:nvPr>
             <p:ph type="title"/>
           </p:nvPr>
@@ -7764,12 +7964,12 @@
           </a:prstGeom>
         </p:spPr>
         <p:txBody>
-          <a:bodyPr anchorCtr="0" anchor="t" bIns="91425" lIns="91425" spcFirstLastPara="1" rIns="91425" wrap="square" tIns="91425">
+          <a:bodyPr spcFirstLastPara="1" wrap="square" lIns="91425" tIns="91425" rIns="91425" bIns="91425" anchor="t" anchorCtr="0">
             <a:normAutofit fontScale="90000"/>
           </a:bodyPr>
           <a:lstStyle/>
           <a:p>
-            <a:pPr indent="0" lvl="0" marL="0" rtl="0" algn="l">
+            <a:pPr marL="0" lvl="0" indent="0" algn="l" rtl="0">
               <a:spcBef>
                 <a:spcPts val="0"/>
               </a:spcBef>
@@ -7789,9 +7989,11 @@
       <p:sp>
         <p:nvSpPr>
           <p:cNvPr id="159" name="Google Shape;159;p26"/>
-          <p:cNvSpPr txBox="1"/>
+          <p:cNvSpPr txBox="1">
+            <a:spLocks noGrp="1"/>
+          </p:cNvSpPr>
           <p:nvPr>
-            <p:ph idx="1" type="body"/>
+            <p:ph type="body" idx="1"/>
           </p:nvPr>
         </p:nvSpPr>
         <p:spPr>
@@ -7804,12 +8006,12 @@
           </a:prstGeom>
         </p:spPr>
         <p:txBody>
-          <a:bodyPr anchorCtr="0" anchor="t" bIns="91425" lIns="91425" spcFirstLastPara="1" rIns="91425" wrap="square" tIns="91425">
+          <a:bodyPr spcFirstLastPara="1" wrap="square" lIns="91425" tIns="91425" rIns="91425" bIns="91425" anchor="t" anchorCtr="0">
             <a:normAutofit/>
           </a:bodyPr>
           <a:lstStyle/>
           <a:p>
-            <a:pPr indent="0" lvl="0" marL="0" rtl="0" algn="l">
+            <a:pPr marL="0" lvl="0" indent="0" algn="l" rtl="0">
               <a:spcBef>
                 <a:spcPts val="0"/>
               </a:spcBef>
@@ -7818,9 +8020,6 @@
               </a:spcAft>
               <a:buNone/>
             </a:pPr>
-            <a:r>
-              <a:t/>
-            </a:r>
             <a:endParaRPr/>
           </a:p>
         </p:txBody>
@@ -7834,11 +8033,11 @@
 </file>
 
 <file path=ppt/slides/slide2.xml><?xml version="1.0" encoding="utf-8"?>
-<p:sld xmlns:a="http://schemas.openxmlformats.org/drawingml/2006/main" xmlns:r="http://schemas.openxmlformats.org/officeDocument/2006/relationships" xmlns:mc="http://schemas.openxmlformats.org/markup-compatibility/2006" xmlns:mv="urn:schemas-microsoft-com:mac:vml" xmlns:p="http://schemas.openxmlformats.org/presentationml/2006/main" xmlns:c="http://schemas.openxmlformats.org/drawingml/2006/chart" xmlns:dgm="http://schemas.openxmlformats.org/drawingml/2006/diagram" xmlns:o="urn:schemas-microsoft-com:office:office" xmlns:v="urn:schemas-microsoft-com:vml" xmlns:pvml="urn:schemas-microsoft-com:office:powerpoint" xmlns:com="http://schemas.openxmlformats.org/drawingml/2006/compatibility" xmlns:p14="http://schemas.microsoft.com/office/powerpoint/2010/main" xmlns:p15="http://schemas.microsoft.com/office/powerpoint/2012/main" xmlns:ahyp="http://schemas.microsoft.com/office/drawing/2018/hyperlinkcolor">
+<p:sld xmlns:a="http://schemas.openxmlformats.org/drawingml/2006/main" xmlns:r="http://schemas.openxmlformats.org/officeDocument/2006/relationships" xmlns:p="http://schemas.openxmlformats.org/presentationml/2006/main">
   <p:cSld>
     <p:spTree>
       <p:nvGrpSpPr>
-        <p:cNvPr id="59" name="Shape 59"/>
+        <p:cNvPr id="1" name="Shape 59"/>
         <p:cNvGrpSpPr/>
         <p:nvPr/>
       </p:nvGrpSpPr>
@@ -7853,7 +8052,9 @@
       <p:sp>
         <p:nvSpPr>
           <p:cNvPr id="60" name="Google Shape;60;p14"/>
-          <p:cNvSpPr txBox="1"/>
+          <p:cNvSpPr txBox="1">
+            <a:spLocks noGrp="1"/>
+          </p:cNvSpPr>
           <p:nvPr>
             <p:ph type="title"/>
           </p:nvPr>
@@ -7868,12 +8069,12 @@
           </a:prstGeom>
         </p:spPr>
         <p:txBody>
-          <a:bodyPr anchorCtr="0" anchor="t" bIns="91425" lIns="91425" spcFirstLastPara="1" rIns="91425" wrap="square" tIns="91425">
+          <a:bodyPr spcFirstLastPara="1" wrap="square" lIns="91425" tIns="91425" rIns="91425" bIns="91425" anchor="t" anchorCtr="0">
             <a:normAutofit fontScale="90000"/>
           </a:bodyPr>
           <a:lstStyle/>
           <a:p>
-            <a:pPr indent="0" lvl="0" marL="0" rtl="0" algn="l">
+            <a:pPr marL="0" lvl="0" indent="0" algn="l" rtl="0">
               <a:spcBef>
                 <a:spcPts val="0"/>
               </a:spcBef>
@@ -7898,7 +8099,7 @@
         </p:nvGraphicFramePr>
         <p:xfrm>
           <a:off x="952500" y="847225"/>
-          <a:ext cx="3000000" cy="3000000"/>
+          <a:ext cx="7239000" cy="4175460"/>
         </p:xfrm>
         <a:graphic>
           <a:graphicData uri="http://schemas.openxmlformats.org/drawingml/2006/table">
@@ -7908,17 +8109,35 @@
                 <a:tableStyleId>{3934A639-FD02-4061-9034-AA1DA55F1585}</a:tableStyleId>
               </a:tblPr>
               <a:tblGrid>
-                <a:gridCol w="1688375"/>
-                <a:gridCol w="3137625"/>
-                <a:gridCol w="2413000"/>
+                <a:gridCol w="1688375">
+                  <a:extLst>
+                    <a:ext uri="{9D8B030D-6E8A-4147-A177-3AD203B41FA5}">
+                      <a16:colId xmlns:a16="http://schemas.microsoft.com/office/drawing/2014/main" val="20000"/>
+                    </a:ext>
+                  </a:extLst>
+                </a:gridCol>
+                <a:gridCol w="3137625">
+                  <a:extLst>
+                    <a:ext uri="{9D8B030D-6E8A-4147-A177-3AD203B41FA5}">
+                      <a16:colId xmlns:a16="http://schemas.microsoft.com/office/drawing/2014/main" val="20001"/>
+                    </a:ext>
+                  </a:extLst>
+                </a:gridCol>
+                <a:gridCol w="2413000">
+                  <a:extLst>
+                    <a:ext uri="{9D8B030D-6E8A-4147-A177-3AD203B41FA5}">
+                      <a16:colId xmlns:a16="http://schemas.microsoft.com/office/drawing/2014/main" val="20002"/>
+                    </a:ext>
+                  </a:extLst>
+                </a:gridCol>
               </a:tblGrid>
-              <a:tr h="85775">
+              <a:tr h="0">
                 <a:tc>
                   <a:txBody>
                     <a:bodyPr/>
                     <a:lstStyle/>
                     <a:p>
-                      <a:pPr indent="0" lvl="0" marL="0" rtl="0" algn="l">
+                      <a:pPr marL="0" lvl="0" indent="0" algn="l" rtl="0">
                         <a:spcBef>
                           <a:spcPts val="0"/>
                         </a:spcBef>
@@ -7928,20 +8147,20 @@
                         <a:buNone/>
                       </a:pPr>
                       <a:r>
-                        <a:rPr b="1" lang="en"/>
+                        <a:rPr lang="en" b="1"/>
                         <a:t>Sr. No.</a:t>
                       </a:r>
                       <a:endParaRPr b="1"/>
                     </a:p>
                   </a:txBody>
-                  <a:tcPr marT="91425" marB="91425" marR="91425" marL="91425"/>
+                  <a:tcPr marL="91425" marR="91425" marT="91425" marB="91425"/>
                 </a:tc>
                 <a:tc>
                   <a:txBody>
                     <a:bodyPr/>
                     <a:lstStyle/>
                     <a:p>
-                      <a:pPr indent="0" lvl="0" marL="0" rtl="0" algn="l">
+                      <a:pPr marL="0" lvl="0" indent="0" algn="l" rtl="0">
                         <a:spcBef>
                           <a:spcPts val="0"/>
                         </a:spcBef>
@@ -7951,20 +8170,20 @@
                         <a:buNone/>
                       </a:pPr>
                       <a:r>
-                        <a:rPr b="1" lang="en"/>
+                        <a:rPr lang="en" b="1"/>
                         <a:t> Title </a:t>
                       </a:r>
                       <a:endParaRPr b="1"/>
                     </a:p>
                   </a:txBody>
-                  <a:tcPr marT="91425" marB="91425" marR="91425" marL="91425"/>
+                  <a:tcPr marL="91425" marR="91425" marT="91425" marB="91425"/>
                 </a:tc>
                 <a:tc>
                   <a:txBody>
                     <a:bodyPr/>
                     <a:lstStyle/>
                     <a:p>
-                      <a:pPr indent="0" lvl="0" marL="0" rtl="0" algn="l">
+                      <a:pPr marL="0" lvl="0" indent="0" algn="l" rtl="0">
                         <a:spcBef>
                           <a:spcPts val="0"/>
                         </a:spcBef>
@@ -7973,14 +8192,16 @@
                         </a:spcAft>
                         <a:buNone/>
                       </a:pPr>
-                      <a:r>
-                        <a:t/>
-                      </a:r>
                       <a:endParaRPr/>
                     </a:p>
                   </a:txBody>
-                  <a:tcPr marT="91425" marB="91425" marR="91425" marL="91425"/>
+                  <a:tcPr marL="91425" marR="91425" marT="91425" marB="91425"/>
                 </a:tc>
+                <a:extLst>
+                  <a:ext uri="{0D108BD9-81ED-4DB2-BD59-A6C34878D82A}">
+                    <a16:rowId xmlns:a16="http://schemas.microsoft.com/office/drawing/2014/main" val="10000"/>
+                  </a:ext>
+                </a:extLst>
               </a:tr>
               <a:tr h="381000">
                 <a:tc>
@@ -7988,7 +8209,7 @@
                     <a:bodyPr/>
                     <a:lstStyle/>
                     <a:p>
-                      <a:pPr indent="0" lvl="0" marL="0" rtl="0" algn="l">
+                      <a:pPr marL="0" lvl="0" indent="0" algn="l" rtl="0">
                         <a:spcBef>
                           <a:spcPts val="0"/>
                         </a:spcBef>
@@ -8004,14 +8225,14 @@
                       <a:endParaRPr/>
                     </a:p>
                   </a:txBody>
-                  <a:tcPr marT="91425" marB="91425" marR="91425" marL="91425"/>
+                  <a:tcPr marL="91425" marR="91425" marT="91425" marB="91425"/>
                 </a:tc>
                 <a:tc>
                   <a:txBody>
                     <a:bodyPr/>
                     <a:lstStyle/>
                     <a:p>
-                      <a:pPr indent="0" lvl="0" marL="0" rtl="0" algn="l">
+                      <a:pPr marL="0" lvl="0" indent="0" algn="l" rtl="0">
                         <a:spcBef>
                           <a:spcPts val="0"/>
                         </a:spcBef>
@@ -8027,14 +8248,14 @@
                       <a:endParaRPr/>
                     </a:p>
                   </a:txBody>
-                  <a:tcPr marT="91425" marB="91425" marR="91425" marL="91425"/>
+                  <a:tcPr marL="91425" marR="91425" marT="91425" marB="91425"/>
                 </a:tc>
                 <a:tc>
                   <a:txBody>
                     <a:bodyPr/>
                     <a:lstStyle/>
                     <a:p>
-                      <a:pPr indent="0" lvl="0" marL="0" rtl="0" algn="l">
+                      <a:pPr marL="0" lvl="0" indent="0" algn="l" rtl="0">
                         <a:spcBef>
                           <a:spcPts val="0"/>
                         </a:spcBef>
@@ -8043,14 +8264,16 @@
                         </a:spcAft>
                         <a:buNone/>
                       </a:pPr>
-                      <a:r>
-                        <a:t/>
-                      </a:r>
                       <a:endParaRPr/>
                     </a:p>
                   </a:txBody>
-                  <a:tcPr marT="91425" marB="91425" marR="91425" marL="91425"/>
+                  <a:tcPr marL="91425" marR="91425" marT="91425" marB="91425"/>
                 </a:tc>
+                <a:extLst>
+                  <a:ext uri="{0D108BD9-81ED-4DB2-BD59-A6C34878D82A}">
+                    <a16:rowId xmlns:a16="http://schemas.microsoft.com/office/drawing/2014/main" val="10001"/>
+                  </a:ext>
+                </a:extLst>
               </a:tr>
               <a:tr h="381000">
                 <a:tc>
@@ -8058,7 +8281,7 @@
                     <a:bodyPr/>
                     <a:lstStyle/>
                     <a:p>
-                      <a:pPr indent="0" lvl="0" marL="0" rtl="0" algn="l">
+                      <a:pPr marL="0" lvl="0" indent="0" algn="l" rtl="0">
                         <a:spcBef>
                           <a:spcPts val="0"/>
                         </a:spcBef>
@@ -8074,14 +8297,14 @@
                       <a:endParaRPr/>
                     </a:p>
                   </a:txBody>
-                  <a:tcPr marT="91425" marB="91425" marR="91425" marL="91425"/>
+                  <a:tcPr marL="91425" marR="91425" marT="91425" marB="91425"/>
                 </a:tc>
                 <a:tc>
                   <a:txBody>
                     <a:bodyPr/>
                     <a:lstStyle/>
                     <a:p>
-                      <a:pPr indent="0" lvl="0" marL="0" rtl="0" algn="l">
+                      <a:pPr marL="0" lvl="0" indent="0" algn="l" rtl="0">
                         <a:spcBef>
                           <a:spcPts val="0"/>
                         </a:spcBef>
@@ -8097,14 +8320,14 @@
                       <a:endParaRPr/>
                     </a:p>
                   </a:txBody>
-                  <a:tcPr marT="91425" marB="91425" marR="91425" marL="91425"/>
+                  <a:tcPr marL="91425" marR="91425" marT="91425" marB="91425"/>
                 </a:tc>
                 <a:tc>
                   <a:txBody>
                     <a:bodyPr/>
                     <a:lstStyle/>
                     <a:p>
-                      <a:pPr indent="0" lvl="0" marL="0" rtl="0" algn="l">
+                      <a:pPr marL="0" lvl="0" indent="0" algn="l" rtl="0">
                         <a:spcBef>
                           <a:spcPts val="0"/>
                         </a:spcBef>
@@ -8113,14 +8336,16 @@
                         </a:spcAft>
                         <a:buNone/>
                       </a:pPr>
-                      <a:r>
-                        <a:t/>
-                      </a:r>
                       <a:endParaRPr/>
                     </a:p>
                   </a:txBody>
-                  <a:tcPr marT="91425" marB="91425" marR="91425" marL="91425"/>
+                  <a:tcPr marL="91425" marR="91425" marT="91425" marB="91425"/>
                 </a:tc>
+                <a:extLst>
+                  <a:ext uri="{0D108BD9-81ED-4DB2-BD59-A6C34878D82A}">
+                    <a16:rowId xmlns:a16="http://schemas.microsoft.com/office/drawing/2014/main" val="10002"/>
+                  </a:ext>
+                </a:extLst>
               </a:tr>
               <a:tr h="282525">
                 <a:tc>
@@ -8128,7 +8353,7 @@
                     <a:bodyPr/>
                     <a:lstStyle/>
                     <a:p>
-                      <a:pPr indent="0" lvl="0" marL="0" rtl="0" algn="l">
+                      <a:pPr marL="0" lvl="0" indent="0" algn="l" rtl="0">
                         <a:spcBef>
                           <a:spcPts val="0"/>
                         </a:spcBef>
@@ -8144,14 +8369,14 @@
                       <a:endParaRPr/>
                     </a:p>
                   </a:txBody>
-                  <a:tcPr marT="91425" marB="91425" marR="91425" marL="91425"/>
+                  <a:tcPr marL="91425" marR="91425" marT="91425" marB="91425"/>
                 </a:tc>
                 <a:tc>
                   <a:txBody>
                     <a:bodyPr/>
                     <a:lstStyle/>
                     <a:p>
-                      <a:pPr indent="0" lvl="0" marL="0" rtl="0" algn="l">
+                      <a:pPr marL="0" lvl="0" indent="0" algn="l" rtl="0">
                         <a:spcBef>
                           <a:spcPts val="0"/>
                         </a:spcBef>
@@ -8167,14 +8392,14 @@
                       <a:endParaRPr/>
                     </a:p>
                   </a:txBody>
-                  <a:tcPr marT="91425" marB="91425" marR="91425" marL="91425"/>
+                  <a:tcPr marL="91425" marR="91425" marT="91425" marB="91425"/>
                 </a:tc>
                 <a:tc>
                   <a:txBody>
                     <a:bodyPr/>
                     <a:lstStyle/>
                     <a:p>
-                      <a:pPr indent="0" lvl="0" marL="0" rtl="0" algn="l">
+                      <a:pPr marL="0" lvl="0" indent="0" algn="l" rtl="0">
                         <a:spcBef>
                           <a:spcPts val="0"/>
                         </a:spcBef>
@@ -8183,14 +8408,16 @@
                         </a:spcAft>
                         <a:buNone/>
                       </a:pPr>
-                      <a:r>
-                        <a:t/>
-                      </a:r>
                       <a:endParaRPr/>
                     </a:p>
                   </a:txBody>
-                  <a:tcPr marT="91425" marB="91425" marR="91425" marL="91425"/>
+                  <a:tcPr marL="91425" marR="91425" marT="91425" marB="91425"/>
                 </a:tc>
+                <a:extLst>
+                  <a:ext uri="{0D108BD9-81ED-4DB2-BD59-A6C34878D82A}">
+                    <a16:rowId xmlns:a16="http://schemas.microsoft.com/office/drawing/2014/main" val="10003"/>
+                  </a:ext>
+                </a:extLst>
               </a:tr>
               <a:tr h="381000">
                 <a:tc>
@@ -8198,7 +8425,7 @@
                     <a:bodyPr/>
                     <a:lstStyle/>
                     <a:p>
-                      <a:pPr indent="0" lvl="0" marL="0" rtl="0" algn="l">
+                      <a:pPr marL="0" lvl="0" indent="0" algn="l" rtl="0">
                         <a:spcBef>
                           <a:spcPts val="0"/>
                         </a:spcBef>
@@ -8214,14 +8441,14 @@
                       <a:endParaRPr/>
                     </a:p>
                   </a:txBody>
-                  <a:tcPr marT="91425" marB="91425" marR="91425" marL="91425"/>
+                  <a:tcPr marL="91425" marR="91425" marT="91425" marB="91425"/>
                 </a:tc>
                 <a:tc>
                   <a:txBody>
                     <a:bodyPr/>
                     <a:lstStyle/>
                     <a:p>
-                      <a:pPr indent="0" lvl="0" marL="0" rtl="0" algn="l">
+                      <a:pPr marL="0" lvl="0" indent="0" algn="l" rtl="0">
                         <a:spcBef>
                           <a:spcPts val="0"/>
                         </a:spcBef>
@@ -8237,14 +8464,14 @@
                       <a:endParaRPr/>
                     </a:p>
                   </a:txBody>
-                  <a:tcPr marT="91425" marB="91425" marR="91425" marL="91425"/>
+                  <a:tcPr marL="91425" marR="91425" marT="91425" marB="91425"/>
                 </a:tc>
                 <a:tc>
                   <a:txBody>
                     <a:bodyPr/>
                     <a:lstStyle/>
                     <a:p>
-                      <a:pPr indent="0" lvl="0" marL="0" rtl="0" algn="l">
+                      <a:pPr marL="0" lvl="0" indent="0" algn="l" rtl="0">
                         <a:spcBef>
                           <a:spcPts val="0"/>
                         </a:spcBef>
@@ -8253,14 +8480,16 @@
                         </a:spcAft>
                         <a:buNone/>
                       </a:pPr>
-                      <a:r>
-                        <a:t/>
-                      </a:r>
                       <a:endParaRPr/>
                     </a:p>
                   </a:txBody>
-                  <a:tcPr marT="91425" marB="91425" marR="91425" marL="91425"/>
+                  <a:tcPr marL="91425" marR="91425" marT="91425" marB="91425"/>
                 </a:tc>
+                <a:extLst>
+                  <a:ext uri="{0D108BD9-81ED-4DB2-BD59-A6C34878D82A}">
+                    <a16:rowId xmlns:a16="http://schemas.microsoft.com/office/drawing/2014/main" val="10004"/>
+                  </a:ext>
+                </a:extLst>
               </a:tr>
               <a:tr h="381000">
                 <a:tc>
@@ -8268,7 +8497,7 @@
                     <a:bodyPr/>
                     <a:lstStyle/>
                     <a:p>
-                      <a:pPr indent="0" lvl="0" marL="0" rtl="0" algn="l">
+                      <a:pPr marL="0" lvl="0" indent="0" algn="l" rtl="0">
                         <a:spcBef>
                           <a:spcPts val="0"/>
                         </a:spcBef>
@@ -8284,14 +8513,14 @@
                       <a:endParaRPr/>
                     </a:p>
                   </a:txBody>
-                  <a:tcPr marT="91425" marB="91425" marR="91425" marL="91425"/>
+                  <a:tcPr marL="91425" marR="91425" marT="91425" marB="91425"/>
                 </a:tc>
                 <a:tc>
                   <a:txBody>
                     <a:bodyPr/>
                     <a:lstStyle/>
                     <a:p>
-                      <a:pPr indent="0" lvl="0" marL="0" rtl="0" algn="l">
+                      <a:pPr marL="0" lvl="0" indent="0" algn="l" rtl="0">
                         <a:spcBef>
                           <a:spcPts val="0"/>
                         </a:spcBef>
@@ -8307,14 +8536,14 @@
                       <a:endParaRPr/>
                     </a:p>
                   </a:txBody>
-                  <a:tcPr marT="91425" marB="91425" marR="91425" marL="91425"/>
+                  <a:tcPr marL="91425" marR="91425" marT="91425" marB="91425"/>
                 </a:tc>
                 <a:tc>
                   <a:txBody>
                     <a:bodyPr/>
                     <a:lstStyle/>
                     <a:p>
-                      <a:pPr indent="0" lvl="0" marL="0" rtl="0" algn="l">
+                      <a:pPr marL="0" lvl="0" indent="0" algn="l" rtl="0">
                         <a:spcBef>
                           <a:spcPts val="0"/>
                         </a:spcBef>
@@ -8323,14 +8552,16 @@
                         </a:spcAft>
                         <a:buNone/>
                       </a:pPr>
-                      <a:r>
-                        <a:t/>
-                      </a:r>
                       <a:endParaRPr/>
                     </a:p>
                   </a:txBody>
-                  <a:tcPr marT="91425" marB="91425" marR="91425" marL="91425"/>
+                  <a:tcPr marL="91425" marR="91425" marT="91425" marB="91425"/>
                 </a:tc>
+                <a:extLst>
+                  <a:ext uri="{0D108BD9-81ED-4DB2-BD59-A6C34878D82A}">
+                    <a16:rowId xmlns:a16="http://schemas.microsoft.com/office/drawing/2014/main" val="10005"/>
+                  </a:ext>
+                </a:extLst>
               </a:tr>
               <a:tr h="381000">
                 <a:tc>
@@ -8338,7 +8569,7 @@
                     <a:bodyPr/>
                     <a:lstStyle/>
                     <a:p>
-                      <a:pPr indent="0" lvl="0" marL="0" rtl="0" algn="l">
+                      <a:pPr marL="0" lvl="0" indent="0" algn="l" rtl="0">
                         <a:spcBef>
                           <a:spcPts val="0"/>
                         </a:spcBef>
@@ -8354,14 +8585,14 @@
                       <a:endParaRPr/>
                     </a:p>
                   </a:txBody>
-                  <a:tcPr marT="91425" marB="91425" marR="91425" marL="91425"/>
+                  <a:tcPr marL="91425" marR="91425" marT="91425" marB="91425"/>
                 </a:tc>
                 <a:tc>
                   <a:txBody>
                     <a:bodyPr/>
                     <a:lstStyle/>
                     <a:p>
-                      <a:pPr indent="0" lvl="0" marL="0" rtl="0" algn="l">
+                      <a:pPr marL="0" lvl="0" indent="0" algn="l" rtl="0">
                         <a:spcBef>
                           <a:spcPts val="0"/>
                         </a:spcBef>
@@ -8377,14 +8608,14 @@
                       <a:endParaRPr/>
                     </a:p>
                   </a:txBody>
-                  <a:tcPr marT="91425" marB="91425" marR="91425" marL="91425"/>
+                  <a:tcPr marL="91425" marR="91425" marT="91425" marB="91425"/>
                 </a:tc>
                 <a:tc>
                   <a:txBody>
                     <a:bodyPr/>
                     <a:lstStyle/>
                     <a:p>
-                      <a:pPr indent="0" lvl="0" marL="0" rtl="0" algn="l">
+                      <a:pPr marL="0" lvl="0" indent="0" algn="l" rtl="0">
                         <a:spcBef>
                           <a:spcPts val="0"/>
                         </a:spcBef>
@@ -8393,14 +8624,16 @@
                         </a:spcAft>
                         <a:buNone/>
                       </a:pPr>
-                      <a:r>
-                        <a:t/>
-                      </a:r>
                       <a:endParaRPr/>
                     </a:p>
                   </a:txBody>
-                  <a:tcPr marT="91425" marB="91425" marR="91425" marL="91425"/>
+                  <a:tcPr marL="91425" marR="91425" marT="91425" marB="91425"/>
                 </a:tc>
+                <a:extLst>
+                  <a:ext uri="{0D108BD9-81ED-4DB2-BD59-A6C34878D82A}">
+                    <a16:rowId xmlns:a16="http://schemas.microsoft.com/office/drawing/2014/main" val="10006"/>
+                  </a:ext>
+                </a:extLst>
               </a:tr>
               <a:tr h="381000">
                 <a:tc>
@@ -8408,7 +8641,7 @@
                     <a:bodyPr/>
                     <a:lstStyle/>
                     <a:p>
-                      <a:pPr indent="0" lvl="0" marL="0" rtl="0" algn="l">
+                      <a:pPr marL="0" lvl="0" indent="0" algn="l" rtl="0">
                         <a:spcBef>
                           <a:spcPts val="0"/>
                         </a:spcBef>
@@ -8424,14 +8657,14 @@
                       <a:endParaRPr/>
                     </a:p>
                   </a:txBody>
-                  <a:tcPr marT="91425" marB="91425" marR="91425" marL="91425"/>
+                  <a:tcPr marL="91425" marR="91425" marT="91425" marB="91425"/>
                 </a:tc>
                 <a:tc>
                   <a:txBody>
                     <a:bodyPr/>
                     <a:lstStyle/>
                     <a:p>
-                      <a:pPr indent="0" lvl="0" marL="0" rtl="0" algn="l">
+                      <a:pPr marL="0" lvl="0" indent="0" algn="l" rtl="0">
                         <a:spcBef>
                           <a:spcPts val="0"/>
                         </a:spcBef>
@@ -8447,14 +8680,14 @@
                       <a:endParaRPr/>
                     </a:p>
                   </a:txBody>
-                  <a:tcPr marT="91425" marB="91425" marR="91425" marL="91425"/>
+                  <a:tcPr marL="91425" marR="91425" marT="91425" marB="91425"/>
                 </a:tc>
                 <a:tc>
                   <a:txBody>
                     <a:bodyPr/>
                     <a:lstStyle/>
                     <a:p>
-                      <a:pPr indent="0" lvl="0" marL="0" rtl="0" algn="l">
+                      <a:pPr marL="0" lvl="0" indent="0" algn="l" rtl="0">
                         <a:spcBef>
                           <a:spcPts val="0"/>
                         </a:spcBef>
@@ -8463,14 +8696,16 @@
                         </a:spcAft>
                         <a:buNone/>
                       </a:pPr>
-                      <a:r>
-                        <a:t/>
-                      </a:r>
                       <a:endParaRPr/>
                     </a:p>
                   </a:txBody>
-                  <a:tcPr marT="91425" marB="91425" marR="91425" marL="91425"/>
+                  <a:tcPr marL="91425" marR="91425" marT="91425" marB="91425"/>
                 </a:tc>
+                <a:extLst>
+                  <a:ext uri="{0D108BD9-81ED-4DB2-BD59-A6C34878D82A}">
+                    <a16:rowId xmlns:a16="http://schemas.microsoft.com/office/drawing/2014/main" val="10007"/>
+                  </a:ext>
+                </a:extLst>
               </a:tr>
               <a:tr h="381000">
                 <a:tc>
@@ -8478,7 +8713,7 @@
                     <a:bodyPr/>
                     <a:lstStyle/>
                     <a:p>
-                      <a:pPr indent="0" lvl="0" marL="0" rtl="0" algn="l">
+                      <a:pPr marL="0" lvl="0" indent="0" algn="l" rtl="0">
                         <a:spcBef>
                           <a:spcPts val="0"/>
                         </a:spcBef>
@@ -8494,14 +8729,14 @@
                       <a:endParaRPr/>
                     </a:p>
                   </a:txBody>
-                  <a:tcPr marT="91425" marB="91425" marR="91425" marL="91425"/>
+                  <a:tcPr marL="91425" marR="91425" marT="91425" marB="91425"/>
                 </a:tc>
                 <a:tc>
                   <a:txBody>
                     <a:bodyPr/>
                     <a:lstStyle/>
                     <a:p>
-                      <a:pPr indent="0" lvl="0" marL="0" rtl="0" algn="l">
+                      <a:pPr marL="0" lvl="0" indent="0" algn="l" rtl="0">
                         <a:spcBef>
                           <a:spcPts val="0"/>
                         </a:spcBef>
@@ -8517,14 +8752,14 @@
                       <a:endParaRPr/>
                     </a:p>
                   </a:txBody>
-                  <a:tcPr marT="91425" marB="91425" marR="91425" marL="91425"/>
+                  <a:tcPr marL="91425" marR="91425" marT="91425" marB="91425"/>
                 </a:tc>
                 <a:tc>
                   <a:txBody>
                     <a:bodyPr/>
                     <a:lstStyle/>
                     <a:p>
-                      <a:pPr indent="0" lvl="0" marL="0" rtl="0" algn="l">
+                      <a:pPr marL="0" lvl="0" indent="0" algn="l" rtl="0">
                         <a:spcBef>
                           <a:spcPts val="0"/>
                         </a:spcBef>
@@ -8533,14 +8768,16 @@
                         </a:spcAft>
                         <a:buNone/>
                       </a:pPr>
-                      <a:r>
-                        <a:t/>
-                      </a:r>
                       <a:endParaRPr/>
                     </a:p>
                   </a:txBody>
-                  <a:tcPr marT="91425" marB="91425" marR="91425" marL="91425"/>
+                  <a:tcPr marL="91425" marR="91425" marT="91425" marB="91425"/>
                 </a:tc>
+                <a:extLst>
+                  <a:ext uri="{0D108BD9-81ED-4DB2-BD59-A6C34878D82A}">
+                    <a16:rowId xmlns:a16="http://schemas.microsoft.com/office/drawing/2014/main" val="10008"/>
+                  </a:ext>
+                </a:extLst>
               </a:tr>
               <a:tr h="381000">
                 <a:tc>
@@ -8548,7 +8785,7 @@
                     <a:bodyPr/>
                     <a:lstStyle/>
                     <a:p>
-                      <a:pPr indent="0" lvl="0" marL="0" rtl="0" algn="l">
+                      <a:pPr marL="0" lvl="0" indent="0" algn="l" rtl="0">
                         <a:spcBef>
                           <a:spcPts val="0"/>
                         </a:spcBef>
@@ -8564,14 +8801,14 @@
                       <a:endParaRPr/>
                     </a:p>
                   </a:txBody>
-                  <a:tcPr marT="91425" marB="91425" marR="91425" marL="91425"/>
+                  <a:tcPr marL="91425" marR="91425" marT="91425" marB="91425"/>
                 </a:tc>
                 <a:tc>
                   <a:txBody>
                     <a:bodyPr/>
                     <a:lstStyle/>
                     <a:p>
-                      <a:pPr indent="0" lvl="0" marL="0" rtl="0" algn="l">
+                      <a:pPr marL="0" lvl="0" indent="0" algn="l" rtl="0">
                         <a:spcBef>
                           <a:spcPts val="0"/>
                         </a:spcBef>
@@ -8587,14 +8824,14 @@
                       <a:endParaRPr/>
                     </a:p>
                   </a:txBody>
-                  <a:tcPr marT="91425" marB="91425" marR="91425" marL="91425"/>
+                  <a:tcPr marL="91425" marR="91425" marT="91425" marB="91425"/>
                 </a:tc>
                 <a:tc>
                   <a:txBody>
                     <a:bodyPr/>
                     <a:lstStyle/>
                     <a:p>
-                      <a:pPr indent="0" lvl="0" marL="0" rtl="0" algn="l">
+                      <a:pPr marL="0" lvl="0" indent="0" algn="l" rtl="0">
                         <a:spcBef>
                           <a:spcPts val="0"/>
                         </a:spcBef>
@@ -8603,14 +8840,16 @@
                         </a:spcAft>
                         <a:buNone/>
                       </a:pPr>
-                      <a:r>
-                        <a:t/>
-                      </a:r>
                       <a:endParaRPr/>
                     </a:p>
                   </a:txBody>
-                  <a:tcPr marT="91425" marB="91425" marR="91425" marL="91425"/>
+                  <a:tcPr marL="91425" marR="91425" marT="91425" marB="91425"/>
                 </a:tc>
+                <a:extLst>
+                  <a:ext uri="{0D108BD9-81ED-4DB2-BD59-A6C34878D82A}">
+                    <a16:rowId xmlns:a16="http://schemas.microsoft.com/office/drawing/2014/main" val="10009"/>
+                  </a:ext>
+                </a:extLst>
               </a:tr>
             </a:tbl>
           </a:graphicData>
@@ -8625,11 +8864,11 @@
 </file>
 
 <file path=ppt/slides/slide3.xml><?xml version="1.0" encoding="utf-8"?>
-<p:sld xmlns:a="http://schemas.openxmlformats.org/drawingml/2006/main" xmlns:r="http://schemas.openxmlformats.org/officeDocument/2006/relationships" xmlns:mc="http://schemas.openxmlformats.org/markup-compatibility/2006" xmlns:mv="urn:schemas-microsoft-com:mac:vml" xmlns:p="http://schemas.openxmlformats.org/presentationml/2006/main" xmlns:c="http://schemas.openxmlformats.org/drawingml/2006/chart" xmlns:dgm="http://schemas.openxmlformats.org/drawingml/2006/diagram" xmlns:o="urn:schemas-microsoft-com:office:office" xmlns:v="urn:schemas-microsoft-com:vml" xmlns:pvml="urn:schemas-microsoft-com:office:powerpoint" xmlns:com="http://schemas.openxmlformats.org/drawingml/2006/compatibility" xmlns:p14="http://schemas.microsoft.com/office/powerpoint/2010/main" xmlns:p15="http://schemas.microsoft.com/office/powerpoint/2012/main" xmlns:ahyp="http://schemas.microsoft.com/office/drawing/2018/hyperlinkcolor">
+<p:sld xmlns:a="http://schemas.openxmlformats.org/drawingml/2006/main" xmlns:r="http://schemas.openxmlformats.org/officeDocument/2006/relationships" xmlns:p="http://schemas.openxmlformats.org/presentationml/2006/main">
   <p:cSld>
     <p:spTree>
       <p:nvGrpSpPr>
-        <p:cNvPr id="65" name="Shape 65"/>
+        <p:cNvPr id="1" name="Shape 65"/>
         <p:cNvGrpSpPr/>
         <p:nvPr/>
       </p:nvGrpSpPr>
@@ -8644,7 +8883,9 @@
       <p:sp>
         <p:nvSpPr>
           <p:cNvPr id="66" name="Google Shape;66;p15"/>
-          <p:cNvSpPr txBox="1"/>
+          <p:cNvSpPr txBox="1">
+            <a:spLocks noGrp="1"/>
+          </p:cNvSpPr>
           <p:nvPr>
             <p:ph type="title"/>
           </p:nvPr>
@@ -8659,12 +8900,12 @@
           </a:prstGeom>
         </p:spPr>
         <p:txBody>
-          <a:bodyPr anchorCtr="0" anchor="t" bIns="91425" lIns="91425" spcFirstLastPara="1" rIns="91425" wrap="square" tIns="91425">
+          <a:bodyPr spcFirstLastPara="1" wrap="square" lIns="91425" tIns="91425" rIns="91425" bIns="91425" anchor="t" anchorCtr="0">
             <a:normAutofit fontScale="90000"/>
           </a:bodyPr>
           <a:lstStyle/>
           <a:p>
-            <a:pPr indent="0" lvl="0" marL="0" rtl="0" algn="l">
+            <a:pPr marL="0" lvl="0" indent="0" algn="l" rtl="0">
               <a:spcBef>
                 <a:spcPts val="0"/>
               </a:spcBef>
@@ -8674,7 +8915,7 @@
               <a:buNone/>
             </a:pPr>
             <a:r>
-              <a:rPr b="1" lang="en"/>
+              <a:rPr lang="en" b="1"/>
               <a:t>User requirements</a:t>
             </a:r>
             <a:endParaRPr b="1"/>
@@ -8684,9 +8925,11 @@
       <p:sp>
         <p:nvSpPr>
           <p:cNvPr id="67" name="Google Shape;67;p15"/>
-          <p:cNvSpPr txBox="1"/>
+          <p:cNvSpPr txBox="1">
+            <a:spLocks noGrp="1"/>
+          </p:cNvSpPr>
           <p:nvPr>
-            <p:ph idx="1" type="body"/>
+            <p:ph type="body" idx="1"/>
           </p:nvPr>
         </p:nvSpPr>
         <p:spPr>
@@ -8699,12 +8942,12 @@
           </a:prstGeom>
         </p:spPr>
         <p:txBody>
-          <a:bodyPr anchorCtr="0" anchor="t" bIns="91425" lIns="91425" spcFirstLastPara="1" rIns="91425" wrap="square" tIns="91425">
+          <a:bodyPr spcFirstLastPara="1" wrap="square" lIns="91425" tIns="91425" rIns="91425" bIns="91425" anchor="t" anchorCtr="0">
             <a:spAutoFit/>
           </a:bodyPr>
           <a:lstStyle/>
           <a:p>
-            <a:pPr indent="-330200" lvl="0" marL="457200" rtl="0" algn="l">
+            <a:pPr marL="457200" lvl="0" indent="-330200" algn="l" rtl="0">
               <a:spcBef>
                 <a:spcPts val="0"/>
               </a:spcBef>
@@ -8741,7 +8984,7 @@
             </a:endParaRPr>
           </a:p>
           <a:p>
-            <a:pPr indent="-330200" lvl="1" marL="914400" rtl="0" algn="l">
+            <a:pPr marL="914400" lvl="1" indent="-330200" algn="l" rtl="0">
               <a:spcBef>
                 <a:spcPts val="0"/>
               </a:spcBef>
@@ -8778,7 +9021,7 @@
             </a:endParaRPr>
           </a:p>
           <a:p>
-            <a:pPr indent="-330200" lvl="1" marL="914400" rtl="0" algn="l">
+            <a:pPr marL="914400" lvl="1" indent="-330200" algn="l" rtl="0">
               <a:spcBef>
                 <a:spcPts val="0"/>
               </a:spcBef>
@@ -8815,7 +9058,7 @@
             </a:endParaRPr>
           </a:p>
           <a:p>
-            <a:pPr indent="-330200" lvl="0" marL="457200" rtl="0" algn="l">
+            <a:pPr marL="457200" lvl="0" indent="-330200" algn="l" rtl="0">
               <a:spcBef>
                 <a:spcPts val="0"/>
               </a:spcBef>
@@ -8852,7 +9095,7 @@
             </a:endParaRPr>
           </a:p>
           <a:p>
-            <a:pPr indent="-330200" lvl="0" marL="457200" rtl="0" algn="l">
+            <a:pPr marL="457200" lvl="0" indent="-330200" algn="l" rtl="0">
               <a:spcBef>
                 <a:spcPts val="0"/>
               </a:spcBef>
@@ -8889,7 +9132,7 @@
             </a:endParaRPr>
           </a:p>
           <a:p>
-            <a:pPr indent="-330200" lvl="0" marL="457200" rtl="0" algn="l">
+            <a:pPr marL="457200" lvl="0" indent="-330200" algn="l" rtl="0">
               <a:spcBef>
                 <a:spcPts val="0"/>
               </a:spcBef>
@@ -8926,7 +9169,7 @@
             </a:endParaRPr>
           </a:p>
           <a:p>
-            <a:pPr indent="-330200" lvl="0" marL="457200" rtl="0" algn="l">
+            <a:pPr marL="457200" lvl="0" indent="-330200" algn="l" rtl="0">
               <a:spcBef>
                 <a:spcPts val="0"/>
               </a:spcBef>
@@ -8963,7 +9206,7 @@
             </a:endParaRPr>
           </a:p>
           <a:p>
-            <a:pPr indent="-330200" lvl="0" marL="457200" rtl="0" algn="l">
+            <a:pPr marL="457200" lvl="0" indent="-330200" algn="l" rtl="0">
               <a:spcBef>
                 <a:spcPts val="0"/>
               </a:spcBef>
@@ -9000,7 +9243,7 @@
             </a:endParaRPr>
           </a:p>
           <a:p>
-            <a:pPr indent="-330200" lvl="0" marL="457200" rtl="0" algn="l">
+            <a:pPr marL="457200" lvl="0" indent="-330200" algn="l" rtl="0">
               <a:spcBef>
                 <a:spcPts val="0"/>
               </a:spcBef>
@@ -9037,7 +9280,7 @@
             </a:endParaRPr>
           </a:p>
           <a:p>
-            <a:pPr indent="-330200" lvl="0" marL="457200" rtl="0" algn="l">
+            <a:pPr marL="457200" lvl="0" indent="-330200" algn="l" rtl="0">
               <a:spcBef>
                 <a:spcPts val="0"/>
               </a:spcBef>
@@ -9074,7 +9317,7 @@
             </a:endParaRPr>
           </a:p>
           <a:p>
-            <a:pPr indent="-330200" lvl="0" marL="457200" rtl="0" algn="l">
+            <a:pPr marL="457200" lvl="0" indent="-330200" algn="l" rtl="0">
               <a:spcBef>
                 <a:spcPts val="0"/>
               </a:spcBef>
@@ -9111,7 +9354,7 @@
             </a:endParaRPr>
           </a:p>
           <a:p>
-            <a:pPr indent="-330200" lvl="0" marL="457200" rtl="0" algn="l">
+            <a:pPr marL="457200" lvl="0" indent="-330200" algn="l" rtl="0">
               <a:spcBef>
                 <a:spcPts val="0"/>
               </a:spcBef>
@@ -9148,7 +9391,7 @@
             </a:endParaRPr>
           </a:p>
           <a:p>
-            <a:pPr indent="0" lvl="0" marL="0" rtl="0" algn="l">
+            <a:pPr marL="0" lvl="0" indent="0" algn="l" rtl="0">
               <a:spcBef>
                 <a:spcPts val="0"/>
               </a:spcBef>
@@ -9157,9 +9400,6 @@
               </a:spcAft>
               <a:buNone/>
             </a:pPr>
-            <a:r>
-              <a:t/>
-            </a:r>
             <a:endParaRPr sz="1500"/>
           </a:p>
         </p:txBody>
@@ -9173,11 +9413,11 @@
 </file>
 
 <file path=ppt/slides/slide4.xml><?xml version="1.0" encoding="utf-8"?>
-<p:sld xmlns:a="http://schemas.openxmlformats.org/drawingml/2006/main" xmlns:r="http://schemas.openxmlformats.org/officeDocument/2006/relationships" xmlns:mc="http://schemas.openxmlformats.org/markup-compatibility/2006" xmlns:mv="urn:schemas-microsoft-com:mac:vml" xmlns:p="http://schemas.openxmlformats.org/presentationml/2006/main" xmlns:c="http://schemas.openxmlformats.org/drawingml/2006/chart" xmlns:dgm="http://schemas.openxmlformats.org/drawingml/2006/diagram" xmlns:o="urn:schemas-microsoft-com:office:office" xmlns:v="urn:schemas-microsoft-com:vml" xmlns:pvml="urn:schemas-microsoft-com:office:powerpoint" xmlns:com="http://schemas.openxmlformats.org/drawingml/2006/compatibility" xmlns:p14="http://schemas.microsoft.com/office/powerpoint/2010/main" xmlns:p15="http://schemas.microsoft.com/office/powerpoint/2012/main" xmlns:ahyp="http://schemas.microsoft.com/office/drawing/2018/hyperlinkcolor">
+<p:sld xmlns:a="http://schemas.openxmlformats.org/drawingml/2006/main" xmlns:r="http://schemas.openxmlformats.org/officeDocument/2006/relationships" xmlns:p="http://schemas.openxmlformats.org/presentationml/2006/main">
   <p:cSld>
     <p:spTree>
       <p:nvGrpSpPr>
-        <p:cNvPr id="71" name="Shape 71"/>
+        <p:cNvPr id="1" name="Shape 71"/>
         <p:cNvGrpSpPr/>
         <p:nvPr/>
       </p:nvGrpSpPr>
@@ -9192,7 +9432,9 @@
       <p:sp>
         <p:nvSpPr>
           <p:cNvPr id="72" name="Google Shape;72;p16"/>
-          <p:cNvSpPr txBox="1"/>
+          <p:cNvSpPr txBox="1">
+            <a:spLocks noGrp="1"/>
+          </p:cNvSpPr>
           <p:nvPr>
             <p:ph type="title"/>
           </p:nvPr>
@@ -9207,12 +9449,12 @@
           </a:prstGeom>
         </p:spPr>
         <p:txBody>
-          <a:bodyPr anchorCtr="0" anchor="t" bIns="91425" lIns="91425" spcFirstLastPara="1" rIns="91425" wrap="square" tIns="91425">
+          <a:bodyPr spcFirstLastPara="1" wrap="square" lIns="91425" tIns="91425" rIns="91425" bIns="91425" anchor="t" anchorCtr="0">
             <a:normAutofit fontScale="90000"/>
           </a:bodyPr>
           <a:lstStyle/>
           <a:p>
-            <a:pPr indent="0" lvl="0" marL="0" rtl="0" algn="l">
+            <a:pPr marL="0" lvl="0" indent="0" algn="l" rtl="0">
               <a:spcBef>
                 <a:spcPts val="0"/>
               </a:spcBef>
@@ -9222,7 +9464,7 @@
               <a:buNone/>
             </a:pPr>
             <a:r>
-              <a:rPr b="1" lang="en"/>
+              <a:rPr lang="en" b="1"/>
               <a:t>Final requirements</a:t>
             </a:r>
             <a:endParaRPr b="1"/>
@@ -9232,9 +9474,11 @@
       <p:sp>
         <p:nvSpPr>
           <p:cNvPr id="73" name="Google Shape;73;p16"/>
-          <p:cNvSpPr txBox="1"/>
+          <p:cNvSpPr txBox="1">
+            <a:spLocks noGrp="1"/>
+          </p:cNvSpPr>
           <p:nvPr>
-            <p:ph idx="1" type="body"/>
+            <p:ph type="body" idx="1"/>
           </p:nvPr>
         </p:nvSpPr>
         <p:spPr>
@@ -9247,12 +9491,12 @@
           </a:prstGeom>
         </p:spPr>
         <p:txBody>
-          <a:bodyPr anchorCtr="0" anchor="t" bIns="91425" lIns="91425" spcFirstLastPara="1" rIns="91425" wrap="square" tIns="91425">
+          <a:bodyPr spcFirstLastPara="1" wrap="square" lIns="91425" tIns="91425" rIns="91425" bIns="91425" anchor="t" anchorCtr="0">
             <a:normAutofit/>
           </a:bodyPr>
           <a:lstStyle/>
           <a:p>
-            <a:pPr indent="-342900" lvl="0" marL="457200" rtl="0" algn="l">
+            <a:pPr marL="457200" lvl="0" indent="-342900" algn="l" rtl="0">
               <a:spcBef>
                 <a:spcPts val="0"/>
               </a:spcBef>
@@ -9269,7 +9513,7 @@
             <a:endParaRPr/>
           </a:p>
           <a:p>
-            <a:pPr indent="-342900" lvl="0" marL="457200" rtl="0" algn="l">
+            <a:pPr marL="457200" lvl="0" indent="-342900" algn="l" rtl="0">
               <a:spcBef>
                 <a:spcPts val="0"/>
               </a:spcBef>
@@ -9286,7 +9530,7 @@
             <a:endParaRPr/>
           </a:p>
           <a:p>
-            <a:pPr indent="-342900" lvl="0" marL="457200" rtl="0" algn="l">
+            <a:pPr marL="457200" lvl="0" indent="-342900" algn="l" rtl="0">
               <a:spcBef>
                 <a:spcPts val="0"/>
               </a:spcBef>
@@ -9298,11 +9542,7 @@
             </a:pPr>
             <a:r>
               <a:rPr lang="en"/>
-              <a:t>Temperature</a:t>
-            </a:r>
-            <a:r>
-              <a:rPr lang="en"/>
-              <a:t> sensor.</a:t>
+              <a:t>Temperature sensor.</a:t>
             </a:r>
             <a:endParaRPr/>
           </a:p>
@@ -9317,11 +9557,11 @@
 </file>
 
 <file path=ppt/slides/slide5.xml><?xml version="1.0" encoding="utf-8"?>
-<p:sld xmlns:a="http://schemas.openxmlformats.org/drawingml/2006/main" xmlns:r="http://schemas.openxmlformats.org/officeDocument/2006/relationships" xmlns:mc="http://schemas.openxmlformats.org/markup-compatibility/2006" xmlns:mv="urn:schemas-microsoft-com:mac:vml" xmlns:p="http://schemas.openxmlformats.org/presentationml/2006/main" xmlns:c="http://schemas.openxmlformats.org/drawingml/2006/chart" xmlns:dgm="http://schemas.openxmlformats.org/drawingml/2006/diagram" xmlns:o="urn:schemas-microsoft-com:office:office" xmlns:v="urn:schemas-microsoft-com:vml" xmlns:pvml="urn:schemas-microsoft-com:office:powerpoint" xmlns:com="http://schemas.openxmlformats.org/drawingml/2006/compatibility" xmlns:p14="http://schemas.microsoft.com/office/powerpoint/2010/main" xmlns:p15="http://schemas.microsoft.com/office/powerpoint/2012/main" xmlns:ahyp="http://schemas.microsoft.com/office/drawing/2018/hyperlinkcolor">
+<p:sld xmlns:a="http://schemas.openxmlformats.org/drawingml/2006/main" xmlns:r="http://schemas.openxmlformats.org/officeDocument/2006/relationships" xmlns:p="http://schemas.openxmlformats.org/presentationml/2006/main">
   <p:cSld>
     <p:spTree>
       <p:nvGrpSpPr>
-        <p:cNvPr id="77" name="Shape 77"/>
+        <p:cNvPr id="1" name="Shape 77"/>
         <p:cNvGrpSpPr/>
         <p:nvPr/>
       </p:nvGrpSpPr>
@@ -9336,7 +9576,9 @@
       <p:sp>
         <p:nvSpPr>
           <p:cNvPr id="78" name="Google Shape;78;p17"/>
-          <p:cNvSpPr txBox="1"/>
+          <p:cNvSpPr txBox="1">
+            <a:spLocks noGrp="1"/>
+          </p:cNvSpPr>
           <p:nvPr>
             <p:ph type="title"/>
           </p:nvPr>
@@ -9351,12 +9593,12 @@
           </a:prstGeom>
         </p:spPr>
         <p:txBody>
-          <a:bodyPr anchorCtr="0" anchor="t" bIns="91425" lIns="91425" spcFirstLastPara="1" rIns="91425" wrap="square" tIns="91425">
+          <a:bodyPr spcFirstLastPara="1" wrap="square" lIns="91425" tIns="91425" rIns="91425" bIns="91425" anchor="t" anchorCtr="0">
             <a:normAutofit fontScale="90000"/>
           </a:bodyPr>
           <a:lstStyle/>
           <a:p>
-            <a:pPr indent="0" lvl="0" marL="0" rtl="0" algn="l">
+            <a:pPr marL="0" lvl="0" indent="0" algn="l" rtl="0">
               <a:spcBef>
                 <a:spcPts val="0"/>
               </a:spcBef>
@@ -9366,7 +9608,7 @@
               <a:buNone/>
             </a:pPr>
             <a:r>
-              <a:rPr b="1" lang="en"/>
+              <a:rPr lang="en" b="1"/>
               <a:t>Block diagram</a:t>
             </a:r>
             <a:endParaRPr b="1"/>
@@ -9376,9 +9618,11 @@
       <p:sp>
         <p:nvSpPr>
           <p:cNvPr id="79" name="Google Shape;79;p17"/>
-          <p:cNvSpPr txBox="1"/>
+          <p:cNvSpPr txBox="1">
+            <a:spLocks noGrp="1"/>
+          </p:cNvSpPr>
           <p:nvPr>
-            <p:ph idx="1" type="body"/>
+            <p:ph type="body" idx="1"/>
           </p:nvPr>
         </p:nvSpPr>
         <p:spPr>
@@ -9391,12 +9635,12 @@
           </a:prstGeom>
         </p:spPr>
         <p:txBody>
-          <a:bodyPr anchorCtr="0" anchor="t" bIns="91425" lIns="91425" spcFirstLastPara="1" rIns="91425" wrap="square" tIns="91425">
+          <a:bodyPr spcFirstLastPara="1" wrap="square" lIns="91425" tIns="91425" rIns="91425" bIns="91425" anchor="t" anchorCtr="0">
             <a:normAutofit/>
           </a:bodyPr>
           <a:lstStyle/>
           <a:p>
-            <a:pPr indent="0" lvl="0" marL="0" rtl="0" algn="l">
+            <a:pPr marL="0" lvl="0" indent="0" algn="l" rtl="0">
               <a:spcBef>
                 <a:spcPts val="0"/>
               </a:spcBef>
@@ -9430,23 +9674,23 @@
           <a:solidFill>
             <a:schemeClr val="lt2"/>
           </a:solidFill>
-          <a:ln cap="flat" cmpd="sng" w="9525">
+          <a:ln w="9525" cap="flat" cmpd="sng">
             <a:solidFill>
               <a:schemeClr val="dk2"/>
             </a:solidFill>
             <a:prstDash val="solid"/>
             <a:round/>
-            <a:headEnd len="sm" w="sm" type="none"/>
-            <a:tailEnd len="sm" w="sm" type="none"/>
+            <a:headEnd type="none" w="sm" len="sm"/>
+            <a:tailEnd type="none" w="sm" len="sm"/>
           </a:ln>
         </p:spPr>
         <p:txBody>
-          <a:bodyPr anchorCtr="0" anchor="ctr" bIns="91425" lIns="91425" spcFirstLastPara="1" rIns="91425" wrap="square" tIns="91425">
+          <a:bodyPr spcFirstLastPara="1" wrap="square" lIns="91425" tIns="91425" rIns="91425" bIns="91425" anchor="ctr" anchorCtr="0">
             <a:noAutofit/>
           </a:bodyPr>
           <a:lstStyle/>
           <a:p>
-            <a:pPr indent="0" lvl="0" marL="0" rtl="0" algn="ctr">
+            <a:pPr marL="0" lvl="0" indent="0" algn="ctr" rtl="0">
               <a:spcBef>
                 <a:spcPts val="0"/>
               </a:spcBef>
@@ -9480,23 +9724,23 @@
           <a:solidFill>
             <a:schemeClr val="lt2"/>
           </a:solidFill>
-          <a:ln cap="flat" cmpd="sng" w="9525">
+          <a:ln w="9525" cap="flat" cmpd="sng">
             <a:solidFill>
               <a:schemeClr val="dk2"/>
             </a:solidFill>
             <a:prstDash val="solid"/>
             <a:round/>
-            <a:headEnd len="sm" w="sm" type="none"/>
-            <a:tailEnd len="sm" w="sm" type="none"/>
+            <a:headEnd type="none" w="sm" len="sm"/>
+            <a:tailEnd type="none" w="sm" len="sm"/>
           </a:ln>
         </p:spPr>
         <p:txBody>
-          <a:bodyPr anchorCtr="0" anchor="ctr" bIns="91425" lIns="91425" spcFirstLastPara="1" rIns="91425" wrap="square" tIns="91425">
+          <a:bodyPr spcFirstLastPara="1" wrap="square" lIns="91425" tIns="91425" rIns="91425" bIns="91425" anchor="ctr" anchorCtr="0">
             <a:noAutofit/>
           </a:bodyPr>
           <a:lstStyle/>
           <a:p>
-            <a:pPr indent="0" lvl="0" marL="0" rtl="0" algn="ctr">
+            <a:pPr marL="0" lvl="0" indent="0" algn="ctr" rtl="0">
               <a:spcBef>
                 <a:spcPts val="0"/>
               </a:spcBef>
@@ -9507,15 +9751,7 @@
             </a:pPr>
             <a:r>
               <a:rPr lang="en"/>
-              <a:t>Soil </a:t>
-            </a:r>
-            <a:r>
-              <a:rPr lang="en"/>
-              <a:t>moisture</a:t>
-            </a:r>
-            <a:r>
-              <a:rPr lang="en"/>
-              <a:t> sensor</a:t>
+              <a:t>Soil moisture sensor</a:t>
             </a:r>
             <a:endParaRPr/>
           </a:p>
@@ -9538,23 +9774,23 @@
           <a:solidFill>
             <a:schemeClr val="lt2"/>
           </a:solidFill>
-          <a:ln cap="flat" cmpd="sng" w="9525">
+          <a:ln w="9525" cap="flat" cmpd="sng">
             <a:solidFill>
               <a:schemeClr val="dk2"/>
             </a:solidFill>
             <a:prstDash val="solid"/>
             <a:round/>
-            <a:headEnd len="sm" w="sm" type="none"/>
-            <a:tailEnd len="sm" w="sm" type="none"/>
+            <a:headEnd type="none" w="sm" len="sm"/>
+            <a:tailEnd type="none" w="sm" len="sm"/>
           </a:ln>
         </p:spPr>
         <p:txBody>
-          <a:bodyPr anchorCtr="0" anchor="ctr" bIns="91425" lIns="91425" spcFirstLastPara="1" rIns="91425" wrap="square" tIns="91425">
+          <a:bodyPr spcFirstLastPara="1" wrap="square" lIns="91425" tIns="91425" rIns="91425" bIns="91425" anchor="ctr" anchorCtr="0">
             <a:noAutofit/>
           </a:bodyPr>
           <a:lstStyle/>
           <a:p>
-            <a:pPr indent="0" lvl="0" marL="0" rtl="0" algn="ctr">
+            <a:pPr marL="0" lvl="0" indent="0" algn="ctr" rtl="0">
               <a:spcBef>
                 <a:spcPts val="0"/>
               </a:spcBef>
@@ -9588,23 +9824,23 @@
           <a:solidFill>
             <a:schemeClr val="lt2"/>
           </a:solidFill>
-          <a:ln cap="flat" cmpd="sng" w="9525">
+          <a:ln w="9525" cap="flat" cmpd="sng">
             <a:solidFill>
               <a:schemeClr val="dk2"/>
             </a:solidFill>
             <a:prstDash val="solid"/>
             <a:round/>
-            <a:headEnd len="sm" w="sm" type="none"/>
-            <a:tailEnd len="sm" w="sm" type="none"/>
+            <a:headEnd type="none" w="sm" len="sm"/>
+            <a:tailEnd type="none" w="sm" len="sm"/>
           </a:ln>
         </p:spPr>
         <p:txBody>
-          <a:bodyPr anchorCtr="0" anchor="ctr" bIns="91425" lIns="91425" spcFirstLastPara="1" rIns="91425" wrap="square" tIns="91425">
+          <a:bodyPr spcFirstLastPara="1" wrap="square" lIns="91425" tIns="91425" rIns="91425" bIns="91425" anchor="ctr" anchorCtr="0">
             <a:noAutofit/>
           </a:bodyPr>
           <a:lstStyle/>
           <a:p>
-            <a:pPr indent="0" lvl="0" marL="0" rtl="0" algn="ctr">
+            <a:pPr marL="0" lvl="0" indent="0" algn="ctr" rtl="0">
               <a:spcBef>
                 <a:spcPts val="0"/>
               </a:spcBef>
@@ -9638,23 +9874,23 @@
           <a:solidFill>
             <a:schemeClr val="lt2"/>
           </a:solidFill>
-          <a:ln cap="flat" cmpd="sng" w="9525">
+          <a:ln w="9525" cap="flat" cmpd="sng">
             <a:solidFill>
               <a:schemeClr val="dk2"/>
             </a:solidFill>
             <a:prstDash val="solid"/>
             <a:round/>
-            <a:headEnd len="sm" w="sm" type="none"/>
-            <a:tailEnd len="sm" w="sm" type="none"/>
+            <a:headEnd type="none" w="sm" len="sm"/>
+            <a:tailEnd type="none" w="sm" len="sm"/>
           </a:ln>
         </p:spPr>
         <p:txBody>
-          <a:bodyPr anchorCtr="0" anchor="ctr" bIns="91425" lIns="91425" spcFirstLastPara="1" rIns="91425" wrap="square" tIns="91425">
+          <a:bodyPr spcFirstLastPara="1" wrap="square" lIns="91425" tIns="91425" rIns="91425" bIns="91425" anchor="ctr" anchorCtr="0">
             <a:noAutofit/>
           </a:bodyPr>
           <a:lstStyle/>
           <a:p>
-            <a:pPr indent="0" lvl="0" marL="0" rtl="0" algn="ctr">
+            <a:pPr marL="0" lvl="0" indent="0" algn="ctr" rtl="0">
               <a:spcBef>
                 <a:spcPts val="0"/>
               </a:spcBef>
@@ -9688,23 +9924,23 @@
           <a:solidFill>
             <a:schemeClr val="lt2"/>
           </a:solidFill>
-          <a:ln cap="flat" cmpd="sng" w="9525">
+          <a:ln w="9525" cap="flat" cmpd="sng">
             <a:solidFill>
               <a:schemeClr val="dk2"/>
             </a:solidFill>
             <a:prstDash val="solid"/>
             <a:round/>
-            <a:headEnd len="sm" w="sm" type="none"/>
-            <a:tailEnd len="sm" w="sm" type="none"/>
+            <a:headEnd type="none" w="sm" len="sm"/>
+            <a:tailEnd type="none" w="sm" len="sm"/>
           </a:ln>
         </p:spPr>
         <p:txBody>
-          <a:bodyPr anchorCtr="0" anchor="ctr" bIns="91425" lIns="91425" spcFirstLastPara="1" rIns="91425" wrap="square" tIns="91425">
+          <a:bodyPr spcFirstLastPara="1" wrap="square" lIns="91425" tIns="91425" rIns="91425" bIns="91425" anchor="ctr" anchorCtr="0">
             <a:noAutofit/>
           </a:bodyPr>
           <a:lstStyle/>
           <a:p>
-            <a:pPr indent="0" lvl="0" marL="0" rtl="0" algn="ctr">
+            <a:pPr marL="0" lvl="0" indent="0" algn="ctr" rtl="0">
               <a:spcBef>
                 <a:spcPts val="0"/>
               </a:spcBef>
@@ -9738,23 +9974,23 @@
           <a:solidFill>
             <a:schemeClr val="lt2"/>
           </a:solidFill>
-          <a:ln cap="flat" cmpd="sng" w="9525">
+          <a:ln w="9525" cap="flat" cmpd="sng">
             <a:solidFill>
               <a:schemeClr val="dk2"/>
             </a:solidFill>
             <a:prstDash val="solid"/>
             <a:round/>
-            <a:headEnd len="sm" w="sm" type="none"/>
-            <a:tailEnd len="sm" w="sm" type="none"/>
+            <a:headEnd type="none" w="sm" len="sm"/>
+            <a:tailEnd type="none" w="sm" len="sm"/>
           </a:ln>
         </p:spPr>
         <p:txBody>
-          <a:bodyPr anchorCtr="0" anchor="ctr" bIns="91425" lIns="91425" spcFirstLastPara="1" rIns="91425" wrap="square" tIns="91425">
+          <a:bodyPr spcFirstLastPara="1" wrap="square" lIns="91425" tIns="91425" rIns="91425" bIns="91425" anchor="ctr" anchorCtr="0">
             <a:noAutofit/>
           </a:bodyPr>
           <a:lstStyle/>
           <a:p>
-            <a:pPr indent="0" lvl="0" marL="0" rtl="0" algn="ctr">
+            <a:pPr marL="0" lvl="0" indent="0" algn="ctr" rtl="0">
               <a:spcBef>
                 <a:spcPts val="0"/>
               </a:spcBef>
@@ -9784,41 +10020,38 @@
           </a:xfrm>
           <a:prstGeom prst="upArrow">
             <a:avLst>
-              <a:gd fmla="val 50000" name="adj1"/>
-              <a:gd fmla="val 50000" name="adj2"/>
+              <a:gd name="adj1" fmla="val 50000"/>
+              <a:gd name="adj2" fmla="val 50000"/>
             </a:avLst>
           </a:prstGeom>
           <a:solidFill>
             <a:schemeClr val="lt2"/>
           </a:solidFill>
-          <a:ln cap="flat" cmpd="sng" w="9525">
+          <a:ln w="9525" cap="flat" cmpd="sng">
             <a:solidFill>
               <a:schemeClr val="dk2"/>
             </a:solidFill>
             <a:prstDash val="solid"/>
             <a:round/>
-            <a:headEnd len="sm" w="sm" type="none"/>
-            <a:tailEnd len="sm" w="sm" type="none"/>
+            <a:headEnd type="none" w="sm" len="sm"/>
+            <a:tailEnd type="none" w="sm" len="sm"/>
           </a:ln>
         </p:spPr>
         <p:txBody>
-          <a:bodyPr anchorCtr="0" anchor="ctr" bIns="91425" lIns="91425" spcFirstLastPara="1" rIns="91425" wrap="square" tIns="91425">
+          <a:bodyPr spcFirstLastPara="1" wrap="square" lIns="91425" tIns="91425" rIns="91425" bIns="91425" anchor="ctr" anchorCtr="0">
             <a:noAutofit/>
           </a:bodyPr>
           <a:lstStyle/>
           <a:p>
-            <a:pPr indent="0" lvl="0" marL="0" rtl="0" algn="ctr">
-              <a:spcBef>
-                <a:spcPts val="0"/>
-              </a:spcBef>
-              <a:spcAft>
-                <a:spcPts val="0"/>
-              </a:spcAft>
-              <a:buNone/>
-            </a:pPr>
-            <a:r>
-              <a:t/>
-            </a:r>
+            <a:pPr marL="0" lvl="0" indent="0" algn="ctr" rtl="0">
+              <a:spcBef>
+                <a:spcPts val="0"/>
+              </a:spcBef>
+              <a:spcAft>
+                <a:spcPts val="0"/>
+              </a:spcAft>
+              <a:buNone/>
+            </a:pPr>
             <a:endParaRPr/>
           </a:p>
         </p:txBody>
@@ -9836,41 +10069,38 @@
           </a:xfrm>
           <a:prstGeom prst="upArrow">
             <a:avLst>
-              <a:gd fmla="val 50000" name="adj1"/>
-              <a:gd fmla="val 50000" name="adj2"/>
+              <a:gd name="adj1" fmla="val 50000"/>
+              <a:gd name="adj2" fmla="val 50000"/>
             </a:avLst>
           </a:prstGeom>
           <a:solidFill>
             <a:schemeClr val="lt2"/>
           </a:solidFill>
-          <a:ln cap="flat" cmpd="sng" w="9525">
+          <a:ln w="9525" cap="flat" cmpd="sng">
             <a:solidFill>
               <a:schemeClr val="dk2"/>
             </a:solidFill>
             <a:prstDash val="solid"/>
             <a:round/>
-            <a:headEnd len="sm" w="sm" type="none"/>
-            <a:tailEnd len="sm" w="sm" type="none"/>
+            <a:headEnd type="none" w="sm" len="sm"/>
+            <a:tailEnd type="none" w="sm" len="sm"/>
           </a:ln>
         </p:spPr>
         <p:txBody>
-          <a:bodyPr anchorCtr="0" anchor="ctr" bIns="91425" lIns="91425" spcFirstLastPara="1" rIns="91425" wrap="square" tIns="91425">
+          <a:bodyPr spcFirstLastPara="1" wrap="square" lIns="91425" tIns="91425" rIns="91425" bIns="91425" anchor="ctr" anchorCtr="0">
             <a:noAutofit/>
           </a:bodyPr>
           <a:lstStyle/>
           <a:p>
-            <a:pPr indent="0" lvl="0" marL="0" rtl="0" algn="ctr">
-              <a:spcBef>
-                <a:spcPts val="0"/>
-              </a:spcBef>
-              <a:spcAft>
-                <a:spcPts val="0"/>
-              </a:spcAft>
-              <a:buNone/>
-            </a:pPr>
-            <a:r>
-              <a:t/>
-            </a:r>
+            <a:pPr marL="0" lvl="0" indent="0" algn="ctr" rtl="0">
+              <a:spcBef>
+                <a:spcPts val="0"/>
+              </a:spcBef>
+              <a:spcAft>
+                <a:spcPts val="0"/>
+              </a:spcAft>
+              <a:buNone/>
+            </a:pPr>
             <a:endParaRPr/>
           </a:p>
         </p:txBody>
@@ -9888,41 +10118,38 @@
           </a:xfrm>
           <a:prstGeom prst="upArrow">
             <a:avLst>
-              <a:gd fmla="val 50000" name="adj1"/>
-              <a:gd fmla="val 50000" name="adj2"/>
+              <a:gd name="adj1" fmla="val 50000"/>
+              <a:gd name="adj2" fmla="val 50000"/>
             </a:avLst>
           </a:prstGeom>
           <a:solidFill>
             <a:schemeClr val="lt2"/>
           </a:solidFill>
-          <a:ln cap="flat" cmpd="sng" w="9525">
+          <a:ln w="9525" cap="flat" cmpd="sng">
             <a:solidFill>
               <a:schemeClr val="dk2"/>
             </a:solidFill>
             <a:prstDash val="solid"/>
             <a:round/>
-            <a:headEnd len="sm" w="sm" type="none"/>
-            <a:tailEnd len="sm" w="sm" type="none"/>
+            <a:headEnd type="none" w="sm" len="sm"/>
+            <a:tailEnd type="none" w="sm" len="sm"/>
           </a:ln>
         </p:spPr>
         <p:txBody>
-          <a:bodyPr anchorCtr="0" anchor="ctr" bIns="91425" lIns="91425" spcFirstLastPara="1" rIns="91425" wrap="square" tIns="91425">
+          <a:bodyPr spcFirstLastPara="1" wrap="square" lIns="91425" tIns="91425" rIns="91425" bIns="91425" anchor="ctr" anchorCtr="0">
             <a:noAutofit/>
           </a:bodyPr>
           <a:lstStyle/>
           <a:p>
-            <a:pPr indent="0" lvl="0" marL="0" rtl="0" algn="ctr">
-              <a:spcBef>
-                <a:spcPts val="0"/>
-              </a:spcBef>
-              <a:spcAft>
-                <a:spcPts val="0"/>
-              </a:spcAft>
-              <a:buNone/>
-            </a:pPr>
-            <a:r>
-              <a:t/>
-            </a:r>
+            <a:pPr marL="0" lvl="0" indent="0" algn="ctr" rtl="0">
+              <a:spcBef>
+                <a:spcPts val="0"/>
+              </a:spcBef>
+              <a:spcAft>
+                <a:spcPts val="0"/>
+              </a:spcAft>
+              <a:buNone/>
+            </a:pPr>
             <a:endParaRPr/>
           </a:p>
         </p:txBody>
@@ -9940,41 +10167,38 @@
           </a:xfrm>
           <a:prstGeom prst="upArrow">
             <a:avLst>
-              <a:gd fmla="val 50000" name="adj1"/>
-              <a:gd fmla="val 50000" name="adj2"/>
+              <a:gd name="adj1" fmla="val 50000"/>
+              <a:gd name="adj2" fmla="val 50000"/>
             </a:avLst>
           </a:prstGeom>
           <a:solidFill>
             <a:schemeClr val="lt2"/>
           </a:solidFill>
-          <a:ln cap="flat" cmpd="sng" w="9525">
+          <a:ln w="9525" cap="flat" cmpd="sng">
             <a:solidFill>
               <a:schemeClr val="dk2"/>
             </a:solidFill>
             <a:prstDash val="solid"/>
             <a:round/>
-            <a:headEnd len="sm" w="sm" type="none"/>
-            <a:tailEnd len="sm" w="sm" type="none"/>
+            <a:headEnd type="none" w="sm" len="sm"/>
+            <a:tailEnd type="none" w="sm" len="sm"/>
           </a:ln>
         </p:spPr>
         <p:txBody>
-          <a:bodyPr anchorCtr="0" anchor="ctr" bIns="91425" lIns="91425" spcFirstLastPara="1" rIns="91425" wrap="square" tIns="91425">
+          <a:bodyPr spcFirstLastPara="1" wrap="square" lIns="91425" tIns="91425" rIns="91425" bIns="91425" anchor="ctr" anchorCtr="0">
             <a:noAutofit/>
           </a:bodyPr>
           <a:lstStyle/>
           <a:p>
-            <a:pPr indent="0" lvl="0" marL="0" rtl="0" algn="ctr">
-              <a:spcBef>
-                <a:spcPts val="0"/>
-              </a:spcBef>
-              <a:spcAft>
-                <a:spcPts val="0"/>
-              </a:spcAft>
-              <a:buNone/>
-            </a:pPr>
-            <a:r>
-              <a:t/>
-            </a:r>
+            <a:pPr marL="0" lvl="0" indent="0" algn="ctr" rtl="0">
+              <a:spcBef>
+                <a:spcPts val="0"/>
+              </a:spcBef>
+              <a:spcAft>
+                <a:spcPts val="0"/>
+              </a:spcAft>
+              <a:buNone/>
+            </a:pPr>
             <a:endParaRPr/>
           </a:p>
         </p:txBody>
@@ -9992,41 +10216,38 @@
           </a:xfrm>
           <a:prstGeom prst="upArrow">
             <a:avLst>
-              <a:gd fmla="val 50000" name="adj1"/>
-              <a:gd fmla="val 50000" name="adj2"/>
+              <a:gd name="adj1" fmla="val 50000"/>
+              <a:gd name="adj2" fmla="val 50000"/>
             </a:avLst>
           </a:prstGeom>
           <a:solidFill>
             <a:schemeClr val="lt2"/>
           </a:solidFill>
-          <a:ln cap="flat" cmpd="sng" w="9525">
+          <a:ln w="9525" cap="flat" cmpd="sng">
             <a:solidFill>
               <a:schemeClr val="dk2"/>
             </a:solidFill>
             <a:prstDash val="solid"/>
             <a:round/>
-            <a:headEnd len="sm" w="sm" type="none"/>
-            <a:tailEnd len="sm" w="sm" type="none"/>
+            <a:headEnd type="none" w="sm" len="sm"/>
+            <a:tailEnd type="none" w="sm" len="sm"/>
           </a:ln>
         </p:spPr>
         <p:txBody>
-          <a:bodyPr anchorCtr="0" anchor="ctr" bIns="91425" lIns="91425" spcFirstLastPara="1" rIns="91425" wrap="square" tIns="91425">
+          <a:bodyPr spcFirstLastPara="1" wrap="square" lIns="91425" tIns="91425" rIns="91425" bIns="91425" anchor="ctr" anchorCtr="0">
             <a:noAutofit/>
           </a:bodyPr>
           <a:lstStyle/>
           <a:p>
-            <a:pPr indent="0" lvl="0" marL="0" rtl="0" algn="ctr">
-              <a:spcBef>
-                <a:spcPts val="0"/>
-              </a:spcBef>
-              <a:spcAft>
-                <a:spcPts val="0"/>
-              </a:spcAft>
-              <a:buNone/>
-            </a:pPr>
-            <a:r>
-              <a:t/>
-            </a:r>
+            <a:pPr marL="0" lvl="0" indent="0" algn="ctr" rtl="0">
+              <a:spcBef>
+                <a:spcPts val="0"/>
+              </a:spcBef>
+              <a:spcAft>
+                <a:spcPts val="0"/>
+              </a:spcAft>
+              <a:buNone/>
+            </a:pPr>
             <a:endParaRPr/>
           </a:p>
         </p:txBody>
@@ -10044,42 +10265,39 @@
           </a:xfrm>
           <a:prstGeom prst="bentUpArrow">
             <a:avLst>
-              <a:gd fmla="val 25000" name="adj1"/>
-              <a:gd fmla="val 25000" name="adj2"/>
-              <a:gd fmla="val 25000" name="adj3"/>
+              <a:gd name="adj1" fmla="val 25000"/>
+              <a:gd name="adj2" fmla="val 25000"/>
+              <a:gd name="adj3" fmla="val 25000"/>
             </a:avLst>
           </a:prstGeom>
           <a:solidFill>
             <a:schemeClr val="lt2"/>
           </a:solidFill>
-          <a:ln cap="flat" cmpd="sng" w="9525">
+          <a:ln w="9525" cap="flat" cmpd="sng">
             <a:solidFill>
               <a:schemeClr val="dk2"/>
             </a:solidFill>
             <a:prstDash val="solid"/>
             <a:round/>
-            <a:headEnd len="sm" w="sm" type="none"/>
-            <a:tailEnd len="sm" w="sm" type="none"/>
+            <a:headEnd type="none" w="sm" len="sm"/>
+            <a:tailEnd type="none" w="sm" len="sm"/>
           </a:ln>
         </p:spPr>
         <p:txBody>
-          <a:bodyPr anchorCtr="0" anchor="ctr" bIns="91425" lIns="91425" spcFirstLastPara="1" rIns="91425" wrap="square" tIns="91425">
+          <a:bodyPr spcFirstLastPara="1" wrap="square" lIns="91425" tIns="91425" rIns="91425" bIns="91425" anchor="ctr" anchorCtr="0">
             <a:noAutofit/>
           </a:bodyPr>
           <a:lstStyle/>
           <a:p>
-            <a:pPr indent="0" lvl="0" marL="0" rtl="0" algn="ctr">
-              <a:spcBef>
-                <a:spcPts val="0"/>
-              </a:spcBef>
-              <a:spcAft>
-                <a:spcPts val="0"/>
-              </a:spcAft>
-              <a:buNone/>
-            </a:pPr>
-            <a:r>
-              <a:t/>
-            </a:r>
+            <a:pPr marL="0" lvl="0" indent="0" algn="ctr" rtl="0">
+              <a:spcBef>
+                <a:spcPts val="0"/>
+              </a:spcBef>
+              <a:spcAft>
+                <a:spcPts val="0"/>
+              </a:spcAft>
+              <a:buNone/>
+            </a:pPr>
             <a:endParaRPr/>
           </a:p>
         </p:txBody>
@@ -10097,41 +10315,38 @@
           </a:xfrm>
           <a:prstGeom prst="rightArrow">
             <a:avLst>
-              <a:gd fmla="val 50000" name="adj1"/>
-              <a:gd fmla="val 50000" name="adj2"/>
+              <a:gd name="adj1" fmla="val 50000"/>
+              <a:gd name="adj2" fmla="val 50000"/>
             </a:avLst>
           </a:prstGeom>
           <a:solidFill>
             <a:schemeClr val="lt2"/>
           </a:solidFill>
-          <a:ln cap="flat" cmpd="sng" w="9525">
+          <a:ln w="9525" cap="flat" cmpd="sng">
             <a:solidFill>
               <a:schemeClr val="dk2"/>
             </a:solidFill>
             <a:prstDash val="solid"/>
             <a:round/>
-            <a:headEnd len="sm" w="sm" type="none"/>
-            <a:tailEnd len="sm" w="sm" type="none"/>
+            <a:headEnd type="none" w="sm" len="sm"/>
+            <a:tailEnd type="none" w="sm" len="sm"/>
           </a:ln>
         </p:spPr>
         <p:txBody>
-          <a:bodyPr anchorCtr="0" anchor="ctr" bIns="91425" lIns="91425" spcFirstLastPara="1" rIns="91425" wrap="square" tIns="91425">
+          <a:bodyPr spcFirstLastPara="1" wrap="square" lIns="91425" tIns="91425" rIns="91425" bIns="91425" anchor="ctr" anchorCtr="0">
             <a:noAutofit/>
           </a:bodyPr>
           <a:lstStyle/>
           <a:p>
-            <a:pPr indent="0" lvl="0" marL="0" rtl="0" algn="ctr">
-              <a:spcBef>
-                <a:spcPts val="0"/>
-              </a:spcBef>
-              <a:spcAft>
-                <a:spcPts val="0"/>
-              </a:spcAft>
-              <a:buNone/>
-            </a:pPr>
-            <a:r>
-              <a:t/>
-            </a:r>
+            <a:pPr marL="0" lvl="0" indent="0" algn="ctr" rtl="0">
+              <a:spcBef>
+                <a:spcPts val="0"/>
+              </a:spcBef>
+              <a:spcAft>
+                <a:spcPts val="0"/>
+              </a:spcAft>
+              <a:buNone/>
+            </a:pPr>
             <a:endParaRPr/>
           </a:p>
         </p:txBody>
@@ -10145,11 +10360,11 @@
 </file>
 
 <file path=ppt/slides/slide6.xml><?xml version="1.0" encoding="utf-8"?>
-<p:sld xmlns:a="http://schemas.openxmlformats.org/drawingml/2006/main" xmlns:r="http://schemas.openxmlformats.org/officeDocument/2006/relationships" xmlns:mc="http://schemas.openxmlformats.org/markup-compatibility/2006" xmlns:mv="urn:schemas-microsoft-com:mac:vml" xmlns:p="http://schemas.openxmlformats.org/presentationml/2006/main" xmlns:c="http://schemas.openxmlformats.org/drawingml/2006/chart" xmlns:dgm="http://schemas.openxmlformats.org/drawingml/2006/diagram" xmlns:o="urn:schemas-microsoft-com:office:office" xmlns:v="urn:schemas-microsoft-com:vml" xmlns:pvml="urn:schemas-microsoft-com:office:powerpoint" xmlns:com="http://schemas.openxmlformats.org/drawingml/2006/compatibility" xmlns:p14="http://schemas.microsoft.com/office/powerpoint/2010/main" xmlns:p15="http://schemas.microsoft.com/office/powerpoint/2012/main" xmlns:ahyp="http://schemas.microsoft.com/office/drawing/2018/hyperlinkcolor">
+<p:sld xmlns:a="http://schemas.openxmlformats.org/drawingml/2006/main" xmlns:r="http://schemas.openxmlformats.org/officeDocument/2006/relationships" xmlns:p="http://schemas.openxmlformats.org/presentationml/2006/main">
   <p:cSld>
     <p:spTree>
       <p:nvGrpSpPr>
-        <p:cNvPr id="97" name="Shape 97"/>
+        <p:cNvPr id="1" name="Shape 97"/>
         <p:cNvGrpSpPr/>
         <p:nvPr/>
       </p:nvGrpSpPr>
@@ -10164,7 +10379,9 @@
       <p:sp>
         <p:nvSpPr>
           <p:cNvPr id="98" name="Google Shape;98;p18"/>
-          <p:cNvSpPr txBox="1"/>
+          <p:cNvSpPr txBox="1">
+            <a:spLocks noGrp="1"/>
+          </p:cNvSpPr>
           <p:nvPr>
             <p:ph type="title"/>
           </p:nvPr>
@@ -10179,12 +10396,12 @@
           </a:prstGeom>
         </p:spPr>
         <p:txBody>
-          <a:bodyPr anchorCtr="0" anchor="t" bIns="91425" lIns="91425" spcFirstLastPara="1" rIns="91425" wrap="square" tIns="91425">
+          <a:bodyPr spcFirstLastPara="1" wrap="square" lIns="91425" tIns="91425" rIns="91425" bIns="91425" anchor="t" anchorCtr="0">
             <a:normAutofit fontScale="90000"/>
           </a:bodyPr>
           <a:lstStyle/>
           <a:p>
-            <a:pPr indent="0" lvl="0" marL="0" rtl="0" algn="l">
+            <a:pPr marL="0" lvl="0" indent="0" algn="l" rtl="0">
               <a:spcBef>
                 <a:spcPts val="0"/>
               </a:spcBef>
@@ -10194,7 +10411,7 @@
               <a:buNone/>
             </a:pPr>
             <a:r>
-              <a:rPr b="1" lang="en"/>
+              <a:rPr lang="en" b="1"/>
               <a:t>Hardware Specification</a:t>
             </a:r>
             <a:endParaRPr b="1"/>
@@ -10204,9 +10421,11 @@
       <p:sp>
         <p:nvSpPr>
           <p:cNvPr id="99" name="Google Shape;99;p18"/>
-          <p:cNvSpPr txBox="1"/>
+          <p:cNvSpPr txBox="1">
+            <a:spLocks noGrp="1"/>
+          </p:cNvSpPr>
           <p:nvPr>
-            <p:ph idx="1" type="body"/>
+            <p:ph type="body" idx="1"/>
           </p:nvPr>
         </p:nvSpPr>
         <p:spPr>
@@ -10219,12 +10438,12 @@
           </a:prstGeom>
         </p:spPr>
         <p:txBody>
-          <a:bodyPr anchorCtr="0" anchor="t" bIns="91425" lIns="91425" spcFirstLastPara="1" rIns="91425" wrap="square" tIns="91425">
+          <a:bodyPr spcFirstLastPara="1" wrap="square" lIns="91425" tIns="91425" rIns="91425" bIns="91425" anchor="t" anchorCtr="0">
             <a:noAutofit/>
           </a:bodyPr>
           <a:lstStyle/>
           <a:p>
-            <a:pPr indent="-314960" lvl="0" marL="457200" rtl="0" algn="l">
+            <a:pPr marL="457200" lvl="0" indent="-314960" algn="l" rtl="0">
               <a:lnSpc>
                 <a:spcPct val="95000"/>
               </a:lnSpc>
@@ -10238,12 +10457,8 @@
               <a:buAutoNum type="arabicPeriod"/>
             </a:pPr>
             <a:r>
-              <a:rPr b="1" lang="en" sz="1360"/>
-              <a:t>Soil </a:t>
-            </a:r>
-            <a:r>
-              <a:rPr b="1" lang="en" sz="1360"/>
-              <a:t>Moisture Sensor </a:t>
+              <a:rPr lang="en" sz="1360" b="1"/>
+              <a:t>Soil Moisture Sensor </a:t>
             </a:r>
             <a:r>
               <a:rPr lang="en" sz="1360"/>
@@ -10252,7 +10467,7 @@
             <a:endParaRPr sz="1360"/>
           </a:p>
           <a:p>
-            <a:pPr indent="0" lvl="0" marL="457200" rtl="0" algn="l">
+            <a:pPr marL="457200" lvl="0" indent="0" algn="l" rtl="0">
               <a:lnSpc>
                 <a:spcPct val="95000"/>
               </a:lnSpc>
@@ -10267,16 +10482,12 @@
             </a:pPr>
             <a:r>
               <a:rPr lang="en" sz="1360"/>
-              <a:t>1. </a:t>
-            </a:r>
-            <a:r>
-              <a:rPr lang="en" sz="1360"/>
-              <a:t>Power supply: 3.3v or 5v</a:t>
+              <a:t>1. Power supply: 3.3v or 5v</a:t>
             </a:r>
             <a:endParaRPr sz="1360"/>
           </a:p>
           <a:p>
-            <a:pPr indent="0" lvl="0" marL="457200" rtl="0" algn="l">
+            <a:pPr marL="457200" lvl="0" indent="0" algn="l" rtl="0">
               <a:lnSpc>
                 <a:spcPct val="95000"/>
               </a:lnSpc>
@@ -10291,16 +10502,12 @@
             </a:pPr>
             <a:r>
               <a:rPr lang="en" sz="1360"/>
-              <a:t>2. </a:t>
-            </a:r>
-            <a:r>
-              <a:rPr lang="en" sz="1360"/>
-              <a:t>Output voltage signal: 0~4.2v  </a:t>
+              <a:t>2. Output voltage signal: 0~4.2v  </a:t>
             </a:r>
             <a:endParaRPr sz="1360"/>
           </a:p>
           <a:p>
-            <a:pPr indent="0" lvl="0" marL="457200" rtl="0" algn="l">
+            <a:pPr marL="457200" lvl="0" indent="0" algn="l" rtl="0">
               <a:lnSpc>
                 <a:spcPct val="95000"/>
               </a:lnSpc>
@@ -10320,7 +10527,7 @@
             <a:endParaRPr sz="1360"/>
           </a:p>
           <a:p>
-            <a:pPr indent="0" lvl="0" marL="457200" rtl="0" algn="l">
+            <a:pPr marL="457200" lvl="0" indent="0" algn="l" rtl="0">
               <a:lnSpc>
                 <a:spcPct val="95000"/>
               </a:lnSpc>
@@ -10340,7 +10547,7 @@
             <a:endParaRPr sz="1360"/>
           </a:p>
           <a:p>
-            <a:pPr indent="-314960" lvl="0" marL="1371600" rtl="0" algn="l">
+            <a:pPr marL="1371600" lvl="0" indent="-314960" algn="l" rtl="0">
               <a:lnSpc>
                 <a:spcPct val="95000"/>
               </a:lnSpc>
@@ -10360,7 +10567,7 @@
             <a:endParaRPr sz="1360"/>
           </a:p>
           <a:p>
-            <a:pPr indent="-314960" lvl="0" marL="1371600" rtl="0" algn="l">
+            <a:pPr marL="1371600" lvl="0" indent="-314960" algn="l" rtl="0">
               <a:lnSpc>
                 <a:spcPct val="95000"/>
               </a:lnSpc>
@@ -10380,7 +10587,7 @@
             <a:endParaRPr sz="1360"/>
           </a:p>
           <a:p>
-            <a:pPr indent="-314960" lvl="0" marL="1371600" rtl="0" algn="l">
+            <a:pPr marL="1371600" lvl="0" indent="-314960" algn="l" rtl="0">
               <a:lnSpc>
                 <a:spcPct val="95000"/>
               </a:lnSpc>
@@ -10400,7 +10607,7 @@
             <a:endParaRPr sz="1360"/>
           </a:p>
           <a:p>
-            <a:pPr indent="0" lvl="0" marL="457200" rtl="0" algn="l">
+            <a:pPr marL="457200" lvl="0" indent="0" algn="l" rtl="0">
               <a:lnSpc>
                 <a:spcPct val="95000"/>
               </a:lnSpc>
@@ -10420,7 +10627,7 @@
             <a:endParaRPr sz="1360"/>
           </a:p>
           <a:p>
-            <a:pPr indent="0" lvl="0" marL="457200" rtl="0" algn="l">
+            <a:pPr marL="457200" lvl="0" indent="0" algn="l" rtl="0">
               <a:lnSpc>
                 <a:spcPct val="95000"/>
               </a:lnSpc>
@@ -10440,7 +10647,7 @@
             <a:endParaRPr sz="1360"/>
           </a:p>
           <a:p>
-            <a:pPr indent="-314960" lvl="0" marL="1371600" rtl="0" algn="l">
+            <a:pPr marL="1371600" lvl="0" indent="-314960" algn="l" rtl="0">
               <a:lnSpc>
                 <a:spcPct val="95000"/>
               </a:lnSpc>
@@ -10460,7 +10667,7 @@
             <a:endParaRPr sz="1360"/>
           </a:p>
           <a:p>
-            <a:pPr indent="-314960" lvl="0" marL="1371600" rtl="0" algn="l">
+            <a:pPr marL="1371600" lvl="0" indent="-314960" algn="l" rtl="0">
               <a:lnSpc>
                 <a:spcPct val="95000"/>
               </a:lnSpc>
@@ -10480,7 +10687,7 @@
             <a:endParaRPr sz="1360"/>
           </a:p>
           <a:p>
-            <a:pPr indent="-314960" lvl="0" marL="1371600" rtl="0" algn="l">
+            <a:pPr marL="1371600" lvl="0" indent="-314960" algn="l" rtl="0">
               <a:lnSpc>
                 <a:spcPct val="95000"/>
               </a:lnSpc>
@@ -10500,7 +10707,7 @@
             <a:endParaRPr sz="1360"/>
           </a:p>
           <a:p>
-            <a:pPr indent="0" lvl="0" marL="0" rtl="0" algn="l">
+            <a:pPr marL="0" lvl="0" indent="0" algn="l" rtl="0">
               <a:lnSpc>
                 <a:spcPct val="95000"/>
               </a:lnSpc>
@@ -10513,9 +10720,6 @@
               <a:buSzPts val="770"/>
               <a:buNone/>
             </a:pPr>
-            <a:r>
-              <a:t/>
-            </a:r>
             <a:endParaRPr sz="1260"/>
           </a:p>
         </p:txBody>
@@ -10529,11 +10733,11 @@
 </file>
 
 <file path=ppt/slides/slide7.xml><?xml version="1.0" encoding="utf-8"?>
-<p:sld xmlns:a="http://schemas.openxmlformats.org/drawingml/2006/main" xmlns:r="http://schemas.openxmlformats.org/officeDocument/2006/relationships" xmlns:mc="http://schemas.openxmlformats.org/markup-compatibility/2006" xmlns:mv="urn:schemas-microsoft-com:mac:vml" xmlns:p="http://schemas.openxmlformats.org/presentationml/2006/main" xmlns:c="http://schemas.openxmlformats.org/drawingml/2006/chart" xmlns:dgm="http://schemas.openxmlformats.org/drawingml/2006/diagram" xmlns:o="urn:schemas-microsoft-com:office:office" xmlns:v="urn:schemas-microsoft-com:vml" xmlns:pvml="urn:schemas-microsoft-com:office:powerpoint" xmlns:com="http://schemas.openxmlformats.org/drawingml/2006/compatibility" xmlns:p14="http://schemas.microsoft.com/office/powerpoint/2010/main" xmlns:p15="http://schemas.microsoft.com/office/powerpoint/2012/main" xmlns:ahyp="http://schemas.microsoft.com/office/drawing/2018/hyperlinkcolor">
+<p:sld xmlns:a="http://schemas.openxmlformats.org/drawingml/2006/main" xmlns:r="http://schemas.openxmlformats.org/officeDocument/2006/relationships" xmlns:p="http://schemas.openxmlformats.org/presentationml/2006/main">
   <p:cSld>
     <p:spTree>
       <p:nvGrpSpPr>
-        <p:cNvPr id="103" name="Shape 103"/>
+        <p:cNvPr id="1" name="Shape 103"/>
         <p:cNvGrpSpPr/>
         <p:nvPr/>
       </p:nvGrpSpPr>
@@ -10548,7 +10752,9 @@
       <p:sp>
         <p:nvSpPr>
           <p:cNvPr id="104" name="Google Shape;104;p19"/>
-          <p:cNvSpPr txBox="1"/>
+          <p:cNvSpPr txBox="1">
+            <a:spLocks noGrp="1"/>
+          </p:cNvSpPr>
           <p:nvPr>
             <p:ph type="title"/>
           </p:nvPr>
@@ -10563,12 +10769,12 @@
           </a:prstGeom>
         </p:spPr>
         <p:txBody>
-          <a:bodyPr anchorCtr="0" anchor="t" bIns="91425" lIns="91425" spcFirstLastPara="1" rIns="91425" wrap="square" tIns="91425">
+          <a:bodyPr spcFirstLastPara="1" wrap="square" lIns="91425" tIns="91425" rIns="91425" bIns="91425" anchor="t" anchorCtr="0">
             <a:normAutofit/>
           </a:bodyPr>
           <a:lstStyle/>
           <a:p>
-            <a:pPr indent="0" lvl="0" marL="0" rtl="0" algn="l">
+            <a:pPr marL="0" lvl="0" indent="0" algn="l" rtl="0">
               <a:lnSpc>
                 <a:spcPct val="150000"/>
               </a:lnSpc>
@@ -10586,7 +10792,7 @@
               <a:buNone/>
             </a:pPr>
             <a:r>
-              <a:rPr b="1" lang="en" sz="2500">
+              <a:rPr lang="en" sz="2500" b="1">
                 <a:solidFill>
                   <a:srgbClr val="2B2B2B"/>
                 </a:solidFill>
@@ -10596,16 +10802,18 @@
               </a:rPr>
               <a:t>Relay Module Specifications(5 V)</a:t>
             </a:r>
-            <a:endParaRPr b="1" sz="2500"/>
+            <a:endParaRPr sz="2500" b="1"/>
           </a:p>
         </p:txBody>
       </p:sp>
       <p:sp>
         <p:nvSpPr>
           <p:cNvPr id="105" name="Google Shape;105;p19"/>
-          <p:cNvSpPr txBox="1"/>
+          <p:cNvSpPr txBox="1">
+            <a:spLocks noGrp="1"/>
+          </p:cNvSpPr>
           <p:nvPr>
-            <p:ph idx="1" type="body"/>
+            <p:ph type="body" idx="1"/>
           </p:nvPr>
         </p:nvSpPr>
         <p:spPr>
@@ -10618,12 +10826,12 @@
           </a:prstGeom>
         </p:spPr>
         <p:txBody>
-          <a:bodyPr anchorCtr="0" anchor="t" bIns="91425" lIns="91425" spcFirstLastPara="1" rIns="91425" wrap="square" tIns="91425">
+          <a:bodyPr spcFirstLastPara="1" wrap="square" lIns="91425" tIns="91425" rIns="91425" bIns="91425" anchor="t" anchorCtr="0">
             <a:normAutofit/>
           </a:bodyPr>
           <a:lstStyle/>
           <a:p>
-            <a:pPr indent="-317500" lvl="0" marL="457200" rtl="0" algn="l">
+            <a:pPr marL="457200" lvl="0" indent="-317500" algn="l" rtl="0">
               <a:spcBef>
                 <a:spcPts val="1200"/>
               </a:spcBef>
@@ -10666,7 +10874,7 @@
             </a:endParaRPr>
           </a:p>
           <a:p>
-            <a:pPr indent="-317500" lvl="0" marL="457200" rtl="0" algn="l">
+            <a:pPr marL="457200" lvl="0" indent="-317500" algn="l" rtl="0">
               <a:spcBef>
                 <a:spcPts val="0"/>
               </a:spcBef>
@@ -10709,7 +10917,7 @@
             </a:endParaRPr>
           </a:p>
           <a:p>
-            <a:pPr indent="-317500" lvl="0" marL="457200" rtl="0" algn="l">
+            <a:pPr marL="457200" lvl="0" indent="-317500" algn="l" rtl="0">
               <a:spcBef>
                 <a:spcPts val="0"/>
               </a:spcBef>
@@ -10752,7 +10960,7 @@
             </a:endParaRPr>
           </a:p>
           <a:p>
-            <a:pPr indent="-317500" lvl="0" marL="457200" rtl="0" algn="l">
+            <a:pPr marL="457200" lvl="0" indent="-317500" algn="l" rtl="0">
               <a:spcBef>
                 <a:spcPts val="0"/>
               </a:spcBef>
@@ -10795,7 +11003,7 @@
             </a:endParaRPr>
           </a:p>
           <a:p>
-            <a:pPr indent="-317500" lvl="0" marL="457200" rtl="0" algn="l">
+            <a:pPr marL="457200" lvl="0" indent="-317500" algn="l" rtl="0">
               <a:spcBef>
                 <a:spcPts val="0"/>
               </a:spcBef>
@@ -10838,7 +11046,7 @@
             </a:endParaRPr>
           </a:p>
           <a:p>
-            <a:pPr indent="-317500" lvl="0" marL="457200" rtl="0" algn="l">
+            <a:pPr marL="457200" lvl="0" indent="-317500" algn="l" rtl="0">
               <a:spcBef>
                 <a:spcPts val="0"/>
               </a:spcBef>
@@ -10881,7 +11089,7 @@
             </a:endParaRPr>
           </a:p>
           <a:p>
-            <a:pPr indent="0" lvl="0" marL="0" rtl="0" algn="l">
+            <a:pPr marL="0" lvl="0" indent="0" algn="l" rtl="0">
               <a:lnSpc>
                 <a:spcPct val="150000"/>
               </a:lnSpc>
@@ -10898,9 +11106,6 @@
               <a:buFont typeface="Arial"/>
               <a:buNone/>
             </a:pPr>
-            <a:r>
-              <a:t/>
-            </a:r>
             <a:endParaRPr sz="1650">
               <a:solidFill>
                 <a:srgbClr val="2B2B2B"/>
@@ -10911,7 +11116,7 @@
             </a:endParaRPr>
           </a:p>
           <a:p>
-            <a:pPr indent="0" lvl="0" marL="0" rtl="0" algn="l">
+            <a:pPr marL="0" lvl="0" indent="0" algn="l" rtl="0">
               <a:spcBef>
                 <a:spcPts val="1100"/>
               </a:spcBef>
@@ -10920,9 +11125,6 @@
               </a:spcAft>
               <a:buNone/>
             </a:pPr>
-            <a:r>
-              <a:t/>
-            </a:r>
             <a:endParaRPr/>
           </a:p>
         </p:txBody>
@@ -10936,11 +11138,11 @@
 </file>
 
 <file path=ppt/slides/slide8.xml><?xml version="1.0" encoding="utf-8"?>
-<p:sld xmlns:a="http://schemas.openxmlformats.org/drawingml/2006/main" xmlns:r="http://schemas.openxmlformats.org/officeDocument/2006/relationships" xmlns:mc="http://schemas.openxmlformats.org/markup-compatibility/2006" xmlns:mv="urn:schemas-microsoft-com:mac:vml" xmlns:p="http://schemas.openxmlformats.org/presentationml/2006/main" xmlns:c="http://schemas.openxmlformats.org/drawingml/2006/chart" xmlns:dgm="http://schemas.openxmlformats.org/drawingml/2006/diagram" xmlns:o="urn:schemas-microsoft-com:office:office" xmlns:v="urn:schemas-microsoft-com:vml" xmlns:pvml="urn:schemas-microsoft-com:office:powerpoint" xmlns:com="http://schemas.openxmlformats.org/drawingml/2006/compatibility" xmlns:p14="http://schemas.microsoft.com/office/powerpoint/2010/main" xmlns:p15="http://schemas.microsoft.com/office/powerpoint/2012/main" xmlns:ahyp="http://schemas.microsoft.com/office/drawing/2018/hyperlinkcolor">
+<p:sld xmlns:a="http://schemas.openxmlformats.org/drawingml/2006/main" xmlns:r="http://schemas.openxmlformats.org/officeDocument/2006/relationships" xmlns:p="http://schemas.openxmlformats.org/presentationml/2006/main">
   <p:cSld>
     <p:spTree>
       <p:nvGrpSpPr>
-        <p:cNvPr id="109" name="Shape 109"/>
+        <p:cNvPr id="1" name="Shape 109"/>
         <p:cNvGrpSpPr/>
         <p:nvPr/>
       </p:nvGrpSpPr>
@@ -10955,7 +11157,9 @@
       <p:sp>
         <p:nvSpPr>
           <p:cNvPr id="110" name="Google Shape;110;p20"/>
-          <p:cNvSpPr txBox="1"/>
+          <p:cNvSpPr txBox="1">
+            <a:spLocks noGrp="1"/>
+          </p:cNvSpPr>
           <p:nvPr>
             <p:ph type="title"/>
           </p:nvPr>
@@ -10970,12 +11174,12 @@
           </a:prstGeom>
         </p:spPr>
         <p:txBody>
-          <a:bodyPr anchorCtr="0" anchor="t" bIns="91425" lIns="91425" spcFirstLastPara="1" rIns="91425" wrap="square" tIns="91425">
+          <a:bodyPr spcFirstLastPara="1" wrap="square" lIns="91425" tIns="91425" rIns="91425" bIns="91425" anchor="t" anchorCtr="0">
             <a:normAutofit fontScale="90000"/>
           </a:bodyPr>
           <a:lstStyle/>
           <a:p>
-            <a:pPr indent="0" lvl="0" marL="0" rtl="0" algn="l">
+            <a:pPr marL="0" lvl="0" indent="0" algn="l" rtl="0">
               <a:spcBef>
                 <a:spcPts val="0"/>
               </a:spcBef>
@@ -10985,7 +11189,7 @@
               <a:buNone/>
             </a:pPr>
             <a:r>
-              <a:rPr b="1" lang="en"/>
+              <a:rPr lang="en" b="1"/>
               <a:t>LED</a:t>
             </a:r>
             <a:endParaRPr b="1"/>
@@ -10995,9 +11199,11 @@
       <p:sp>
         <p:nvSpPr>
           <p:cNvPr id="111" name="Google Shape;111;p20"/>
-          <p:cNvSpPr txBox="1"/>
+          <p:cNvSpPr txBox="1">
+            <a:spLocks noGrp="1"/>
+          </p:cNvSpPr>
           <p:nvPr>
-            <p:ph idx="1" type="body"/>
+            <p:ph type="body" idx="1"/>
           </p:nvPr>
         </p:nvSpPr>
         <p:spPr>
@@ -11010,12 +11216,12 @@
           </a:prstGeom>
         </p:spPr>
         <p:txBody>
-          <a:bodyPr anchorCtr="0" anchor="t" bIns="91425" lIns="91425" spcFirstLastPara="1" rIns="91425" wrap="square" tIns="91425">
+          <a:bodyPr spcFirstLastPara="1" wrap="square" lIns="91425" tIns="91425" rIns="91425" bIns="91425" anchor="t" anchorCtr="0">
             <a:normAutofit/>
           </a:bodyPr>
           <a:lstStyle/>
           <a:p>
-            <a:pPr indent="0" lvl="0" marL="0" rtl="0" algn="l">
+            <a:pPr marL="0" lvl="0" indent="0" algn="l" rtl="0">
               <a:spcBef>
                 <a:spcPts val="0"/>
               </a:spcBef>
@@ -11025,7 +11231,7 @@
               <a:buNone/>
             </a:pPr>
             <a:r>
-              <a:rPr b="1" lang="en" sz="1600">
+              <a:rPr lang="en" sz="1600" b="1">
                 <a:solidFill>
                   <a:schemeClr val="dk1"/>
                 </a:solidFill>
@@ -11036,7 +11242,7 @@
               </a:rPr>
               <a:t>Super Bright Red</a:t>
             </a:r>
-            <a:endParaRPr b="1" sz="1600">
+            <a:endParaRPr sz="1600" b="1">
               <a:solidFill>
                 <a:schemeClr val="dk1"/>
               </a:solidFill>
@@ -11047,7 +11253,7 @@
             </a:endParaRPr>
           </a:p>
           <a:p>
-            <a:pPr indent="-342900" lvl="0" marL="457200" rtl="0" algn="l">
+            <a:pPr marL="457200" lvl="0" indent="-342900" algn="l" rtl="0">
               <a:spcBef>
                 <a:spcPts val="1200"/>
               </a:spcBef>
@@ -11064,7 +11270,7 @@
             <a:endParaRPr/>
           </a:p>
           <a:p>
-            <a:pPr indent="-342900" lvl="0" marL="457200" rtl="0" algn="l">
+            <a:pPr marL="457200" lvl="0" indent="-342900" algn="l" rtl="0">
               <a:spcBef>
                 <a:spcPts val="0"/>
               </a:spcBef>
@@ -11081,7 +11287,7 @@
             <a:endParaRPr/>
           </a:p>
           <a:p>
-            <a:pPr indent="-342900" lvl="0" marL="457200" rtl="0" algn="l">
+            <a:pPr marL="457200" lvl="0" indent="-342900" algn="l" rtl="0">
               <a:spcBef>
                 <a:spcPts val="0"/>
               </a:spcBef>
@@ -11098,7 +11304,7 @@
             <a:endParaRPr/>
           </a:p>
           <a:p>
-            <a:pPr indent="-342900" lvl="0" marL="457200" rtl="0" algn="l">
+            <a:pPr marL="457200" lvl="0" indent="-342900" algn="l" rtl="0">
               <a:spcBef>
                 <a:spcPts val="0"/>
               </a:spcBef>
@@ -11115,7 +11321,7 @@
             <a:endParaRPr/>
           </a:p>
           <a:p>
-            <a:pPr indent="-342900" lvl="0" marL="457200" rtl="0" algn="l">
+            <a:pPr marL="457200" lvl="0" indent="-342900" algn="l" rtl="0">
               <a:spcBef>
                 <a:spcPts val="0"/>
               </a:spcBef>
@@ -11132,7 +11338,7 @@
             <a:endParaRPr/>
           </a:p>
           <a:p>
-            <a:pPr indent="-342900" lvl="0" marL="457200" rtl="0" algn="l">
+            <a:pPr marL="457200" lvl="0" indent="-342900" algn="l" rtl="0">
               <a:spcBef>
                 <a:spcPts val="0"/>
               </a:spcBef>
@@ -11149,7 +11355,7 @@
             <a:endParaRPr/>
           </a:p>
           <a:p>
-            <a:pPr indent="0" lvl="0" marL="0" rtl="0" algn="l">
+            <a:pPr marL="0" lvl="0" indent="0" algn="l" rtl="0">
               <a:spcBef>
                 <a:spcPts val="1200"/>
               </a:spcBef>
@@ -11158,9 +11364,6 @@
               </a:spcAft>
               <a:buNone/>
             </a:pPr>
-            <a:r>
-              <a:t/>
-            </a:r>
             <a:endParaRPr sz="1000">
               <a:solidFill>
                 <a:schemeClr val="dk1"/>
@@ -11182,11 +11385,11 @@
 </file>
 
 <file path=ppt/slides/slide9.xml><?xml version="1.0" encoding="utf-8"?>
-<p:sld xmlns:a="http://schemas.openxmlformats.org/drawingml/2006/main" xmlns:r="http://schemas.openxmlformats.org/officeDocument/2006/relationships" xmlns:mc="http://schemas.openxmlformats.org/markup-compatibility/2006" xmlns:mv="urn:schemas-microsoft-com:mac:vml" xmlns:p="http://schemas.openxmlformats.org/presentationml/2006/main" xmlns:c="http://schemas.openxmlformats.org/drawingml/2006/chart" xmlns:dgm="http://schemas.openxmlformats.org/drawingml/2006/diagram" xmlns:o="urn:schemas-microsoft-com:office:office" xmlns:v="urn:schemas-microsoft-com:vml" xmlns:pvml="urn:schemas-microsoft-com:office:powerpoint" xmlns:com="http://schemas.openxmlformats.org/drawingml/2006/compatibility" xmlns:p14="http://schemas.microsoft.com/office/powerpoint/2010/main" xmlns:p15="http://schemas.microsoft.com/office/powerpoint/2012/main" xmlns:ahyp="http://schemas.microsoft.com/office/drawing/2018/hyperlinkcolor">
+<p:sld xmlns:a="http://schemas.openxmlformats.org/drawingml/2006/main" xmlns:r="http://schemas.openxmlformats.org/officeDocument/2006/relationships" xmlns:p="http://schemas.openxmlformats.org/presentationml/2006/main">
   <p:cSld>
     <p:spTree>
       <p:nvGrpSpPr>
-        <p:cNvPr id="115" name="Shape 115"/>
+        <p:cNvPr id="1" name="Shape 115"/>
         <p:cNvGrpSpPr/>
         <p:nvPr/>
       </p:nvGrpSpPr>
@@ -11201,7 +11404,9 @@
       <p:sp>
         <p:nvSpPr>
           <p:cNvPr id="116" name="Google Shape;116;p21"/>
-          <p:cNvSpPr txBox="1"/>
+          <p:cNvSpPr txBox="1">
+            <a:spLocks noGrp="1"/>
+          </p:cNvSpPr>
           <p:nvPr>
             <p:ph type="title"/>
           </p:nvPr>
@@ -11216,12 +11421,12 @@
           </a:prstGeom>
         </p:spPr>
         <p:txBody>
-          <a:bodyPr anchorCtr="0" anchor="t" bIns="91425" lIns="91425" spcFirstLastPara="1" rIns="91425" wrap="square" tIns="91425">
+          <a:bodyPr spcFirstLastPara="1" wrap="square" lIns="91425" tIns="91425" rIns="91425" bIns="91425" anchor="t" anchorCtr="0">
             <a:normAutofit fontScale="90000"/>
           </a:bodyPr>
           <a:lstStyle/>
           <a:p>
-            <a:pPr indent="0" lvl="0" marL="0" rtl="0" algn="l">
+            <a:pPr marL="0" lvl="0" indent="0" algn="l" rtl="0">
               <a:spcBef>
                 <a:spcPts val="0"/>
               </a:spcBef>
@@ -11231,16 +11436,8 @@
               <a:buNone/>
             </a:pPr>
             <a:r>
-              <a:rPr b="1" lang="en"/>
-              <a:t>Temperature sensor(</a:t>
-            </a:r>
-            <a:r>
-              <a:rPr b="1" lang="en"/>
-              <a:t>DS18B20</a:t>
-            </a:r>
-            <a:r>
-              <a:rPr b="1" lang="en"/>
-              <a:t>):</a:t>
+              <a:rPr lang="en" b="1"/>
+              <a:t>Temperature sensor(DS18B20):</a:t>
             </a:r>
             <a:endParaRPr b="1"/>
           </a:p>
@@ -11249,9 +11446,11 @@
       <p:sp>
         <p:nvSpPr>
           <p:cNvPr id="117" name="Google Shape;117;p21"/>
-          <p:cNvSpPr txBox="1"/>
+          <p:cNvSpPr txBox="1">
+            <a:spLocks noGrp="1"/>
+          </p:cNvSpPr>
           <p:nvPr>
-            <p:ph idx="1" type="body"/>
+            <p:ph type="body" idx="1"/>
           </p:nvPr>
         </p:nvSpPr>
         <p:spPr>
@@ -11264,12 +11463,12 @@
           </a:prstGeom>
         </p:spPr>
         <p:txBody>
-          <a:bodyPr anchorCtr="0" anchor="t" bIns="91425" lIns="91425" spcFirstLastPara="1" rIns="91425" wrap="square" tIns="91425">
+          <a:bodyPr spcFirstLastPara="1" wrap="square" lIns="91425" tIns="91425" rIns="91425" bIns="91425" anchor="t" anchorCtr="0">
             <a:noAutofit/>
           </a:bodyPr>
           <a:lstStyle/>
           <a:p>
-            <a:pPr indent="-306387" lvl="0" marL="457200" rtl="0" algn="l">
+            <a:pPr marL="457200" lvl="0" indent="-306387" algn="l" rtl="0">
               <a:lnSpc>
                 <a:spcPct val="95000"/>
               </a:lnSpc>
@@ -11283,7 +11482,7 @@
               <a:buAutoNum type="arabicPeriod"/>
             </a:pPr>
             <a:r>
-              <a:rPr b="1" lang="en" sz="1225"/>
+              <a:rPr lang="en" sz="1225" b="1"/>
               <a:t>Temperature Range: </a:t>
             </a:r>
             <a:r>
@@ -11293,7 +11492,7 @@
             <a:endParaRPr sz="1225"/>
           </a:p>
           <a:p>
-            <a:pPr indent="-306387" lvl="0" marL="457200" rtl="0" algn="l">
+            <a:pPr marL="457200" lvl="0" indent="-306387" algn="l" rtl="0">
               <a:lnSpc>
                 <a:spcPct val="95000"/>
               </a:lnSpc>
@@ -11307,7 +11506,7 @@
               <a:buAutoNum type="arabicPeriod"/>
             </a:pPr>
             <a:r>
-              <a:rPr b="1" lang="en" sz="1225"/>
+              <a:rPr lang="en" sz="1225" b="1"/>
               <a:t>Temperature Resolution:</a:t>
             </a:r>
             <a:r>
@@ -11317,7 +11516,7 @@
             <a:endParaRPr sz="1225"/>
           </a:p>
           <a:p>
-            <a:pPr indent="-306387" lvl="0" marL="457200" rtl="0" algn="l">
+            <a:pPr marL="457200" lvl="0" indent="-306387" algn="l" rtl="0">
               <a:lnSpc>
                 <a:spcPct val="95000"/>
               </a:lnSpc>
@@ -11331,7 +11530,7 @@
               <a:buAutoNum type="arabicPeriod"/>
             </a:pPr>
             <a:r>
-              <a:rPr b="1" lang="en" sz="1225"/>
+              <a:rPr lang="en" sz="1225" b="1"/>
               <a:t>Accuracy: </a:t>
             </a:r>
             <a:r>
@@ -11341,7 +11540,7 @@
             <a:endParaRPr sz="1225"/>
           </a:p>
           <a:p>
-            <a:pPr indent="-306387" lvl="0" marL="457200" rtl="0" algn="l">
+            <a:pPr marL="457200" lvl="0" indent="-306387" algn="l" rtl="0">
               <a:lnSpc>
                 <a:spcPct val="95000"/>
               </a:lnSpc>
@@ -11355,7 +11554,7 @@
               <a:buAutoNum type="arabicPeriod"/>
             </a:pPr>
             <a:r>
-              <a:rPr b="1" lang="en" sz="1225"/>
+              <a:rPr lang="en" sz="1225" b="1"/>
               <a:t>Operating Voltage:</a:t>
             </a:r>
             <a:r>
@@ -11365,7 +11564,7 @@
             <a:endParaRPr sz="1225"/>
           </a:p>
           <a:p>
-            <a:pPr indent="-306387" lvl="0" marL="457200" rtl="0" algn="l">
+            <a:pPr marL="457200" lvl="0" indent="-306387" algn="l" rtl="0">
               <a:lnSpc>
                 <a:spcPct val="95000"/>
               </a:lnSpc>
@@ -11379,7 +11578,7 @@
               <a:buAutoNum type="arabicPeriod"/>
             </a:pPr>
             <a:r>
-              <a:rPr b="1" lang="en" sz="1225"/>
+              <a:rPr lang="en" sz="1225" b="1"/>
               <a:t>Communication Protocol: </a:t>
             </a:r>
             <a:r>
@@ -11389,7 +11588,7 @@
             <a:endParaRPr sz="1225"/>
           </a:p>
           <a:p>
-            <a:pPr indent="-306387" lvl="0" marL="457200" rtl="0" algn="l">
+            <a:pPr marL="457200" lvl="0" indent="-306387" algn="l" rtl="0">
               <a:lnSpc>
                 <a:spcPct val="95000"/>
               </a:lnSpc>
@@ -11403,7 +11602,7 @@
               <a:buAutoNum type="arabicPeriod"/>
             </a:pPr>
             <a:r>
-              <a:rPr b="1" lang="en" sz="1225"/>
+              <a:rPr lang="en" sz="1225" b="1"/>
               <a:t>Conversion Time:</a:t>
             </a:r>
             <a:r>
@@ -11413,7 +11612,7 @@
             <a:endParaRPr sz="1225"/>
           </a:p>
           <a:p>
-            <a:pPr indent="-306387" lvl="0" marL="457200" rtl="0" algn="l">
+            <a:pPr marL="457200" lvl="0" indent="-306387" algn="l" rtl="0">
               <a:lnSpc>
                 <a:spcPct val="95000"/>
               </a:lnSpc>
@@ -11427,7 +11626,7 @@
               <a:buAutoNum type="arabicPeriod"/>
             </a:pPr>
             <a:r>
-              <a:rPr b="1" lang="en" sz="1225"/>
+              <a:rPr lang="en" sz="1225" b="1"/>
               <a:t>Temperature Alarms:</a:t>
             </a:r>
             <a:r>
@@ -11437,7 +11636,7 @@
             <a:endParaRPr sz="1225"/>
           </a:p>
           <a:p>
-            <a:pPr indent="-306387" lvl="0" marL="457200" rtl="0" algn="l">
+            <a:pPr marL="457200" lvl="0" indent="-306387" algn="l" rtl="0">
               <a:lnSpc>
                 <a:spcPct val="95000"/>
               </a:lnSpc>
@@ -11451,7 +11650,7 @@
               <a:buAutoNum type="arabicPeriod"/>
             </a:pPr>
             <a:r>
-              <a:rPr b="1" lang="en" sz="1225"/>
+              <a:rPr lang="en" sz="1225" b="1"/>
               <a:t>Data Output: </a:t>
             </a:r>
             <a:r>
@@ -11461,7 +11660,7 @@
             <a:endParaRPr sz="1225"/>
           </a:p>
           <a:p>
-            <a:pPr indent="-306387" lvl="0" marL="457200" rtl="0" algn="l">
+            <a:pPr marL="457200" lvl="0" indent="-306387" algn="l" rtl="0">
               <a:lnSpc>
                 <a:spcPct val="95000"/>
               </a:lnSpc>
@@ -11475,7 +11674,7 @@
               <a:buAutoNum type="arabicPeriod"/>
             </a:pPr>
             <a:r>
-              <a:rPr b="1" lang="en" sz="1225"/>
+              <a:rPr lang="en" sz="1225" b="1"/>
               <a:t>Package Type: </a:t>
             </a:r>
             <a:r>
@@ -11485,7 +11684,7 @@
             <a:endParaRPr sz="1225"/>
           </a:p>
           <a:p>
-            <a:pPr indent="-306387" lvl="0" marL="457200" rtl="0" algn="l">
+            <a:pPr marL="457200" lvl="0" indent="-306387" algn="l" rtl="0">
               <a:lnSpc>
                 <a:spcPct val="95000"/>
               </a:lnSpc>
@@ -11499,7 +11698,7 @@
               <a:buAutoNum type="arabicPeriod"/>
             </a:pPr>
             <a:r>
-              <a:rPr b="1" lang="en" sz="1225"/>
+              <a:rPr lang="en" sz="1225" b="1"/>
               <a:t>Compatibility: </a:t>
             </a:r>
             <a:r>
@@ -11509,7 +11708,7 @@
             <a:endParaRPr sz="1225"/>
           </a:p>
           <a:p>
-            <a:pPr indent="0" lvl="0" marL="0" rtl="0" algn="l">
+            <a:pPr marL="0" lvl="0" indent="0" algn="l" rtl="0">
               <a:lnSpc>
                 <a:spcPct val="95000"/>
               </a:lnSpc>
@@ -11522,9 +11721,6 @@
               <a:buSzPts val="688"/>
               <a:buNone/>
             </a:pPr>
-            <a:r>
-              <a:t/>
-            </a:r>
             <a:endParaRPr sz="1125"/>
           </a:p>
         </p:txBody>
@@ -11538,7 +11734,288 @@
 </file>
 
 <file path=ppt/theme/theme1.xml><?xml version="1.0" encoding="utf-8"?>
-<a:theme xmlns:a="http://schemas.openxmlformats.org/drawingml/2006/main" xmlns:r="http://schemas.openxmlformats.org/officeDocument/2006/relationships">
+<a:theme xmlns:a="http://schemas.openxmlformats.org/drawingml/2006/main" name="Simple Light">
+  <a:themeElements>
+    <a:clrScheme name="Simple Light">
+      <a:dk1>
+        <a:srgbClr val="000000"/>
+      </a:dk1>
+      <a:lt1>
+        <a:srgbClr val="FFFFFF"/>
+      </a:lt1>
+      <a:dk2>
+        <a:srgbClr val="595959"/>
+      </a:dk2>
+      <a:lt2>
+        <a:srgbClr val="EEEEEE"/>
+      </a:lt2>
+      <a:accent1>
+        <a:srgbClr val="4285F4"/>
+      </a:accent1>
+      <a:accent2>
+        <a:srgbClr val="212121"/>
+      </a:accent2>
+      <a:accent3>
+        <a:srgbClr val="78909C"/>
+      </a:accent3>
+      <a:accent4>
+        <a:srgbClr val="FFAB40"/>
+      </a:accent4>
+      <a:accent5>
+        <a:srgbClr val="0097A7"/>
+      </a:accent5>
+      <a:accent6>
+        <a:srgbClr val="EEFF41"/>
+      </a:accent6>
+      <a:hlink>
+        <a:srgbClr val="0097A7"/>
+      </a:hlink>
+      <a:folHlink>
+        <a:srgbClr val="0097A7"/>
+      </a:folHlink>
+    </a:clrScheme>
+    <a:fontScheme name="Office">
+      <a:majorFont>
+        <a:latin typeface="Arial"/>
+        <a:ea typeface=""/>
+        <a:cs typeface=""/>
+        <a:font script="Jpan" typeface="ＭＳ Ｐゴシック"/>
+        <a:font script="Hang" typeface="맑은 고딕"/>
+        <a:font script="Hans" typeface="宋体"/>
+        <a:font script="Hant" typeface="新細明體"/>
+        <a:font script="Arab" typeface="Times New Roman"/>
+        <a:font script="Hebr" typeface="Times New Roman"/>
+        <a:font script="Thai" typeface="Angsana New"/>
+        <a:font script="Ethi" typeface="Nyala"/>
+        <a:font script="Beng" typeface="Vrinda"/>
+        <a:font script="Gujr" typeface="Shruti"/>
+        <a:font script="Khmr" typeface="MoolBoran"/>
+        <a:font script="Knda" typeface="Tunga"/>
+        <a:font script="Guru" typeface="Raavi"/>
+        <a:font script="Cans" typeface="Euphemia"/>
+        <a:font script="Cher" typeface="Plantagenet Cherokee"/>
+        <a:font script="Yiii" typeface="Microsoft Yi Baiti"/>
+        <a:font script="Tibt" typeface="Microsoft Himalaya"/>
+        <a:font script="Thaa" typeface="MV Boli"/>
+        <a:font script="Deva" typeface="Mangal"/>
+        <a:font script="Telu" typeface="Gautami"/>
+        <a:font script="Taml" typeface="Latha"/>
+        <a:font script="Syrc" typeface="Estrangelo Edessa"/>
+        <a:font script="Orya" typeface="Kalinga"/>
+        <a:font script="Mlym" typeface="Kartika"/>
+        <a:font script="Laoo" typeface="DokChampa"/>
+        <a:font script="Sinh" typeface="Iskoola Pota"/>
+        <a:font script="Mong" typeface="Mongolian Baiti"/>
+        <a:font script="Viet" typeface="Times New Roman"/>
+        <a:font script="Uigh" typeface="Microsoft Uighur"/>
+        <a:font script="Geor" typeface="Sylfaen"/>
+      </a:majorFont>
+      <a:minorFont>
+        <a:latin typeface="Arial"/>
+        <a:ea typeface=""/>
+        <a:cs typeface=""/>
+        <a:font script="Jpan" typeface="ＭＳ Ｐゴシック"/>
+        <a:font script="Hang" typeface="맑은 고딕"/>
+        <a:font script="Hans" typeface="宋体"/>
+        <a:font script="Hant" typeface="新細明體"/>
+        <a:font script="Arab" typeface="Arial"/>
+        <a:font script="Hebr" typeface="Arial"/>
+        <a:font script="Thai" typeface="Cordia New"/>
+        <a:font script="Ethi" typeface="Nyala"/>
+        <a:font script="Beng" typeface="Vrinda"/>
+        <a:font script="Gujr" typeface="Shruti"/>
+        <a:font script="Khmr" typeface="DaunPenh"/>
+        <a:font script="Knda" typeface="Tunga"/>
+        <a:font script="Guru" typeface="Raavi"/>
+        <a:font script="Cans" typeface="Euphemia"/>
+        <a:font script="Cher" typeface="Plantagenet Cherokee"/>
+        <a:font script="Yiii" typeface="Microsoft Yi Baiti"/>
+        <a:font script="Tibt" typeface="Microsoft Himalaya"/>
+        <a:font script="Thaa" typeface="MV Boli"/>
+        <a:font script="Deva" typeface="Mangal"/>
+        <a:font script="Telu" typeface="Gautami"/>
+        <a:font script="Taml" typeface="Latha"/>
+        <a:font script="Syrc" typeface="Estrangelo Edessa"/>
+        <a:font script="Orya" typeface="Kalinga"/>
+        <a:font script="Mlym" typeface="Kartika"/>
+        <a:font script="Laoo" typeface="DokChampa"/>
+        <a:font script="Sinh" typeface="Iskoola Pota"/>
+        <a:font script="Mong" typeface="Mongolian Baiti"/>
+        <a:font script="Viet" typeface="Arial"/>
+        <a:font script="Uigh" typeface="Microsoft Uighur"/>
+        <a:font script="Geor" typeface="Sylfaen"/>
+      </a:minorFont>
+    </a:fontScheme>
+    <a:fmtScheme name="Office">
+      <a:fillStyleLst>
+        <a:solidFill>
+          <a:schemeClr val="phClr"/>
+        </a:solidFill>
+        <a:gradFill rotWithShape="1">
+          <a:gsLst>
+            <a:gs pos="0">
+              <a:schemeClr val="phClr">
+                <a:tint val="50000"/>
+                <a:satMod val="300000"/>
+              </a:schemeClr>
+            </a:gs>
+            <a:gs pos="35000">
+              <a:schemeClr val="phClr">
+                <a:tint val="37000"/>
+                <a:satMod val="300000"/>
+              </a:schemeClr>
+            </a:gs>
+            <a:gs pos="100000">
+              <a:schemeClr val="phClr">
+                <a:tint val="15000"/>
+                <a:satMod val="350000"/>
+              </a:schemeClr>
+            </a:gs>
+          </a:gsLst>
+          <a:lin ang="16200000" scaled="1"/>
+        </a:gradFill>
+        <a:gradFill rotWithShape="1">
+          <a:gsLst>
+            <a:gs pos="0">
+              <a:schemeClr val="phClr">
+                <a:tint val="100000"/>
+                <a:shade val="100000"/>
+                <a:satMod val="130000"/>
+              </a:schemeClr>
+            </a:gs>
+            <a:gs pos="100000">
+              <a:schemeClr val="phClr">
+                <a:tint val="50000"/>
+                <a:shade val="100000"/>
+                <a:satMod val="350000"/>
+              </a:schemeClr>
+            </a:gs>
+          </a:gsLst>
+          <a:lin ang="16200000" scaled="0"/>
+        </a:gradFill>
+      </a:fillStyleLst>
+      <a:lnStyleLst>
+        <a:ln w="9525" cap="flat" cmpd="sng" algn="ctr">
+          <a:solidFill>
+            <a:schemeClr val="phClr">
+              <a:shade val="95000"/>
+              <a:satMod val="105000"/>
+            </a:schemeClr>
+          </a:solidFill>
+          <a:prstDash val="solid"/>
+        </a:ln>
+        <a:ln w="25400" cap="flat" cmpd="sng" algn="ctr">
+          <a:solidFill>
+            <a:schemeClr val="phClr"/>
+          </a:solidFill>
+          <a:prstDash val="solid"/>
+        </a:ln>
+        <a:ln w="38100" cap="flat" cmpd="sng" algn="ctr">
+          <a:solidFill>
+            <a:schemeClr val="phClr"/>
+          </a:solidFill>
+          <a:prstDash val="solid"/>
+        </a:ln>
+      </a:lnStyleLst>
+      <a:effectStyleLst>
+        <a:effectStyle>
+          <a:effectLst>
+            <a:outerShdw blurRad="40000" dist="20000" dir="5400000" rotWithShape="0">
+              <a:srgbClr val="000000">
+                <a:alpha val="38000"/>
+              </a:srgbClr>
+            </a:outerShdw>
+          </a:effectLst>
+        </a:effectStyle>
+        <a:effectStyle>
+          <a:effectLst>
+            <a:outerShdw blurRad="40000" dist="23000" dir="5400000" rotWithShape="0">
+              <a:srgbClr val="000000">
+                <a:alpha val="35000"/>
+              </a:srgbClr>
+            </a:outerShdw>
+          </a:effectLst>
+        </a:effectStyle>
+        <a:effectStyle>
+          <a:effectLst>
+            <a:outerShdw blurRad="40000" dist="23000" dir="5400000" rotWithShape="0">
+              <a:srgbClr val="000000">
+                <a:alpha val="35000"/>
+              </a:srgbClr>
+            </a:outerShdw>
+          </a:effectLst>
+          <a:scene3d>
+            <a:camera prst="orthographicFront">
+              <a:rot lat="0" lon="0" rev="0"/>
+            </a:camera>
+            <a:lightRig rig="threePt" dir="t">
+              <a:rot lat="0" lon="0" rev="1200000"/>
+            </a:lightRig>
+          </a:scene3d>
+          <a:sp3d>
+            <a:bevelT w="63500" h="25400"/>
+          </a:sp3d>
+        </a:effectStyle>
+      </a:effectStyleLst>
+      <a:bgFillStyleLst>
+        <a:solidFill>
+          <a:schemeClr val="phClr"/>
+        </a:solidFill>
+        <a:gradFill rotWithShape="1">
+          <a:gsLst>
+            <a:gs pos="0">
+              <a:schemeClr val="phClr">
+                <a:tint val="40000"/>
+                <a:satMod val="350000"/>
+              </a:schemeClr>
+            </a:gs>
+            <a:gs pos="40000">
+              <a:schemeClr val="phClr">
+                <a:tint val="45000"/>
+                <a:shade val="99000"/>
+                <a:satMod val="350000"/>
+              </a:schemeClr>
+            </a:gs>
+            <a:gs pos="100000">
+              <a:schemeClr val="phClr">
+                <a:shade val="20000"/>
+                <a:satMod val="255000"/>
+              </a:schemeClr>
+            </a:gs>
+          </a:gsLst>
+          <a:path path="circle">
+            <a:fillToRect l="50000" t="-80000" r="50000" b="180000"/>
+          </a:path>
+        </a:gradFill>
+        <a:gradFill rotWithShape="1">
+          <a:gsLst>
+            <a:gs pos="0">
+              <a:schemeClr val="phClr">
+                <a:tint val="80000"/>
+                <a:satMod val="300000"/>
+              </a:schemeClr>
+            </a:gs>
+            <a:gs pos="100000">
+              <a:schemeClr val="phClr">
+                <a:shade val="30000"/>
+                <a:satMod val="200000"/>
+              </a:schemeClr>
+            </a:gs>
+          </a:gsLst>
+          <a:path path="circle">
+            <a:fillToRect l="50000" t="50000" r="50000" b="50000"/>
+          </a:path>
+        </a:gradFill>
+      </a:bgFillStyleLst>
+    </a:fmtScheme>
+  </a:themeElements>
+  <a:objectDefaults/>
+  <a:extraClrSchemeLst/>
+</a:theme>
+</file>
+
+<file path=ppt/theme/theme2.xml><?xml version="1.0" encoding="utf-8"?>
+<a:theme xmlns:a="http://schemas.openxmlformats.org/drawingml/2006/main">
   <a:themeElements>
     <a:clrScheme name="Default">
       <a:dk1>
@@ -11813,284 +12290,7 @@
       </a:bgFillStyleLst>
     </a:fmtScheme>
   </a:themeElements>
-</a:theme>
-</file>
-
-<file path=ppt/theme/theme2.xml><?xml version="1.0" encoding="utf-8"?>
-<a:theme xmlns:a="http://schemas.openxmlformats.org/drawingml/2006/main" xmlns:r="http://schemas.openxmlformats.org/officeDocument/2006/relationships" name="Simple Light">
-  <a:themeElements>
-    <a:clrScheme name="Simple Light">
-      <a:dk1>
-        <a:srgbClr val="000000"/>
-      </a:dk1>
-      <a:lt1>
-        <a:srgbClr val="FFFFFF"/>
-      </a:lt1>
-      <a:dk2>
-        <a:srgbClr val="595959"/>
-      </a:dk2>
-      <a:lt2>
-        <a:srgbClr val="EEEEEE"/>
-      </a:lt2>
-      <a:accent1>
-        <a:srgbClr val="4285F4"/>
-      </a:accent1>
-      <a:accent2>
-        <a:srgbClr val="212121"/>
-      </a:accent2>
-      <a:accent3>
-        <a:srgbClr val="78909C"/>
-      </a:accent3>
-      <a:accent4>
-        <a:srgbClr val="FFAB40"/>
-      </a:accent4>
-      <a:accent5>
-        <a:srgbClr val="0097A7"/>
-      </a:accent5>
-      <a:accent6>
-        <a:srgbClr val="EEFF41"/>
-      </a:accent6>
-      <a:hlink>
-        <a:srgbClr val="0097A7"/>
-      </a:hlink>
-      <a:folHlink>
-        <a:srgbClr val="0097A7"/>
-      </a:folHlink>
-    </a:clrScheme>
-    <a:fontScheme name="Office">
-      <a:majorFont>
-        <a:latin typeface="Arial"/>
-        <a:ea typeface=""/>
-        <a:cs typeface=""/>
-        <a:font script="Jpan" typeface="ＭＳ Ｐゴシック"/>
-        <a:font script="Hang" typeface="맑은 고딕"/>
-        <a:font script="Hans" typeface="宋体"/>
-        <a:font script="Hant" typeface="新細明體"/>
-        <a:font script="Arab" typeface="Times New Roman"/>
-        <a:font script="Hebr" typeface="Times New Roman"/>
-        <a:font script="Thai" typeface="Angsana New"/>
-        <a:font script="Ethi" typeface="Nyala"/>
-        <a:font script="Beng" typeface="Vrinda"/>
-        <a:font script="Gujr" typeface="Shruti"/>
-        <a:font script="Khmr" typeface="MoolBoran"/>
-        <a:font script="Knda" typeface="Tunga"/>
-        <a:font script="Guru" typeface="Raavi"/>
-        <a:font script="Cans" typeface="Euphemia"/>
-        <a:font script="Cher" typeface="Plantagenet Cherokee"/>
-        <a:font script="Yiii" typeface="Microsoft Yi Baiti"/>
-        <a:font script="Tibt" typeface="Microsoft Himalaya"/>
-        <a:font script="Thaa" typeface="MV Boli"/>
-        <a:font script="Deva" typeface="Mangal"/>
-        <a:font script="Telu" typeface="Gautami"/>
-        <a:font script="Taml" typeface="Latha"/>
-        <a:font script="Syrc" typeface="Estrangelo Edessa"/>
-        <a:font script="Orya" typeface="Kalinga"/>
-        <a:font script="Mlym" typeface="Kartika"/>
-        <a:font script="Laoo" typeface="DokChampa"/>
-        <a:font script="Sinh" typeface="Iskoola Pota"/>
-        <a:font script="Mong" typeface="Mongolian Baiti"/>
-        <a:font script="Viet" typeface="Times New Roman"/>
-        <a:font script="Uigh" typeface="Microsoft Uighur"/>
-        <a:font script="Geor" typeface="Sylfaen"/>
-      </a:majorFont>
-      <a:minorFont>
-        <a:latin typeface="Arial"/>
-        <a:ea typeface=""/>
-        <a:cs typeface=""/>
-        <a:font script="Jpan" typeface="ＭＳ Ｐゴシック"/>
-        <a:font script="Hang" typeface="맑은 고딕"/>
-        <a:font script="Hans" typeface="宋体"/>
-        <a:font script="Hant" typeface="新細明體"/>
-        <a:font script="Arab" typeface="Arial"/>
-        <a:font script="Hebr" typeface="Arial"/>
-        <a:font script="Thai" typeface="Cordia New"/>
-        <a:font script="Ethi" typeface="Nyala"/>
-        <a:font script="Beng" typeface="Vrinda"/>
-        <a:font script="Gujr" typeface="Shruti"/>
-        <a:font script="Khmr" typeface="DaunPenh"/>
-        <a:font script="Knda" typeface="Tunga"/>
-        <a:font script="Guru" typeface="Raavi"/>
-        <a:font script="Cans" typeface="Euphemia"/>
-        <a:font script="Cher" typeface="Plantagenet Cherokee"/>
-        <a:font script="Yiii" typeface="Microsoft Yi Baiti"/>
-        <a:font script="Tibt" typeface="Microsoft Himalaya"/>
-        <a:font script="Thaa" typeface="MV Boli"/>
-        <a:font script="Deva" typeface="Mangal"/>
-        <a:font script="Telu" typeface="Gautami"/>
-        <a:font script="Taml" typeface="Latha"/>
-        <a:font script="Syrc" typeface="Estrangelo Edessa"/>
-        <a:font script="Orya" typeface="Kalinga"/>
-        <a:font script="Mlym" typeface="Kartika"/>
-        <a:font script="Laoo" typeface="DokChampa"/>
-        <a:font script="Sinh" typeface="Iskoola Pota"/>
-        <a:font script="Mong" typeface="Mongolian Baiti"/>
-        <a:font script="Viet" typeface="Arial"/>
-        <a:font script="Uigh" typeface="Microsoft Uighur"/>
-        <a:font script="Geor" typeface="Sylfaen"/>
-      </a:minorFont>
-    </a:fontScheme>
-    <a:fmtScheme name="Office">
-      <a:fillStyleLst>
-        <a:solidFill>
-          <a:schemeClr val="phClr"/>
-        </a:solidFill>
-        <a:gradFill rotWithShape="1">
-          <a:gsLst>
-            <a:gs pos="0">
-              <a:schemeClr val="phClr">
-                <a:tint val="50000"/>
-                <a:satMod val="300000"/>
-              </a:schemeClr>
-            </a:gs>
-            <a:gs pos="35000">
-              <a:schemeClr val="phClr">
-                <a:tint val="37000"/>
-                <a:satMod val="300000"/>
-              </a:schemeClr>
-            </a:gs>
-            <a:gs pos="100000">
-              <a:schemeClr val="phClr">
-                <a:tint val="15000"/>
-                <a:satMod val="350000"/>
-              </a:schemeClr>
-            </a:gs>
-          </a:gsLst>
-          <a:lin ang="16200000" scaled="1"/>
-        </a:gradFill>
-        <a:gradFill rotWithShape="1">
-          <a:gsLst>
-            <a:gs pos="0">
-              <a:schemeClr val="phClr">
-                <a:tint val="100000"/>
-                <a:shade val="100000"/>
-                <a:satMod val="130000"/>
-              </a:schemeClr>
-            </a:gs>
-            <a:gs pos="100000">
-              <a:schemeClr val="phClr">
-                <a:tint val="50000"/>
-                <a:shade val="100000"/>
-                <a:satMod val="350000"/>
-              </a:schemeClr>
-            </a:gs>
-          </a:gsLst>
-          <a:lin ang="16200000" scaled="0"/>
-        </a:gradFill>
-      </a:fillStyleLst>
-      <a:lnStyleLst>
-        <a:ln w="9525" cap="flat" cmpd="sng" algn="ctr">
-          <a:solidFill>
-            <a:schemeClr val="phClr">
-              <a:shade val="95000"/>
-              <a:satMod val="105000"/>
-            </a:schemeClr>
-          </a:solidFill>
-          <a:prstDash val="solid"/>
-        </a:ln>
-        <a:ln w="25400" cap="flat" cmpd="sng" algn="ctr">
-          <a:solidFill>
-            <a:schemeClr val="phClr"/>
-          </a:solidFill>
-          <a:prstDash val="solid"/>
-        </a:ln>
-        <a:ln w="38100" cap="flat" cmpd="sng" algn="ctr">
-          <a:solidFill>
-            <a:schemeClr val="phClr"/>
-          </a:solidFill>
-          <a:prstDash val="solid"/>
-        </a:ln>
-      </a:lnStyleLst>
-      <a:effectStyleLst>
-        <a:effectStyle>
-          <a:effectLst>
-            <a:outerShdw blurRad="40000" dist="20000" dir="5400000" rotWithShape="0">
-              <a:srgbClr val="000000">
-                <a:alpha val="38000"/>
-              </a:srgbClr>
-            </a:outerShdw>
-          </a:effectLst>
-        </a:effectStyle>
-        <a:effectStyle>
-          <a:effectLst>
-            <a:outerShdw blurRad="40000" dist="23000" dir="5400000" rotWithShape="0">
-              <a:srgbClr val="000000">
-                <a:alpha val="35000"/>
-              </a:srgbClr>
-            </a:outerShdw>
-          </a:effectLst>
-        </a:effectStyle>
-        <a:effectStyle>
-          <a:effectLst>
-            <a:outerShdw blurRad="40000" dist="23000" dir="5400000" rotWithShape="0">
-              <a:srgbClr val="000000">
-                <a:alpha val="35000"/>
-              </a:srgbClr>
-            </a:outerShdw>
-          </a:effectLst>
-          <a:scene3d>
-            <a:camera prst="orthographicFront">
-              <a:rot lat="0" lon="0" rev="0"/>
-            </a:camera>
-            <a:lightRig rig="threePt" dir="t">
-              <a:rot lat="0" lon="0" rev="1200000"/>
-            </a:lightRig>
-          </a:scene3d>
-          <a:sp3d>
-            <a:bevelT w="63500" h="25400"/>
-          </a:sp3d>
-        </a:effectStyle>
-      </a:effectStyleLst>
-      <a:bgFillStyleLst>
-        <a:solidFill>
-          <a:schemeClr val="phClr"/>
-        </a:solidFill>
-        <a:gradFill rotWithShape="1">
-          <a:gsLst>
-            <a:gs pos="0">
-              <a:schemeClr val="phClr">
-                <a:tint val="40000"/>
-                <a:satMod val="350000"/>
-              </a:schemeClr>
-            </a:gs>
-            <a:gs pos="40000">
-              <a:schemeClr val="phClr">
-                <a:tint val="45000"/>
-                <a:shade val="99000"/>
-                <a:satMod val="350000"/>
-              </a:schemeClr>
-            </a:gs>
-            <a:gs pos="100000">
-              <a:schemeClr val="phClr">
-                <a:shade val="20000"/>
-                <a:satMod val="255000"/>
-              </a:schemeClr>
-            </a:gs>
-          </a:gsLst>
-          <a:path path="circle">
-            <a:fillToRect l="50000" t="-80000" r="50000" b="180000"/>
-          </a:path>
-        </a:gradFill>
-        <a:gradFill rotWithShape="1">
-          <a:gsLst>
-            <a:gs pos="0">
-              <a:schemeClr val="phClr">
-                <a:tint val="80000"/>
-                <a:satMod val="300000"/>
-              </a:schemeClr>
-            </a:gs>
-            <a:gs pos="100000">
-              <a:schemeClr val="phClr">
-                <a:shade val="30000"/>
-                <a:satMod val="200000"/>
-              </a:schemeClr>
-            </a:gs>
-          </a:gsLst>
-          <a:path path="circle">
-            <a:fillToRect l="50000" t="50000" r="50000" b="50000"/>
-          </a:path>
-        </a:gradFill>
-      </a:bgFillStyleLst>
-    </a:fmtScheme>
-  </a:themeElements>
+  <a:objectDefaults/>
+  <a:extraClrSchemeLst/>
 </a:theme>
 </file>
--- a/Projecthon-Team1-Oct23/Documents/Open Land Agriculture Monitoring System.pptx
+++ b/Projecthon-Team1-Oct23/Documents/Open Land Agriculture Monitoring System.pptx
@@ -14,9 +14,9 @@
     <p:sldId id="259" r:id="rId5"/>
     <p:sldId id="260" r:id="rId6"/>
     <p:sldId id="261" r:id="rId7"/>
-    <p:sldId id="262" r:id="rId8"/>
+    <p:sldId id="264" r:id="rId8"/>
     <p:sldId id="263" r:id="rId9"/>
-    <p:sldId id="264" r:id="rId10"/>
+    <p:sldId id="262" r:id="rId10"/>
     <p:sldId id="265" r:id="rId11"/>
     <p:sldId id="266" r:id="rId12"/>
     <p:sldId id="267" r:id="rId13"/>
@@ -1695,7 +1695,7 @@
         </p:nvSpPr>
         <p:spPr>
           <a:xfrm>
-            <a:off x="381300" y="685800"/>
+            <a:off x="381000" y="685800"/>
             <a:ext cx="6096000" cy="3429000"/>
           </a:xfrm>
           <a:custGeom>
@@ -1879,6 +1879,214 @@
   <p:cSld>
     <p:spTree>
       <p:nvGrpSpPr>
+        <p:cNvPr id="1" name="Shape 112"/>
+        <p:cNvGrpSpPr/>
+        <p:nvPr/>
+      </p:nvGrpSpPr>
+      <p:grpSpPr>
+        <a:xfrm>
+          <a:off x="0" y="0"/>
+          <a:ext cx="0" cy="0"/>
+          <a:chOff x="0" y="0"/>
+          <a:chExt cx="0" cy="0"/>
+        </a:xfrm>
+      </p:grpSpPr>
+      <p:sp>
+        <p:nvSpPr>
+          <p:cNvPr id="113" name="Google Shape;113;g2476aec5496_1_22:notes"/>
+          <p:cNvSpPr>
+            <a:spLocks noGrp="1" noRot="1" noChangeAspect="1"/>
+          </p:cNvSpPr>
+          <p:nvPr>
+            <p:ph type="sldImg" idx="2"/>
+          </p:nvPr>
+        </p:nvSpPr>
+        <p:spPr>
+          <a:xfrm>
+            <a:off x="381000" y="685800"/>
+            <a:ext cx="6096000" cy="3429000"/>
+          </a:xfrm>
+          <a:custGeom>
+            <a:avLst/>
+            <a:gdLst/>
+            <a:ahLst/>
+            <a:cxnLst/>
+            <a:rect l="l" t="t" r="r" b="b"/>
+            <a:pathLst>
+              <a:path w="120000" h="120000" extrusionOk="0">
+                <a:moveTo>
+                  <a:pt x="0" y="0"/>
+                </a:moveTo>
+                <a:lnTo>
+                  <a:pt x="120000" y="0"/>
+                </a:lnTo>
+                <a:lnTo>
+                  <a:pt x="120000" y="120000"/>
+                </a:lnTo>
+                <a:lnTo>
+                  <a:pt x="0" y="120000"/>
+                </a:lnTo>
+                <a:close/>
+              </a:path>
+            </a:pathLst>
+          </a:custGeom>
+        </p:spPr>
+      </p:sp>
+      <p:sp>
+        <p:nvSpPr>
+          <p:cNvPr id="114" name="Google Shape;114;g2476aec5496_1_22:notes"/>
+          <p:cNvSpPr txBox="1">
+            <a:spLocks noGrp="1"/>
+          </p:cNvSpPr>
+          <p:nvPr>
+            <p:ph type="body" idx="1"/>
+          </p:nvPr>
+        </p:nvSpPr>
+        <p:spPr>
+          <a:xfrm>
+            <a:off x="685800" y="4343400"/>
+            <a:ext cx="5486400" cy="4114800"/>
+          </a:xfrm>
+          <a:prstGeom prst="rect">
+            <a:avLst/>
+          </a:prstGeom>
+        </p:spPr>
+        <p:txBody>
+          <a:bodyPr spcFirstLastPara="1" wrap="square" lIns="91425" tIns="91425" rIns="91425" bIns="91425" anchor="t" anchorCtr="0">
+            <a:noAutofit/>
+          </a:bodyPr>
+          <a:lstStyle/>
+          <a:p>
+            <a:pPr marL="0" lvl="0" indent="0" algn="l" rtl="0">
+              <a:spcBef>
+                <a:spcPts val="0"/>
+              </a:spcBef>
+              <a:spcAft>
+                <a:spcPts val="0"/>
+              </a:spcAft>
+              <a:buNone/>
+            </a:pPr>
+            <a:endParaRPr/>
+          </a:p>
+        </p:txBody>
+      </p:sp>
+    </p:spTree>
+  </p:cSld>
+  <p:clrMapOvr>
+    <a:masterClrMapping/>
+  </p:clrMapOvr>
+</p:notes>
+</file>
+
+<file path=ppt/notesSlides/notesSlide8.xml><?xml version="1.0" encoding="utf-8"?>
+<p:notes xmlns:a="http://schemas.openxmlformats.org/drawingml/2006/main" xmlns:r="http://schemas.openxmlformats.org/officeDocument/2006/relationships" xmlns:p="http://schemas.openxmlformats.org/presentationml/2006/main" showMasterSp="0" showMasterPhAnim="0">
+  <p:cSld>
+    <p:spTree>
+      <p:nvGrpSpPr>
+        <p:cNvPr id="1" name="Shape 106"/>
+        <p:cNvGrpSpPr/>
+        <p:nvPr/>
+      </p:nvGrpSpPr>
+      <p:grpSpPr>
+        <a:xfrm>
+          <a:off x="0" y="0"/>
+          <a:ext cx="0" cy="0"/>
+          <a:chOff x="0" y="0"/>
+          <a:chExt cx="0" cy="0"/>
+        </a:xfrm>
+      </p:grpSpPr>
+      <p:sp>
+        <p:nvSpPr>
+          <p:cNvPr id="107" name="Google Shape;107;g2476aec5496_1_14:notes"/>
+          <p:cNvSpPr>
+            <a:spLocks noGrp="1" noRot="1" noChangeAspect="1"/>
+          </p:cNvSpPr>
+          <p:nvPr>
+            <p:ph type="sldImg" idx="2"/>
+          </p:nvPr>
+        </p:nvSpPr>
+        <p:spPr>
+          <a:xfrm>
+            <a:off x="381000" y="685800"/>
+            <a:ext cx="6096000" cy="3429000"/>
+          </a:xfrm>
+          <a:custGeom>
+            <a:avLst/>
+            <a:gdLst/>
+            <a:ahLst/>
+            <a:cxnLst/>
+            <a:rect l="l" t="t" r="r" b="b"/>
+            <a:pathLst>
+              <a:path w="120000" h="120000" extrusionOk="0">
+                <a:moveTo>
+                  <a:pt x="0" y="0"/>
+                </a:moveTo>
+                <a:lnTo>
+                  <a:pt x="120000" y="0"/>
+                </a:lnTo>
+                <a:lnTo>
+                  <a:pt x="120000" y="120000"/>
+                </a:lnTo>
+                <a:lnTo>
+                  <a:pt x="0" y="120000"/>
+                </a:lnTo>
+                <a:close/>
+              </a:path>
+            </a:pathLst>
+          </a:custGeom>
+        </p:spPr>
+      </p:sp>
+      <p:sp>
+        <p:nvSpPr>
+          <p:cNvPr id="108" name="Google Shape;108;g2476aec5496_1_14:notes"/>
+          <p:cNvSpPr txBox="1">
+            <a:spLocks noGrp="1"/>
+          </p:cNvSpPr>
+          <p:nvPr>
+            <p:ph type="body" idx="1"/>
+          </p:nvPr>
+        </p:nvSpPr>
+        <p:spPr>
+          <a:xfrm>
+            <a:off x="685800" y="4343400"/>
+            <a:ext cx="5486400" cy="4114800"/>
+          </a:xfrm>
+          <a:prstGeom prst="rect">
+            <a:avLst/>
+          </a:prstGeom>
+        </p:spPr>
+        <p:txBody>
+          <a:bodyPr spcFirstLastPara="1" wrap="square" lIns="91425" tIns="91425" rIns="91425" bIns="91425" anchor="t" anchorCtr="0">
+            <a:noAutofit/>
+          </a:bodyPr>
+          <a:lstStyle/>
+          <a:p>
+            <a:pPr marL="0" lvl="0" indent="0" algn="l" rtl="0">
+              <a:spcBef>
+                <a:spcPts val="0"/>
+              </a:spcBef>
+              <a:spcAft>
+                <a:spcPts val="0"/>
+              </a:spcAft>
+              <a:buNone/>
+            </a:pPr>
+            <a:endParaRPr/>
+          </a:p>
+        </p:txBody>
+      </p:sp>
+    </p:spTree>
+  </p:cSld>
+  <p:clrMapOvr>
+    <a:masterClrMapping/>
+  </p:clrMapOvr>
+</p:notes>
+</file>
+
+<file path=ppt/notesSlides/notesSlide9.xml><?xml version="1.0" encoding="utf-8"?>
+<p:notes xmlns:a="http://schemas.openxmlformats.org/drawingml/2006/main" xmlns:r="http://schemas.openxmlformats.org/officeDocument/2006/relationships" xmlns:p="http://schemas.openxmlformats.org/presentationml/2006/main" showMasterSp="0" showMasterPhAnim="0">
+  <p:cSld>
+    <p:spTree>
+      <p:nvGrpSpPr>
         <p:cNvPr id="1" name="Shape 100"/>
         <p:cNvGrpSpPr/>
         <p:nvPr/>
@@ -1935,214 +2143,6 @@
       <p:sp>
         <p:nvSpPr>
           <p:cNvPr id="102" name="Google Shape;102;g2476aec5496_1_7:notes"/>
-          <p:cNvSpPr txBox="1">
-            <a:spLocks noGrp="1"/>
-          </p:cNvSpPr>
-          <p:nvPr>
-            <p:ph type="body" idx="1"/>
-          </p:nvPr>
-        </p:nvSpPr>
-        <p:spPr>
-          <a:xfrm>
-            <a:off x="685800" y="4343400"/>
-            <a:ext cx="5486400" cy="4114800"/>
-          </a:xfrm>
-          <a:prstGeom prst="rect">
-            <a:avLst/>
-          </a:prstGeom>
-        </p:spPr>
-        <p:txBody>
-          <a:bodyPr spcFirstLastPara="1" wrap="square" lIns="91425" tIns="91425" rIns="91425" bIns="91425" anchor="t" anchorCtr="0">
-            <a:noAutofit/>
-          </a:bodyPr>
-          <a:lstStyle/>
-          <a:p>
-            <a:pPr marL="0" lvl="0" indent="0" algn="l" rtl="0">
-              <a:spcBef>
-                <a:spcPts val="0"/>
-              </a:spcBef>
-              <a:spcAft>
-                <a:spcPts val="0"/>
-              </a:spcAft>
-              <a:buNone/>
-            </a:pPr>
-            <a:endParaRPr/>
-          </a:p>
-        </p:txBody>
-      </p:sp>
-    </p:spTree>
-  </p:cSld>
-  <p:clrMapOvr>
-    <a:masterClrMapping/>
-  </p:clrMapOvr>
-</p:notes>
-</file>
-
-<file path=ppt/notesSlides/notesSlide8.xml><?xml version="1.0" encoding="utf-8"?>
-<p:notes xmlns:a="http://schemas.openxmlformats.org/drawingml/2006/main" xmlns:r="http://schemas.openxmlformats.org/officeDocument/2006/relationships" xmlns:p="http://schemas.openxmlformats.org/presentationml/2006/main" showMasterSp="0" showMasterPhAnim="0">
-  <p:cSld>
-    <p:spTree>
-      <p:nvGrpSpPr>
-        <p:cNvPr id="1" name="Shape 106"/>
-        <p:cNvGrpSpPr/>
-        <p:nvPr/>
-      </p:nvGrpSpPr>
-      <p:grpSpPr>
-        <a:xfrm>
-          <a:off x="0" y="0"/>
-          <a:ext cx="0" cy="0"/>
-          <a:chOff x="0" y="0"/>
-          <a:chExt cx="0" cy="0"/>
-        </a:xfrm>
-      </p:grpSpPr>
-      <p:sp>
-        <p:nvSpPr>
-          <p:cNvPr id="107" name="Google Shape;107;g2476aec5496_1_14:notes"/>
-          <p:cNvSpPr>
-            <a:spLocks noGrp="1" noRot="1" noChangeAspect="1"/>
-          </p:cNvSpPr>
-          <p:nvPr>
-            <p:ph type="sldImg" idx="2"/>
-          </p:nvPr>
-        </p:nvSpPr>
-        <p:spPr>
-          <a:xfrm>
-            <a:off x="381300" y="685800"/>
-            <a:ext cx="6096000" cy="3429000"/>
-          </a:xfrm>
-          <a:custGeom>
-            <a:avLst/>
-            <a:gdLst/>
-            <a:ahLst/>
-            <a:cxnLst/>
-            <a:rect l="l" t="t" r="r" b="b"/>
-            <a:pathLst>
-              <a:path w="120000" h="120000" extrusionOk="0">
-                <a:moveTo>
-                  <a:pt x="0" y="0"/>
-                </a:moveTo>
-                <a:lnTo>
-                  <a:pt x="120000" y="0"/>
-                </a:lnTo>
-                <a:lnTo>
-                  <a:pt x="120000" y="120000"/>
-                </a:lnTo>
-                <a:lnTo>
-                  <a:pt x="0" y="120000"/>
-                </a:lnTo>
-                <a:close/>
-              </a:path>
-            </a:pathLst>
-          </a:custGeom>
-        </p:spPr>
-      </p:sp>
-      <p:sp>
-        <p:nvSpPr>
-          <p:cNvPr id="108" name="Google Shape;108;g2476aec5496_1_14:notes"/>
-          <p:cNvSpPr txBox="1">
-            <a:spLocks noGrp="1"/>
-          </p:cNvSpPr>
-          <p:nvPr>
-            <p:ph type="body" idx="1"/>
-          </p:nvPr>
-        </p:nvSpPr>
-        <p:spPr>
-          <a:xfrm>
-            <a:off x="685800" y="4343400"/>
-            <a:ext cx="5486400" cy="4114800"/>
-          </a:xfrm>
-          <a:prstGeom prst="rect">
-            <a:avLst/>
-          </a:prstGeom>
-        </p:spPr>
-        <p:txBody>
-          <a:bodyPr spcFirstLastPara="1" wrap="square" lIns="91425" tIns="91425" rIns="91425" bIns="91425" anchor="t" anchorCtr="0">
-            <a:noAutofit/>
-          </a:bodyPr>
-          <a:lstStyle/>
-          <a:p>
-            <a:pPr marL="0" lvl="0" indent="0" algn="l" rtl="0">
-              <a:spcBef>
-                <a:spcPts val="0"/>
-              </a:spcBef>
-              <a:spcAft>
-                <a:spcPts val="0"/>
-              </a:spcAft>
-              <a:buNone/>
-            </a:pPr>
-            <a:endParaRPr/>
-          </a:p>
-        </p:txBody>
-      </p:sp>
-    </p:spTree>
-  </p:cSld>
-  <p:clrMapOvr>
-    <a:masterClrMapping/>
-  </p:clrMapOvr>
-</p:notes>
-</file>
-
-<file path=ppt/notesSlides/notesSlide9.xml><?xml version="1.0" encoding="utf-8"?>
-<p:notes xmlns:a="http://schemas.openxmlformats.org/drawingml/2006/main" xmlns:r="http://schemas.openxmlformats.org/officeDocument/2006/relationships" xmlns:p="http://schemas.openxmlformats.org/presentationml/2006/main" showMasterSp="0" showMasterPhAnim="0">
-  <p:cSld>
-    <p:spTree>
-      <p:nvGrpSpPr>
-        <p:cNvPr id="1" name="Shape 112"/>
-        <p:cNvGrpSpPr/>
-        <p:nvPr/>
-      </p:nvGrpSpPr>
-      <p:grpSpPr>
-        <a:xfrm>
-          <a:off x="0" y="0"/>
-          <a:ext cx="0" cy="0"/>
-          <a:chOff x="0" y="0"/>
-          <a:chExt cx="0" cy="0"/>
-        </a:xfrm>
-      </p:grpSpPr>
-      <p:sp>
-        <p:nvSpPr>
-          <p:cNvPr id="113" name="Google Shape;113;g2476aec5496_1_22:notes"/>
-          <p:cNvSpPr>
-            <a:spLocks noGrp="1" noRot="1" noChangeAspect="1"/>
-          </p:cNvSpPr>
-          <p:nvPr>
-            <p:ph type="sldImg" idx="2"/>
-          </p:nvPr>
-        </p:nvSpPr>
-        <p:spPr>
-          <a:xfrm>
-            <a:off x="381300" y="685800"/>
-            <a:ext cx="6096000" cy="3429000"/>
-          </a:xfrm>
-          <a:custGeom>
-            <a:avLst/>
-            <a:gdLst/>
-            <a:ahLst/>
-            <a:cxnLst/>
-            <a:rect l="l" t="t" r="r" b="b"/>
-            <a:pathLst>
-              <a:path w="120000" h="120000" extrusionOk="0">
-                <a:moveTo>
-                  <a:pt x="0" y="0"/>
-                </a:moveTo>
-                <a:lnTo>
-                  <a:pt x="120000" y="0"/>
-                </a:lnTo>
-                <a:lnTo>
-                  <a:pt x="120000" y="120000"/>
-                </a:lnTo>
-                <a:lnTo>
-                  <a:pt x="0" y="120000"/>
-                </a:lnTo>
-                <a:close/>
-              </a:path>
-            </a:pathLst>
-          </a:custGeom>
-        </p:spPr>
-      </p:sp>
-      <p:sp>
-        <p:nvSpPr>
-          <p:cNvPr id="114" name="Google Shape;114;g2476aec5496_1_22:notes"/>
           <p:cNvSpPr txBox="1">
             <a:spLocks noGrp="1"/>
           </p:cNvSpPr>
@@ -9750,10 +9750,10 @@
               <a:buNone/>
             </a:pPr>
             <a:r>
-              <a:rPr lang="en"/>
+              <a:rPr lang="en" dirty="0"/>
               <a:t>Soil moisture sensor</a:t>
             </a:r>
-            <a:endParaRPr/>
+            <a:endParaRPr dirty="0"/>
           </a:p>
         </p:txBody>
       </p:sp>
@@ -9950,10 +9950,10 @@
               <a:buNone/>
             </a:pPr>
             <a:r>
-              <a:rPr lang="en"/>
+              <a:rPr lang="en" dirty="0"/>
               <a:t>Temperature sensor</a:t>
             </a:r>
-            <a:endParaRPr/>
+            <a:endParaRPr dirty="0"/>
           </a:p>
         </p:txBody>
       </p:sp>
@@ -10164,55 +10164,6 @@
           <a:xfrm rot="-5400000">
             <a:off x="1560800" y="2536475"/>
             <a:ext cx="211200" cy="307200"/>
-          </a:xfrm>
-          <a:prstGeom prst="upArrow">
-            <a:avLst>
-              <a:gd name="adj1" fmla="val 50000"/>
-              <a:gd name="adj2" fmla="val 50000"/>
-            </a:avLst>
-          </a:prstGeom>
-          <a:solidFill>
-            <a:schemeClr val="lt2"/>
-          </a:solidFill>
-          <a:ln w="9525" cap="flat" cmpd="sng">
-            <a:solidFill>
-              <a:schemeClr val="dk2"/>
-            </a:solidFill>
-            <a:prstDash val="solid"/>
-            <a:round/>
-            <a:headEnd type="none" w="sm" len="sm"/>
-            <a:tailEnd type="none" w="sm" len="sm"/>
-          </a:ln>
-        </p:spPr>
-        <p:txBody>
-          <a:bodyPr spcFirstLastPara="1" wrap="square" lIns="91425" tIns="91425" rIns="91425" bIns="91425" anchor="ctr" anchorCtr="0">
-            <a:noAutofit/>
-          </a:bodyPr>
-          <a:lstStyle/>
-          <a:p>
-            <a:pPr marL="0" lvl="0" indent="0" algn="ctr" rtl="0">
-              <a:spcBef>
-                <a:spcPts val="0"/>
-              </a:spcBef>
-              <a:spcAft>
-                <a:spcPts val="0"/>
-              </a:spcAft>
-              <a:buNone/>
-            </a:pPr>
-            <a:endParaRPr/>
-          </a:p>
-        </p:txBody>
-      </p:sp>
-      <p:sp>
-        <p:nvSpPr>
-          <p:cNvPr id="91" name="Google Shape;91;p17"/>
-          <p:cNvSpPr/>
-          <p:nvPr/>
-        </p:nvSpPr>
-        <p:spPr>
-          <a:xfrm>
-            <a:off x="4274275" y="4250375"/>
-            <a:ext cx="211200" cy="318600"/>
           </a:xfrm>
           <a:prstGeom prst="upArrow">
             <a:avLst>
@@ -10737,7 +10688,7 @@
   <p:cSld>
     <p:spTree>
       <p:nvGrpSpPr>
-        <p:cNvPr id="1" name="Shape 103"/>
+        <p:cNvPr id="1" name="Shape 115"/>
         <p:cNvGrpSpPr/>
         <p:nvPr/>
       </p:nvGrpSpPr>
@@ -10751,7 +10702,7 @@
       </p:grpSpPr>
       <p:sp>
         <p:nvSpPr>
-          <p:cNvPr id="104" name="Google Shape;104;p19"/>
+          <p:cNvPr id="116" name="Google Shape;116;p21"/>
           <p:cNvSpPr txBox="1">
             <a:spLocks noGrp="1"/>
           </p:cNvSpPr>
@@ -10770,45 +10721,30 @@
         </p:spPr>
         <p:txBody>
           <a:bodyPr spcFirstLastPara="1" wrap="square" lIns="91425" tIns="91425" rIns="91425" bIns="91425" anchor="t" anchorCtr="0">
-            <a:normAutofit/>
+            <a:normAutofit fontScale="90000"/>
           </a:bodyPr>
           <a:lstStyle/>
           <a:p>
             <a:pPr marL="0" lvl="0" indent="0" algn="l" rtl="0">
-              <a:lnSpc>
-                <a:spcPct val="150000"/>
-              </a:lnSpc>
-              <a:spcBef>
-                <a:spcPts val="1100"/>
-              </a:spcBef>
-              <a:spcAft>
-                <a:spcPts val="1100"/>
-              </a:spcAft>
-              <a:buClr>
-                <a:schemeClr val="dk1"/>
-              </a:buClr>
-              <a:buSzPts val="1100"/>
-              <a:buFont typeface="Arial"/>
+              <a:spcBef>
+                <a:spcPts val="0"/>
+              </a:spcBef>
+              <a:spcAft>
+                <a:spcPts val="0"/>
+              </a:spcAft>
               <a:buNone/>
             </a:pPr>
             <a:r>
-              <a:rPr lang="en" sz="2500" b="1">
-                <a:solidFill>
-                  <a:srgbClr val="2B2B2B"/>
-                </a:solidFill>
-                <a:highlight>
-                  <a:srgbClr val="FFFFFF"/>
-                </a:highlight>
-              </a:rPr>
-              <a:t>Relay Module Specifications(5 V)</a:t>
+              <a:rPr lang="en" b="1" dirty="0"/>
+              <a:t>Temperature sensor(DS18B20) / LM35:</a:t>
             </a:r>
-            <a:endParaRPr sz="2500" b="1"/>
+            <a:endParaRPr b="1" dirty="0"/>
           </a:p>
         </p:txBody>
       </p:sp>
       <p:sp>
         <p:nvSpPr>
-          <p:cNvPr id="105" name="Google Shape;105;p19"/>
+          <p:cNvPr id="117" name="Google Shape;117;p21"/>
           <p:cNvSpPr txBox="1">
             <a:spLocks noGrp="1"/>
           </p:cNvSpPr>
@@ -10818,8 +10754,8 @@
         </p:nvSpPr>
         <p:spPr>
           <a:xfrm>
-            <a:off x="311700" y="1152475"/>
-            <a:ext cx="8520600" cy="3416400"/>
+            <a:off x="252700" y="1017725"/>
+            <a:ext cx="7056300" cy="3314100"/>
           </a:xfrm>
           <a:prstGeom prst="rect">
             <a:avLst/>
@@ -10827,305 +10763,264 @@
         </p:spPr>
         <p:txBody>
           <a:bodyPr spcFirstLastPara="1" wrap="square" lIns="91425" tIns="91425" rIns="91425" bIns="91425" anchor="t" anchorCtr="0">
-            <a:normAutofit/>
+            <a:noAutofit/>
           </a:bodyPr>
           <a:lstStyle/>
           <a:p>
-            <a:pPr marL="457200" lvl="0" indent="-317500" algn="l" rtl="0">
-              <a:spcBef>
-                <a:spcPts val="1200"/>
-              </a:spcBef>
-              <a:spcAft>
-                <a:spcPts val="0"/>
-              </a:spcAft>
-              <a:buClr>
-                <a:schemeClr val="dk1"/>
-              </a:buClr>
-              <a:buSzPts val="1400"/>
-              <a:buFont typeface="Roboto"/>
-              <a:buChar char="●"/>
+            <a:pPr marL="457200" lvl="0" indent="-306387" algn="l" rtl="0">
+              <a:lnSpc>
+                <a:spcPct val="95000"/>
+              </a:lnSpc>
+              <a:spcBef>
+                <a:spcPts val="0"/>
+              </a:spcBef>
+              <a:spcAft>
+                <a:spcPts val="0"/>
+              </a:spcAft>
+              <a:buSzPts val="1225"/>
+              <a:buAutoNum type="arabicPeriod"/>
             </a:pPr>
             <a:r>
-              <a:rPr lang="en" sz="1400">
-                <a:solidFill>
-                  <a:schemeClr val="dk1"/>
-                </a:solidFill>
-                <a:highlight>
-                  <a:srgbClr val="FFFFFF"/>
-                </a:highlight>
-                <a:latin typeface="Roboto"/>
-                <a:ea typeface="Roboto"/>
-                <a:cs typeface="Roboto"/>
-                <a:sym typeface="Roboto"/>
-              </a:rPr>
-              <a:t>Normal voltage: 5V DC</a:t>
+              <a:rPr lang="en" sz="1225" b="1" dirty="0"/>
+              <a:t>Temperature Range: </a:t>
             </a:r>
-            <a:endParaRPr sz="1400">
-              <a:solidFill>
-                <a:schemeClr val="dk1"/>
-              </a:solidFill>
-              <a:highlight>
-                <a:srgbClr val="FFFFFF"/>
-              </a:highlight>
-              <a:latin typeface="Roboto"/>
-              <a:ea typeface="Roboto"/>
-              <a:cs typeface="Roboto"/>
-              <a:sym typeface="Roboto"/>
-            </a:endParaRPr>
-          </a:p>
-          <a:p>
-            <a:pPr marL="457200" lvl="0" indent="-317500" algn="l" rtl="0">
-              <a:spcBef>
-                <a:spcPts val="0"/>
-              </a:spcBef>
-              <a:spcAft>
-                <a:spcPts val="0"/>
-              </a:spcAft>
-              <a:buClr>
-                <a:schemeClr val="dk1"/>
-              </a:buClr>
-              <a:buSzPts val="1400"/>
-              <a:buFont typeface="Roboto"/>
-              <a:buChar char="●"/>
+            <a:r>
+              <a:rPr lang="en" sz="1225" dirty="0"/>
+              <a:t>  -55°C to +125°C (-67°F to +257°F).  </a:t>
+            </a:r>
+            <a:endParaRPr sz="1225" dirty="0"/>
+          </a:p>
+          <a:p>
+            <a:pPr marL="457200" lvl="0" indent="-306387" algn="l" rtl="0">
+              <a:lnSpc>
+                <a:spcPct val="95000"/>
+              </a:lnSpc>
+              <a:spcBef>
+                <a:spcPts val="0"/>
+              </a:spcBef>
+              <a:spcAft>
+                <a:spcPts val="0"/>
+              </a:spcAft>
+              <a:buSzPts val="1225"/>
+              <a:buAutoNum type="arabicPeriod"/>
             </a:pPr>
             <a:r>
-              <a:rPr lang="en" sz="1400">
-                <a:solidFill>
-                  <a:schemeClr val="dk1"/>
-                </a:solidFill>
-                <a:highlight>
-                  <a:srgbClr val="FFFFFF"/>
-                </a:highlight>
-                <a:latin typeface="Roboto"/>
-                <a:ea typeface="Roboto"/>
-                <a:cs typeface="Roboto"/>
-                <a:sym typeface="Roboto"/>
-              </a:rPr>
-              <a:t>Normal current: 70mA</a:t>
+              <a:rPr lang="en" sz="1225" b="1" dirty="0"/>
+              <a:t>Temperature Resolution:</a:t>
             </a:r>
-            <a:endParaRPr sz="1400">
-              <a:solidFill>
-                <a:schemeClr val="dk1"/>
-              </a:solidFill>
-              <a:highlight>
-                <a:srgbClr val="FFFFFF"/>
-              </a:highlight>
-              <a:latin typeface="Roboto"/>
-              <a:ea typeface="Roboto"/>
-              <a:cs typeface="Roboto"/>
-              <a:sym typeface="Roboto"/>
-            </a:endParaRPr>
-          </a:p>
-          <a:p>
-            <a:pPr marL="457200" lvl="0" indent="-317500" algn="l" rtl="0">
-              <a:spcBef>
-                <a:spcPts val="0"/>
-              </a:spcBef>
-              <a:spcAft>
-                <a:spcPts val="0"/>
-              </a:spcAft>
-              <a:buClr>
-                <a:schemeClr val="dk1"/>
-              </a:buClr>
-              <a:buSzPts val="1400"/>
-              <a:buFont typeface="Roboto"/>
-              <a:buChar char="●"/>
+            <a:r>
+              <a:rPr lang="en" sz="1225" dirty="0"/>
+              <a:t> The sensor can provide temperature readings with a programmable resolution of 9 to 12 bits.  </a:t>
+            </a:r>
+            <a:endParaRPr sz="1225" dirty="0"/>
+          </a:p>
+          <a:p>
+            <a:pPr marL="457200" lvl="0" indent="-306387" algn="l" rtl="0">
+              <a:lnSpc>
+                <a:spcPct val="95000"/>
+              </a:lnSpc>
+              <a:spcBef>
+                <a:spcPts val="0"/>
+              </a:spcBef>
+              <a:spcAft>
+                <a:spcPts val="0"/>
+              </a:spcAft>
+              <a:buSzPts val="1225"/>
+              <a:buAutoNum type="arabicPeriod"/>
             </a:pPr>
             <a:r>
-              <a:rPr lang="en" sz="1400">
-                <a:solidFill>
-                  <a:schemeClr val="dk1"/>
-                </a:solidFill>
-                <a:highlight>
-                  <a:srgbClr val="FFFFFF"/>
-                </a:highlight>
-                <a:latin typeface="Roboto"/>
-                <a:ea typeface="Roboto"/>
-                <a:cs typeface="Roboto"/>
-                <a:sym typeface="Roboto"/>
-              </a:rPr>
-              <a:t>Maximum load current: 10A/250V AC, 10A/30V DC</a:t>
+              <a:rPr lang="en" sz="1225" b="1" dirty="0"/>
+              <a:t>Accuracy: </a:t>
             </a:r>
-            <a:endParaRPr sz="1400">
-              <a:solidFill>
-                <a:schemeClr val="dk1"/>
-              </a:solidFill>
-              <a:highlight>
-                <a:srgbClr val="FFFFFF"/>
-              </a:highlight>
-              <a:latin typeface="Roboto"/>
-              <a:ea typeface="Roboto"/>
-              <a:cs typeface="Roboto"/>
-              <a:sym typeface="Roboto"/>
-            </a:endParaRPr>
-          </a:p>
-          <a:p>
-            <a:pPr marL="457200" lvl="0" indent="-317500" algn="l" rtl="0">
-              <a:spcBef>
-                <a:spcPts val="0"/>
-              </a:spcBef>
-              <a:spcAft>
-                <a:spcPts val="0"/>
-              </a:spcAft>
-              <a:buClr>
-                <a:schemeClr val="dk1"/>
-              </a:buClr>
-              <a:buSzPts val="1400"/>
-              <a:buFont typeface="Roboto"/>
-              <a:buChar char="●"/>
+            <a:r>
+              <a:rPr lang="en" sz="1225" dirty="0"/>
+              <a:t> At 12-bit resolution, it has an accuracy of ±0.0625°C.</a:t>
+            </a:r>
+            <a:endParaRPr sz="1225" dirty="0"/>
+          </a:p>
+          <a:p>
+            <a:pPr marL="457200" lvl="0" indent="-306387" algn="l" rtl="0">
+              <a:lnSpc>
+                <a:spcPct val="95000"/>
+              </a:lnSpc>
+              <a:spcBef>
+                <a:spcPts val="0"/>
+              </a:spcBef>
+              <a:spcAft>
+                <a:spcPts val="0"/>
+              </a:spcAft>
+              <a:buSzPts val="1225"/>
+              <a:buAutoNum type="arabicPeriod"/>
             </a:pPr>
             <a:r>
-              <a:rPr lang="en" sz="1400">
-                <a:solidFill>
-                  <a:schemeClr val="dk1"/>
-                </a:solidFill>
-                <a:highlight>
-                  <a:srgbClr val="FFFFFF"/>
-                </a:highlight>
-                <a:latin typeface="Roboto"/>
-                <a:ea typeface="Roboto"/>
-                <a:cs typeface="Roboto"/>
-                <a:sym typeface="Roboto"/>
-              </a:rPr>
-              <a:t>Maximum switch voltage: 250V AC, 30V DC</a:t>
+              <a:rPr lang="en" sz="1225" b="1" dirty="0"/>
+              <a:t>Operating Voltage:</a:t>
             </a:r>
-            <a:endParaRPr sz="1400">
-              <a:solidFill>
-                <a:schemeClr val="dk1"/>
-              </a:solidFill>
-              <a:highlight>
-                <a:srgbClr val="FFFFFF"/>
-              </a:highlight>
-              <a:latin typeface="Roboto"/>
-              <a:ea typeface="Roboto"/>
-              <a:cs typeface="Roboto"/>
-              <a:sym typeface="Roboto"/>
-            </a:endParaRPr>
-          </a:p>
-          <a:p>
-            <a:pPr marL="457200" lvl="0" indent="-317500" algn="l" rtl="0">
-              <a:spcBef>
-                <a:spcPts val="0"/>
-              </a:spcBef>
-              <a:spcAft>
-                <a:spcPts val="0"/>
-              </a:spcAft>
-              <a:buClr>
-                <a:schemeClr val="dk1"/>
-              </a:buClr>
-              <a:buSzPts val="1400"/>
-              <a:buFont typeface="Roboto"/>
-              <a:buChar char="●"/>
+            <a:r>
+              <a:rPr lang="en" sz="1225" dirty="0"/>
+              <a:t>  3.0V to 5.5V.</a:t>
+            </a:r>
+            <a:endParaRPr sz="1225" dirty="0"/>
+          </a:p>
+          <a:p>
+            <a:pPr marL="457200" lvl="0" indent="-306387" algn="l" rtl="0">
+              <a:lnSpc>
+                <a:spcPct val="95000"/>
+              </a:lnSpc>
+              <a:spcBef>
+                <a:spcPts val="0"/>
+              </a:spcBef>
+              <a:spcAft>
+                <a:spcPts val="0"/>
+              </a:spcAft>
+              <a:buSzPts val="1225"/>
+              <a:buAutoNum type="arabicPeriod"/>
             </a:pPr>
             <a:r>
-              <a:rPr lang="en" sz="1400">
-                <a:solidFill>
-                  <a:schemeClr val="dk1"/>
-                </a:solidFill>
-                <a:highlight>
-                  <a:srgbClr val="FFFFFF"/>
-                </a:highlight>
-                <a:latin typeface="Roboto"/>
-                <a:ea typeface="Roboto"/>
-                <a:cs typeface="Roboto"/>
-                <a:sym typeface="Roboto"/>
-              </a:rPr>
-              <a:t>Operate time: ≤ 10ms</a:t>
+              <a:rPr lang="en" sz="1225" b="1" dirty="0"/>
+              <a:t>Communication Protocol: </a:t>
             </a:r>
-            <a:endParaRPr sz="1400">
-              <a:solidFill>
-                <a:schemeClr val="dk1"/>
-              </a:solidFill>
-              <a:highlight>
-                <a:srgbClr val="FFFFFF"/>
-              </a:highlight>
-              <a:latin typeface="Roboto"/>
-              <a:ea typeface="Roboto"/>
-              <a:cs typeface="Roboto"/>
-              <a:sym typeface="Roboto"/>
-            </a:endParaRPr>
-          </a:p>
-          <a:p>
-            <a:pPr marL="457200" lvl="0" indent="-317500" algn="l" rtl="0">
-              <a:spcBef>
-                <a:spcPts val="0"/>
-              </a:spcBef>
-              <a:spcAft>
-                <a:spcPts val="0"/>
-              </a:spcAft>
-              <a:buClr>
-                <a:schemeClr val="dk1"/>
-              </a:buClr>
-              <a:buSzPts val="1400"/>
-              <a:buFont typeface="Roboto"/>
-              <a:buChar char="●"/>
+            <a:r>
+              <a:rPr lang="en" sz="1225" dirty="0"/>
+              <a:t>The DS18B20 communicates using the 1-Wire communication protocol, which allows multiple DS18B20 sensors to be connected to a single data bus. Each sensor has a unique 64-bit serial code, enabling individual sensor identification on the bus.</a:t>
+            </a:r>
+            <a:endParaRPr sz="1225" dirty="0"/>
+          </a:p>
+          <a:p>
+            <a:pPr marL="457200" lvl="0" indent="-306387" algn="l" rtl="0">
+              <a:lnSpc>
+                <a:spcPct val="95000"/>
+              </a:lnSpc>
+              <a:spcBef>
+                <a:spcPts val="0"/>
+              </a:spcBef>
+              <a:spcAft>
+                <a:spcPts val="0"/>
+              </a:spcAft>
+              <a:buSzPts val="1225"/>
+              <a:buAutoNum type="arabicPeriod"/>
             </a:pPr>
             <a:r>
-              <a:rPr lang="en" sz="1400">
-                <a:solidFill>
-                  <a:schemeClr val="dk1"/>
-                </a:solidFill>
-                <a:highlight>
-                  <a:srgbClr val="FFFFFF"/>
-                </a:highlight>
-                <a:latin typeface="Roboto"/>
-                <a:ea typeface="Roboto"/>
-                <a:cs typeface="Roboto"/>
-                <a:sym typeface="Roboto"/>
-              </a:rPr>
-              <a:t>Release time: ≤ 5ms</a:t>
+              <a:rPr lang="en" sz="1225" b="1" dirty="0"/>
+              <a:t>Conversion Time:</a:t>
             </a:r>
-            <a:endParaRPr sz="1400">
-              <a:solidFill>
-                <a:schemeClr val="dk1"/>
-              </a:solidFill>
-              <a:highlight>
-                <a:srgbClr val="FFFFFF"/>
-              </a:highlight>
-              <a:latin typeface="Roboto"/>
-              <a:ea typeface="Roboto"/>
-              <a:cs typeface="Roboto"/>
-              <a:sym typeface="Roboto"/>
-            </a:endParaRPr>
+            <a:r>
+              <a:rPr lang="en" sz="1225" dirty="0"/>
+              <a:t> At 12-bit resolution, it typically takes around 750 milliseconds.</a:t>
+            </a:r>
+            <a:endParaRPr sz="1225" dirty="0"/>
+          </a:p>
+          <a:p>
+            <a:pPr marL="457200" lvl="0" indent="-306387" algn="l" rtl="0">
+              <a:lnSpc>
+                <a:spcPct val="95000"/>
+              </a:lnSpc>
+              <a:spcBef>
+                <a:spcPts val="0"/>
+              </a:spcBef>
+              <a:spcAft>
+                <a:spcPts val="0"/>
+              </a:spcAft>
+              <a:buSzPts val="1225"/>
+              <a:buAutoNum type="arabicPeriod"/>
+            </a:pPr>
+            <a:r>
+              <a:rPr lang="en" sz="1225" b="1" dirty="0"/>
+              <a:t>Temperature Alarms:</a:t>
+            </a:r>
+            <a:r>
+              <a:rPr lang="en" sz="1225" dirty="0"/>
+              <a:t> It supports programmable high and low temperature alarm triggers, allowing the sensor to alert a microcontroller when the temperature crosses a specified threshold.</a:t>
+            </a:r>
+            <a:endParaRPr sz="1225" dirty="0"/>
+          </a:p>
+          <a:p>
+            <a:pPr marL="457200" lvl="0" indent="-306387" algn="l" rtl="0">
+              <a:lnSpc>
+                <a:spcPct val="95000"/>
+              </a:lnSpc>
+              <a:spcBef>
+                <a:spcPts val="0"/>
+              </a:spcBef>
+              <a:spcAft>
+                <a:spcPts val="0"/>
+              </a:spcAft>
+              <a:buSzPts val="1225"/>
+              <a:buAutoNum type="arabicPeriod"/>
+            </a:pPr>
+            <a:r>
+              <a:rPr lang="en" sz="1225" b="1" dirty="0"/>
+              <a:t>Data Output: </a:t>
+            </a:r>
+            <a:r>
+              <a:rPr lang="en" sz="1225" dirty="0"/>
+              <a:t>Temperature data is output in digital format and can be read via the 1-Wire interface.</a:t>
+            </a:r>
+            <a:endParaRPr sz="1225" dirty="0"/>
+          </a:p>
+          <a:p>
+            <a:pPr marL="457200" lvl="0" indent="-306387" algn="l" rtl="0">
+              <a:lnSpc>
+                <a:spcPct val="95000"/>
+              </a:lnSpc>
+              <a:spcBef>
+                <a:spcPts val="0"/>
+              </a:spcBef>
+              <a:spcAft>
+                <a:spcPts val="0"/>
+              </a:spcAft>
+              <a:buSzPts val="1225"/>
+              <a:buAutoNum type="arabicPeriod"/>
+            </a:pPr>
+            <a:r>
+              <a:rPr lang="en" sz="1225" b="1" dirty="0"/>
+              <a:t>Package Type: </a:t>
+            </a:r>
+            <a:r>
+              <a:rPr lang="en" sz="1225" dirty="0"/>
+              <a:t>The DS18B20 is available in various package types, including TO-92 (for through-hole mounting) and surface-mount packages, making it versatile for different applications.</a:t>
+            </a:r>
+            <a:endParaRPr sz="1225" dirty="0"/>
+          </a:p>
+          <a:p>
+            <a:pPr marL="457200" lvl="0" indent="-306387" algn="l" rtl="0">
+              <a:lnSpc>
+                <a:spcPct val="95000"/>
+              </a:lnSpc>
+              <a:spcBef>
+                <a:spcPts val="0"/>
+              </a:spcBef>
+              <a:spcAft>
+                <a:spcPts val="0"/>
+              </a:spcAft>
+              <a:buSzPts val="1225"/>
+              <a:buAutoNum type="arabicPeriod"/>
+            </a:pPr>
+            <a:r>
+              <a:rPr lang="en" sz="1225" b="1" dirty="0"/>
+              <a:t>Compatibility: </a:t>
+            </a:r>
+            <a:r>
+              <a:rPr lang="en" sz="1225" dirty="0"/>
+              <a:t>The DS18B20 is widely supported by microcontrollers and single-board computers, such as Arduino, Raspberry Pi, and others, thanks to available libraries and code examples.</a:t>
+            </a:r>
+            <a:endParaRPr sz="1225" dirty="0"/>
           </a:p>
           <a:p>
             <a:pPr marL="0" lvl="0" indent="0" algn="l" rtl="0">
               <a:lnSpc>
-                <a:spcPct val="150000"/>
+                <a:spcPct val="95000"/>
               </a:lnSpc>
               <a:spcBef>
                 <a:spcPts val="1200"/>
               </a:spcBef>
               <a:spcAft>
-                <a:spcPts val="0"/>
-              </a:spcAft>
-              <a:buClr>
-                <a:schemeClr val="dk1"/>
-              </a:buClr>
-              <a:buSzPts val="1100"/>
-              <a:buFont typeface="Arial"/>
+                <a:spcPts val="1200"/>
+              </a:spcAft>
+              <a:buSzPts val="688"/>
               <a:buNone/>
             </a:pPr>
-            <a:endParaRPr sz="1650">
-              <a:solidFill>
-                <a:srgbClr val="2B2B2B"/>
-              </a:solidFill>
-              <a:highlight>
-                <a:srgbClr val="FFFFFF"/>
-              </a:highlight>
-            </a:endParaRPr>
-          </a:p>
-          <a:p>
-            <a:pPr marL="0" lvl="0" indent="0" algn="l" rtl="0">
-              <a:spcBef>
-                <a:spcPts val="1100"/>
-              </a:spcBef>
-              <a:spcAft>
-                <a:spcPts val="1200"/>
-              </a:spcAft>
-              <a:buNone/>
-            </a:pPr>
-            <a:endParaRPr/>
+            <a:endParaRPr sz="1125" dirty="0"/>
           </a:p>
         </p:txBody>
       </p:sp>
@@ -11389,7 +11284,7 @@
   <p:cSld>
     <p:spTree>
       <p:nvGrpSpPr>
-        <p:cNvPr id="1" name="Shape 115"/>
+        <p:cNvPr id="1" name="Shape 103"/>
         <p:cNvGrpSpPr/>
         <p:nvPr/>
       </p:nvGrpSpPr>
@@ -11403,7 +11298,7 @@
       </p:grpSpPr>
       <p:sp>
         <p:nvSpPr>
-          <p:cNvPr id="116" name="Google Shape;116;p21"/>
+          <p:cNvPr id="104" name="Google Shape;104;p19"/>
           <p:cNvSpPr txBox="1">
             <a:spLocks noGrp="1"/>
           </p:cNvSpPr>
@@ -11422,30 +11317,45 @@
         </p:spPr>
         <p:txBody>
           <a:bodyPr spcFirstLastPara="1" wrap="square" lIns="91425" tIns="91425" rIns="91425" bIns="91425" anchor="t" anchorCtr="0">
-            <a:normAutofit fontScale="90000"/>
+            <a:normAutofit/>
           </a:bodyPr>
           <a:lstStyle/>
           <a:p>
             <a:pPr marL="0" lvl="0" indent="0" algn="l" rtl="0">
-              <a:spcBef>
-                <a:spcPts val="0"/>
-              </a:spcBef>
-              <a:spcAft>
-                <a:spcPts val="0"/>
-              </a:spcAft>
+              <a:lnSpc>
+                <a:spcPct val="150000"/>
+              </a:lnSpc>
+              <a:spcBef>
+                <a:spcPts val="1100"/>
+              </a:spcBef>
+              <a:spcAft>
+                <a:spcPts val="1100"/>
+              </a:spcAft>
+              <a:buClr>
+                <a:schemeClr val="dk1"/>
+              </a:buClr>
+              <a:buSzPts val="1100"/>
+              <a:buFont typeface="Arial"/>
               <a:buNone/>
             </a:pPr>
             <a:r>
-              <a:rPr lang="en" b="1"/>
-              <a:t>Temperature sensor(DS18B20):</a:t>
+              <a:rPr lang="en" sz="2500" b="1">
+                <a:solidFill>
+                  <a:srgbClr val="2B2B2B"/>
+                </a:solidFill>
+                <a:highlight>
+                  <a:srgbClr val="FFFFFF"/>
+                </a:highlight>
+              </a:rPr>
+              <a:t>Relay Module Specifications(5 V)</a:t>
             </a:r>
-            <a:endParaRPr b="1"/>
+            <a:endParaRPr sz="2500" b="1"/>
           </a:p>
         </p:txBody>
       </p:sp>
       <p:sp>
         <p:nvSpPr>
-          <p:cNvPr id="117" name="Google Shape;117;p21"/>
+          <p:cNvPr id="105" name="Google Shape;105;p19"/>
           <p:cNvSpPr txBox="1">
             <a:spLocks noGrp="1"/>
           </p:cNvSpPr>
@@ -11455,8 +11365,8 @@
         </p:nvSpPr>
         <p:spPr>
           <a:xfrm>
-            <a:off x="252700" y="1017725"/>
-            <a:ext cx="7056300" cy="3314100"/>
+            <a:off x="311700" y="1152475"/>
+            <a:ext cx="8520600" cy="3416400"/>
           </a:xfrm>
           <a:prstGeom prst="rect">
             <a:avLst/>
@@ -11464,264 +11374,305 @@
         </p:spPr>
         <p:txBody>
           <a:bodyPr spcFirstLastPara="1" wrap="square" lIns="91425" tIns="91425" rIns="91425" bIns="91425" anchor="t" anchorCtr="0">
-            <a:noAutofit/>
+            <a:normAutofit/>
           </a:bodyPr>
           <a:lstStyle/>
           <a:p>
-            <a:pPr marL="457200" lvl="0" indent="-306387" algn="l" rtl="0">
-              <a:lnSpc>
-                <a:spcPct val="95000"/>
-              </a:lnSpc>
-              <a:spcBef>
-                <a:spcPts val="0"/>
-              </a:spcBef>
-              <a:spcAft>
-                <a:spcPts val="0"/>
-              </a:spcAft>
-              <a:buSzPts val="1225"/>
-              <a:buAutoNum type="arabicPeriod"/>
+            <a:pPr marL="457200" lvl="0" indent="-317500" algn="l" rtl="0">
+              <a:spcBef>
+                <a:spcPts val="1200"/>
+              </a:spcBef>
+              <a:spcAft>
+                <a:spcPts val="0"/>
+              </a:spcAft>
+              <a:buClr>
+                <a:schemeClr val="dk1"/>
+              </a:buClr>
+              <a:buSzPts val="1400"/>
+              <a:buFont typeface="Roboto"/>
+              <a:buChar char="●"/>
             </a:pPr>
             <a:r>
-              <a:rPr lang="en" sz="1225" b="1"/>
-              <a:t>Temperature Range: </a:t>
+              <a:rPr lang="en" sz="1400">
+                <a:solidFill>
+                  <a:schemeClr val="dk1"/>
+                </a:solidFill>
+                <a:highlight>
+                  <a:srgbClr val="FFFFFF"/>
+                </a:highlight>
+                <a:latin typeface="Roboto"/>
+                <a:ea typeface="Roboto"/>
+                <a:cs typeface="Roboto"/>
+                <a:sym typeface="Roboto"/>
+              </a:rPr>
+              <a:t>Normal voltage: 5V DC</a:t>
             </a:r>
-            <a:r>
-              <a:rPr lang="en" sz="1225"/>
-              <a:t>  -55°C to +125°C (-67°F to +257°F).  </a:t>
-            </a:r>
-            <a:endParaRPr sz="1225"/>
-          </a:p>
-          <a:p>
-            <a:pPr marL="457200" lvl="0" indent="-306387" algn="l" rtl="0">
-              <a:lnSpc>
-                <a:spcPct val="95000"/>
-              </a:lnSpc>
-              <a:spcBef>
-                <a:spcPts val="0"/>
-              </a:spcBef>
-              <a:spcAft>
-                <a:spcPts val="0"/>
-              </a:spcAft>
-              <a:buSzPts val="1225"/>
-              <a:buAutoNum type="arabicPeriod"/>
+            <a:endParaRPr sz="1400">
+              <a:solidFill>
+                <a:schemeClr val="dk1"/>
+              </a:solidFill>
+              <a:highlight>
+                <a:srgbClr val="FFFFFF"/>
+              </a:highlight>
+              <a:latin typeface="Roboto"/>
+              <a:ea typeface="Roboto"/>
+              <a:cs typeface="Roboto"/>
+              <a:sym typeface="Roboto"/>
+            </a:endParaRPr>
+          </a:p>
+          <a:p>
+            <a:pPr marL="457200" lvl="0" indent="-317500" algn="l" rtl="0">
+              <a:spcBef>
+                <a:spcPts val="0"/>
+              </a:spcBef>
+              <a:spcAft>
+                <a:spcPts val="0"/>
+              </a:spcAft>
+              <a:buClr>
+                <a:schemeClr val="dk1"/>
+              </a:buClr>
+              <a:buSzPts val="1400"/>
+              <a:buFont typeface="Roboto"/>
+              <a:buChar char="●"/>
             </a:pPr>
             <a:r>
-              <a:rPr lang="en" sz="1225" b="1"/>
-              <a:t>Temperature Resolution:</a:t>
+              <a:rPr lang="en" sz="1400">
+                <a:solidFill>
+                  <a:schemeClr val="dk1"/>
+                </a:solidFill>
+                <a:highlight>
+                  <a:srgbClr val="FFFFFF"/>
+                </a:highlight>
+                <a:latin typeface="Roboto"/>
+                <a:ea typeface="Roboto"/>
+                <a:cs typeface="Roboto"/>
+                <a:sym typeface="Roboto"/>
+              </a:rPr>
+              <a:t>Normal current: 70mA</a:t>
             </a:r>
-            <a:r>
-              <a:rPr lang="en" sz="1225"/>
-              <a:t> The sensor can provide temperature readings with a programmable resolution of 9 to 12 bits.  </a:t>
-            </a:r>
-            <a:endParaRPr sz="1225"/>
-          </a:p>
-          <a:p>
-            <a:pPr marL="457200" lvl="0" indent="-306387" algn="l" rtl="0">
-              <a:lnSpc>
-                <a:spcPct val="95000"/>
-              </a:lnSpc>
-              <a:spcBef>
-                <a:spcPts val="0"/>
-              </a:spcBef>
-              <a:spcAft>
-                <a:spcPts val="0"/>
-              </a:spcAft>
-              <a:buSzPts val="1225"/>
-              <a:buAutoNum type="arabicPeriod"/>
+            <a:endParaRPr sz="1400">
+              <a:solidFill>
+                <a:schemeClr val="dk1"/>
+              </a:solidFill>
+              <a:highlight>
+                <a:srgbClr val="FFFFFF"/>
+              </a:highlight>
+              <a:latin typeface="Roboto"/>
+              <a:ea typeface="Roboto"/>
+              <a:cs typeface="Roboto"/>
+              <a:sym typeface="Roboto"/>
+            </a:endParaRPr>
+          </a:p>
+          <a:p>
+            <a:pPr marL="457200" lvl="0" indent="-317500" algn="l" rtl="0">
+              <a:spcBef>
+                <a:spcPts val="0"/>
+              </a:spcBef>
+              <a:spcAft>
+                <a:spcPts val="0"/>
+              </a:spcAft>
+              <a:buClr>
+                <a:schemeClr val="dk1"/>
+              </a:buClr>
+              <a:buSzPts val="1400"/>
+              <a:buFont typeface="Roboto"/>
+              <a:buChar char="●"/>
             </a:pPr>
             <a:r>
-              <a:rPr lang="en" sz="1225" b="1"/>
-              <a:t>Accuracy: </a:t>
+              <a:rPr lang="en" sz="1400">
+                <a:solidFill>
+                  <a:schemeClr val="dk1"/>
+                </a:solidFill>
+                <a:highlight>
+                  <a:srgbClr val="FFFFFF"/>
+                </a:highlight>
+                <a:latin typeface="Roboto"/>
+                <a:ea typeface="Roboto"/>
+                <a:cs typeface="Roboto"/>
+                <a:sym typeface="Roboto"/>
+              </a:rPr>
+              <a:t>Maximum load current: 10A/250V AC, 10A/30V DC</a:t>
             </a:r>
-            <a:r>
-              <a:rPr lang="en" sz="1225"/>
-              <a:t> At 12-bit resolution, it has an accuracy of ±0.0625°C.</a:t>
-            </a:r>
-            <a:endParaRPr sz="1225"/>
-          </a:p>
-          <a:p>
-            <a:pPr marL="457200" lvl="0" indent="-306387" algn="l" rtl="0">
-              <a:lnSpc>
-                <a:spcPct val="95000"/>
-              </a:lnSpc>
-              <a:spcBef>
-                <a:spcPts val="0"/>
-              </a:spcBef>
-              <a:spcAft>
-                <a:spcPts val="0"/>
-              </a:spcAft>
-              <a:buSzPts val="1225"/>
-              <a:buAutoNum type="arabicPeriod"/>
+            <a:endParaRPr sz="1400">
+              <a:solidFill>
+                <a:schemeClr val="dk1"/>
+              </a:solidFill>
+              <a:highlight>
+                <a:srgbClr val="FFFFFF"/>
+              </a:highlight>
+              <a:latin typeface="Roboto"/>
+              <a:ea typeface="Roboto"/>
+              <a:cs typeface="Roboto"/>
+              <a:sym typeface="Roboto"/>
+            </a:endParaRPr>
+          </a:p>
+          <a:p>
+            <a:pPr marL="457200" lvl="0" indent="-317500" algn="l" rtl="0">
+              <a:spcBef>
+                <a:spcPts val="0"/>
+              </a:spcBef>
+              <a:spcAft>
+                <a:spcPts val="0"/>
+              </a:spcAft>
+              <a:buClr>
+                <a:schemeClr val="dk1"/>
+              </a:buClr>
+              <a:buSzPts val="1400"/>
+              <a:buFont typeface="Roboto"/>
+              <a:buChar char="●"/>
             </a:pPr>
             <a:r>
-              <a:rPr lang="en" sz="1225" b="1"/>
-              <a:t>Operating Voltage:</a:t>
+              <a:rPr lang="en" sz="1400">
+                <a:solidFill>
+                  <a:schemeClr val="dk1"/>
+                </a:solidFill>
+                <a:highlight>
+                  <a:srgbClr val="FFFFFF"/>
+                </a:highlight>
+                <a:latin typeface="Roboto"/>
+                <a:ea typeface="Roboto"/>
+                <a:cs typeface="Roboto"/>
+                <a:sym typeface="Roboto"/>
+              </a:rPr>
+              <a:t>Maximum switch voltage: 250V AC, 30V DC</a:t>
             </a:r>
-            <a:r>
-              <a:rPr lang="en" sz="1225"/>
-              <a:t>  3.0V to 5.5V.</a:t>
-            </a:r>
-            <a:endParaRPr sz="1225"/>
-          </a:p>
-          <a:p>
-            <a:pPr marL="457200" lvl="0" indent="-306387" algn="l" rtl="0">
-              <a:lnSpc>
-                <a:spcPct val="95000"/>
-              </a:lnSpc>
-              <a:spcBef>
-                <a:spcPts val="0"/>
-              </a:spcBef>
-              <a:spcAft>
-                <a:spcPts val="0"/>
-              </a:spcAft>
-              <a:buSzPts val="1225"/>
-              <a:buAutoNum type="arabicPeriod"/>
+            <a:endParaRPr sz="1400">
+              <a:solidFill>
+                <a:schemeClr val="dk1"/>
+              </a:solidFill>
+              <a:highlight>
+                <a:srgbClr val="FFFFFF"/>
+              </a:highlight>
+              <a:latin typeface="Roboto"/>
+              <a:ea typeface="Roboto"/>
+              <a:cs typeface="Roboto"/>
+              <a:sym typeface="Roboto"/>
+            </a:endParaRPr>
+          </a:p>
+          <a:p>
+            <a:pPr marL="457200" lvl="0" indent="-317500" algn="l" rtl="0">
+              <a:spcBef>
+                <a:spcPts val="0"/>
+              </a:spcBef>
+              <a:spcAft>
+                <a:spcPts val="0"/>
+              </a:spcAft>
+              <a:buClr>
+                <a:schemeClr val="dk1"/>
+              </a:buClr>
+              <a:buSzPts val="1400"/>
+              <a:buFont typeface="Roboto"/>
+              <a:buChar char="●"/>
             </a:pPr>
             <a:r>
-              <a:rPr lang="en" sz="1225" b="1"/>
-              <a:t>Communication Protocol: </a:t>
+              <a:rPr lang="en" sz="1400">
+                <a:solidFill>
+                  <a:schemeClr val="dk1"/>
+                </a:solidFill>
+                <a:highlight>
+                  <a:srgbClr val="FFFFFF"/>
+                </a:highlight>
+                <a:latin typeface="Roboto"/>
+                <a:ea typeface="Roboto"/>
+                <a:cs typeface="Roboto"/>
+                <a:sym typeface="Roboto"/>
+              </a:rPr>
+              <a:t>Operate time: ≤ 10ms</a:t>
             </a:r>
-            <a:r>
-              <a:rPr lang="en" sz="1225"/>
-              <a:t>The DS18B20 communicates using the 1-Wire communication protocol, which allows multiple DS18B20 sensors to be connected to a single data bus. Each sensor has a unique 64-bit serial code, enabling individual sensor identification on the bus.</a:t>
-            </a:r>
-            <a:endParaRPr sz="1225"/>
-          </a:p>
-          <a:p>
-            <a:pPr marL="457200" lvl="0" indent="-306387" algn="l" rtl="0">
-              <a:lnSpc>
-                <a:spcPct val="95000"/>
-              </a:lnSpc>
-              <a:spcBef>
-                <a:spcPts val="0"/>
-              </a:spcBef>
-              <a:spcAft>
-                <a:spcPts val="0"/>
-              </a:spcAft>
-              <a:buSzPts val="1225"/>
-              <a:buAutoNum type="arabicPeriod"/>
+            <a:endParaRPr sz="1400">
+              <a:solidFill>
+                <a:schemeClr val="dk1"/>
+              </a:solidFill>
+              <a:highlight>
+                <a:srgbClr val="FFFFFF"/>
+              </a:highlight>
+              <a:latin typeface="Roboto"/>
+              <a:ea typeface="Roboto"/>
+              <a:cs typeface="Roboto"/>
+              <a:sym typeface="Roboto"/>
+            </a:endParaRPr>
+          </a:p>
+          <a:p>
+            <a:pPr marL="457200" lvl="0" indent="-317500" algn="l" rtl="0">
+              <a:spcBef>
+                <a:spcPts val="0"/>
+              </a:spcBef>
+              <a:spcAft>
+                <a:spcPts val="0"/>
+              </a:spcAft>
+              <a:buClr>
+                <a:schemeClr val="dk1"/>
+              </a:buClr>
+              <a:buSzPts val="1400"/>
+              <a:buFont typeface="Roboto"/>
+              <a:buChar char="●"/>
             </a:pPr>
             <a:r>
-              <a:rPr lang="en" sz="1225" b="1"/>
-              <a:t>Conversion Time:</a:t>
+              <a:rPr lang="en" sz="1400">
+                <a:solidFill>
+                  <a:schemeClr val="dk1"/>
+                </a:solidFill>
+                <a:highlight>
+                  <a:srgbClr val="FFFFFF"/>
+                </a:highlight>
+                <a:latin typeface="Roboto"/>
+                <a:ea typeface="Roboto"/>
+                <a:cs typeface="Roboto"/>
+                <a:sym typeface="Roboto"/>
+              </a:rPr>
+              <a:t>Release time: ≤ 5ms</a:t>
             </a:r>
-            <a:r>
-              <a:rPr lang="en" sz="1225"/>
-              <a:t> At 12-bit resolution, it typically takes around 750 milliseconds.</a:t>
-            </a:r>
-            <a:endParaRPr sz="1225"/>
-          </a:p>
-          <a:p>
-            <a:pPr marL="457200" lvl="0" indent="-306387" algn="l" rtl="0">
-              <a:lnSpc>
-                <a:spcPct val="95000"/>
-              </a:lnSpc>
-              <a:spcBef>
-                <a:spcPts val="0"/>
-              </a:spcBef>
-              <a:spcAft>
-                <a:spcPts val="0"/>
-              </a:spcAft>
-              <a:buSzPts val="1225"/>
-              <a:buAutoNum type="arabicPeriod"/>
-            </a:pPr>
-            <a:r>
-              <a:rPr lang="en" sz="1225" b="1"/>
-              <a:t>Temperature Alarms:</a:t>
-            </a:r>
-            <a:r>
-              <a:rPr lang="en" sz="1225"/>
-              <a:t> It supports programmable high and low temperature alarm triggers, allowing the sensor to alert a microcontroller when the temperature crosses a specified threshold.</a:t>
-            </a:r>
-            <a:endParaRPr sz="1225"/>
-          </a:p>
-          <a:p>
-            <a:pPr marL="457200" lvl="0" indent="-306387" algn="l" rtl="0">
-              <a:lnSpc>
-                <a:spcPct val="95000"/>
-              </a:lnSpc>
-              <a:spcBef>
-                <a:spcPts val="0"/>
-              </a:spcBef>
-              <a:spcAft>
-                <a:spcPts val="0"/>
-              </a:spcAft>
-              <a:buSzPts val="1225"/>
-              <a:buAutoNum type="arabicPeriod"/>
-            </a:pPr>
-            <a:r>
-              <a:rPr lang="en" sz="1225" b="1"/>
-              <a:t>Data Output: </a:t>
-            </a:r>
-            <a:r>
-              <a:rPr lang="en" sz="1225"/>
-              <a:t>Temperature data is output in digital format and can be read via the 1-Wire interface.</a:t>
-            </a:r>
-            <a:endParaRPr sz="1225"/>
-          </a:p>
-          <a:p>
-            <a:pPr marL="457200" lvl="0" indent="-306387" algn="l" rtl="0">
-              <a:lnSpc>
-                <a:spcPct val="95000"/>
-              </a:lnSpc>
-              <a:spcBef>
-                <a:spcPts val="0"/>
-              </a:spcBef>
-              <a:spcAft>
-                <a:spcPts val="0"/>
-              </a:spcAft>
-              <a:buSzPts val="1225"/>
-              <a:buAutoNum type="arabicPeriod"/>
-            </a:pPr>
-            <a:r>
-              <a:rPr lang="en" sz="1225" b="1"/>
-              <a:t>Package Type: </a:t>
-            </a:r>
-            <a:r>
-              <a:rPr lang="en" sz="1225"/>
-              <a:t>The DS18B20 is available in various package types, including TO-92 (for through-hole mounting) and surface-mount packages, making it versatile for different applications.</a:t>
-            </a:r>
-            <a:endParaRPr sz="1225"/>
-          </a:p>
-          <a:p>
-            <a:pPr marL="457200" lvl="0" indent="-306387" algn="l" rtl="0">
-              <a:lnSpc>
-                <a:spcPct val="95000"/>
-              </a:lnSpc>
-              <a:spcBef>
-                <a:spcPts val="0"/>
-              </a:spcBef>
-              <a:spcAft>
-                <a:spcPts val="0"/>
-              </a:spcAft>
-              <a:buSzPts val="1225"/>
-              <a:buAutoNum type="arabicPeriod"/>
-            </a:pPr>
-            <a:r>
-              <a:rPr lang="en" sz="1225" b="1"/>
-              <a:t>Compatibility: </a:t>
-            </a:r>
-            <a:r>
-              <a:rPr lang="en" sz="1225"/>
-              <a:t>The DS18B20 is widely supported by microcontrollers and single-board computers, such as Arduino, Raspberry Pi, and others, thanks to available libraries and code examples.</a:t>
-            </a:r>
-            <a:endParaRPr sz="1225"/>
+            <a:endParaRPr sz="1400">
+              <a:solidFill>
+                <a:schemeClr val="dk1"/>
+              </a:solidFill>
+              <a:highlight>
+                <a:srgbClr val="FFFFFF"/>
+              </a:highlight>
+              <a:latin typeface="Roboto"/>
+              <a:ea typeface="Roboto"/>
+              <a:cs typeface="Roboto"/>
+              <a:sym typeface="Roboto"/>
+            </a:endParaRPr>
           </a:p>
           <a:p>
             <a:pPr marL="0" lvl="0" indent="0" algn="l" rtl="0">
               <a:lnSpc>
-                <a:spcPct val="95000"/>
+                <a:spcPct val="150000"/>
               </a:lnSpc>
               <a:spcBef>
                 <a:spcPts val="1200"/>
               </a:spcBef>
               <a:spcAft>
+                <a:spcPts val="0"/>
+              </a:spcAft>
+              <a:buClr>
+                <a:schemeClr val="dk1"/>
+              </a:buClr>
+              <a:buSzPts val="1100"/>
+              <a:buFont typeface="Arial"/>
+              <a:buNone/>
+            </a:pPr>
+            <a:endParaRPr sz="1650">
+              <a:solidFill>
+                <a:srgbClr val="2B2B2B"/>
+              </a:solidFill>
+              <a:highlight>
+                <a:srgbClr val="FFFFFF"/>
+              </a:highlight>
+            </a:endParaRPr>
+          </a:p>
+          <a:p>
+            <a:pPr marL="0" lvl="0" indent="0" algn="l" rtl="0">
+              <a:spcBef>
+                <a:spcPts val="1100"/>
+              </a:spcBef>
+              <a:spcAft>
                 <a:spcPts val="1200"/>
               </a:spcAft>
-              <a:buSzPts val="688"/>
               <a:buNone/>
             </a:pPr>
-            <a:endParaRPr sz="1125"/>
+            <a:endParaRPr/>
           </a:p>
         </p:txBody>
       </p:sp>
